--- a/개발문서/2조 발표자료.pptx
+++ b/개발문서/2조 발표자료.pptx
@@ -4056,7 +4056,7 @@
     <mc:Choice Requires="p14">
       <p:transition/>
     </mc:Choice>
-    <mc:Fallback xmlns:dsp="http://schemas.microsoft.com/office/drawing/2008/diagram" xmlns:dgm="http://schemas.openxmlformats.org/drawingml/2006/diagram" xmlns:c="http://schemas.openxmlformats.org/drawingml/2006/chart" xmlns="">
+    <mc:Fallback xmlns="" xmlns:c="http://schemas.openxmlformats.org/drawingml/2006/chart" xmlns:dgm="http://schemas.openxmlformats.org/drawingml/2006/diagram" xmlns:dsp="http://schemas.microsoft.com/office/drawing/2008/diagram">
       <p:transition/>
     </mc:Fallback>
   </mc:AlternateContent>
@@ -4976,7 +4976,7 @@
     <mc:Choice Requires="p14">
       <p:transition/>
     </mc:Choice>
-    <mc:Fallback xmlns:dsp="http://schemas.microsoft.com/office/drawing/2008/diagram" xmlns:dgm="http://schemas.openxmlformats.org/drawingml/2006/diagram" xmlns:c="http://schemas.openxmlformats.org/drawingml/2006/chart" xmlns="">
+    <mc:Fallback xmlns="" xmlns:c="http://schemas.openxmlformats.org/drawingml/2006/chart" xmlns:dgm="http://schemas.openxmlformats.org/drawingml/2006/diagram" xmlns:dsp="http://schemas.microsoft.com/office/drawing/2008/diagram">
       <p:transition/>
     </mc:Fallback>
   </mc:AlternateContent>
@@ -5107,7 +5107,7 @@
     <mc:Choice Requires="p14">
       <p:transition/>
     </mc:Choice>
-    <mc:Fallback xmlns="" xmlns:c="http://schemas.openxmlformats.org/drawingml/2006/chart" xmlns:dgm="http://schemas.openxmlformats.org/drawingml/2006/diagram" xmlns:dsp="http://schemas.microsoft.com/office/drawing/2008/diagram">
+    <mc:Fallback xmlns:dsp="http://schemas.microsoft.com/office/drawing/2008/diagram" xmlns:dgm="http://schemas.openxmlformats.org/drawingml/2006/diagram" xmlns:c="http://schemas.openxmlformats.org/drawingml/2006/chart" xmlns="">
       <p:transition/>
     </mc:Fallback>
   </mc:AlternateContent>
@@ -5183,7 +5183,7 @@
     <mc:Choice Requires="p14">
       <p:transition/>
     </mc:Choice>
-    <mc:Fallback xmlns:dsp="http://schemas.microsoft.com/office/drawing/2008/diagram" xmlns:dgm="http://schemas.openxmlformats.org/drawingml/2006/diagram" xmlns:c="http://schemas.openxmlformats.org/drawingml/2006/chart" xmlns="">
+    <mc:Fallback xmlns="" xmlns:c="http://schemas.openxmlformats.org/drawingml/2006/chart" xmlns:dgm="http://schemas.openxmlformats.org/drawingml/2006/diagram" xmlns:dsp="http://schemas.microsoft.com/office/drawing/2008/diagram">
       <p:transition/>
     </mc:Fallback>
   </mc:AlternateContent>
@@ -5259,7 +5259,7 @@
     <mc:Choice Requires="p14">
       <p:transition/>
     </mc:Choice>
-    <mc:Fallback xmlns:dsp="http://schemas.microsoft.com/office/drawing/2008/diagram" xmlns:dgm="http://schemas.openxmlformats.org/drawingml/2006/diagram" xmlns:c="http://schemas.openxmlformats.org/drawingml/2006/chart" xmlns="">
+    <mc:Fallback xmlns="" xmlns:c="http://schemas.openxmlformats.org/drawingml/2006/chart" xmlns:dgm="http://schemas.openxmlformats.org/drawingml/2006/diagram" xmlns:dsp="http://schemas.microsoft.com/office/drawing/2008/diagram">
       <p:transition/>
     </mc:Fallback>
   </mc:AlternateContent>
@@ -5335,7 +5335,7 @@
     <mc:Choice Requires="p14">
       <p:transition/>
     </mc:Choice>
-    <mc:Fallback xmlns:dsp="http://schemas.microsoft.com/office/drawing/2008/diagram" xmlns:dgm="http://schemas.openxmlformats.org/drawingml/2006/diagram" xmlns:c="http://schemas.openxmlformats.org/drawingml/2006/chart" xmlns="">
+    <mc:Fallback xmlns="" xmlns:c="http://schemas.openxmlformats.org/drawingml/2006/chart" xmlns:dgm="http://schemas.openxmlformats.org/drawingml/2006/diagram" xmlns:dsp="http://schemas.microsoft.com/office/drawing/2008/diagram">
       <p:transition/>
     </mc:Fallback>
   </mc:AlternateContent>
@@ -5414,7 +5414,7 @@
     <mc:Choice Requires="p14">
       <p:transition/>
     </mc:Choice>
-    <mc:Fallback xmlns:dsp="http://schemas.microsoft.com/office/drawing/2008/diagram" xmlns:dgm="http://schemas.openxmlformats.org/drawingml/2006/diagram" xmlns:c="http://schemas.openxmlformats.org/drawingml/2006/chart" xmlns="">
+    <mc:Fallback xmlns="" xmlns:c="http://schemas.openxmlformats.org/drawingml/2006/chart" xmlns:dgm="http://schemas.openxmlformats.org/drawingml/2006/diagram" xmlns:dsp="http://schemas.microsoft.com/office/drawing/2008/diagram">
       <p:transition/>
     </mc:Fallback>
   </mc:AlternateContent>
@@ -6499,7 +6499,7 @@
     <mc:Choice Requires="p14">
       <p:transition/>
     </mc:Choice>
-    <mc:Fallback xmlns:dsp="http://schemas.microsoft.com/office/drawing/2008/diagram" xmlns:dgm="http://schemas.openxmlformats.org/drawingml/2006/diagram" xmlns:c="http://schemas.openxmlformats.org/drawingml/2006/chart" xmlns="">
+    <mc:Fallback xmlns="" xmlns:c="http://schemas.openxmlformats.org/drawingml/2006/chart" xmlns:dgm="http://schemas.openxmlformats.org/drawingml/2006/diagram" xmlns:dsp="http://schemas.microsoft.com/office/drawing/2008/diagram">
       <p:transition/>
     </mc:Fallback>
   </mc:AlternateContent>
@@ -7356,7 +7356,7 @@
     <mc:Choice Requires="p14">
       <p:transition/>
     </mc:Choice>
-    <mc:Fallback xmlns:dsp="http://schemas.microsoft.com/office/drawing/2008/diagram" xmlns:dgm="http://schemas.openxmlformats.org/drawingml/2006/diagram" xmlns:c="http://schemas.openxmlformats.org/drawingml/2006/chart" xmlns="">
+    <mc:Fallback xmlns="" xmlns:c="http://schemas.openxmlformats.org/drawingml/2006/chart" xmlns:dgm="http://schemas.openxmlformats.org/drawingml/2006/diagram" xmlns:dsp="http://schemas.microsoft.com/office/drawing/2008/diagram">
       <p:transition/>
     </mc:Fallback>
   </mc:AlternateContent>
@@ -8194,7 +8194,7 @@
     <mc:Choice Requires="p14">
       <p:transition/>
     </mc:Choice>
-    <mc:Fallback xmlns:dsp="http://schemas.microsoft.com/office/drawing/2008/diagram" xmlns:dgm="http://schemas.openxmlformats.org/drawingml/2006/diagram" xmlns:c="http://schemas.openxmlformats.org/drawingml/2006/chart" xmlns="">
+    <mc:Fallback xmlns="" xmlns:c="http://schemas.openxmlformats.org/drawingml/2006/chart" xmlns:dgm="http://schemas.openxmlformats.org/drawingml/2006/diagram" xmlns:dsp="http://schemas.microsoft.com/office/drawing/2008/diagram">
       <p:transition/>
     </mc:Fallback>
   </mc:AlternateContent>
@@ -9175,7 +9175,7 @@
     <mc:Choice Requires="p14">
       <p:transition/>
     </mc:Choice>
-    <mc:Fallback xmlns:dsp="http://schemas.microsoft.com/office/drawing/2008/diagram" xmlns:dgm="http://schemas.openxmlformats.org/drawingml/2006/diagram" xmlns:c="http://schemas.openxmlformats.org/drawingml/2006/chart" xmlns="">
+    <mc:Fallback xmlns="" xmlns:c="http://schemas.openxmlformats.org/drawingml/2006/chart" xmlns:dgm="http://schemas.openxmlformats.org/drawingml/2006/diagram" xmlns:dsp="http://schemas.microsoft.com/office/drawing/2008/diagram">
       <p:transition/>
     </mc:Fallback>
   </mc:AlternateContent>
@@ -9416,7 +9416,7 @@
     <mc:Choice Requires="p14">
       <p:transition/>
     </mc:Choice>
-    <mc:Fallback xmlns:dsp="http://schemas.microsoft.com/office/drawing/2008/diagram" xmlns:dgm="http://schemas.openxmlformats.org/drawingml/2006/diagram" xmlns:c="http://schemas.openxmlformats.org/drawingml/2006/chart" xmlns="">
+    <mc:Fallback xmlns="" xmlns:c="http://schemas.openxmlformats.org/drawingml/2006/chart" xmlns:dgm="http://schemas.openxmlformats.org/drawingml/2006/diagram" xmlns:dsp="http://schemas.microsoft.com/office/drawing/2008/diagram">
       <p:transition/>
     </mc:Fallback>
   </mc:AlternateContent>
@@ -9495,7 +9495,7 @@
     <mc:Choice Requires="p14">
       <p:transition/>
     </mc:Choice>
-    <mc:Fallback xmlns:dsp="http://schemas.microsoft.com/office/drawing/2008/diagram" xmlns:dgm="http://schemas.openxmlformats.org/drawingml/2006/diagram" xmlns:c="http://schemas.openxmlformats.org/drawingml/2006/chart" xmlns="">
+    <mc:Fallback xmlns="" xmlns:c="http://schemas.openxmlformats.org/drawingml/2006/chart" xmlns:dgm="http://schemas.openxmlformats.org/drawingml/2006/diagram" xmlns:dsp="http://schemas.microsoft.com/office/drawing/2008/diagram">
       <p:transition/>
     </mc:Fallback>
   </mc:AlternateContent>
@@ -9868,7 +9868,7 @@
     <mc:Choice Requires="p14">
       <p:transition/>
     </mc:Choice>
-    <mc:Fallback xmlns:dsp="http://schemas.microsoft.com/office/drawing/2008/diagram" xmlns:dgm="http://schemas.openxmlformats.org/drawingml/2006/diagram" xmlns:c="http://schemas.openxmlformats.org/drawingml/2006/chart" xmlns="">
+    <mc:Fallback xmlns="" xmlns:c="http://schemas.openxmlformats.org/drawingml/2006/chart" xmlns:dgm="http://schemas.openxmlformats.org/drawingml/2006/diagram" xmlns:dsp="http://schemas.microsoft.com/office/drawing/2008/diagram">
       <p:transition/>
     </mc:Fallback>
   </mc:AlternateContent>
@@ -11249,7 +11249,7 @@
     <mc:Choice Requires="p14">
       <p:transition/>
     </mc:Choice>
-    <mc:Fallback xmlns:dsp="http://schemas.microsoft.com/office/drawing/2008/diagram" xmlns:dgm="http://schemas.openxmlformats.org/drawingml/2006/diagram" xmlns:c="http://schemas.openxmlformats.org/drawingml/2006/chart" xmlns="">
+    <mc:Fallback xmlns="" xmlns:c="http://schemas.openxmlformats.org/drawingml/2006/chart" xmlns:dgm="http://schemas.openxmlformats.org/drawingml/2006/diagram" xmlns:dsp="http://schemas.microsoft.com/office/drawing/2008/diagram">
       <p:transition/>
     </mc:Fallback>
   </mc:AlternateContent>
@@ -12333,7 +12333,7 @@
     <mc:Choice Requires="p14">
       <p:transition/>
     </mc:Choice>
-    <mc:Fallback xmlns:dsp="http://schemas.microsoft.com/office/drawing/2008/diagram" xmlns:dgm="http://schemas.openxmlformats.org/drawingml/2006/diagram" xmlns:c="http://schemas.openxmlformats.org/drawingml/2006/chart" xmlns="">
+    <mc:Fallback xmlns="" xmlns:c="http://schemas.openxmlformats.org/drawingml/2006/chart" xmlns:dgm="http://schemas.openxmlformats.org/drawingml/2006/diagram" xmlns:dsp="http://schemas.microsoft.com/office/drawing/2008/diagram">
       <p:transition/>
     </mc:Fallback>
   </mc:AlternateContent>
@@ -12943,7 +12943,7 @@
     <mc:Choice Requires="p14">
       <p:transition/>
     </mc:Choice>
-    <mc:Fallback xmlns:dsp="http://schemas.microsoft.com/office/drawing/2008/diagram" xmlns:dgm="http://schemas.openxmlformats.org/drawingml/2006/diagram" xmlns:c="http://schemas.openxmlformats.org/drawingml/2006/chart" xmlns="">
+    <mc:Fallback xmlns="" xmlns:c="http://schemas.openxmlformats.org/drawingml/2006/chart" xmlns:dgm="http://schemas.openxmlformats.org/drawingml/2006/diagram" xmlns:dsp="http://schemas.microsoft.com/office/drawing/2008/diagram">
       <p:transition/>
     </mc:Fallback>
   </mc:AlternateContent>
@@ -13796,7 +13796,7 @@
     <mc:Choice Requires="p14">
       <p:transition/>
     </mc:Choice>
-    <mc:Fallback xmlns:dsp="http://schemas.microsoft.com/office/drawing/2008/diagram" xmlns:dgm="http://schemas.openxmlformats.org/drawingml/2006/diagram" xmlns:c="http://schemas.openxmlformats.org/drawingml/2006/chart" xmlns="">
+    <mc:Fallback xmlns="" xmlns:c="http://schemas.openxmlformats.org/drawingml/2006/chart" xmlns:dgm="http://schemas.openxmlformats.org/drawingml/2006/diagram" xmlns:dsp="http://schemas.microsoft.com/office/drawing/2008/diagram">
       <p:transition/>
     </mc:Fallback>
   </mc:AlternateContent>
@@ -14467,7 +14467,7 @@
     <mc:Choice Requires="p14">
       <p:transition/>
     </mc:Choice>
-    <mc:Fallback xmlns:dsp="http://schemas.microsoft.com/office/drawing/2008/diagram" xmlns:dgm="http://schemas.openxmlformats.org/drawingml/2006/diagram" xmlns:c="http://schemas.openxmlformats.org/drawingml/2006/chart" xmlns="">
+    <mc:Fallback xmlns="" xmlns:c="http://schemas.openxmlformats.org/drawingml/2006/chart" xmlns:dgm="http://schemas.openxmlformats.org/drawingml/2006/diagram" xmlns:dsp="http://schemas.microsoft.com/office/drawing/2008/diagram">
       <p:transition/>
     </mc:Fallback>
   </mc:AlternateContent>
@@ -14979,7 +14979,7 @@
     <mc:Choice Requires="p14">
       <p:transition/>
     </mc:Choice>
-    <mc:Fallback xmlns:dsp="http://schemas.microsoft.com/office/drawing/2008/diagram" xmlns:dgm="http://schemas.openxmlformats.org/drawingml/2006/diagram" xmlns:c="http://schemas.openxmlformats.org/drawingml/2006/chart" xmlns="">
+    <mc:Fallback xmlns="" xmlns:c="http://schemas.openxmlformats.org/drawingml/2006/chart" xmlns:dgm="http://schemas.openxmlformats.org/drawingml/2006/diagram" xmlns:dsp="http://schemas.microsoft.com/office/drawing/2008/diagram">
       <p:transition/>
     </mc:Fallback>
   </mc:AlternateContent>
@@ -15850,7 +15850,7 @@
     <mc:Choice Requires="p14">
       <p:transition/>
     </mc:Choice>
-    <mc:Fallback xmlns:dsp="http://schemas.microsoft.com/office/drawing/2008/diagram" xmlns:dgm="http://schemas.openxmlformats.org/drawingml/2006/diagram" xmlns:c="http://schemas.openxmlformats.org/drawingml/2006/chart" xmlns="">
+    <mc:Fallback xmlns="" xmlns:c="http://schemas.openxmlformats.org/drawingml/2006/chart" xmlns:dgm="http://schemas.openxmlformats.org/drawingml/2006/diagram" xmlns:dsp="http://schemas.microsoft.com/office/drawing/2008/diagram">
       <p:transition/>
     </mc:Fallback>
   </mc:AlternateContent>
@@ -16500,7 +16500,7 @@
     <mc:Choice Requires="p14">
       <p:transition/>
     </mc:Choice>
-    <mc:Fallback xmlns:dsp="http://schemas.microsoft.com/office/drawing/2008/diagram" xmlns:dgm="http://schemas.openxmlformats.org/drawingml/2006/diagram" xmlns:c="http://schemas.openxmlformats.org/drawingml/2006/chart" xmlns="">
+    <mc:Fallback xmlns="" xmlns:c="http://schemas.openxmlformats.org/drawingml/2006/chart" xmlns:dgm="http://schemas.openxmlformats.org/drawingml/2006/diagram" xmlns:dsp="http://schemas.microsoft.com/office/drawing/2008/diagram">
       <p:transition/>
     </mc:Fallback>
   </mc:AlternateContent>
@@ -16626,7 +16626,7 @@
     <mc:Choice Requires="p14">
       <p:transition/>
     </mc:Choice>
-    <mc:Fallback xmlns="" xmlns:c="http://schemas.openxmlformats.org/drawingml/2006/chart" xmlns:dgm="http://schemas.openxmlformats.org/drawingml/2006/diagram" xmlns:dsp="http://schemas.microsoft.com/office/drawing/2008/diagram">
+    <mc:Fallback xmlns:dsp="http://schemas.microsoft.com/office/drawing/2008/diagram" xmlns:dgm="http://schemas.openxmlformats.org/drawingml/2006/diagram" xmlns:c="http://schemas.openxmlformats.org/drawingml/2006/chart" xmlns="">
       <p:transition/>
     </mc:Fallback>
   </mc:AlternateContent>
@@ -17702,7 +17702,7 @@
     <mc:Choice Requires="p14">
       <p:transition/>
     </mc:Choice>
-    <mc:Fallback xmlns:dsp="http://schemas.microsoft.com/office/drawing/2008/diagram" xmlns:dgm="http://schemas.openxmlformats.org/drawingml/2006/diagram" xmlns:c="http://schemas.openxmlformats.org/drawingml/2006/chart" xmlns="">
+    <mc:Fallback xmlns="" xmlns:c="http://schemas.openxmlformats.org/drawingml/2006/chart" xmlns:dgm="http://schemas.openxmlformats.org/drawingml/2006/diagram" xmlns:dsp="http://schemas.microsoft.com/office/drawing/2008/diagram">
       <p:transition/>
     </mc:Fallback>
   </mc:AlternateContent>
@@ -18573,7 +18573,7 @@
     <mc:Choice Requires="p14">
       <p:transition/>
     </mc:Choice>
-    <mc:Fallback xmlns:dsp="http://schemas.microsoft.com/office/drawing/2008/diagram" xmlns:dgm="http://schemas.openxmlformats.org/drawingml/2006/diagram" xmlns:c="http://schemas.openxmlformats.org/drawingml/2006/chart" xmlns="">
+    <mc:Fallback xmlns="" xmlns:c="http://schemas.openxmlformats.org/drawingml/2006/chart" xmlns:dgm="http://schemas.openxmlformats.org/drawingml/2006/diagram" xmlns:dsp="http://schemas.microsoft.com/office/drawing/2008/diagram">
       <p:transition/>
     </mc:Fallback>
   </mc:AlternateContent>
@@ -20014,7 +20014,7 @@
     <mc:Choice Requires="p14">
       <p:transition/>
     </mc:Choice>
-    <mc:Fallback xmlns:dsp="http://schemas.microsoft.com/office/drawing/2008/diagram" xmlns:dgm="http://schemas.openxmlformats.org/drawingml/2006/diagram" xmlns:c="http://schemas.openxmlformats.org/drawingml/2006/chart" xmlns="">
+    <mc:Fallback xmlns="" xmlns:c="http://schemas.openxmlformats.org/drawingml/2006/chart" xmlns:dgm="http://schemas.openxmlformats.org/drawingml/2006/diagram" xmlns:dsp="http://schemas.microsoft.com/office/drawing/2008/diagram">
       <p:transition/>
     </mc:Fallback>
   </mc:AlternateContent>
@@ -20865,7 +20865,7 @@
     <mc:Choice Requires="p14">
       <p:transition/>
     </mc:Choice>
-    <mc:Fallback xmlns:dsp="http://schemas.microsoft.com/office/drawing/2008/diagram" xmlns:dgm="http://schemas.openxmlformats.org/drawingml/2006/diagram" xmlns:c="http://schemas.openxmlformats.org/drawingml/2006/chart" xmlns="">
+    <mc:Fallback xmlns="" xmlns:c="http://schemas.openxmlformats.org/drawingml/2006/chart" xmlns:dgm="http://schemas.openxmlformats.org/drawingml/2006/diagram" xmlns:dsp="http://schemas.microsoft.com/office/drawing/2008/diagram">
       <p:transition/>
     </mc:Fallback>
   </mc:AlternateContent>
@@ -20991,7 +20991,7 @@
     <mc:Choice Requires="p14">
       <p:transition/>
     </mc:Choice>
-    <mc:Fallback xmlns:dsp="http://schemas.microsoft.com/office/drawing/2008/diagram" xmlns:dgm="http://schemas.openxmlformats.org/drawingml/2006/diagram" xmlns:c="http://schemas.openxmlformats.org/drawingml/2006/chart" xmlns="">
+    <mc:Fallback xmlns="" xmlns:c="http://schemas.openxmlformats.org/drawingml/2006/chart" xmlns:dgm="http://schemas.openxmlformats.org/drawingml/2006/diagram" xmlns:dsp="http://schemas.microsoft.com/office/drawing/2008/diagram">
       <p:transition/>
     </mc:Fallback>
   </mc:AlternateContent>
@@ -21109,7 +21109,7 @@
     <mc:Choice Requires="p14">
       <p:transition/>
     </mc:Choice>
-    <mc:Fallback xmlns:dsp="http://schemas.microsoft.com/office/drawing/2008/diagram" xmlns:dgm="http://schemas.openxmlformats.org/drawingml/2006/diagram" xmlns:c="http://schemas.openxmlformats.org/drawingml/2006/chart" xmlns="">
+    <mc:Fallback xmlns="" xmlns:c="http://schemas.openxmlformats.org/drawingml/2006/chart" xmlns:dgm="http://schemas.openxmlformats.org/drawingml/2006/diagram" xmlns:dsp="http://schemas.microsoft.com/office/drawing/2008/diagram">
       <p:transition/>
     </mc:Fallback>
   </mc:AlternateContent>
@@ -21230,7 +21230,7 @@
     <mc:Choice Requires="p14">
       <p:transition/>
     </mc:Choice>
-    <mc:Fallback xmlns="" xmlns:c="http://schemas.openxmlformats.org/drawingml/2006/chart" xmlns:dgm="http://schemas.openxmlformats.org/drawingml/2006/diagram" xmlns:dsp="http://schemas.microsoft.com/office/drawing/2008/diagram">
+    <mc:Fallback xmlns:dsp="http://schemas.microsoft.com/office/drawing/2008/diagram" xmlns:dgm="http://schemas.openxmlformats.org/drawingml/2006/diagram" xmlns:c="http://schemas.openxmlformats.org/drawingml/2006/chart" xmlns="">
       <p:transition/>
     </mc:Fallback>
   </mc:AlternateContent>
@@ -21293,7 +21293,7 @@
     <mc:Choice Requires="p14">
       <p:transition/>
     </mc:Choice>
-    <mc:Fallback xmlns="" xmlns:c="http://schemas.openxmlformats.org/drawingml/2006/chart" xmlns:dgm="http://schemas.openxmlformats.org/drawingml/2006/diagram" xmlns:dsp="http://schemas.microsoft.com/office/drawing/2008/diagram">
+    <mc:Fallback xmlns:dsp="http://schemas.microsoft.com/office/drawing/2008/diagram" xmlns:dgm="http://schemas.openxmlformats.org/drawingml/2006/diagram" xmlns:c="http://schemas.openxmlformats.org/drawingml/2006/chart" xmlns="">
       <p:transition/>
     </mc:Fallback>
   </mc:AlternateContent>
@@ -21356,7 +21356,7 @@
     <mc:Choice Requires="p14">
       <p:transition/>
     </mc:Choice>
-    <mc:Fallback xmlns="" xmlns:c="http://schemas.openxmlformats.org/drawingml/2006/chart" xmlns:dgm="http://schemas.openxmlformats.org/drawingml/2006/diagram" xmlns:dsp="http://schemas.microsoft.com/office/drawing/2008/diagram">
+    <mc:Fallback xmlns:dsp="http://schemas.microsoft.com/office/drawing/2008/diagram" xmlns:dgm="http://schemas.openxmlformats.org/drawingml/2006/diagram" xmlns:c="http://schemas.openxmlformats.org/drawingml/2006/chart" xmlns="">
       <p:transition/>
     </mc:Fallback>
   </mc:AlternateContent>
@@ -21419,7 +21419,7 @@
     <mc:Choice Requires="p14">
       <p:transition/>
     </mc:Choice>
-    <mc:Fallback xmlns="" xmlns:c="http://schemas.openxmlformats.org/drawingml/2006/chart" xmlns:dgm="http://schemas.openxmlformats.org/drawingml/2006/diagram" xmlns:dsp="http://schemas.microsoft.com/office/drawing/2008/diagram">
+    <mc:Fallback xmlns:dsp="http://schemas.microsoft.com/office/drawing/2008/diagram" xmlns:dgm="http://schemas.openxmlformats.org/drawingml/2006/diagram" xmlns:c="http://schemas.openxmlformats.org/drawingml/2006/chart" xmlns="">
       <p:transition/>
     </mc:Fallback>
   </mc:AlternateContent>
@@ -21512,7 +21512,7 @@
     <mc:Choice Requires="p14">
       <p:transition/>
     </mc:Choice>
-    <mc:Fallback xmlns="" xmlns:c="http://schemas.openxmlformats.org/drawingml/2006/chart" xmlns:dgm="http://schemas.openxmlformats.org/drawingml/2006/diagram" xmlns:dsp="http://schemas.microsoft.com/office/drawing/2008/diagram">
+    <mc:Fallback xmlns:dsp="http://schemas.microsoft.com/office/drawing/2008/diagram" xmlns:dgm="http://schemas.openxmlformats.org/drawingml/2006/diagram" xmlns:c="http://schemas.openxmlformats.org/drawingml/2006/chart" xmlns="">
       <p:transition/>
     </mc:Fallback>
   </mc:AlternateContent>
@@ -21575,7 +21575,7 @@
     <mc:Choice Requires="p14">
       <p:transition/>
     </mc:Choice>
-    <mc:Fallback xmlns="" xmlns:c="http://schemas.openxmlformats.org/drawingml/2006/chart" xmlns:dgm="http://schemas.openxmlformats.org/drawingml/2006/diagram" xmlns:dsp="http://schemas.microsoft.com/office/drawing/2008/diagram">
+    <mc:Fallback xmlns:dsp="http://schemas.microsoft.com/office/drawing/2008/diagram" xmlns:dgm="http://schemas.openxmlformats.org/drawingml/2006/diagram" xmlns:c="http://schemas.openxmlformats.org/drawingml/2006/chart" xmlns="">
       <p:transition/>
     </mc:Fallback>
   </mc:AlternateContent>
@@ -21638,7 +21638,7 @@
     <mc:Choice Requires="p14">
       <p:transition/>
     </mc:Choice>
-    <mc:Fallback xmlns="" xmlns:c="http://schemas.openxmlformats.org/drawingml/2006/chart" xmlns:dgm="http://schemas.openxmlformats.org/drawingml/2006/diagram" xmlns:dsp="http://schemas.microsoft.com/office/drawing/2008/diagram">
+    <mc:Fallback xmlns:dsp="http://schemas.microsoft.com/office/drawing/2008/diagram" xmlns:dgm="http://schemas.openxmlformats.org/drawingml/2006/diagram" xmlns:c="http://schemas.openxmlformats.org/drawingml/2006/chart" xmlns="">
       <p:transition/>
     </mc:Fallback>
   </mc:AlternateContent>
@@ -21701,7 +21701,7 @@
     <mc:Choice Requires="p14">
       <p:transition/>
     </mc:Choice>
-    <mc:Fallback xmlns="" xmlns:c="http://schemas.openxmlformats.org/drawingml/2006/chart" xmlns:dgm="http://schemas.openxmlformats.org/drawingml/2006/diagram" xmlns:dsp="http://schemas.microsoft.com/office/drawing/2008/diagram">
+    <mc:Fallback xmlns:dsp="http://schemas.microsoft.com/office/drawing/2008/diagram" xmlns:dgm="http://schemas.openxmlformats.org/drawingml/2006/diagram" xmlns:c="http://schemas.openxmlformats.org/drawingml/2006/chart" xmlns="">
       <p:transition/>
     </mc:Fallback>
   </mc:AlternateContent>
@@ -21764,7 +21764,7 @@
     <mc:Choice Requires="p14">
       <p:transition/>
     </mc:Choice>
-    <mc:Fallback xmlns="" xmlns:c="http://schemas.openxmlformats.org/drawingml/2006/chart" xmlns:dgm="http://schemas.openxmlformats.org/drawingml/2006/diagram" xmlns:dsp="http://schemas.microsoft.com/office/drawing/2008/diagram">
+    <mc:Fallback xmlns:dsp="http://schemas.microsoft.com/office/drawing/2008/diagram" xmlns:dgm="http://schemas.openxmlformats.org/drawingml/2006/diagram" xmlns:c="http://schemas.openxmlformats.org/drawingml/2006/chart" xmlns="">
       <p:transition/>
     </mc:Fallback>
   </mc:AlternateContent>
@@ -21827,7 +21827,7 @@
     <mc:Choice Requires="p14">
       <p:transition/>
     </mc:Choice>
-    <mc:Fallback xmlns="" xmlns:c="http://schemas.openxmlformats.org/drawingml/2006/chart" xmlns:dgm="http://schemas.openxmlformats.org/drawingml/2006/diagram" xmlns:dsp="http://schemas.microsoft.com/office/drawing/2008/diagram">
+    <mc:Fallback xmlns:dsp="http://schemas.microsoft.com/office/drawing/2008/diagram" xmlns:dgm="http://schemas.openxmlformats.org/drawingml/2006/diagram" xmlns:c="http://schemas.openxmlformats.org/drawingml/2006/chart" xmlns="">
       <p:transition/>
     </mc:Fallback>
   </mc:AlternateContent>
@@ -21890,7 +21890,7 @@
     <mc:Choice Requires="p14">
       <p:transition/>
     </mc:Choice>
-    <mc:Fallback xmlns="" xmlns:c="http://schemas.openxmlformats.org/drawingml/2006/chart" xmlns:dgm="http://schemas.openxmlformats.org/drawingml/2006/diagram" xmlns:dsp="http://schemas.microsoft.com/office/drawing/2008/diagram">
+    <mc:Fallback xmlns:dsp="http://schemas.microsoft.com/office/drawing/2008/diagram" xmlns:dgm="http://schemas.openxmlformats.org/drawingml/2006/diagram" xmlns:c="http://schemas.openxmlformats.org/drawingml/2006/chart" xmlns="">
       <p:transition/>
     </mc:Fallback>
   </mc:AlternateContent>
@@ -21977,7 +21977,7 @@
     <mc:Choice Requires="p14">
       <p:transition/>
     </mc:Choice>
-    <mc:Fallback xmlns="" xmlns:c="http://schemas.openxmlformats.org/drawingml/2006/chart" xmlns:dgm="http://schemas.openxmlformats.org/drawingml/2006/diagram" xmlns:dsp="http://schemas.microsoft.com/office/drawing/2008/diagram">
+    <mc:Fallback xmlns:dsp="http://schemas.microsoft.com/office/drawing/2008/diagram" xmlns:dgm="http://schemas.openxmlformats.org/drawingml/2006/diagram" xmlns:c="http://schemas.openxmlformats.org/drawingml/2006/chart" xmlns="">
       <p:transition/>
     </mc:Fallback>
   </mc:AlternateContent>
@@ -22040,7 +22040,7 @@
     <mc:Choice Requires="p14">
       <p:transition/>
     </mc:Choice>
-    <mc:Fallback xmlns="" xmlns:c="http://schemas.openxmlformats.org/drawingml/2006/chart" xmlns:dgm="http://schemas.openxmlformats.org/drawingml/2006/diagram" xmlns:dsp="http://schemas.microsoft.com/office/drawing/2008/diagram">
+    <mc:Fallback xmlns:dsp="http://schemas.microsoft.com/office/drawing/2008/diagram" xmlns:dgm="http://schemas.openxmlformats.org/drawingml/2006/diagram" xmlns:c="http://schemas.openxmlformats.org/drawingml/2006/chart" xmlns="">
       <p:transition/>
     </mc:Fallback>
   </mc:AlternateContent>
@@ -22127,7 +22127,7 @@
     <mc:Choice Requires="p14">
       <p:transition/>
     </mc:Choice>
-    <mc:Fallback xmlns="" xmlns:c="http://schemas.openxmlformats.org/drawingml/2006/chart" xmlns:dgm="http://schemas.openxmlformats.org/drawingml/2006/diagram" xmlns:dsp="http://schemas.microsoft.com/office/drawing/2008/diagram">
+    <mc:Fallback xmlns:dsp="http://schemas.microsoft.com/office/drawing/2008/diagram" xmlns:dgm="http://schemas.openxmlformats.org/drawingml/2006/diagram" xmlns:c="http://schemas.openxmlformats.org/drawingml/2006/chart" xmlns="">
       <p:transition/>
     </mc:Fallback>
   </mc:AlternateContent>
@@ -22253,7 +22253,7 @@
     <mc:Choice Requires="p14">
       <p:transition/>
     </mc:Choice>
-    <mc:Fallback xmlns="" xmlns:c="http://schemas.openxmlformats.org/drawingml/2006/chart" xmlns:dgm="http://schemas.openxmlformats.org/drawingml/2006/diagram" xmlns:dsp="http://schemas.microsoft.com/office/drawing/2008/diagram">
+    <mc:Fallback xmlns:dsp="http://schemas.microsoft.com/office/drawing/2008/diagram" xmlns:dgm="http://schemas.openxmlformats.org/drawingml/2006/diagram" xmlns:c="http://schemas.openxmlformats.org/drawingml/2006/chart" xmlns="">
       <p:transition/>
     </mc:Fallback>
   </mc:AlternateContent>
@@ -22316,7 +22316,7 @@
     <mc:Choice Requires="p14">
       <p:transition/>
     </mc:Choice>
-    <mc:Fallback xmlns="" xmlns:c="http://schemas.openxmlformats.org/drawingml/2006/chart" xmlns:dgm="http://schemas.openxmlformats.org/drawingml/2006/diagram" xmlns:dsp="http://schemas.microsoft.com/office/drawing/2008/diagram">
+    <mc:Fallback xmlns:dsp="http://schemas.microsoft.com/office/drawing/2008/diagram" xmlns:dgm="http://schemas.openxmlformats.org/drawingml/2006/diagram" xmlns:c="http://schemas.openxmlformats.org/drawingml/2006/chart" xmlns="">
       <p:transition/>
     </mc:Fallback>
   </mc:AlternateContent>
@@ -22359,7 +22359,7 @@
         <p:spPr>
           <a:xfrm>
             <a:off x="4712650" y="2917855"/>
-            <a:ext cx="2766700" cy="574966"/>
+            <a:ext cx="2766700" cy="1128963"/>
           </a:xfrm>
           <a:prstGeom prst="rect">
             <a:avLst/>
@@ -22384,6 +22384,27 @@
                 </a:solidFill>
               </a:rPr>
               <a:t>클래스설계</a:t>
+            </a:r>
+            <a:endParaRPr lang="en-US" altLang="ko-KR" sz="2400" b="1" dirty="0">
+              <a:solidFill>
+                <a:srgbClr val="15EEFF"/>
+              </a:solidFill>
+            </a:endParaRPr>
+          </a:p>
+          <a:p>
+            <a:pPr algn="ctr">
+              <a:lnSpc>
+                <a:spcPct val="150000"/>
+              </a:lnSpc>
+              <a:defRPr/>
+            </a:pPr>
+            <a:r>
+              <a:rPr lang="en-US" altLang="ko-KR" sz="2400" b="1" dirty="0">
+                <a:solidFill>
+                  <a:srgbClr val="15EEFF"/>
+                </a:solidFill>
+              </a:rPr>
+              <a:t>(CLICK)</a:t>
             </a:r>
             <a:endParaRPr lang="ko-KR" altLang="en-US" sz="2800" b="1" dirty="0">
               <a:solidFill>
@@ -22449,7 +22470,7 @@
     <mc:Choice Requires="p14">
       <p:transition/>
     </mc:Choice>
-    <mc:Fallback xmlns="" xmlns:c="http://schemas.openxmlformats.org/drawingml/2006/chart" xmlns:dgm="http://schemas.openxmlformats.org/drawingml/2006/diagram" xmlns:dsp="http://schemas.microsoft.com/office/drawing/2008/diagram">
+    <mc:Fallback xmlns:dsp="http://schemas.microsoft.com/office/drawing/2008/diagram" xmlns:dgm="http://schemas.openxmlformats.org/drawingml/2006/diagram" xmlns:c="http://schemas.openxmlformats.org/drawingml/2006/chart" xmlns="">
       <p:transition/>
     </mc:Fallback>
   </mc:AlternateContent>
@@ -22492,7 +22513,7 @@
         <p:spPr>
           <a:xfrm>
             <a:off x="4712650" y="2917855"/>
-            <a:ext cx="2766700" cy="574966"/>
+            <a:ext cx="2766700" cy="1128963"/>
           </a:xfrm>
           <a:prstGeom prst="rect">
             <a:avLst/>
@@ -22525,6 +22546,27 @@
                 </a:solidFill>
               </a:rPr>
               <a:t>설계</a:t>
+            </a:r>
+            <a:endParaRPr lang="en-US" altLang="ko-KR" sz="2400" b="1" dirty="0">
+              <a:solidFill>
+                <a:srgbClr val="15EEFF"/>
+              </a:solidFill>
+            </a:endParaRPr>
+          </a:p>
+          <a:p>
+            <a:pPr algn="ctr">
+              <a:lnSpc>
+                <a:spcPct val="150000"/>
+              </a:lnSpc>
+              <a:defRPr/>
+            </a:pPr>
+            <a:r>
+              <a:rPr lang="en-US" altLang="ko-KR" sz="2400" b="1" dirty="0">
+                <a:solidFill>
+                  <a:srgbClr val="15EEFF"/>
+                </a:solidFill>
+              </a:rPr>
+              <a:t>(CLICK)</a:t>
             </a:r>
           </a:p>
         </p:txBody>
@@ -22585,7 +22627,7 @@
     <mc:Choice Requires="p14">
       <p:transition/>
     </mc:Choice>
-    <mc:Fallback xmlns="" xmlns:c="http://schemas.openxmlformats.org/drawingml/2006/chart" xmlns:dgm="http://schemas.openxmlformats.org/drawingml/2006/diagram" xmlns:dsp="http://schemas.microsoft.com/office/drawing/2008/diagram">
+    <mc:Fallback xmlns:dsp="http://schemas.microsoft.com/office/drawing/2008/diagram" xmlns:dgm="http://schemas.openxmlformats.org/drawingml/2006/diagram" xmlns:c="http://schemas.openxmlformats.org/drawingml/2006/chart" xmlns="">
       <p:transition/>
     </mc:Fallback>
   </mc:AlternateContent>
@@ -22628,7 +22670,7 @@
         <p:spPr>
           <a:xfrm>
             <a:off x="4712650" y="2917855"/>
-            <a:ext cx="2766700" cy="574966"/>
+            <a:ext cx="2766700" cy="1128963"/>
           </a:xfrm>
           <a:prstGeom prst="rect">
             <a:avLst/>
@@ -22653,6 +22695,27 @@
                 </a:solidFill>
               </a:rPr>
               <a:t>화면목록</a:t>
+            </a:r>
+            <a:endParaRPr lang="en-US" altLang="ko-KR" sz="2400" b="1" dirty="0">
+              <a:solidFill>
+                <a:srgbClr val="15EEFF"/>
+              </a:solidFill>
+            </a:endParaRPr>
+          </a:p>
+          <a:p>
+            <a:pPr algn="ctr">
+              <a:lnSpc>
+                <a:spcPct val="150000"/>
+              </a:lnSpc>
+              <a:defRPr/>
+            </a:pPr>
+            <a:r>
+              <a:rPr lang="en-US" altLang="ko-KR" sz="2400" b="1" dirty="0">
+                <a:solidFill>
+                  <a:srgbClr val="15EEFF"/>
+                </a:solidFill>
+              </a:rPr>
+              <a:t>(CLICK)</a:t>
             </a:r>
             <a:endParaRPr lang="ko-KR" altLang="en-US" sz="2800" b="1" dirty="0">
               <a:solidFill>
@@ -22718,7 +22781,7 @@
     <mc:Choice Requires="p14">
       <p:transition/>
     </mc:Choice>
-    <mc:Fallback xmlns="" xmlns:c="http://schemas.openxmlformats.org/drawingml/2006/chart" xmlns:dgm="http://schemas.openxmlformats.org/drawingml/2006/diagram" xmlns:dsp="http://schemas.microsoft.com/office/drawing/2008/diagram">
+    <mc:Fallback xmlns:dsp="http://schemas.microsoft.com/office/drawing/2008/diagram" xmlns:dgm="http://schemas.openxmlformats.org/drawingml/2006/diagram" xmlns:c="http://schemas.openxmlformats.org/drawingml/2006/chart" xmlns="">
       <p:transition/>
     </mc:Fallback>
   </mc:AlternateContent>
@@ -22752,7 +22815,9 @@
       </p:grpSpPr>
       <p:sp>
         <p:nvSpPr>
-          <p:cNvPr id="57" name="직사각형 14"/>
+          <p:cNvPr id="57" name="직사각형 14">
+            <a:hlinkClick r:id="rId2" action="ppaction://hlinkpres?slideindex=1&amp;slidetitle="/>
+          </p:cNvPr>
           <p:cNvSpPr/>
           <p:nvPr/>
         </p:nvSpPr>
@@ -22804,31 +22869,7 @@
                   <a:srgbClr val="15EEFF"/>
                 </a:solidFill>
               </a:rPr>
-              <a:t>(</a:t>
-            </a:r>
-            <a:r>
-              <a:rPr lang="ko-KR" altLang="en-US" sz="2800" b="1" dirty="0">
-                <a:solidFill>
-                  <a:srgbClr val="15EEFF"/>
-                </a:solidFill>
-              </a:rPr>
-              <a:t>링크 </a:t>
-            </a:r>
-            <a:r>
-              <a:rPr lang="ko-KR" altLang="en-US" sz="2800" b="1" dirty="0" err="1">
-                <a:solidFill>
-                  <a:srgbClr val="15EEFF"/>
-                </a:solidFill>
-              </a:rPr>
-              <a:t>걸어야함</a:t>
-            </a:r>
-            <a:r>
-              <a:rPr lang="en-US" altLang="ko-KR" sz="2800" b="1" dirty="0">
-                <a:solidFill>
-                  <a:srgbClr val="15EEFF"/>
-                </a:solidFill>
-              </a:rPr>
-              <a:t>)</a:t>
+              <a:t>(CLICK)</a:t>
             </a:r>
             <a:endParaRPr lang="ko-KR" altLang="en-US" sz="2800" b="1" dirty="0">
               <a:solidFill>
@@ -22894,7 +22935,7 @@
     <mc:Choice Requires="p14">
       <p:transition/>
     </mc:Choice>
-    <mc:Fallback xmlns="" xmlns:c="http://schemas.openxmlformats.org/drawingml/2006/chart" xmlns:dgm="http://schemas.openxmlformats.org/drawingml/2006/diagram" xmlns:dsp="http://schemas.microsoft.com/office/drawing/2008/diagram">
+    <mc:Fallback xmlns:dsp="http://schemas.microsoft.com/office/drawing/2008/diagram" xmlns:dgm="http://schemas.openxmlformats.org/drawingml/2006/diagram" xmlns:c="http://schemas.openxmlformats.org/drawingml/2006/chart" xmlns="">
       <p:transition/>
     </mc:Fallback>
   </mc:AlternateContent>
@@ -23624,7 +23665,7 @@
     <mc:Choice Requires="p14">
       <p:transition/>
     </mc:Choice>
-    <mc:Fallback xmlns="" xmlns:c="http://schemas.openxmlformats.org/drawingml/2006/chart" xmlns:dgm="http://schemas.openxmlformats.org/drawingml/2006/diagram" xmlns:dsp="http://schemas.microsoft.com/office/drawing/2008/diagram">
+    <mc:Fallback xmlns:dsp="http://schemas.microsoft.com/office/drawing/2008/diagram" xmlns:dgm="http://schemas.openxmlformats.org/drawingml/2006/diagram" xmlns:c="http://schemas.openxmlformats.org/drawingml/2006/chart" xmlns="">
       <p:transition/>
     </mc:Fallback>
   </mc:AlternateContent>
@@ -23810,7 +23851,7 @@
     <mc:Choice Requires="p14">
       <p:transition/>
     </mc:Choice>
-    <mc:Fallback xmlns="" xmlns:c="http://schemas.openxmlformats.org/drawingml/2006/chart" xmlns:dgm="http://schemas.openxmlformats.org/drawingml/2006/diagram" xmlns:dsp="http://schemas.microsoft.com/office/drawing/2008/diagram">
+    <mc:Fallback xmlns:dsp="http://schemas.microsoft.com/office/drawing/2008/diagram" xmlns:dgm="http://schemas.openxmlformats.org/drawingml/2006/diagram" xmlns:c="http://schemas.openxmlformats.org/drawingml/2006/chart" xmlns="">
       <p:transition/>
     </mc:Fallback>
   </mc:AlternateContent>

--- a/개발문서/2조 발표자료.pptx
+++ b/개발문서/2조 발표자료.pptx
@@ -4056,7 +4056,7 @@
     <mc:Choice Requires="p14">
       <p:transition/>
     </mc:Choice>
-    <mc:Fallback xmlns="" xmlns:c="http://schemas.openxmlformats.org/drawingml/2006/chart" xmlns:dgm="http://schemas.openxmlformats.org/drawingml/2006/diagram" xmlns:dsp="http://schemas.microsoft.com/office/drawing/2008/diagram">
+    <mc:Fallback xmlns:dsp="http://schemas.microsoft.com/office/drawing/2008/diagram" xmlns:dgm="http://schemas.openxmlformats.org/drawingml/2006/diagram" xmlns:c="http://schemas.openxmlformats.org/drawingml/2006/chart" xmlns="">
       <p:transition/>
     </mc:Fallback>
   </mc:AlternateContent>
@@ -4976,7 +4976,7 @@
     <mc:Choice Requires="p14">
       <p:transition/>
     </mc:Choice>
-    <mc:Fallback xmlns="" xmlns:c="http://schemas.openxmlformats.org/drawingml/2006/chart" xmlns:dgm="http://schemas.openxmlformats.org/drawingml/2006/diagram" xmlns:dsp="http://schemas.microsoft.com/office/drawing/2008/diagram">
+    <mc:Fallback xmlns:dsp="http://schemas.microsoft.com/office/drawing/2008/diagram" xmlns:dgm="http://schemas.openxmlformats.org/drawingml/2006/diagram" xmlns:c="http://schemas.openxmlformats.org/drawingml/2006/chart" xmlns="">
       <p:transition/>
     </mc:Fallback>
   </mc:AlternateContent>
@@ -5107,7 +5107,7 @@
     <mc:Choice Requires="p14">
       <p:transition/>
     </mc:Choice>
-    <mc:Fallback xmlns:dsp="http://schemas.microsoft.com/office/drawing/2008/diagram" xmlns:dgm="http://schemas.openxmlformats.org/drawingml/2006/diagram" xmlns:c="http://schemas.openxmlformats.org/drawingml/2006/chart" xmlns="">
+    <mc:Fallback xmlns="" xmlns:c="http://schemas.openxmlformats.org/drawingml/2006/chart" xmlns:dgm="http://schemas.openxmlformats.org/drawingml/2006/diagram" xmlns:dsp="http://schemas.microsoft.com/office/drawing/2008/diagram">
       <p:transition/>
     </mc:Fallback>
   </mc:AlternateContent>
@@ -5183,7 +5183,7 @@
     <mc:Choice Requires="p14">
       <p:transition/>
     </mc:Choice>
-    <mc:Fallback xmlns="" xmlns:c="http://schemas.openxmlformats.org/drawingml/2006/chart" xmlns:dgm="http://schemas.openxmlformats.org/drawingml/2006/diagram" xmlns:dsp="http://schemas.microsoft.com/office/drawing/2008/diagram">
+    <mc:Fallback xmlns:dsp="http://schemas.microsoft.com/office/drawing/2008/diagram" xmlns:dgm="http://schemas.openxmlformats.org/drawingml/2006/diagram" xmlns:c="http://schemas.openxmlformats.org/drawingml/2006/chart" xmlns="">
       <p:transition/>
     </mc:Fallback>
   </mc:AlternateContent>
@@ -5259,7 +5259,7 @@
     <mc:Choice Requires="p14">
       <p:transition/>
     </mc:Choice>
-    <mc:Fallback xmlns="" xmlns:c="http://schemas.openxmlformats.org/drawingml/2006/chart" xmlns:dgm="http://schemas.openxmlformats.org/drawingml/2006/diagram" xmlns:dsp="http://schemas.microsoft.com/office/drawing/2008/diagram">
+    <mc:Fallback xmlns:dsp="http://schemas.microsoft.com/office/drawing/2008/diagram" xmlns:dgm="http://schemas.openxmlformats.org/drawingml/2006/diagram" xmlns:c="http://schemas.openxmlformats.org/drawingml/2006/chart" xmlns="">
       <p:transition/>
     </mc:Fallback>
   </mc:AlternateContent>
@@ -5335,7 +5335,7 @@
     <mc:Choice Requires="p14">
       <p:transition/>
     </mc:Choice>
-    <mc:Fallback xmlns="" xmlns:c="http://schemas.openxmlformats.org/drawingml/2006/chart" xmlns:dgm="http://schemas.openxmlformats.org/drawingml/2006/diagram" xmlns:dsp="http://schemas.microsoft.com/office/drawing/2008/diagram">
+    <mc:Fallback xmlns:dsp="http://schemas.microsoft.com/office/drawing/2008/diagram" xmlns:dgm="http://schemas.openxmlformats.org/drawingml/2006/diagram" xmlns:c="http://schemas.openxmlformats.org/drawingml/2006/chart" xmlns="">
       <p:transition/>
     </mc:Fallback>
   </mc:AlternateContent>
@@ -5414,7 +5414,7 @@
     <mc:Choice Requires="p14">
       <p:transition/>
     </mc:Choice>
-    <mc:Fallback xmlns="" xmlns:c="http://schemas.openxmlformats.org/drawingml/2006/chart" xmlns:dgm="http://schemas.openxmlformats.org/drawingml/2006/diagram" xmlns:dsp="http://schemas.microsoft.com/office/drawing/2008/diagram">
+    <mc:Fallback xmlns:dsp="http://schemas.microsoft.com/office/drawing/2008/diagram" xmlns:dgm="http://schemas.openxmlformats.org/drawingml/2006/diagram" xmlns:c="http://schemas.openxmlformats.org/drawingml/2006/chart" xmlns="">
       <p:transition/>
     </mc:Fallback>
   </mc:AlternateContent>
@@ -6499,7 +6499,7 @@
     <mc:Choice Requires="p14">
       <p:transition/>
     </mc:Choice>
-    <mc:Fallback xmlns="" xmlns:c="http://schemas.openxmlformats.org/drawingml/2006/chart" xmlns:dgm="http://schemas.openxmlformats.org/drawingml/2006/diagram" xmlns:dsp="http://schemas.microsoft.com/office/drawing/2008/diagram">
+    <mc:Fallback xmlns:dsp="http://schemas.microsoft.com/office/drawing/2008/diagram" xmlns:dgm="http://schemas.openxmlformats.org/drawingml/2006/diagram" xmlns:c="http://schemas.openxmlformats.org/drawingml/2006/chart" xmlns="">
       <p:transition/>
     </mc:Fallback>
   </mc:AlternateContent>
@@ -7356,7 +7356,7 @@
     <mc:Choice Requires="p14">
       <p:transition/>
     </mc:Choice>
-    <mc:Fallback xmlns="" xmlns:c="http://schemas.openxmlformats.org/drawingml/2006/chart" xmlns:dgm="http://schemas.openxmlformats.org/drawingml/2006/diagram" xmlns:dsp="http://schemas.microsoft.com/office/drawing/2008/diagram">
+    <mc:Fallback xmlns:dsp="http://schemas.microsoft.com/office/drawing/2008/diagram" xmlns:dgm="http://schemas.openxmlformats.org/drawingml/2006/diagram" xmlns:c="http://schemas.openxmlformats.org/drawingml/2006/chart" xmlns="">
       <p:transition/>
     </mc:Fallback>
   </mc:AlternateContent>
@@ -8194,7 +8194,7 @@
     <mc:Choice Requires="p14">
       <p:transition/>
     </mc:Choice>
-    <mc:Fallback xmlns="" xmlns:c="http://schemas.openxmlformats.org/drawingml/2006/chart" xmlns:dgm="http://schemas.openxmlformats.org/drawingml/2006/diagram" xmlns:dsp="http://schemas.microsoft.com/office/drawing/2008/diagram">
+    <mc:Fallback xmlns:dsp="http://schemas.microsoft.com/office/drawing/2008/diagram" xmlns:dgm="http://schemas.openxmlformats.org/drawingml/2006/diagram" xmlns:c="http://schemas.openxmlformats.org/drawingml/2006/chart" xmlns="">
       <p:transition/>
     </mc:Fallback>
   </mc:AlternateContent>
@@ -9175,7 +9175,7 @@
     <mc:Choice Requires="p14">
       <p:transition/>
     </mc:Choice>
-    <mc:Fallback xmlns="" xmlns:c="http://schemas.openxmlformats.org/drawingml/2006/chart" xmlns:dgm="http://schemas.openxmlformats.org/drawingml/2006/diagram" xmlns:dsp="http://schemas.microsoft.com/office/drawing/2008/diagram">
+    <mc:Fallback xmlns:dsp="http://schemas.microsoft.com/office/drawing/2008/diagram" xmlns:dgm="http://schemas.openxmlformats.org/drawingml/2006/diagram" xmlns:c="http://schemas.openxmlformats.org/drawingml/2006/chart" xmlns="">
       <p:transition/>
     </mc:Fallback>
   </mc:AlternateContent>
@@ -9416,7 +9416,7 @@
     <mc:Choice Requires="p14">
       <p:transition/>
     </mc:Choice>
-    <mc:Fallback xmlns="" xmlns:c="http://schemas.openxmlformats.org/drawingml/2006/chart" xmlns:dgm="http://schemas.openxmlformats.org/drawingml/2006/diagram" xmlns:dsp="http://schemas.microsoft.com/office/drawing/2008/diagram">
+    <mc:Fallback xmlns:dsp="http://schemas.microsoft.com/office/drawing/2008/diagram" xmlns:dgm="http://schemas.openxmlformats.org/drawingml/2006/diagram" xmlns:c="http://schemas.openxmlformats.org/drawingml/2006/chart" xmlns="">
       <p:transition/>
     </mc:Fallback>
   </mc:AlternateContent>
@@ -9495,7 +9495,7 @@
     <mc:Choice Requires="p14">
       <p:transition/>
     </mc:Choice>
-    <mc:Fallback xmlns="" xmlns:c="http://schemas.openxmlformats.org/drawingml/2006/chart" xmlns:dgm="http://schemas.openxmlformats.org/drawingml/2006/diagram" xmlns:dsp="http://schemas.microsoft.com/office/drawing/2008/diagram">
+    <mc:Fallback xmlns:dsp="http://schemas.microsoft.com/office/drawing/2008/diagram" xmlns:dgm="http://schemas.openxmlformats.org/drawingml/2006/diagram" xmlns:c="http://schemas.openxmlformats.org/drawingml/2006/chart" xmlns="">
       <p:transition/>
     </mc:Fallback>
   </mc:AlternateContent>
@@ -9868,7 +9868,7 @@
     <mc:Choice Requires="p14">
       <p:transition/>
     </mc:Choice>
-    <mc:Fallback xmlns="" xmlns:c="http://schemas.openxmlformats.org/drawingml/2006/chart" xmlns:dgm="http://schemas.openxmlformats.org/drawingml/2006/diagram" xmlns:dsp="http://schemas.microsoft.com/office/drawing/2008/diagram">
+    <mc:Fallback xmlns:dsp="http://schemas.microsoft.com/office/drawing/2008/diagram" xmlns:dgm="http://schemas.openxmlformats.org/drawingml/2006/diagram" xmlns:c="http://schemas.openxmlformats.org/drawingml/2006/chart" xmlns="">
       <p:transition/>
     </mc:Fallback>
   </mc:AlternateContent>
@@ -11249,7 +11249,7 @@
     <mc:Choice Requires="p14">
       <p:transition/>
     </mc:Choice>
-    <mc:Fallback xmlns="" xmlns:c="http://schemas.openxmlformats.org/drawingml/2006/chart" xmlns:dgm="http://schemas.openxmlformats.org/drawingml/2006/diagram" xmlns:dsp="http://schemas.microsoft.com/office/drawing/2008/diagram">
+    <mc:Fallback xmlns:dsp="http://schemas.microsoft.com/office/drawing/2008/diagram" xmlns:dgm="http://schemas.openxmlformats.org/drawingml/2006/diagram" xmlns:c="http://schemas.openxmlformats.org/drawingml/2006/chart" xmlns="">
       <p:transition/>
     </mc:Fallback>
   </mc:AlternateContent>
@@ -12333,7 +12333,7 @@
     <mc:Choice Requires="p14">
       <p:transition/>
     </mc:Choice>
-    <mc:Fallback xmlns="" xmlns:c="http://schemas.openxmlformats.org/drawingml/2006/chart" xmlns:dgm="http://schemas.openxmlformats.org/drawingml/2006/diagram" xmlns:dsp="http://schemas.microsoft.com/office/drawing/2008/diagram">
+    <mc:Fallback xmlns:dsp="http://schemas.microsoft.com/office/drawing/2008/diagram" xmlns:dgm="http://schemas.openxmlformats.org/drawingml/2006/diagram" xmlns:c="http://schemas.openxmlformats.org/drawingml/2006/chart" xmlns="">
       <p:transition/>
     </mc:Fallback>
   </mc:AlternateContent>
@@ -12943,7 +12943,7 @@
     <mc:Choice Requires="p14">
       <p:transition/>
     </mc:Choice>
-    <mc:Fallback xmlns="" xmlns:c="http://schemas.openxmlformats.org/drawingml/2006/chart" xmlns:dgm="http://schemas.openxmlformats.org/drawingml/2006/diagram" xmlns:dsp="http://schemas.microsoft.com/office/drawing/2008/diagram">
+    <mc:Fallback xmlns:dsp="http://schemas.microsoft.com/office/drawing/2008/diagram" xmlns:dgm="http://schemas.openxmlformats.org/drawingml/2006/diagram" xmlns:c="http://schemas.openxmlformats.org/drawingml/2006/chart" xmlns="">
       <p:transition/>
     </mc:Fallback>
   </mc:AlternateContent>
@@ -13796,7 +13796,7 @@
     <mc:Choice Requires="p14">
       <p:transition/>
     </mc:Choice>
-    <mc:Fallback xmlns="" xmlns:c="http://schemas.openxmlformats.org/drawingml/2006/chart" xmlns:dgm="http://schemas.openxmlformats.org/drawingml/2006/diagram" xmlns:dsp="http://schemas.microsoft.com/office/drawing/2008/diagram">
+    <mc:Fallback xmlns:dsp="http://schemas.microsoft.com/office/drawing/2008/diagram" xmlns:dgm="http://schemas.openxmlformats.org/drawingml/2006/diagram" xmlns:c="http://schemas.openxmlformats.org/drawingml/2006/chart" xmlns="">
       <p:transition/>
     </mc:Fallback>
   </mc:AlternateContent>
@@ -14467,7 +14467,7 @@
     <mc:Choice Requires="p14">
       <p:transition/>
     </mc:Choice>
-    <mc:Fallback xmlns="" xmlns:c="http://schemas.openxmlformats.org/drawingml/2006/chart" xmlns:dgm="http://schemas.openxmlformats.org/drawingml/2006/diagram" xmlns:dsp="http://schemas.microsoft.com/office/drawing/2008/diagram">
+    <mc:Fallback xmlns:dsp="http://schemas.microsoft.com/office/drawing/2008/diagram" xmlns:dgm="http://schemas.openxmlformats.org/drawingml/2006/diagram" xmlns:c="http://schemas.openxmlformats.org/drawingml/2006/chart" xmlns="">
       <p:transition/>
     </mc:Fallback>
   </mc:AlternateContent>
@@ -14979,7 +14979,7 @@
     <mc:Choice Requires="p14">
       <p:transition/>
     </mc:Choice>
-    <mc:Fallback xmlns="" xmlns:c="http://schemas.openxmlformats.org/drawingml/2006/chart" xmlns:dgm="http://schemas.openxmlformats.org/drawingml/2006/diagram" xmlns:dsp="http://schemas.microsoft.com/office/drawing/2008/diagram">
+    <mc:Fallback xmlns:dsp="http://schemas.microsoft.com/office/drawing/2008/diagram" xmlns:dgm="http://schemas.openxmlformats.org/drawingml/2006/diagram" xmlns:c="http://schemas.openxmlformats.org/drawingml/2006/chart" xmlns="">
       <p:transition/>
     </mc:Fallback>
   </mc:AlternateContent>
@@ -15850,7 +15850,7 @@
     <mc:Choice Requires="p14">
       <p:transition/>
     </mc:Choice>
-    <mc:Fallback xmlns="" xmlns:c="http://schemas.openxmlformats.org/drawingml/2006/chart" xmlns:dgm="http://schemas.openxmlformats.org/drawingml/2006/diagram" xmlns:dsp="http://schemas.microsoft.com/office/drawing/2008/diagram">
+    <mc:Fallback xmlns:dsp="http://schemas.microsoft.com/office/drawing/2008/diagram" xmlns:dgm="http://schemas.openxmlformats.org/drawingml/2006/diagram" xmlns:c="http://schemas.openxmlformats.org/drawingml/2006/chart" xmlns="">
       <p:transition/>
     </mc:Fallback>
   </mc:AlternateContent>
@@ -16500,7 +16500,7 @@
     <mc:Choice Requires="p14">
       <p:transition/>
     </mc:Choice>
-    <mc:Fallback xmlns="" xmlns:c="http://schemas.openxmlformats.org/drawingml/2006/chart" xmlns:dgm="http://schemas.openxmlformats.org/drawingml/2006/diagram" xmlns:dsp="http://schemas.microsoft.com/office/drawing/2008/diagram">
+    <mc:Fallback xmlns:dsp="http://schemas.microsoft.com/office/drawing/2008/diagram" xmlns:dgm="http://schemas.openxmlformats.org/drawingml/2006/diagram" xmlns:c="http://schemas.openxmlformats.org/drawingml/2006/chart" xmlns="">
       <p:transition/>
     </mc:Fallback>
   </mc:AlternateContent>
@@ -16626,7 +16626,7 @@
     <mc:Choice Requires="p14">
       <p:transition/>
     </mc:Choice>
-    <mc:Fallback xmlns:dsp="http://schemas.microsoft.com/office/drawing/2008/diagram" xmlns:dgm="http://schemas.openxmlformats.org/drawingml/2006/diagram" xmlns:c="http://schemas.openxmlformats.org/drawingml/2006/chart" xmlns="">
+    <mc:Fallback xmlns="" xmlns:c="http://schemas.openxmlformats.org/drawingml/2006/chart" xmlns:dgm="http://schemas.openxmlformats.org/drawingml/2006/diagram" xmlns:dsp="http://schemas.microsoft.com/office/drawing/2008/diagram">
       <p:transition/>
     </mc:Fallback>
   </mc:AlternateContent>
@@ -17702,7 +17702,7 @@
     <mc:Choice Requires="p14">
       <p:transition/>
     </mc:Choice>
-    <mc:Fallback xmlns="" xmlns:c="http://schemas.openxmlformats.org/drawingml/2006/chart" xmlns:dgm="http://schemas.openxmlformats.org/drawingml/2006/diagram" xmlns:dsp="http://schemas.microsoft.com/office/drawing/2008/diagram">
+    <mc:Fallback xmlns:dsp="http://schemas.microsoft.com/office/drawing/2008/diagram" xmlns:dgm="http://schemas.openxmlformats.org/drawingml/2006/diagram" xmlns:c="http://schemas.openxmlformats.org/drawingml/2006/chart" xmlns="">
       <p:transition/>
     </mc:Fallback>
   </mc:AlternateContent>
@@ -18573,7 +18573,7 @@
     <mc:Choice Requires="p14">
       <p:transition/>
     </mc:Choice>
-    <mc:Fallback xmlns="" xmlns:c="http://schemas.openxmlformats.org/drawingml/2006/chart" xmlns:dgm="http://schemas.openxmlformats.org/drawingml/2006/diagram" xmlns:dsp="http://schemas.microsoft.com/office/drawing/2008/diagram">
+    <mc:Fallback xmlns:dsp="http://schemas.microsoft.com/office/drawing/2008/diagram" xmlns:dgm="http://schemas.openxmlformats.org/drawingml/2006/diagram" xmlns:c="http://schemas.openxmlformats.org/drawingml/2006/chart" xmlns="">
       <p:transition/>
     </mc:Fallback>
   </mc:AlternateContent>
@@ -20014,7 +20014,7 @@
     <mc:Choice Requires="p14">
       <p:transition/>
     </mc:Choice>
-    <mc:Fallback xmlns="" xmlns:c="http://schemas.openxmlformats.org/drawingml/2006/chart" xmlns:dgm="http://schemas.openxmlformats.org/drawingml/2006/diagram" xmlns:dsp="http://schemas.microsoft.com/office/drawing/2008/diagram">
+    <mc:Fallback xmlns:dsp="http://schemas.microsoft.com/office/drawing/2008/diagram" xmlns:dgm="http://schemas.openxmlformats.org/drawingml/2006/diagram" xmlns:c="http://schemas.openxmlformats.org/drawingml/2006/chart" xmlns="">
       <p:transition/>
     </mc:Fallback>
   </mc:AlternateContent>
@@ -20865,7 +20865,7 @@
     <mc:Choice Requires="p14">
       <p:transition/>
     </mc:Choice>
-    <mc:Fallback xmlns="" xmlns:c="http://schemas.openxmlformats.org/drawingml/2006/chart" xmlns:dgm="http://schemas.openxmlformats.org/drawingml/2006/diagram" xmlns:dsp="http://schemas.microsoft.com/office/drawing/2008/diagram">
+    <mc:Fallback xmlns:dsp="http://schemas.microsoft.com/office/drawing/2008/diagram" xmlns:dgm="http://schemas.openxmlformats.org/drawingml/2006/diagram" xmlns:c="http://schemas.openxmlformats.org/drawingml/2006/chart" xmlns="">
       <p:transition/>
     </mc:Fallback>
   </mc:AlternateContent>
@@ -20991,7 +20991,7 @@
     <mc:Choice Requires="p14">
       <p:transition/>
     </mc:Choice>
-    <mc:Fallback xmlns="" xmlns:c="http://schemas.openxmlformats.org/drawingml/2006/chart" xmlns:dgm="http://schemas.openxmlformats.org/drawingml/2006/diagram" xmlns:dsp="http://schemas.microsoft.com/office/drawing/2008/diagram">
+    <mc:Fallback xmlns:dsp="http://schemas.microsoft.com/office/drawing/2008/diagram" xmlns:dgm="http://schemas.openxmlformats.org/drawingml/2006/diagram" xmlns:c="http://schemas.openxmlformats.org/drawingml/2006/chart" xmlns="">
       <p:transition/>
     </mc:Fallback>
   </mc:AlternateContent>
@@ -21109,7 +21109,7 @@
     <mc:Choice Requires="p14">
       <p:transition/>
     </mc:Choice>
-    <mc:Fallback xmlns="" xmlns:c="http://schemas.openxmlformats.org/drawingml/2006/chart" xmlns:dgm="http://schemas.openxmlformats.org/drawingml/2006/diagram" xmlns:dsp="http://schemas.microsoft.com/office/drawing/2008/diagram">
+    <mc:Fallback xmlns:dsp="http://schemas.microsoft.com/office/drawing/2008/diagram" xmlns:dgm="http://schemas.openxmlformats.org/drawingml/2006/diagram" xmlns:c="http://schemas.openxmlformats.org/drawingml/2006/chart" xmlns="">
       <p:transition/>
     </mc:Fallback>
   </mc:AlternateContent>
@@ -21230,7 +21230,7 @@
     <mc:Choice Requires="p14">
       <p:transition/>
     </mc:Choice>
-    <mc:Fallback xmlns:dsp="http://schemas.microsoft.com/office/drawing/2008/diagram" xmlns:dgm="http://schemas.openxmlformats.org/drawingml/2006/diagram" xmlns:c="http://schemas.openxmlformats.org/drawingml/2006/chart" xmlns="">
+    <mc:Fallback xmlns="" xmlns:c="http://schemas.openxmlformats.org/drawingml/2006/chart" xmlns:dgm="http://schemas.openxmlformats.org/drawingml/2006/diagram" xmlns:dsp="http://schemas.microsoft.com/office/drawing/2008/diagram">
       <p:transition/>
     </mc:Fallback>
   </mc:AlternateContent>
@@ -21293,7 +21293,7 @@
     <mc:Choice Requires="p14">
       <p:transition/>
     </mc:Choice>
-    <mc:Fallback xmlns:dsp="http://schemas.microsoft.com/office/drawing/2008/diagram" xmlns:dgm="http://schemas.openxmlformats.org/drawingml/2006/diagram" xmlns:c="http://schemas.openxmlformats.org/drawingml/2006/chart" xmlns="">
+    <mc:Fallback xmlns="" xmlns:c="http://schemas.openxmlformats.org/drawingml/2006/chart" xmlns:dgm="http://schemas.openxmlformats.org/drawingml/2006/diagram" xmlns:dsp="http://schemas.microsoft.com/office/drawing/2008/diagram">
       <p:transition/>
     </mc:Fallback>
   </mc:AlternateContent>
@@ -21356,7 +21356,7 @@
     <mc:Choice Requires="p14">
       <p:transition/>
     </mc:Choice>
-    <mc:Fallback xmlns:dsp="http://schemas.microsoft.com/office/drawing/2008/diagram" xmlns:dgm="http://schemas.openxmlformats.org/drawingml/2006/diagram" xmlns:c="http://schemas.openxmlformats.org/drawingml/2006/chart" xmlns="">
+    <mc:Fallback xmlns="" xmlns:c="http://schemas.openxmlformats.org/drawingml/2006/chart" xmlns:dgm="http://schemas.openxmlformats.org/drawingml/2006/diagram" xmlns:dsp="http://schemas.microsoft.com/office/drawing/2008/diagram">
       <p:transition/>
     </mc:Fallback>
   </mc:AlternateContent>
@@ -21419,7 +21419,7 @@
     <mc:Choice Requires="p14">
       <p:transition/>
     </mc:Choice>
-    <mc:Fallback xmlns:dsp="http://schemas.microsoft.com/office/drawing/2008/diagram" xmlns:dgm="http://schemas.openxmlformats.org/drawingml/2006/diagram" xmlns:c="http://schemas.openxmlformats.org/drawingml/2006/chart" xmlns="">
+    <mc:Fallback xmlns="" xmlns:c="http://schemas.openxmlformats.org/drawingml/2006/chart" xmlns:dgm="http://schemas.openxmlformats.org/drawingml/2006/diagram" xmlns:dsp="http://schemas.microsoft.com/office/drawing/2008/diagram">
       <p:transition/>
     </mc:Fallback>
   </mc:AlternateContent>
@@ -21443,6 +21443,36 @@
           <a:chExt cx="0" cy="0"/>
         </a:xfrm>
       </p:grpSpPr>
+      <p:pic>
+        <p:nvPicPr>
+          <p:cNvPr id="2" name="그림 1">
+            <a:extLst>
+              <a:ext uri="{FF2B5EF4-FFF2-40B4-BE49-F238E27FC236}">
+                <a16:creationId xmlns:a16="http://schemas.microsoft.com/office/drawing/2014/main" id="{EF2CF8E4-D0C2-420A-AB00-014B2E3085D4}"/>
+              </a:ext>
+            </a:extLst>
+          </p:cNvPr>
+          <p:cNvPicPr>
+            <a:picLocks noChangeAspect="1"/>
+          </p:cNvPicPr>
+          <p:nvPr/>
+        </p:nvPicPr>
+        <p:blipFill>
+          <a:blip r:embed="rId2"/>
+          <a:stretch>
+            <a:fillRect/>
+          </a:stretch>
+        </p:blipFill>
+        <p:spPr>
+          <a:xfrm>
+            <a:off x="319087" y="176212"/>
+            <a:ext cx="11553825" cy="6505575"/>
+          </a:xfrm>
+          <a:prstGeom prst="rect">
+            <a:avLst/>
+          </a:prstGeom>
+        </p:spPr>
+      </p:pic>
     </p:spTree>
     <p:extLst>
       <p:ext uri="{BB962C8B-B14F-4D97-AF65-F5344CB8AC3E}">
@@ -21512,7 +21542,7 @@
     <mc:Choice Requires="p14">
       <p:transition/>
     </mc:Choice>
-    <mc:Fallback xmlns:dsp="http://schemas.microsoft.com/office/drawing/2008/diagram" xmlns:dgm="http://schemas.openxmlformats.org/drawingml/2006/diagram" xmlns:c="http://schemas.openxmlformats.org/drawingml/2006/chart" xmlns="">
+    <mc:Fallback xmlns="" xmlns:c="http://schemas.openxmlformats.org/drawingml/2006/chart" xmlns:dgm="http://schemas.openxmlformats.org/drawingml/2006/diagram" xmlns:dsp="http://schemas.microsoft.com/office/drawing/2008/diagram">
       <p:transition/>
     </mc:Fallback>
   </mc:AlternateContent>
@@ -21575,7 +21605,7 @@
     <mc:Choice Requires="p14">
       <p:transition/>
     </mc:Choice>
-    <mc:Fallback xmlns:dsp="http://schemas.microsoft.com/office/drawing/2008/diagram" xmlns:dgm="http://schemas.openxmlformats.org/drawingml/2006/diagram" xmlns:c="http://schemas.openxmlformats.org/drawingml/2006/chart" xmlns="">
+    <mc:Fallback xmlns="" xmlns:c="http://schemas.openxmlformats.org/drawingml/2006/chart" xmlns:dgm="http://schemas.openxmlformats.org/drawingml/2006/diagram" xmlns:dsp="http://schemas.microsoft.com/office/drawing/2008/diagram">
       <p:transition/>
     </mc:Fallback>
   </mc:AlternateContent>
@@ -21638,7 +21668,7 @@
     <mc:Choice Requires="p14">
       <p:transition/>
     </mc:Choice>
-    <mc:Fallback xmlns:dsp="http://schemas.microsoft.com/office/drawing/2008/diagram" xmlns:dgm="http://schemas.openxmlformats.org/drawingml/2006/diagram" xmlns:c="http://schemas.openxmlformats.org/drawingml/2006/chart" xmlns="">
+    <mc:Fallback xmlns="" xmlns:c="http://schemas.openxmlformats.org/drawingml/2006/chart" xmlns:dgm="http://schemas.openxmlformats.org/drawingml/2006/diagram" xmlns:dsp="http://schemas.microsoft.com/office/drawing/2008/diagram">
       <p:transition/>
     </mc:Fallback>
   </mc:AlternateContent>
@@ -21701,7 +21731,7 @@
     <mc:Choice Requires="p14">
       <p:transition/>
     </mc:Choice>
-    <mc:Fallback xmlns:dsp="http://schemas.microsoft.com/office/drawing/2008/diagram" xmlns:dgm="http://schemas.openxmlformats.org/drawingml/2006/diagram" xmlns:c="http://schemas.openxmlformats.org/drawingml/2006/chart" xmlns="">
+    <mc:Fallback xmlns="" xmlns:c="http://schemas.openxmlformats.org/drawingml/2006/chart" xmlns:dgm="http://schemas.openxmlformats.org/drawingml/2006/diagram" xmlns:dsp="http://schemas.microsoft.com/office/drawing/2008/diagram">
       <p:transition/>
     </mc:Fallback>
   </mc:AlternateContent>
@@ -21764,7 +21794,7 @@
     <mc:Choice Requires="p14">
       <p:transition/>
     </mc:Choice>
-    <mc:Fallback xmlns:dsp="http://schemas.microsoft.com/office/drawing/2008/diagram" xmlns:dgm="http://schemas.openxmlformats.org/drawingml/2006/diagram" xmlns:c="http://schemas.openxmlformats.org/drawingml/2006/chart" xmlns="">
+    <mc:Fallback xmlns="" xmlns:c="http://schemas.openxmlformats.org/drawingml/2006/chart" xmlns:dgm="http://schemas.openxmlformats.org/drawingml/2006/diagram" xmlns:dsp="http://schemas.microsoft.com/office/drawing/2008/diagram">
       <p:transition/>
     </mc:Fallback>
   </mc:AlternateContent>
@@ -21827,7 +21857,7 @@
     <mc:Choice Requires="p14">
       <p:transition/>
     </mc:Choice>
-    <mc:Fallback xmlns:dsp="http://schemas.microsoft.com/office/drawing/2008/diagram" xmlns:dgm="http://schemas.openxmlformats.org/drawingml/2006/diagram" xmlns:c="http://schemas.openxmlformats.org/drawingml/2006/chart" xmlns="">
+    <mc:Fallback xmlns="" xmlns:c="http://schemas.openxmlformats.org/drawingml/2006/chart" xmlns:dgm="http://schemas.openxmlformats.org/drawingml/2006/diagram" xmlns:dsp="http://schemas.microsoft.com/office/drawing/2008/diagram">
       <p:transition/>
     </mc:Fallback>
   </mc:AlternateContent>
@@ -21890,7 +21920,7 @@
     <mc:Choice Requires="p14">
       <p:transition/>
     </mc:Choice>
-    <mc:Fallback xmlns:dsp="http://schemas.microsoft.com/office/drawing/2008/diagram" xmlns:dgm="http://schemas.openxmlformats.org/drawingml/2006/diagram" xmlns:c="http://schemas.openxmlformats.org/drawingml/2006/chart" xmlns="">
+    <mc:Fallback xmlns="" xmlns:c="http://schemas.openxmlformats.org/drawingml/2006/chart" xmlns:dgm="http://schemas.openxmlformats.org/drawingml/2006/diagram" xmlns:dsp="http://schemas.microsoft.com/office/drawing/2008/diagram">
       <p:transition/>
     </mc:Fallback>
   </mc:AlternateContent>
@@ -21977,7 +22007,7 @@
     <mc:Choice Requires="p14">
       <p:transition/>
     </mc:Choice>
-    <mc:Fallback xmlns:dsp="http://schemas.microsoft.com/office/drawing/2008/diagram" xmlns:dgm="http://schemas.openxmlformats.org/drawingml/2006/diagram" xmlns:c="http://schemas.openxmlformats.org/drawingml/2006/chart" xmlns="">
+    <mc:Fallback xmlns="" xmlns:c="http://schemas.openxmlformats.org/drawingml/2006/chart" xmlns:dgm="http://schemas.openxmlformats.org/drawingml/2006/diagram" xmlns:dsp="http://schemas.microsoft.com/office/drawing/2008/diagram">
       <p:transition/>
     </mc:Fallback>
   </mc:AlternateContent>
@@ -22040,7 +22070,7 @@
     <mc:Choice Requires="p14">
       <p:transition/>
     </mc:Choice>
-    <mc:Fallback xmlns:dsp="http://schemas.microsoft.com/office/drawing/2008/diagram" xmlns:dgm="http://schemas.openxmlformats.org/drawingml/2006/diagram" xmlns:c="http://schemas.openxmlformats.org/drawingml/2006/chart" xmlns="">
+    <mc:Fallback xmlns="" xmlns:c="http://schemas.openxmlformats.org/drawingml/2006/chart" xmlns:dgm="http://schemas.openxmlformats.org/drawingml/2006/diagram" xmlns:dsp="http://schemas.microsoft.com/office/drawing/2008/diagram">
       <p:transition/>
     </mc:Fallback>
   </mc:AlternateContent>
@@ -22127,7 +22157,7 @@
     <mc:Choice Requires="p14">
       <p:transition/>
     </mc:Choice>
-    <mc:Fallback xmlns:dsp="http://schemas.microsoft.com/office/drawing/2008/diagram" xmlns:dgm="http://schemas.openxmlformats.org/drawingml/2006/diagram" xmlns:c="http://schemas.openxmlformats.org/drawingml/2006/chart" xmlns="">
+    <mc:Fallback xmlns="" xmlns:c="http://schemas.openxmlformats.org/drawingml/2006/chart" xmlns:dgm="http://schemas.openxmlformats.org/drawingml/2006/diagram" xmlns:dsp="http://schemas.microsoft.com/office/drawing/2008/diagram">
       <p:transition/>
     </mc:Fallback>
   </mc:AlternateContent>
@@ -22253,7 +22283,7 @@
     <mc:Choice Requires="p14">
       <p:transition/>
     </mc:Choice>
-    <mc:Fallback xmlns:dsp="http://schemas.microsoft.com/office/drawing/2008/diagram" xmlns:dgm="http://schemas.openxmlformats.org/drawingml/2006/diagram" xmlns:c="http://schemas.openxmlformats.org/drawingml/2006/chart" xmlns="">
+    <mc:Fallback xmlns="" xmlns:c="http://schemas.openxmlformats.org/drawingml/2006/chart" xmlns:dgm="http://schemas.openxmlformats.org/drawingml/2006/diagram" xmlns:dsp="http://schemas.microsoft.com/office/drawing/2008/diagram">
       <p:transition/>
     </mc:Fallback>
   </mc:AlternateContent>
@@ -22316,7 +22346,7 @@
     <mc:Choice Requires="p14">
       <p:transition/>
     </mc:Choice>
-    <mc:Fallback xmlns:dsp="http://schemas.microsoft.com/office/drawing/2008/diagram" xmlns:dgm="http://schemas.openxmlformats.org/drawingml/2006/diagram" xmlns:c="http://schemas.openxmlformats.org/drawingml/2006/chart" xmlns="">
+    <mc:Fallback xmlns="" xmlns:c="http://schemas.openxmlformats.org/drawingml/2006/chart" xmlns:dgm="http://schemas.openxmlformats.org/drawingml/2006/diagram" xmlns:dsp="http://schemas.microsoft.com/office/drawing/2008/diagram">
       <p:transition/>
     </mc:Fallback>
   </mc:AlternateContent>
@@ -22470,7 +22500,7 @@
     <mc:Choice Requires="p14">
       <p:transition/>
     </mc:Choice>
-    <mc:Fallback xmlns:dsp="http://schemas.microsoft.com/office/drawing/2008/diagram" xmlns:dgm="http://schemas.openxmlformats.org/drawingml/2006/diagram" xmlns:c="http://schemas.openxmlformats.org/drawingml/2006/chart" xmlns="">
+    <mc:Fallback xmlns="" xmlns:c="http://schemas.openxmlformats.org/drawingml/2006/chart" xmlns:dgm="http://schemas.openxmlformats.org/drawingml/2006/diagram" xmlns:dsp="http://schemas.microsoft.com/office/drawing/2008/diagram">
       <p:transition/>
     </mc:Fallback>
   </mc:AlternateContent>
@@ -22627,7 +22657,7 @@
     <mc:Choice Requires="p14">
       <p:transition/>
     </mc:Choice>
-    <mc:Fallback xmlns:dsp="http://schemas.microsoft.com/office/drawing/2008/diagram" xmlns:dgm="http://schemas.openxmlformats.org/drawingml/2006/diagram" xmlns:c="http://schemas.openxmlformats.org/drawingml/2006/chart" xmlns="">
+    <mc:Fallback xmlns="" xmlns:c="http://schemas.openxmlformats.org/drawingml/2006/chart" xmlns:dgm="http://schemas.openxmlformats.org/drawingml/2006/diagram" xmlns:dsp="http://schemas.microsoft.com/office/drawing/2008/diagram">
       <p:transition/>
     </mc:Fallback>
   </mc:AlternateContent>
@@ -22781,7 +22811,7 @@
     <mc:Choice Requires="p14">
       <p:transition/>
     </mc:Choice>
-    <mc:Fallback xmlns:dsp="http://schemas.microsoft.com/office/drawing/2008/diagram" xmlns:dgm="http://schemas.openxmlformats.org/drawingml/2006/diagram" xmlns:c="http://schemas.openxmlformats.org/drawingml/2006/chart" xmlns="">
+    <mc:Fallback xmlns="" xmlns:c="http://schemas.openxmlformats.org/drawingml/2006/chart" xmlns:dgm="http://schemas.openxmlformats.org/drawingml/2006/diagram" xmlns:dsp="http://schemas.microsoft.com/office/drawing/2008/diagram">
       <p:transition/>
     </mc:Fallback>
   </mc:AlternateContent>
@@ -22935,7 +22965,7 @@
     <mc:Choice Requires="p14">
       <p:transition/>
     </mc:Choice>
-    <mc:Fallback xmlns:dsp="http://schemas.microsoft.com/office/drawing/2008/diagram" xmlns:dgm="http://schemas.openxmlformats.org/drawingml/2006/diagram" xmlns:c="http://schemas.openxmlformats.org/drawingml/2006/chart" xmlns="">
+    <mc:Fallback xmlns="" xmlns:c="http://schemas.openxmlformats.org/drawingml/2006/chart" xmlns:dgm="http://schemas.openxmlformats.org/drawingml/2006/diagram" xmlns:dsp="http://schemas.microsoft.com/office/drawing/2008/diagram">
       <p:transition/>
     </mc:Fallback>
   </mc:AlternateContent>
@@ -23665,7 +23695,7 @@
     <mc:Choice Requires="p14">
       <p:transition/>
     </mc:Choice>
-    <mc:Fallback xmlns:dsp="http://schemas.microsoft.com/office/drawing/2008/diagram" xmlns:dgm="http://schemas.openxmlformats.org/drawingml/2006/diagram" xmlns:c="http://schemas.openxmlformats.org/drawingml/2006/chart" xmlns="">
+    <mc:Fallback xmlns="" xmlns:c="http://schemas.openxmlformats.org/drawingml/2006/chart" xmlns:dgm="http://schemas.openxmlformats.org/drawingml/2006/diagram" xmlns:dsp="http://schemas.microsoft.com/office/drawing/2008/diagram">
       <p:transition/>
     </mc:Fallback>
   </mc:AlternateContent>
@@ -23851,7 +23881,7 @@
     <mc:Choice Requires="p14">
       <p:transition/>
     </mc:Choice>
-    <mc:Fallback xmlns:dsp="http://schemas.microsoft.com/office/drawing/2008/diagram" xmlns:dgm="http://schemas.openxmlformats.org/drawingml/2006/diagram" xmlns:c="http://schemas.openxmlformats.org/drawingml/2006/chart" xmlns="">
+    <mc:Fallback xmlns="" xmlns:c="http://schemas.openxmlformats.org/drawingml/2006/chart" xmlns:dgm="http://schemas.openxmlformats.org/drawingml/2006/diagram" xmlns:dsp="http://schemas.microsoft.com/office/drawing/2008/diagram">
       <p:transition/>
     </mc:Fallback>
   </mc:AlternateContent>

--- a/개발문서/2조 발표자료.pptx
+++ b/개발문서/2조 발표자료.pptx
@@ -1,77 +1,70 @@
 
 <file path=ppt/presentation.xml><?xml version="1.0" encoding="utf-8"?>
-<p:presentation xmlns:a="http://schemas.openxmlformats.org/drawingml/2006/main" xmlns:r="http://schemas.openxmlformats.org/officeDocument/2006/relationships" xmlns:p="http://schemas.openxmlformats.org/presentationml/2006/main" embedTrueTypeFonts="1" saveSubsetFonts="1">
+<p:presentation xmlns:r="http://schemas.openxmlformats.org/officeDocument/2006/relationships" xmlns:c="http://schemas.openxmlformats.org/drawingml/2006/chart" xmlns:a="http://schemas.openxmlformats.org/drawingml/2006/main" xmlns:dgm="http://schemas.openxmlformats.org/drawingml/2006/diagram" xmlns:dsp="http://schemas.microsoft.com/office/drawing/2008/diagram" xmlns:p="http://schemas.openxmlformats.org/presentationml/2006/main" embedTrueTypeFonts="1" saveSubsetFonts="1">
   <p:sldMasterIdLst>
-    <p:sldMasterId id="2147483693" r:id="rId1"/>
+    <p:sldMasterId id="2147483672" r:id="rId1"/>
   </p:sldMasterIdLst>
   <p:notesMasterIdLst>
-    <p:notesMasterId r:id="rId56"/>
+    <p:notesMasterId r:id="rId2"/>
   </p:notesMasterIdLst>
   <p:sldIdLst>
-    <p:sldId id="256" r:id="rId2"/>
-    <p:sldId id="257" r:id="rId3"/>
-    <p:sldId id="294" r:id="rId4"/>
-    <p:sldId id="297" r:id="rId5"/>
-    <p:sldId id="300" r:id="rId6"/>
-    <p:sldId id="309" r:id="rId7"/>
-    <p:sldId id="296" r:id="rId8"/>
-    <p:sldId id="295" r:id="rId9"/>
-    <p:sldId id="301" r:id="rId10"/>
-    <p:sldId id="259" r:id="rId11"/>
-    <p:sldId id="310" r:id="rId12"/>
-    <p:sldId id="305" r:id="rId13"/>
-    <p:sldId id="307" r:id="rId14"/>
-    <p:sldId id="308" r:id="rId15"/>
-    <p:sldId id="258" r:id="rId16"/>
-    <p:sldId id="303" r:id="rId17"/>
-    <p:sldId id="260" r:id="rId18"/>
-    <p:sldId id="261" r:id="rId19"/>
-    <p:sldId id="262" r:id="rId20"/>
-    <p:sldId id="263" r:id="rId21"/>
-    <p:sldId id="264" r:id="rId22"/>
-    <p:sldId id="265" r:id="rId23"/>
-    <p:sldId id="266" r:id="rId24"/>
-    <p:sldId id="267" r:id="rId25"/>
-    <p:sldId id="268" r:id="rId26"/>
-    <p:sldId id="269" r:id="rId27"/>
-    <p:sldId id="270" r:id="rId28"/>
-    <p:sldId id="271" r:id="rId29"/>
-    <p:sldId id="272" r:id="rId30"/>
-    <p:sldId id="273" r:id="rId31"/>
-    <p:sldId id="274" r:id="rId32"/>
-    <p:sldId id="275" r:id="rId33"/>
-    <p:sldId id="276" r:id="rId34"/>
-    <p:sldId id="277" r:id="rId35"/>
-    <p:sldId id="278" r:id="rId36"/>
-    <p:sldId id="279" r:id="rId37"/>
-    <p:sldId id="280" r:id="rId38"/>
-    <p:sldId id="281" r:id="rId39"/>
-    <p:sldId id="282" r:id="rId40"/>
-    <p:sldId id="283" r:id="rId41"/>
-    <p:sldId id="284" r:id="rId42"/>
-    <p:sldId id="285" r:id="rId43"/>
-    <p:sldId id="286" r:id="rId44"/>
-    <p:sldId id="287" r:id="rId45"/>
-    <p:sldId id="288" r:id="rId46"/>
-    <p:sldId id="289" r:id="rId47"/>
-    <p:sldId id="290" r:id="rId48"/>
-    <p:sldId id="291" r:id="rId49"/>
-    <p:sldId id="292" r:id="rId50"/>
-    <p:sldId id="293" r:id="rId51"/>
-    <p:sldId id="306" r:id="rId52"/>
-    <p:sldId id="311" r:id="rId53"/>
-    <p:sldId id="312" r:id="rId54"/>
-    <p:sldId id="304" r:id="rId55"/>
+    <p:sldId id="256" r:id="rId3"/>
+    <p:sldId id="257" r:id="rId4"/>
+    <p:sldId id="258" r:id="rId5"/>
+    <p:sldId id="259" r:id="rId6"/>
+    <p:sldId id="260" r:id="rId7"/>
+    <p:sldId id="261" r:id="rId8"/>
+    <p:sldId id="262" r:id="rId9"/>
+    <p:sldId id="263" r:id="rId10"/>
+    <p:sldId id="264" r:id="rId11"/>
+    <p:sldId id="265" r:id="rId12"/>
+    <p:sldId id="266" r:id="rId13"/>
+    <p:sldId id="267" r:id="rId14"/>
+    <p:sldId id="268" r:id="rId15"/>
+    <p:sldId id="269" r:id="rId16"/>
+    <p:sldId id="270" r:id="rId17"/>
+    <p:sldId id="271" r:id="rId18"/>
+    <p:sldId id="272" r:id="rId19"/>
+    <p:sldId id="273" r:id="rId20"/>
+    <p:sldId id="274" r:id="rId21"/>
+    <p:sldId id="275" r:id="rId22"/>
+    <p:sldId id="276" r:id="rId23"/>
+    <p:sldId id="277" r:id="rId24"/>
+    <p:sldId id="278" r:id="rId25"/>
+    <p:sldId id="279" r:id="rId26"/>
+    <p:sldId id="280" r:id="rId27"/>
+    <p:sldId id="281" r:id="rId28"/>
+    <p:sldId id="282" r:id="rId29"/>
+    <p:sldId id="283" r:id="rId30"/>
+    <p:sldId id="284" r:id="rId31"/>
+    <p:sldId id="285" r:id="rId32"/>
+    <p:sldId id="286" r:id="rId33"/>
+    <p:sldId id="287" r:id="rId34"/>
+    <p:sldId id="288" r:id="rId35"/>
+    <p:sldId id="289" r:id="rId36"/>
+    <p:sldId id="290" r:id="rId37"/>
+    <p:sldId id="291" r:id="rId38"/>
+    <p:sldId id="292" r:id="rId39"/>
+    <p:sldId id="293" r:id="rId40"/>
+    <p:sldId id="294" r:id="rId41"/>
+    <p:sldId id="295" r:id="rId42"/>
+    <p:sldId id="296" r:id="rId43"/>
+    <p:sldId id="297" r:id="rId44"/>
+    <p:sldId id="298" r:id="rId45"/>
+    <p:sldId id="299" r:id="rId46"/>
+    <p:sldId id="300" r:id="rId47"/>
+    <p:sldId id="301" r:id="rId48"/>
+    <p:sldId id="302" r:id="rId49"/>
+    <p:sldId id="303" r:id="rId50"/>
+    <p:sldId id="304" r:id="rId51"/>
+    <p:sldId id="305" r:id="rId52"/>
+    <p:sldId id="306" r:id="rId53"/>
+    <p:sldId id="307" r:id="rId54"/>
+    <p:sldId id="308" r:id="rId55"/>
+    <p:sldId id="309" r:id="rId56"/>
   </p:sldIdLst>
   <p:sldSz cx="12192000" cy="6858000"/>
   <p:notesSz cx="6858000" cy="9144000"/>
-  <p:embeddedFontLst>
-    <p:embeddedFont>
-      <p:font typeface="맑은 고딕" panose="020B0503020000020004" pitchFamily="50" charset="-127"/>
-      <p:regular r:id="rId57"/>
-      <p:bold r:id="rId58"/>
-    </p:embeddedFont>
-  </p:embeddedFontLst>
   <p:defaultTextStyle>
     <a:defPPr>
       <a:defRPr lang="ko-KR"/>
@@ -167,27 +160,11 @@
       </a:defRPr>
     </a:lvl9pPr>
   </p:defaultTextStyle>
-  <p:extLst>
-    <p:ext uri="{EFAFB233-063F-42B5-8137-9DF3F51BA10A}">
-      <p15:sldGuideLst xmlns:p15="http://schemas.microsoft.com/office/powerpoint/2012/main">
-        <p15:guide id="1" orient="horz" pos="2158">
-          <p15:clr>
-            <a:srgbClr val="A4A3A4"/>
-          </p15:clr>
-        </p15:guide>
-        <p15:guide id="2" pos="3839">
-          <p15:clr>
-            <a:srgbClr val="A4A3A4"/>
-          </p15:clr>
-        </p15:guide>
-      </p15:sldGuideLst>
-    </p:ext>
-  </p:extLst>
 </p:presentation>
 </file>
 
 <file path=ppt/notesMasters/notesMaster1.xml><?xml version="1.0" encoding="utf-8"?>
-<p:notesMaster xmlns:a="http://schemas.openxmlformats.org/drawingml/2006/main" xmlns:r="http://schemas.openxmlformats.org/officeDocument/2006/relationships" xmlns:p="http://schemas.openxmlformats.org/presentationml/2006/main">
+<p:notesMaster xmlns:r="http://schemas.openxmlformats.org/officeDocument/2006/relationships" xmlns:c="http://schemas.openxmlformats.org/drawingml/2006/chart" xmlns:a="http://schemas.openxmlformats.org/drawingml/2006/main" xmlns:dgm="http://schemas.openxmlformats.org/drawingml/2006/diagram" xmlns:dsp="http://schemas.microsoft.com/office/drawing/2008/diagram" xmlns:p="http://schemas.openxmlformats.org/presentationml/2006/main">
   <p:cSld>
     <p:bg>
       <p:bgRef idx="1001">
@@ -215,7 +192,7 @@
             <a:spLocks noGrp="1"/>
           </p:cNvSpPr>
           <p:nvPr>
-            <p:ph type="hdr" sz="quarter"/>
+            <p:ph type="hdr" sz="quarter" idx="0"/>
           </p:nvPr>
         </p:nvSpPr>
         <p:spPr>
@@ -228,13 +205,20 @@
           </a:prstGeom>
         </p:spPr>
         <p:txBody>
-          <a:bodyPr vert="horz" lIns="91440" tIns="45720" rIns="91440" bIns="45720" rtlCol="0"/>
+          <a:bodyPr vert="horz" lIns="91440" tIns="45720" rIns="91440" bIns="45720"/>
           <a:lstStyle>
             <a:lvl1pPr algn="l">
               <a:defRPr sz="1200"/>
             </a:lvl1pPr>
           </a:lstStyle>
           <a:p>
+            <a:pPr lvl="0">
+              <a:defRPr/>
+            </a:pPr>
+            <a:r>
+              <a:rPr lang="ko-KR" altLang="en-US"/>
+              <a:t/>
+            </a:r>
             <a:endParaRPr lang="ko-KR" altLang="en-US"/>
           </a:p>
         </p:txBody>
@@ -259,15 +243,21 @@
           </a:prstGeom>
         </p:spPr>
         <p:txBody>
-          <a:bodyPr vert="horz" lIns="91440" tIns="45720" rIns="91440" bIns="45720" rtlCol="0"/>
+          <a:bodyPr vert="horz" lIns="91440" tIns="45720" rIns="91440" bIns="45720"/>
           <a:lstStyle>
             <a:lvl1pPr algn="r">
               <a:defRPr sz="1200"/>
             </a:lvl1pPr>
           </a:lstStyle>
           <a:p>
-            <a:fld id="{BB8D7A32-3FBA-4CC2-AFC2-F0B3987AD6EA}" type="datetimeFigureOut">
-              <a:rPr lang="ko-KR" altLang="en-US" smtClean="0"/>
+            <a:pPr lvl="0">
+              <a:defRPr/>
+            </a:pPr>
+            <a:fld id="{BB8D7A32-3FBA-4CC2-AFC2-F0B3987AD6EA}" type="datetime1">
+              <a:rPr lang="ko-KR" altLang="en-US"/>
+              <a:pPr lvl="0">
+                <a:defRPr/>
+              </a:pPr>
               <a:t>2020-01-30</a:t>
             </a:fld>
             <a:endParaRPr lang="ko-KR" altLang="en-US"/>
@@ -278,7 +268,7 @@
         <p:nvSpPr>
           <p:cNvPr id="4" name="슬라이드 이미지 개체 틀 3"/>
           <p:cNvSpPr>
-            <a:spLocks noGrp="1" noRot="1" noChangeAspect="1"/>
+            <a:spLocks noGrp="1" noRot="1" noChangeAspect="1" noTextEdit="1"/>
           </p:cNvSpPr>
           <p:nvPr>
             <p:ph type="sldImg" idx="2"/>
@@ -300,9 +290,12 @@
           </a:ln>
         </p:spPr>
         <p:txBody>
-          <a:bodyPr vert="horz" lIns="91440" tIns="45720" rIns="91440" bIns="45720" rtlCol="0" anchor="ctr"/>
+          <a:bodyPr vert="horz" lIns="91440" tIns="45720" rIns="91440" bIns="45720" anchor="ctr"/>
           <a:lstStyle/>
           <a:p>
+            <a:pPr lvl="0">
+              <a:defRPr/>
+            </a:pPr>
             <a:endParaRPr lang="ko-KR" altLang="en-US"/>
           </a:p>
         </p:txBody>
@@ -327,42 +320,57 @@
           </a:prstGeom>
         </p:spPr>
         <p:txBody>
-          <a:bodyPr vert="horz" lIns="91440" tIns="45720" rIns="91440" bIns="45720" rtlCol="0"/>
+          <a:bodyPr vert="horz" lIns="91440" tIns="45720" rIns="91440" bIns="45720"/>
           <a:lstStyle/>
           <a:p>
-            <a:pPr lvl="0"/>
+            <a:pPr lvl="0">
+              <a:defRPr/>
+            </a:pPr>
             <a:r>
               <a:rPr lang="ko-KR" altLang="en-US"/>
               <a:t>마스터 텍스트 스타일을 편집하려면 클릭</a:t>
             </a:r>
-          </a:p>
-          <a:p>
-            <a:pPr lvl="1"/>
+            <a:endParaRPr lang="ko-KR" altLang="en-US"/>
+          </a:p>
+          <a:p>
+            <a:pPr lvl="1">
+              <a:defRPr/>
+            </a:pPr>
             <a:r>
               <a:rPr lang="ko-KR" altLang="en-US"/>
               <a:t>두 번째 수준</a:t>
             </a:r>
-          </a:p>
-          <a:p>
-            <a:pPr lvl="2"/>
+            <a:endParaRPr lang="ko-KR" altLang="en-US"/>
+          </a:p>
+          <a:p>
+            <a:pPr lvl="2">
+              <a:defRPr/>
+            </a:pPr>
             <a:r>
               <a:rPr lang="ko-KR" altLang="en-US"/>
               <a:t>세 번째 수준</a:t>
             </a:r>
-          </a:p>
-          <a:p>
-            <a:pPr lvl="3"/>
+            <a:endParaRPr lang="ko-KR" altLang="en-US"/>
+          </a:p>
+          <a:p>
+            <a:pPr lvl="3">
+              <a:defRPr/>
+            </a:pPr>
             <a:r>
               <a:rPr lang="ko-KR" altLang="en-US"/>
               <a:t>네 번째 수준</a:t>
             </a:r>
-          </a:p>
-          <a:p>
-            <a:pPr lvl="4"/>
+            <a:endParaRPr lang="ko-KR" altLang="en-US"/>
+          </a:p>
+          <a:p>
+            <a:pPr lvl="4">
+              <a:defRPr/>
+            </a:pPr>
             <a:r>
               <a:rPr lang="ko-KR" altLang="en-US"/>
               <a:t>다섯 번째 수준</a:t>
             </a:r>
+            <a:endParaRPr lang="ko-KR" altLang="en-US"/>
           </a:p>
         </p:txBody>
       </p:sp>
@@ -386,13 +394,20 @@
           </a:prstGeom>
         </p:spPr>
         <p:txBody>
-          <a:bodyPr vert="horz" lIns="91440" tIns="45720" rIns="91440" bIns="45720" rtlCol="0" anchor="b"/>
+          <a:bodyPr vert="horz" lIns="91440" tIns="45720" rIns="91440" bIns="45720" anchor="b"/>
           <a:lstStyle>
             <a:lvl1pPr algn="l">
               <a:defRPr sz="1200"/>
             </a:lvl1pPr>
           </a:lstStyle>
           <a:p>
+            <a:pPr lvl="0">
+              <a:defRPr/>
+            </a:pPr>
+            <a:r>
+              <a:rPr lang="ko-KR" altLang="en-US"/>
+              <a:t/>
+            </a:r>
             <a:endParaRPr lang="ko-KR" altLang="en-US"/>
           </a:p>
         </p:txBody>
@@ -417,15 +432,21 @@
           </a:prstGeom>
         </p:spPr>
         <p:txBody>
-          <a:bodyPr vert="horz" lIns="91440" tIns="45720" rIns="91440" bIns="45720" rtlCol="0" anchor="b"/>
+          <a:bodyPr vert="horz" lIns="91440" tIns="45720" rIns="91440" bIns="45720" anchor="b"/>
           <a:lstStyle>
             <a:lvl1pPr algn="r">
               <a:defRPr sz="1200"/>
             </a:lvl1pPr>
           </a:lstStyle>
           <a:p>
+            <a:pPr lvl="0">
+              <a:defRPr/>
+            </a:pPr>
             <a:fld id="{626BCBE2-BCE0-4009-857A-6FDF1F195BDB}" type="slidenum">
-              <a:rPr lang="ko-KR" altLang="en-US" smtClean="0"/>
+              <a:rPr lang="ko-KR" altLang="en-US"/>
+              <a:pPr lvl="0">
+                <a:defRPr/>
+              </a:pPr>
               <a:t>‹#›</a:t>
             </a:fld>
             <a:endParaRPr lang="ko-KR" altLang="en-US"/>
@@ -433,13 +454,9 @@
         </p:txBody>
       </p:sp>
     </p:spTree>
-    <p:extLst>
-      <p:ext uri="{BB962C8B-B14F-4D97-AF65-F5344CB8AC3E}">
-        <p14:creationId xmlns:p14="http://schemas.microsoft.com/office/powerpoint/2010/main" val="1018459811"/>
-      </p:ext>
-    </p:extLst>
   </p:cSld>
   <p:clrMap bg1="lt1" tx1="dk1" bg2="lt2" tx2="dk2" accent1="accent1" accent2="accent2" accent3="accent3" accent4="accent4" accent5="accent5" accent6="accent6" hlink="hlink" folHlink="folHlink"/>
+  <p:hf hdr="0" ftr="0" dt="0"/>
   <p:notesStyle>
     <a:lvl1pPr marL="0" algn="l" defTabSz="914400" rtl="0" eaLnBrk="1" latinLnBrk="1" hangingPunct="1">
       <a:defRPr sz="1200" kern="1200">
@@ -536,11 +553,11 @@
 </file>
 
 <file path=ppt/notesSlides/notesSlide1.xml><?xml version="1.0" encoding="utf-8"?>
-<p:notes xmlns:a="http://schemas.openxmlformats.org/drawingml/2006/main" xmlns:r="http://schemas.openxmlformats.org/officeDocument/2006/relationships" xmlns:p="http://schemas.openxmlformats.org/presentationml/2006/main" showMasterSp="0" showMasterPhAnim="0">
+<p:notes xmlns:r="http://schemas.openxmlformats.org/officeDocument/2006/relationships" xmlns:c="http://schemas.openxmlformats.org/drawingml/2006/chart" xmlns:a="http://schemas.openxmlformats.org/drawingml/2006/main" xmlns:dgm="http://schemas.openxmlformats.org/drawingml/2006/diagram" xmlns:dsp="http://schemas.microsoft.com/office/drawing/2008/diagram" xmlns:p="http://schemas.openxmlformats.org/presentationml/2006/main" showMasterSp="0" showMasterPhAnim="0">
   <p:cSld>
     <p:spTree>
       <p:nvGrpSpPr>
-        <p:cNvPr id="1" name="Shape 50"/>
+        <p:cNvPr id="1" name=""/>
         <p:cNvGrpSpPr/>
         <p:nvPr/>
       </p:nvGrpSpPr>
@@ -556,7 +573,7 @@
         <p:nvSpPr>
           <p:cNvPr id="51" name="Google Shape;51;p:notes"/>
           <p:cNvSpPr>
-            <a:spLocks noGrp="1" noRot="1" noChangeAspect="1"/>
+            <a:spLocks noGrp="1" noRot="1" noChangeAspect="1" noTextEdit="1"/>
           </p:cNvSpPr>
           <p:nvPr>
             <p:ph type="sldImg" idx="2"/>
@@ -570,8 +587,6 @@
           <a:custGeom>
             <a:avLst/>
             <a:gdLst/>
-            <a:ahLst/>
-            <a:cxnLst/>
             <a:rect l="l" t="t" r="r" b="b"/>
             <a:pathLst>
               <a:path w="120000" h="120000" extrusionOk="0">
@@ -613,7 +628,7 @@
           </a:prstGeom>
         </p:spPr>
         <p:txBody>
-          <a:bodyPr spcFirstLastPara="1" wrap="square" lIns="91425" tIns="91425" rIns="91425" bIns="91425" anchor="t" anchorCtr="0">
+          <a:bodyPr wrap="square" lIns="91424" tIns="91424" rIns="91424" bIns="91424" anchor="t" anchorCtr="0">
             <a:noAutofit/>
           </a:bodyPr>
           <a:lstStyle/>
@@ -626,17 +641,17 @@
                 <a:spcPts val="0"/>
               </a:spcAft>
               <a:buNone/>
-            </a:pPr>
-            <a:endParaRPr/>
+              <a:defRPr/>
+            </a:pPr>
+            <a:r>
+              <a:rPr lang="ko-KR" altLang="en-US"/>
+              <a:t/>
+            </a:r>
+            <a:endParaRPr lang="ko-KR" altLang="en-US"/>
           </a:p>
         </p:txBody>
       </p:sp>
     </p:spTree>
-    <p:extLst>
-      <p:ext uri="{BB962C8B-B14F-4D97-AF65-F5344CB8AC3E}">
-        <p14:creationId xmlns:p14="http://schemas.microsoft.com/office/powerpoint/2010/main" val="1315277146"/>
-      </p:ext>
-    </p:extLst>
   </p:cSld>
   <p:clrMapOvr>
     <a:masterClrMapping/>
@@ -21613,7 +21628,7 @@
 </file>
 
 <file path=ppt/slides/slide42.xml><?xml version="1.0" encoding="utf-8"?>
-<p:sld xmlns:a="http://schemas.openxmlformats.org/drawingml/2006/main" xmlns:r="http://schemas.openxmlformats.org/officeDocument/2006/relationships" xmlns:p="http://schemas.openxmlformats.org/presentationml/2006/main">
+<p:sld xmlns:r="http://schemas.openxmlformats.org/officeDocument/2006/relationships" xmlns:c="http://schemas.openxmlformats.org/drawingml/2006/chart" xmlns:a="http://schemas.openxmlformats.org/drawingml/2006/main" xmlns:dgm="http://schemas.openxmlformats.org/drawingml/2006/diagram" xmlns:dsp="http://schemas.microsoft.com/office/drawing/2008/diagram" xmlns:p="http://schemas.openxmlformats.org/presentationml/2006/main">
   <p:cSld>
     <p:spTree>
       <p:nvGrpSpPr>
@@ -21631,19 +21646,13 @@
       </p:grpSpPr>
       <p:pic>
         <p:nvPicPr>
-          <p:cNvPr id="2" name="그림 1">
-            <a:extLst>
-              <a:ext uri="{FF2B5EF4-FFF2-40B4-BE49-F238E27FC236}">
-                <a16:creationId xmlns:a16="http://schemas.microsoft.com/office/drawing/2014/main" id="{F8123E1E-C5F3-4ECC-93A8-AD161884FD29}"/>
-              </a:ext>
-            </a:extLst>
-          </p:cNvPr>
+          <p:cNvPr id="2" name="그림 1"/>
           <p:cNvPicPr>
             <a:picLocks noChangeAspect="1"/>
           </p:cNvPicPr>
           <p:nvPr/>
         </p:nvPicPr>
-        <p:blipFill>
+        <p:blipFill rotWithShape="1">
           <a:blip r:embed="rId2"/>
           <a:stretch>
             <a:fillRect/>
@@ -21664,11 +21673,11 @@
   <p:clrMapOvr>
     <a:masterClrMapping/>
   </p:clrMapOvr>
-  <mc:AlternateContent xmlns:mc="http://schemas.openxmlformats.org/markup-compatibility/2006" xmlns:p14="http://schemas.microsoft.com/office/powerpoint/2010/main">
-    <mc:Choice Requires="p14">
-      <p:transition/>
+  <mc:AlternateContent xmlns:mc="http://schemas.openxmlformats.org/markup-compatibility/2006">
+    <mc:Choice xmlns:p14="http://schemas.microsoft.com/office/powerpoint/2010/main" Requires="p14">
+      <p:transition xmlns:mc="http://schemas.openxmlformats.org/markup-compatibility/2006" xmlns:p14="http://schemas.microsoft.com/office/powerpoint/2010/main" mc:Ignorable="p14" p14:dur="500"/>
     </mc:Choice>
-    <mc:Fallback xmlns="" xmlns:c="http://schemas.openxmlformats.org/drawingml/2006/chart" xmlns:dgm="http://schemas.openxmlformats.org/drawingml/2006/diagram" xmlns:dsp="http://schemas.microsoft.com/office/drawing/2008/diagram">
+    <mc:Fallback>
       <p:transition/>
     </mc:Fallback>
   </mc:AlternateContent>
@@ -21676,7 +21685,7 @@
 </file>
 
 <file path=ppt/slides/slide43.xml><?xml version="1.0" encoding="utf-8"?>
-<p:sld xmlns:a="http://schemas.openxmlformats.org/drawingml/2006/main" xmlns:r="http://schemas.openxmlformats.org/officeDocument/2006/relationships" xmlns:p="http://schemas.openxmlformats.org/presentationml/2006/main">
+<p:sld xmlns:r="http://schemas.openxmlformats.org/officeDocument/2006/relationships" xmlns:c="http://schemas.openxmlformats.org/drawingml/2006/chart" xmlns:a="http://schemas.openxmlformats.org/drawingml/2006/main" xmlns:dgm="http://schemas.openxmlformats.org/drawingml/2006/diagram" xmlns:dsp="http://schemas.microsoft.com/office/drawing/2008/diagram" xmlns:p="http://schemas.openxmlformats.org/presentationml/2006/main">
   <p:cSld>
     <p:spTree>
       <p:nvGrpSpPr>
@@ -21694,19 +21703,13 @@
       </p:grpSpPr>
       <p:pic>
         <p:nvPicPr>
-          <p:cNvPr id="2" name="그림 1">
-            <a:extLst>
-              <a:ext uri="{FF2B5EF4-FFF2-40B4-BE49-F238E27FC236}">
-                <a16:creationId xmlns:a16="http://schemas.microsoft.com/office/drawing/2014/main" id="{A2F962CC-54ED-4CA8-A567-D9FECA60AD57}"/>
-              </a:ext>
-            </a:extLst>
-          </p:cNvPr>
+          <p:cNvPr id="3" name=""/>
           <p:cNvPicPr>
             <a:picLocks noChangeAspect="1"/>
           </p:cNvPicPr>
           <p:nvPr/>
         </p:nvPicPr>
-        <p:blipFill>
+        <p:blipFill rotWithShape="1">
           <a:blip r:embed="rId2"/>
           <a:stretch>
             <a:fillRect/>
@@ -21714,8 +21717,8 @@
         </p:blipFill>
         <p:spPr>
           <a:xfrm>
-            <a:off x="0" y="453712"/>
-            <a:ext cx="12192000" cy="5950576"/>
+            <a:off x="-781" y="413237"/>
+            <a:ext cx="12192000" cy="6026081"/>
           </a:xfrm>
           <a:prstGeom prst="rect">
             <a:avLst/>
@@ -21727,11 +21730,11 @@
   <p:clrMapOvr>
     <a:masterClrMapping/>
   </p:clrMapOvr>
-  <mc:AlternateContent xmlns:mc="http://schemas.openxmlformats.org/markup-compatibility/2006" xmlns:p14="http://schemas.microsoft.com/office/powerpoint/2010/main">
-    <mc:Choice Requires="p14">
-      <p:transition/>
+  <mc:AlternateContent xmlns:mc="http://schemas.openxmlformats.org/markup-compatibility/2006">
+    <mc:Choice xmlns:p14="http://schemas.microsoft.com/office/powerpoint/2010/main" Requires="p14">
+      <p:transition xmlns:mc="http://schemas.openxmlformats.org/markup-compatibility/2006" xmlns:p14="http://schemas.microsoft.com/office/powerpoint/2010/main" mc:Ignorable="p14" p14:dur="500"/>
     </mc:Choice>
-    <mc:Fallback xmlns="" xmlns:c="http://schemas.openxmlformats.org/drawingml/2006/chart" xmlns:dgm="http://schemas.openxmlformats.org/drawingml/2006/diagram" xmlns:dsp="http://schemas.microsoft.com/office/drawing/2008/diagram">
+    <mc:Fallback>
       <p:transition/>
     </mc:Fallback>
   </mc:AlternateContent>
@@ -23889,49 +23892,49 @@
 </file>
 
 <file path=ppt/theme/theme1.xml><?xml version="1.0" encoding="utf-8"?>
-<a:theme xmlns:a="http://schemas.openxmlformats.org/drawingml/2006/main" name="1_Office 테마">
+<a:theme xmlns:r="http://schemas.openxmlformats.org/officeDocument/2006/relationships" xmlns:c="http://schemas.openxmlformats.org/drawingml/2006/chart" xmlns:dgm="http://schemas.openxmlformats.org/drawingml/2006/diagram" xmlns:dsp="http://schemas.microsoft.com/office/drawing/2008/diagram" xmlns:a="http://schemas.openxmlformats.org/drawingml/2006/main" xmlns:pic="http://schemas.openxmlformats.org/drawingml/2006/picture" xmlns:wp="http://schemas.openxmlformats.org/drawingml/2006/wordprocessingDrawing" xmlns:xdr="http://schemas.openxmlformats.org/drawingml/2006/spreadsheetDrawing" xmlns:p="http://schemas.openxmlformats.org/presentationml/2006/main" name="1_Office 테마">
   <a:themeElements>
     <a:clrScheme name="Office">
       <a:dk1>
         <a:sysClr val="windowText" lastClr="000000"/>
       </a:dk1>
       <a:lt1>
-        <a:sysClr val="window" lastClr="FFFFFF"/>
+        <a:sysClr val="window" lastClr="ffffff"/>
       </a:lt1>
       <a:dk2>
-        <a:srgbClr val="44546A"/>
+        <a:srgbClr val="44546a"/>
       </a:dk2>
       <a:lt2>
-        <a:srgbClr val="E7E6E6"/>
+        <a:srgbClr val="e7e6e6"/>
       </a:lt2>
       <a:accent1>
-        <a:srgbClr val="5B9BD5"/>
+        <a:srgbClr val="5b9bd5"/>
       </a:accent1>
       <a:accent2>
-        <a:srgbClr val="ED7D31"/>
+        <a:srgbClr val="ed7d31"/>
       </a:accent2>
       <a:accent3>
-        <a:srgbClr val="A5A5A5"/>
+        <a:srgbClr val="a5a5a5"/>
       </a:accent3>
       <a:accent4>
-        <a:srgbClr val="FFC000"/>
+        <a:srgbClr val="ffc000"/>
       </a:accent4>
       <a:accent5>
-        <a:srgbClr val="4472C4"/>
+        <a:srgbClr val="4472c4"/>
       </a:accent5>
       <a:accent6>
-        <a:srgbClr val="70AD47"/>
+        <a:srgbClr val="70ad47"/>
       </a:accent6>
       <a:hlink>
-        <a:srgbClr val="0563C1"/>
+        <a:srgbClr val="0563c1"/>
       </a:hlink>
       <a:folHlink>
-        <a:srgbClr val="954F72"/>
+        <a:srgbClr val="954f72"/>
       </a:folHlink>
     </a:clrScheme>
     <a:fontScheme name="Office">
       <a:majorFont>
-        <a:latin typeface="맑은 고딕" panose="21474836470000000000"/>
+        <a:latin typeface="맑은 고딕" panose="2147483647"/>
         <a:ea typeface=""/>
         <a:cs typeface=""/>
         <a:font script="Jpan" typeface="MS PGothic"/>
@@ -23966,7 +23969,7 @@
         <a:font script="Geor" typeface="Sylfaen"/>
       </a:majorFont>
       <a:minorFont>
-        <a:latin typeface="맑은 고딕" panose="21474836470000000000"/>
+        <a:latin typeface="맑은 고딕" panose="2147483647"/>
         <a:ea typeface=""/>
         <a:cs typeface=""/>
         <a:font script="Jpan" typeface="MS PGothic"/>
@@ -24139,58 +24142,56 @@
       </a:bgFillStyleLst>
     </a:fmtScheme>
   </a:themeElements>
-  <a:objectDefaults/>
-  <a:extraClrSchemeLst/>
 </a:theme>
 </file>
 
 <file path=ppt/theme/theme2.xml><?xml version="1.0" encoding="utf-8"?>
-<a:theme xmlns:a="http://schemas.openxmlformats.org/drawingml/2006/main" name="Office 테마">
+<a:theme xmlns:r="http://schemas.openxmlformats.org/officeDocument/2006/relationships" xmlns:c="http://schemas.openxmlformats.org/drawingml/2006/chart" xmlns:dgm="http://schemas.openxmlformats.org/drawingml/2006/diagram" xmlns:dsp="http://schemas.microsoft.com/office/drawing/2008/diagram" xmlns:a="http://schemas.openxmlformats.org/drawingml/2006/main" xmlns:pic="http://schemas.openxmlformats.org/drawingml/2006/picture" xmlns:wp="http://schemas.openxmlformats.org/drawingml/2006/wordprocessingDrawing" xmlns:xdr="http://schemas.openxmlformats.org/drawingml/2006/spreadsheetDrawing" xmlns:p="http://schemas.openxmlformats.org/presentationml/2006/main" name="Office 테마">
   <a:themeElements>
     <a:clrScheme name="Office">
       <a:dk1>
         <a:sysClr val="windowText" lastClr="000000"/>
       </a:dk1>
       <a:lt1>
-        <a:sysClr val="window" lastClr="FFFFFF"/>
+        <a:sysClr val="window" lastClr="ffffff"/>
       </a:lt1>
       <a:dk2>
-        <a:srgbClr val="44546A"/>
+        <a:srgbClr val="44546a"/>
       </a:dk2>
       <a:lt2>
-        <a:srgbClr val="E7E6E6"/>
+        <a:srgbClr val="e7e6e6"/>
       </a:lt2>
       <a:accent1>
-        <a:srgbClr val="4472C4"/>
+        <a:srgbClr val="4472c4"/>
       </a:accent1>
       <a:accent2>
-        <a:srgbClr val="ED7D31"/>
+        <a:srgbClr val="ed7d31"/>
       </a:accent2>
       <a:accent3>
-        <a:srgbClr val="A5A5A5"/>
+        <a:srgbClr val="a5a5a5"/>
       </a:accent3>
       <a:accent4>
-        <a:srgbClr val="FFC000"/>
+        <a:srgbClr val="ffc000"/>
       </a:accent4>
       <a:accent5>
-        <a:srgbClr val="5B9BD5"/>
+        <a:srgbClr val="5b9bd5"/>
       </a:accent5>
       <a:accent6>
-        <a:srgbClr val="70AD47"/>
+        <a:srgbClr val="70ad47"/>
       </a:accent6>
       <a:hlink>
-        <a:srgbClr val="0563C1"/>
+        <a:srgbClr val="0563c1"/>
       </a:hlink>
       <a:folHlink>
-        <a:srgbClr val="954F72"/>
+        <a:srgbClr val="954f72"/>
       </a:folHlink>
     </a:clrScheme>
     <a:fontScheme name="Office">
       <a:majorFont>
-        <a:latin typeface="맑은 고딕" panose="020F0302020204030204"/>
+        <a:latin typeface="맑은 고딕" panose="20"/>
         <a:ea typeface=""/>
         <a:cs typeface=""/>
-        <a:font script="Jpan" typeface="游ゴシック Light"/>
+        <a:font script="Jpan" typeface="Yu Gothic Light"/>
         <a:font script="Hang" typeface="맑은 고딕"/>
         <a:font script="Hans" typeface="等线 Light"/>
         <a:font script="Hant" typeface="新細明體"/>
@@ -24239,10 +24240,10 @@
         <a:font script="Tfng" typeface="Ebrima"/>
       </a:majorFont>
       <a:minorFont>
-        <a:latin typeface="맑은 고딕" panose="020F0502020204030204"/>
+        <a:latin typeface="맑은 고딕" panose="20"/>
         <a:ea typeface=""/>
         <a:cs typeface=""/>
-        <a:font script="Jpan" typeface="游ゴシック"/>
+        <a:font script="Jpan" typeface="Yu Gothic"/>
         <a:font script="Hang" typeface="맑은 고딕"/>
         <a:font script="Hans" typeface="等线"/>
         <a:font script="Hant" typeface="新細明體"/>
@@ -24355,21 +24356,21 @@
             <a:schemeClr val="phClr"/>
           </a:solidFill>
           <a:prstDash val="solid"/>
-          <a:miter lim="800000"/>
+          <a:miter/>
         </a:ln>
         <a:ln w="12700" cap="flat" cmpd="sng" algn="ctr">
           <a:solidFill>
             <a:schemeClr val="phClr"/>
           </a:solidFill>
           <a:prstDash val="solid"/>
-          <a:miter lim="800000"/>
+          <a:miter/>
         </a:ln>
         <a:ln w="19050" cap="flat" cmpd="sng" algn="ctr">
           <a:solidFill>
             <a:schemeClr val="phClr"/>
           </a:solidFill>
           <a:prstDash val="solid"/>
-          <a:miter lim="800000"/>
+          <a:miter/>
         </a:ln>
       </a:lnStyleLst>
       <a:effectStyleLst>
@@ -24429,12 +24430,5 @@
       </a:bgFillStyleLst>
     </a:fmtScheme>
   </a:themeElements>
-  <a:objectDefaults/>
-  <a:extraClrSchemeLst/>
-  <a:extLst>
-    <a:ext uri="{05A4C25C-085E-4340-85A3-A5531E510DB2}">
-      <thm15:themeFamily xmlns:thm15="http://schemas.microsoft.com/office/thememl/2012/main" name="Office Theme" id="{62F939B6-93AF-4DB8-9C6B-D6C7DFDC589F}" vid="{4A3C46E8-61CC-4603-A589-7422A47A8E4A}"/>
-    </a:ext>
-  </a:extLst>
 </a:theme>
 </file>
--- a/개발문서/2조 발표자료.pptx
+++ b/개발문서/2조 발표자료.pptx
@@ -1,70 +1,77 @@
 
 <file path=ppt/presentation.xml><?xml version="1.0" encoding="utf-8"?>
-<p:presentation xmlns:r="http://schemas.openxmlformats.org/officeDocument/2006/relationships" xmlns:c="http://schemas.openxmlformats.org/drawingml/2006/chart" xmlns:a="http://schemas.openxmlformats.org/drawingml/2006/main" xmlns:dgm="http://schemas.openxmlformats.org/drawingml/2006/diagram" xmlns:dsp="http://schemas.microsoft.com/office/drawing/2008/diagram" xmlns:p="http://schemas.openxmlformats.org/presentationml/2006/main" embedTrueTypeFonts="1" saveSubsetFonts="1">
+<p:presentation xmlns:a="http://schemas.openxmlformats.org/drawingml/2006/main" xmlns:r="http://schemas.openxmlformats.org/officeDocument/2006/relationships" xmlns:p="http://schemas.openxmlformats.org/presentationml/2006/main" embedTrueTypeFonts="1" saveSubsetFonts="1">
   <p:sldMasterIdLst>
     <p:sldMasterId id="2147483672" r:id="rId1"/>
   </p:sldMasterIdLst>
   <p:notesMasterIdLst>
-    <p:notesMasterId r:id="rId2"/>
+    <p:notesMasterId r:id="rId56"/>
   </p:notesMasterIdLst>
   <p:sldIdLst>
-    <p:sldId id="256" r:id="rId3"/>
-    <p:sldId id="257" r:id="rId4"/>
-    <p:sldId id="258" r:id="rId5"/>
-    <p:sldId id="259" r:id="rId6"/>
-    <p:sldId id="260" r:id="rId7"/>
-    <p:sldId id="261" r:id="rId8"/>
-    <p:sldId id="262" r:id="rId9"/>
-    <p:sldId id="263" r:id="rId10"/>
-    <p:sldId id="264" r:id="rId11"/>
-    <p:sldId id="265" r:id="rId12"/>
-    <p:sldId id="266" r:id="rId13"/>
-    <p:sldId id="267" r:id="rId14"/>
-    <p:sldId id="268" r:id="rId15"/>
-    <p:sldId id="269" r:id="rId16"/>
-    <p:sldId id="270" r:id="rId17"/>
-    <p:sldId id="271" r:id="rId18"/>
-    <p:sldId id="272" r:id="rId19"/>
-    <p:sldId id="273" r:id="rId20"/>
-    <p:sldId id="274" r:id="rId21"/>
-    <p:sldId id="275" r:id="rId22"/>
-    <p:sldId id="276" r:id="rId23"/>
-    <p:sldId id="277" r:id="rId24"/>
-    <p:sldId id="278" r:id="rId25"/>
-    <p:sldId id="279" r:id="rId26"/>
-    <p:sldId id="280" r:id="rId27"/>
-    <p:sldId id="281" r:id="rId28"/>
-    <p:sldId id="282" r:id="rId29"/>
-    <p:sldId id="283" r:id="rId30"/>
-    <p:sldId id="284" r:id="rId31"/>
-    <p:sldId id="285" r:id="rId32"/>
-    <p:sldId id="286" r:id="rId33"/>
-    <p:sldId id="287" r:id="rId34"/>
-    <p:sldId id="288" r:id="rId35"/>
-    <p:sldId id="289" r:id="rId36"/>
-    <p:sldId id="290" r:id="rId37"/>
-    <p:sldId id="291" r:id="rId38"/>
-    <p:sldId id="292" r:id="rId39"/>
-    <p:sldId id="293" r:id="rId40"/>
-    <p:sldId id="294" r:id="rId41"/>
-    <p:sldId id="295" r:id="rId42"/>
-    <p:sldId id="296" r:id="rId43"/>
-    <p:sldId id="297" r:id="rId44"/>
-    <p:sldId id="298" r:id="rId45"/>
-    <p:sldId id="299" r:id="rId46"/>
-    <p:sldId id="300" r:id="rId47"/>
-    <p:sldId id="301" r:id="rId48"/>
-    <p:sldId id="302" r:id="rId49"/>
-    <p:sldId id="303" r:id="rId50"/>
-    <p:sldId id="304" r:id="rId51"/>
-    <p:sldId id="305" r:id="rId52"/>
-    <p:sldId id="306" r:id="rId53"/>
-    <p:sldId id="307" r:id="rId54"/>
-    <p:sldId id="308" r:id="rId55"/>
-    <p:sldId id="309" r:id="rId56"/>
+    <p:sldId id="256" r:id="rId2"/>
+    <p:sldId id="257" r:id="rId3"/>
+    <p:sldId id="258" r:id="rId4"/>
+    <p:sldId id="259" r:id="rId5"/>
+    <p:sldId id="260" r:id="rId6"/>
+    <p:sldId id="261" r:id="rId7"/>
+    <p:sldId id="262" r:id="rId8"/>
+    <p:sldId id="263" r:id="rId9"/>
+    <p:sldId id="264" r:id="rId10"/>
+    <p:sldId id="265" r:id="rId11"/>
+    <p:sldId id="266" r:id="rId12"/>
+    <p:sldId id="267" r:id="rId13"/>
+    <p:sldId id="268" r:id="rId14"/>
+    <p:sldId id="269" r:id="rId15"/>
+    <p:sldId id="270" r:id="rId16"/>
+    <p:sldId id="271" r:id="rId17"/>
+    <p:sldId id="272" r:id="rId18"/>
+    <p:sldId id="273" r:id="rId19"/>
+    <p:sldId id="274" r:id="rId20"/>
+    <p:sldId id="275" r:id="rId21"/>
+    <p:sldId id="276" r:id="rId22"/>
+    <p:sldId id="277" r:id="rId23"/>
+    <p:sldId id="278" r:id="rId24"/>
+    <p:sldId id="279" r:id="rId25"/>
+    <p:sldId id="280" r:id="rId26"/>
+    <p:sldId id="281" r:id="rId27"/>
+    <p:sldId id="282" r:id="rId28"/>
+    <p:sldId id="283" r:id="rId29"/>
+    <p:sldId id="284" r:id="rId30"/>
+    <p:sldId id="285" r:id="rId31"/>
+    <p:sldId id="286" r:id="rId32"/>
+    <p:sldId id="287" r:id="rId33"/>
+    <p:sldId id="288" r:id="rId34"/>
+    <p:sldId id="289" r:id="rId35"/>
+    <p:sldId id="290" r:id="rId36"/>
+    <p:sldId id="291" r:id="rId37"/>
+    <p:sldId id="292" r:id="rId38"/>
+    <p:sldId id="293" r:id="rId39"/>
+    <p:sldId id="294" r:id="rId40"/>
+    <p:sldId id="295" r:id="rId41"/>
+    <p:sldId id="296" r:id="rId42"/>
+    <p:sldId id="297" r:id="rId43"/>
+    <p:sldId id="298" r:id="rId44"/>
+    <p:sldId id="299" r:id="rId45"/>
+    <p:sldId id="300" r:id="rId46"/>
+    <p:sldId id="301" r:id="rId47"/>
+    <p:sldId id="302" r:id="rId48"/>
+    <p:sldId id="303" r:id="rId49"/>
+    <p:sldId id="304" r:id="rId50"/>
+    <p:sldId id="305" r:id="rId51"/>
+    <p:sldId id="306" r:id="rId52"/>
+    <p:sldId id="307" r:id="rId53"/>
+    <p:sldId id="308" r:id="rId54"/>
+    <p:sldId id="309" r:id="rId55"/>
   </p:sldIdLst>
   <p:sldSz cx="12192000" cy="6858000"/>
   <p:notesSz cx="6858000" cy="9144000"/>
+  <p:embeddedFontLst>
+    <p:embeddedFont>
+      <p:font typeface="맑은 고딕" panose="020B0503020000020004" pitchFamily="50" charset="-127"/>
+      <p:regular r:id="rId57"/>
+      <p:bold r:id="rId58"/>
+    </p:embeddedFont>
+  </p:embeddedFontLst>
   <p:defaultTextStyle>
     <a:defPPr>
       <a:defRPr lang="ko-KR"/>
@@ -160,11 +167,27 @@
       </a:defRPr>
     </a:lvl9pPr>
   </p:defaultTextStyle>
+  <p:extLst>
+    <p:ext uri="{EFAFB233-063F-42B5-8137-9DF3F51BA10A}">
+      <p15:sldGuideLst xmlns:p15="http://schemas.microsoft.com/office/powerpoint/2012/main">
+        <p15:guide id="1" orient="horz" pos="2157">
+          <p15:clr>
+            <a:srgbClr val="A4A3A4"/>
+          </p15:clr>
+        </p15:guide>
+        <p15:guide id="2" pos="3839">
+          <p15:clr>
+            <a:srgbClr val="A4A3A4"/>
+          </p15:clr>
+        </p15:guide>
+      </p15:sldGuideLst>
+    </p:ext>
+  </p:extLst>
 </p:presentation>
 </file>
 
 <file path=ppt/notesMasters/notesMaster1.xml><?xml version="1.0" encoding="utf-8"?>
-<p:notesMaster xmlns:r="http://schemas.openxmlformats.org/officeDocument/2006/relationships" xmlns:c="http://schemas.openxmlformats.org/drawingml/2006/chart" xmlns:a="http://schemas.openxmlformats.org/drawingml/2006/main" xmlns:dgm="http://schemas.openxmlformats.org/drawingml/2006/diagram" xmlns:dsp="http://schemas.microsoft.com/office/drawing/2008/diagram" xmlns:p="http://schemas.openxmlformats.org/presentationml/2006/main">
+<p:notesMaster xmlns:a="http://schemas.openxmlformats.org/drawingml/2006/main" xmlns:r="http://schemas.openxmlformats.org/officeDocument/2006/relationships" xmlns:p="http://schemas.openxmlformats.org/presentationml/2006/main">
   <p:cSld>
     <p:bg>
       <p:bgRef idx="1001">
@@ -192,7 +215,7 @@
             <a:spLocks noGrp="1"/>
           </p:cNvSpPr>
           <p:nvPr>
-            <p:ph type="hdr" sz="quarter" idx="0"/>
+            <p:ph type="hdr" sz="quarter"/>
           </p:nvPr>
         </p:nvSpPr>
         <p:spPr>
@@ -215,10 +238,6 @@
             <a:pPr lvl="0">
               <a:defRPr/>
             </a:pPr>
-            <a:r>
-              <a:rPr lang="ko-KR" altLang="en-US"/>
-              <a:t/>
-            </a:r>
             <a:endParaRPr lang="ko-KR" altLang="en-US"/>
           </a:p>
         </p:txBody>
@@ -258,7 +277,7 @@
               <a:pPr lvl="0">
                 <a:defRPr/>
               </a:pPr>
-              <a:t>2020-01-30</a:t>
+              <a:t>2020-01-31</a:t>
             </a:fld>
             <a:endParaRPr lang="ko-KR" altLang="en-US"/>
           </a:p>
@@ -330,7 +349,6 @@
               <a:rPr lang="ko-KR" altLang="en-US"/>
               <a:t>마스터 텍스트 스타일을 편집하려면 클릭</a:t>
             </a:r>
-            <a:endParaRPr lang="ko-KR" altLang="en-US"/>
           </a:p>
           <a:p>
             <a:pPr lvl="1">
@@ -340,7 +358,6 @@
               <a:rPr lang="ko-KR" altLang="en-US"/>
               <a:t>두 번째 수준</a:t>
             </a:r>
-            <a:endParaRPr lang="ko-KR" altLang="en-US"/>
           </a:p>
           <a:p>
             <a:pPr lvl="2">
@@ -350,7 +367,6 @@
               <a:rPr lang="ko-KR" altLang="en-US"/>
               <a:t>세 번째 수준</a:t>
             </a:r>
-            <a:endParaRPr lang="ko-KR" altLang="en-US"/>
           </a:p>
           <a:p>
             <a:pPr lvl="3">
@@ -360,7 +376,6 @@
               <a:rPr lang="ko-KR" altLang="en-US"/>
               <a:t>네 번째 수준</a:t>
             </a:r>
-            <a:endParaRPr lang="ko-KR" altLang="en-US"/>
           </a:p>
           <a:p>
             <a:pPr lvl="4">
@@ -370,7 +385,6 @@
               <a:rPr lang="ko-KR" altLang="en-US"/>
               <a:t>다섯 번째 수준</a:t>
             </a:r>
-            <a:endParaRPr lang="ko-KR" altLang="en-US"/>
           </a:p>
         </p:txBody>
       </p:sp>
@@ -404,10 +418,6 @@
             <a:pPr lvl="0">
               <a:defRPr/>
             </a:pPr>
-            <a:r>
-              <a:rPr lang="ko-KR" altLang="en-US"/>
-              <a:t/>
-            </a:r>
             <a:endParaRPr lang="ko-KR" altLang="en-US"/>
           </a:p>
         </p:txBody>
@@ -553,7 +563,7 @@
 </file>
 
 <file path=ppt/notesSlides/notesSlide1.xml><?xml version="1.0" encoding="utf-8"?>
-<p:notes xmlns:r="http://schemas.openxmlformats.org/officeDocument/2006/relationships" xmlns:c="http://schemas.openxmlformats.org/drawingml/2006/chart" xmlns:a="http://schemas.openxmlformats.org/drawingml/2006/main" xmlns:dgm="http://schemas.openxmlformats.org/drawingml/2006/diagram" xmlns:dsp="http://schemas.microsoft.com/office/drawing/2008/diagram" xmlns:p="http://schemas.openxmlformats.org/presentationml/2006/main" showMasterSp="0" showMasterPhAnim="0">
+<p:notes xmlns:a="http://schemas.openxmlformats.org/drawingml/2006/main" xmlns:r="http://schemas.openxmlformats.org/officeDocument/2006/relationships" xmlns:p="http://schemas.openxmlformats.org/presentationml/2006/main" showMasterSp="0" showMasterPhAnim="0">
   <p:cSld>
     <p:spTree>
       <p:nvGrpSpPr>
@@ -587,6 +597,8 @@
           <a:custGeom>
             <a:avLst/>
             <a:gdLst/>
+            <a:ahLst/>
+            <a:cxnLst/>
             <a:rect l="l" t="t" r="r" b="b"/>
             <a:pathLst>
               <a:path w="120000" h="120000" extrusionOk="0">
@@ -643,10 +655,6 @@
               <a:buNone/>
               <a:defRPr/>
             </a:pPr>
-            <a:r>
-              <a:rPr lang="ko-KR" altLang="en-US"/>
-              <a:t/>
-            </a:r>
             <a:endParaRPr lang="ko-KR" altLang="en-US"/>
           </a:p>
         </p:txBody>
@@ -795,7 +803,7 @@
                 </a:solidFill>
               </a:rPr>
               <a:pPr/>
-              <a:t>2020-01-30</a:t>
+              <a:t>2020-01-31</a:t>
             </a:fld>
             <a:endParaRPr lang="ko-KR" altLang="en-US">
               <a:solidFill>
@@ -995,7 +1003,7 @@
                 </a:solidFill>
               </a:rPr>
               <a:pPr/>
-              <a:t>2020-01-30</a:t>
+              <a:t>2020-01-31</a:t>
             </a:fld>
             <a:endParaRPr lang="ko-KR" altLang="en-US">
               <a:solidFill>
@@ -1205,7 +1213,7 @@
                 </a:solidFill>
               </a:rPr>
               <a:pPr/>
-              <a:t>2020-01-30</a:t>
+              <a:t>2020-01-31</a:t>
             </a:fld>
             <a:endParaRPr lang="ko-KR" altLang="en-US">
               <a:solidFill>
@@ -1405,7 +1413,7 @@
                 </a:solidFill>
               </a:rPr>
               <a:pPr/>
-              <a:t>2020-01-30</a:t>
+              <a:t>2020-01-31</a:t>
             </a:fld>
             <a:endParaRPr lang="ko-KR" altLang="en-US">
               <a:solidFill>
@@ -1682,7 +1690,7 @@
                 </a:solidFill>
               </a:rPr>
               <a:pPr/>
-              <a:t>2020-01-30</a:t>
+              <a:t>2020-01-31</a:t>
             </a:fld>
             <a:endParaRPr lang="ko-KR" altLang="en-US">
               <a:solidFill>
@@ -1943,7 +1951,7 @@
                 </a:solidFill>
               </a:rPr>
               <a:pPr/>
-              <a:t>2020-01-30</a:t>
+              <a:t>2020-01-31</a:t>
             </a:fld>
             <a:endParaRPr lang="ko-KR" altLang="en-US">
               <a:solidFill>
@@ -2339,7 +2347,7 @@
                 </a:solidFill>
               </a:rPr>
               <a:pPr/>
-              <a:t>2020-01-30</a:t>
+              <a:t>2020-01-31</a:t>
             </a:fld>
             <a:endParaRPr lang="ko-KR" altLang="en-US">
               <a:solidFill>
@@ -2488,7 +2496,7 @@
                 </a:solidFill>
               </a:rPr>
               <a:pPr/>
-              <a:t>2020-01-30</a:t>
+              <a:t>2020-01-31</a:t>
             </a:fld>
             <a:endParaRPr lang="ko-KR" altLang="en-US">
               <a:solidFill>
@@ -2615,7 +2623,7 @@
                 </a:solidFill>
               </a:rPr>
               <a:pPr/>
-              <a:t>2020-01-30</a:t>
+              <a:t>2020-01-31</a:t>
             </a:fld>
             <a:endParaRPr lang="ko-KR" altLang="en-US">
               <a:solidFill>
@@ -2922,7 +2930,7 @@
                 </a:solidFill>
               </a:rPr>
               <a:pPr/>
-              <a:t>2020-01-30</a:t>
+              <a:t>2020-01-31</a:t>
             </a:fld>
             <a:endParaRPr lang="ko-KR" altLang="en-US">
               <a:solidFill>
@@ -3206,7 +3214,7 @@
                 </a:solidFill>
               </a:rPr>
               <a:pPr/>
-              <a:t>2020-01-30</a:t>
+              <a:t>2020-01-31</a:t>
             </a:fld>
             <a:endParaRPr lang="ko-KR" altLang="en-US">
               <a:solidFill>
@@ -3449,7 +3457,7 @@
                 </a:solidFill>
               </a:rPr>
               <a:pPr/>
-              <a:t>2020-01-30</a:t>
+              <a:t>2020-01-31</a:t>
             </a:fld>
             <a:endParaRPr lang="ko-KR" altLang="en-US">
               <a:solidFill>
@@ -4071,7 +4079,7 @@
     <mc:Choice Requires="p14">
       <p:transition/>
     </mc:Choice>
-    <mc:Fallback xmlns:dsp="http://schemas.microsoft.com/office/drawing/2008/diagram" xmlns:dgm="http://schemas.openxmlformats.org/drawingml/2006/diagram" xmlns:c="http://schemas.openxmlformats.org/drawingml/2006/chart" xmlns="">
+    <mc:Fallback xmlns="" xmlns:c="http://schemas.openxmlformats.org/drawingml/2006/chart" xmlns:dgm="http://schemas.openxmlformats.org/drawingml/2006/diagram" xmlns:dsp="http://schemas.microsoft.com/office/drawing/2008/diagram">
       <p:transition/>
     </mc:Fallback>
   </mc:AlternateContent>
@@ -4991,7 +4999,7 @@
     <mc:Choice Requires="p14">
       <p:transition/>
     </mc:Choice>
-    <mc:Fallback xmlns:dsp="http://schemas.microsoft.com/office/drawing/2008/diagram" xmlns:dgm="http://schemas.openxmlformats.org/drawingml/2006/diagram" xmlns:c="http://schemas.openxmlformats.org/drawingml/2006/chart" xmlns="">
+    <mc:Fallback xmlns="" xmlns:c="http://schemas.openxmlformats.org/drawingml/2006/chart" xmlns:dgm="http://schemas.openxmlformats.org/drawingml/2006/diagram" xmlns:dsp="http://schemas.microsoft.com/office/drawing/2008/diagram">
       <p:transition/>
     </mc:Fallback>
   </mc:AlternateContent>
@@ -5122,7 +5130,7 @@
     <mc:Choice Requires="p14">
       <p:transition/>
     </mc:Choice>
-    <mc:Fallback xmlns="" xmlns:c="http://schemas.openxmlformats.org/drawingml/2006/chart" xmlns:dgm="http://schemas.openxmlformats.org/drawingml/2006/diagram" xmlns:dsp="http://schemas.microsoft.com/office/drawing/2008/diagram">
+    <mc:Fallback xmlns:dsp="http://schemas.microsoft.com/office/drawing/2008/diagram" xmlns:dgm="http://schemas.openxmlformats.org/drawingml/2006/diagram" xmlns:c="http://schemas.openxmlformats.org/drawingml/2006/chart" xmlns="">
       <p:transition/>
     </mc:Fallback>
   </mc:AlternateContent>
@@ -5198,7 +5206,7 @@
     <mc:Choice Requires="p14">
       <p:transition/>
     </mc:Choice>
-    <mc:Fallback xmlns:dsp="http://schemas.microsoft.com/office/drawing/2008/diagram" xmlns:dgm="http://schemas.openxmlformats.org/drawingml/2006/diagram" xmlns:c="http://schemas.openxmlformats.org/drawingml/2006/chart" xmlns="">
+    <mc:Fallback xmlns="" xmlns:c="http://schemas.openxmlformats.org/drawingml/2006/chart" xmlns:dgm="http://schemas.openxmlformats.org/drawingml/2006/diagram" xmlns:dsp="http://schemas.microsoft.com/office/drawing/2008/diagram">
       <p:transition/>
     </mc:Fallback>
   </mc:AlternateContent>
@@ -5274,7 +5282,7 @@
     <mc:Choice Requires="p14">
       <p:transition/>
     </mc:Choice>
-    <mc:Fallback xmlns:dsp="http://schemas.microsoft.com/office/drawing/2008/diagram" xmlns:dgm="http://schemas.openxmlformats.org/drawingml/2006/diagram" xmlns:c="http://schemas.openxmlformats.org/drawingml/2006/chart" xmlns="">
+    <mc:Fallback xmlns="" xmlns:c="http://schemas.openxmlformats.org/drawingml/2006/chart" xmlns:dgm="http://schemas.openxmlformats.org/drawingml/2006/diagram" xmlns:dsp="http://schemas.microsoft.com/office/drawing/2008/diagram">
       <p:transition/>
     </mc:Fallback>
   </mc:AlternateContent>
@@ -5350,7 +5358,7 @@
     <mc:Choice Requires="p14">
       <p:transition/>
     </mc:Choice>
-    <mc:Fallback xmlns:dsp="http://schemas.microsoft.com/office/drawing/2008/diagram" xmlns:dgm="http://schemas.openxmlformats.org/drawingml/2006/diagram" xmlns:c="http://schemas.openxmlformats.org/drawingml/2006/chart" xmlns="">
+    <mc:Fallback xmlns="" xmlns:c="http://schemas.openxmlformats.org/drawingml/2006/chart" xmlns:dgm="http://schemas.openxmlformats.org/drawingml/2006/diagram" xmlns:dsp="http://schemas.microsoft.com/office/drawing/2008/diagram">
       <p:transition/>
     </mc:Fallback>
   </mc:AlternateContent>
@@ -5429,7 +5437,7 @@
     <mc:Choice Requires="p14">
       <p:transition/>
     </mc:Choice>
-    <mc:Fallback xmlns:dsp="http://schemas.microsoft.com/office/drawing/2008/diagram" xmlns:dgm="http://schemas.openxmlformats.org/drawingml/2006/diagram" xmlns:c="http://schemas.openxmlformats.org/drawingml/2006/chart" xmlns="">
+    <mc:Fallback xmlns="" xmlns:c="http://schemas.openxmlformats.org/drawingml/2006/chart" xmlns:dgm="http://schemas.openxmlformats.org/drawingml/2006/diagram" xmlns:dsp="http://schemas.microsoft.com/office/drawing/2008/diagram">
       <p:transition/>
     </mc:Fallback>
   </mc:AlternateContent>
@@ -6514,7 +6522,7 @@
     <mc:Choice Requires="p14">
       <p:transition/>
     </mc:Choice>
-    <mc:Fallback xmlns:dsp="http://schemas.microsoft.com/office/drawing/2008/diagram" xmlns:dgm="http://schemas.openxmlformats.org/drawingml/2006/diagram" xmlns:c="http://schemas.openxmlformats.org/drawingml/2006/chart" xmlns="">
+    <mc:Fallback xmlns="" xmlns:c="http://schemas.openxmlformats.org/drawingml/2006/chart" xmlns:dgm="http://schemas.openxmlformats.org/drawingml/2006/diagram" xmlns:dsp="http://schemas.microsoft.com/office/drawing/2008/diagram">
       <p:transition/>
     </mc:Fallback>
   </mc:AlternateContent>
@@ -7371,7 +7379,7 @@
     <mc:Choice Requires="p14">
       <p:transition/>
     </mc:Choice>
-    <mc:Fallback xmlns:dsp="http://schemas.microsoft.com/office/drawing/2008/diagram" xmlns:dgm="http://schemas.openxmlformats.org/drawingml/2006/diagram" xmlns:c="http://schemas.openxmlformats.org/drawingml/2006/chart" xmlns="">
+    <mc:Fallback xmlns="" xmlns:c="http://schemas.openxmlformats.org/drawingml/2006/chart" xmlns:dgm="http://schemas.openxmlformats.org/drawingml/2006/diagram" xmlns:dsp="http://schemas.microsoft.com/office/drawing/2008/diagram">
       <p:transition/>
     </mc:Fallback>
   </mc:AlternateContent>
@@ -8209,7 +8217,7 @@
     <mc:Choice Requires="p14">
       <p:transition/>
     </mc:Choice>
-    <mc:Fallback xmlns:dsp="http://schemas.microsoft.com/office/drawing/2008/diagram" xmlns:dgm="http://schemas.openxmlformats.org/drawingml/2006/diagram" xmlns:c="http://schemas.openxmlformats.org/drawingml/2006/chart" xmlns="">
+    <mc:Fallback xmlns="" xmlns:c="http://schemas.openxmlformats.org/drawingml/2006/chart" xmlns:dgm="http://schemas.openxmlformats.org/drawingml/2006/diagram" xmlns:dsp="http://schemas.microsoft.com/office/drawing/2008/diagram">
       <p:transition/>
     </mc:Fallback>
   </mc:AlternateContent>
@@ -9190,7 +9198,7 @@
     <mc:Choice Requires="p14">
       <p:transition/>
     </mc:Choice>
-    <mc:Fallback xmlns:dsp="http://schemas.microsoft.com/office/drawing/2008/diagram" xmlns:dgm="http://schemas.openxmlformats.org/drawingml/2006/diagram" xmlns:c="http://schemas.openxmlformats.org/drawingml/2006/chart" xmlns="">
+    <mc:Fallback xmlns="" xmlns:c="http://schemas.openxmlformats.org/drawingml/2006/chart" xmlns:dgm="http://schemas.openxmlformats.org/drawingml/2006/diagram" xmlns:dsp="http://schemas.microsoft.com/office/drawing/2008/diagram">
       <p:transition/>
     </mc:Fallback>
   </mc:AlternateContent>
@@ -9431,7 +9439,7 @@
     <mc:Choice Requires="p14">
       <p:transition/>
     </mc:Choice>
-    <mc:Fallback xmlns:dsp="http://schemas.microsoft.com/office/drawing/2008/diagram" xmlns:dgm="http://schemas.openxmlformats.org/drawingml/2006/diagram" xmlns:c="http://schemas.openxmlformats.org/drawingml/2006/chart" xmlns="">
+    <mc:Fallback xmlns="" xmlns:c="http://schemas.openxmlformats.org/drawingml/2006/chart" xmlns:dgm="http://schemas.openxmlformats.org/drawingml/2006/diagram" xmlns:dsp="http://schemas.microsoft.com/office/drawing/2008/diagram">
       <p:transition/>
     </mc:Fallback>
   </mc:AlternateContent>
@@ -9510,7 +9518,7 @@
     <mc:Choice Requires="p14">
       <p:transition/>
     </mc:Choice>
-    <mc:Fallback xmlns:dsp="http://schemas.microsoft.com/office/drawing/2008/diagram" xmlns:dgm="http://schemas.openxmlformats.org/drawingml/2006/diagram" xmlns:c="http://schemas.openxmlformats.org/drawingml/2006/chart" xmlns="">
+    <mc:Fallback xmlns="" xmlns:c="http://schemas.openxmlformats.org/drawingml/2006/chart" xmlns:dgm="http://schemas.openxmlformats.org/drawingml/2006/diagram" xmlns:dsp="http://schemas.microsoft.com/office/drawing/2008/diagram">
       <p:transition/>
     </mc:Fallback>
   </mc:AlternateContent>
@@ -9883,7 +9891,7 @@
     <mc:Choice Requires="p14">
       <p:transition/>
     </mc:Choice>
-    <mc:Fallback xmlns:dsp="http://schemas.microsoft.com/office/drawing/2008/diagram" xmlns:dgm="http://schemas.openxmlformats.org/drawingml/2006/diagram" xmlns:c="http://schemas.openxmlformats.org/drawingml/2006/chart" xmlns="">
+    <mc:Fallback xmlns="" xmlns:c="http://schemas.openxmlformats.org/drawingml/2006/chart" xmlns:dgm="http://schemas.openxmlformats.org/drawingml/2006/diagram" xmlns:dsp="http://schemas.microsoft.com/office/drawing/2008/diagram">
       <p:transition/>
     </mc:Fallback>
   </mc:AlternateContent>
@@ -11264,7 +11272,7 @@
     <mc:Choice Requires="p14">
       <p:transition/>
     </mc:Choice>
-    <mc:Fallback xmlns:dsp="http://schemas.microsoft.com/office/drawing/2008/diagram" xmlns:dgm="http://schemas.openxmlformats.org/drawingml/2006/diagram" xmlns:c="http://schemas.openxmlformats.org/drawingml/2006/chart" xmlns="">
+    <mc:Fallback xmlns="" xmlns:c="http://schemas.openxmlformats.org/drawingml/2006/chart" xmlns:dgm="http://schemas.openxmlformats.org/drawingml/2006/diagram" xmlns:dsp="http://schemas.microsoft.com/office/drawing/2008/diagram">
       <p:transition/>
     </mc:Fallback>
   </mc:AlternateContent>
@@ -12348,7 +12356,7 @@
     <mc:Choice Requires="p14">
       <p:transition/>
     </mc:Choice>
-    <mc:Fallback xmlns:dsp="http://schemas.microsoft.com/office/drawing/2008/diagram" xmlns:dgm="http://schemas.openxmlformats.org/drawingml/2006/diagram" xmlns:c="http://schemas.openxmlformats.org/drawingml/2006/chart" xmlns="">
+    <mc:Fallback xmlns="" xmlns:c="http://schemas.openxmlformats.org/drawingml/2006/chart" xmlns:dgm="http://schemas.openxmlformats.org/drawingml/2006/diagram" xmlns:dsp="http://schemas.microsoft.com/office/drawing/2008/diagram">
       <p:transition/>
     </mc:Fallback>
   </mc:AlternateContent>
@@ -12958,7 +12966,7 @@
     <mc:Choice Requires="p14">
       <p:transition/>
     </mc:Choice>
-    <mc:Fallback xmlns:dsp="http://schemas.microsoft.com/office/drawing/2008/diagram" xmlns:dgm="http://schemas.openxmlformats.org/drawingml/2006/diagram" xmlns:c="http://schemas.openxmlformats.org/drawingml/2006/chart" xmlns="">
+    <mc:Fallback xmlns="" xmlns:c="http://schemas.openxmlformats.org/drawingml/2006/chart" xmlns:dgm="http://schemas.openxmlformats.org/drawingml/2006/diagram" xmlns:dsp="http://schemas.microsoft.com/office/drawing/2008/diagram">
       <p:transition/>
     </mc:Fallback>
   </mc:AlternateContent>
@@ -13811,7 +13819,7 @@
     <mc:Choice Requires="p14">
       <p:transition/>
     </mc:Choice>
-    <mc:Fallback xmlns:dsp="http://schemas.microsoft.com/office/drawing/2008/diagram" xmlns:dgm="http://schemas.openxmlformats.org/drawingml/2006/diagram" xmlns:c="http://schemas.openxmlformats.org/drawingml/2006/chart" xmlns="">
+    <mc:Fallback xmlns="" xmlns:c="http://schemas.openxmlformats.org/drawingml/2006/chart" xmlns:dgm="http://schemas.openxmlformats.org/drawingml/2006/diagram" xmlns:dsp="http://schemas.microsoft.com/office/drawing/2008/diagram">
       <p:transition/>
     </mc:Fallback>
   </mc:AlternateContent>
@@ -14482,7 +14490,7 @@
     <mc:Choice Requires="p14">
       <p:transition/>
     </mc:Choice>
-    <mc:Fallback xmlns:dsp="http://schemas.microsoft.com/office/drawing/2008/diagram" xmlns:dgm="http://schemas.openxmlformats.org/drawingml/2006/diagram" xmlns:c="http://schemas.openxmlformats.org/drawingml/2006/chart" xmlns="">
+    <mc:Fallback xmlns="" xmlns:c="http://schemas.openxmlformats.org/drawingml/2006/chart" xmlns:dgm="http://schemas.openxmlformats.org/drawingml/2006/diagram" xmlns:dsp="http://schemas.microsoft.com/office/drawing/2008/diagram">
       <p:transition/>
     </mc:Fallback>
   </mc:AlternateContent>
@@ -14994,7 +15002,7 @@
     <mc:Choice Requires="p14">
       <p:transition/>
     </mc:Choice>
-    <mc:Fallback xmlns:dsp="http://schemas.microsoft.com/office/drawing/2008/diagram" xmlns:dgm="http://schemas.openxmlformats.org/drawingml/2006/diagram" xmlns:c="http://schemas.openxmlformats.org/drawingml/2006/chart" xmlns="">
+    <mc:Fallback xmlns="" xmlns:c="http://schemas.openxmlformats.org/drawingml/2006/chart" xmlns:dgm="http://schemas.openxmlformats.org/drawingml/2006/diagram" xmlns:dsp="http://schemas.microsoft.com/office/drawing/2008/diagram">
       <p:transition/>
     </mc:Fallback>
   </mc:AlternateContent>
@@ -15865,7 +15873,7 @@
     <mc:Choice Requires="p14">
       <p:transition/>
     </mc:Choice>
-    <mc:Fallback xmlns:dsp="http://schemas.microsoft.com/office/drawing/2008/diagram" xmlns:dgm="http://schemas.openxmlformats.org/drawingml/2006/diagram" xmlns:c="http://schemas.openxmlformats.org/drawingml/2006/chart" xmlns="">
+    <mc:Fallback xmlns="" xmlns:c="http://schemas.openxmlformats.org/drawingml/2006/chart" xmlns:dgm="http://schemas.openxmlformats.org/drawingml/2006/diagram" xmlns:dsp="http://schemas.microsoft.com/office/drawing/2008/diagram">
       <p:transition/>
     </mc:Fallback>
   </mc:AlternateContent>
@@ -16515,7 +16523,7 @@
     <mc:Choice Requires="p14">
       <p:transition/>
     </mc:Choice>
-    <mc:Fallback xmlns:dsp="http://schemas.microsoft.com/office/drawing/2008/diagram" xmlns:dgm="http://schemas.openxmlformats.org/drawingml/2006/diagram" xmlns:c="http://schemas.openxmlformats.org/drawingml/2006/chart" xmlns="">
+    <mc:Fallback xmlns="" xmlns:c="http://schemas.openxmlformats.org/drawingml/2006/chart" xmlns:dgm="http://schemas.openxmlformats.org/drawingml/2006/diagram" xmlns:dsp="http://schemas.microsoft.com/office/drawing/2008/diagram">
       <p:transition/>
     </mc:Fallback>
   </mc:AlternateContent>
@@ -16641,7 +16649,7 @@
     <mc:Choice Requires="p14">
       <p:transition/>
     </mc:Choice>
-    <mc:Fallback xmlns="" xmlns:c="http://schemas.openxmlformats.org/drawingml/2006/chart" xmlns:dgm="http://schemas.openxmlformats.org/drawingml/2006/diagram" xmlns:dsp="http://schemas.microsoft.com/office/drawing/2008/diagram">
+    <mc:Fallback xmlns:dsp="http://schemas.microsoft.com/office/drawing/2008/diagram" xmlns:dgm="http://schemas.openxmlformats.org/drawingml/2006/diagram" xmlns:c="http://schemas.openxmlformats.org/drawingml/2006/chart" xmlns="">
       <p:transition/>
     </mc:Fallback>
   </mc:AlternateContent>
@@ -17717,7 +17725,7 @@
     <mc:Choice Requires="p14">
       <p:transition/>
     </mc:Choice>
-    <mc:Fallback xmlns:dsp="http://schemas.microsoft.com/office/drawing/2008/diagram" xmlns:dgm="http://schemas.openxmlformats.org/drawingml/2006/diagram" xmlns:c="http://schemas.openxmlformats.org/drawingml/2006/chart" xmlns="">
+    <mc:Fallback xmlns="" xmlns:c="http://schemas.openxmlformats.org/drawingml/2006/chart" xmlns:dgm="http://schemas.openxmlformats.org/drawingml/2006/diagram" xmlns:dsp="http://schemas.microsoft.com/office/drawing/2008/diagram">
       <p:transition/>
     </mc:Fallback>
   </mc:AlternateContent>
@@ -18588,7 +18596,7 @@
     <mc:Choice Requires="p14">
       <p:transition/>
     </mc:Choice>
-    <mc:Fallback xmlns:dsp="http://schemas.microsoft.com/office/drawing/2008/diagram" xmlns:dgm="http://schemas.openxmlformats.org/drawingml/2006/diagram" xmlns:c="http://schemas.openxmlformats.org/drawingml/2006/chart" xmlns="">
+    <mc:Fallback xmlns="" xmlns:c="http://schemas.openxmlformats.org/drawingml/2006/chart" xmlns:dgm="http://schemas.openxmlformats.org/drawingml/2006/diagram" xmlns:dsp="http://schemas.microsoft.com/office/drawing/2008/diagram">
       <p:transition/>
     </mc:Fallback>
   </mc:AlternateContent>
@@ -20029,7 +20037,7 @@
     <mc:Choice Requires="p14">
       <p:transition/>
     </mc:Choice>
-    <mc:Fallback xmlns:dsp="http://schemas.microsoft.com/office/drawing/2008/diagram" xmlns:dgm="http://schemas.openxmlformats.org/drawingml/2006/diagram" xmlns:c="http://schemas.openxmlformats.org/drawingml/2006/chart" xmlns="">
+    <mc:Fallback xmlns="" xmlns:c="http://schemas.openxmlformats.org/drawingml/2006/chart" xmlns:dgm="http://schemas.openxmlformats.org/drawingml/2006/diagram" xmlns:dsp="http://schemas.microsoft.com/office/drawing/2008/diagram">
       <p:transition/>
     </mc:Fallback>
   </mc:AlternateContent>
@@ -20880,7 +20888,7 @@
     <mc:Choice Requires="p14">
       <p:transition/>
     </mc:Choice>
-    <mc:Fallback xmlns:dsp="http://schemas.microsoft.com/office/drawing/2008/diagram" xmlns:dgm="http://schemas.openxmlformats.org/drawingml/2006/diagram" xmlns:c="http://schemas.openxmlformats.org/drawingml/2006/chart" xmlns="">
+    <mc:Fallback xmlns="" xmlns:c="http://schemas.openxmlformats.org/drawingml/2006/chart" xmlns:dgm="http://schemas.openxmlformats.org/drawingml/2006/diagram" xmlns:dsp="http://schemas.microsoft.com/office/drawing/2008/diagram">
       <p:transition/>
     </mc:Fallback>
   </mc:AlternateContent>
@@ -21006,7 +21014,7 @@
     <mc:Choice Requires="p14">
       <p:transition/>
     </mc:Choice>
-    <mc:Fallback xmlns:dsp="http://schemas.microsoft.com/office/drawing/2008/diagram" xmlns:dgm="http://schemas.openxmlformats.org/drawingml/2006/diagram" xmlns:c="http://schemas.openxmlformats.org/drawingml/2006/chart" xmlns="">
+    <mc:Fallback xmlns="" xmlns:c="http://schemas.openxmlformats.org/drawingml/2006/chart" xmlns:dgm="http://schemas.openxmlformats.org/drawingml/2006/diagram" xmlns:dsp="http://schemas.microsoft.com/office/drawing/2008/diagram">
       <p:transition/>
     </mc:Fallback>
   </mc:AlternateContent>
@@ -21124,7 +21132,7 @@
     <mc:Choice Requires="p14">
       <p:transition/>
     </mc:Choice>
-    <mc:Fallback xmlns:dsp="http://schemas.microsoft.com/office/drawing/2008/diagram" xmlns:dgm="http://schemas.openxmlformats.org/drawingml/2006/diagram" xmlns:c="http://schemas.openxmlformats.org/drawingml/2006/chart" xmlns="">
+    <mc:Fallback xmlns="" xmlns:c="http://schemas.openxmlformats.org/drawingml/2006/chart" xmlns:dgm="http://schemas.openxmlformats.org/drawingml/2006/diagram" xmlns:dsp="http://schemas.microsoft.com/office/drawing/2008/diagram">
       <p:transition/>
     </mc:Fallback>
   </mc:AlternateContent>
@@ -21245,7 +21253,7 @@
     <mc:Choice Requires="p14">
       <p:transition/>
     </mc:Choice>
-    <mc:Fallback xmlns="" xmlns:c="http://schemas.openxmlformats.org/drawingml/2006/chart" xmlns:dgm="http://schemas.openxmlformats.org/drawingml/2006/diagram" xmlns:dsp="http://schemas.microsoft.com/office/drawing/2008/diagram">
+    <mc:Fallback xmlns:dsp="http://schemas.microsoft.com/office/drawing/2008/diagram" xmlns:dgm="http://schemas.openxmlformats.org/drawingml/2006/diagram" xmlns:c="http://schemas.openxmlformats.org/drawingml/2006/chart" xmlns="">
       <p:transition/>
     </mc:Fallback>
   </mc:AlternateContent>
@@ -21308,7 +21316,7 @@
     <mc:Choice Requires="p14">
       <p:transition/>
     </mc:Choice>
-    <mc:Fallback xmlns="" xmlns:c="http://schemas.openxmlformats.org/drawingml/2006/chart" xmlns:dgm="http://schemas.openxmlformats.org/drawingml/2006/diagram" xmlns:dsp="http://schemas.microsoft.com/office/drawing/2008/diagram">
+    <mc:Fallback xmlns:dsp="http://schemas.microsoft.com/office/drawing/2008/diagram" xmlns:dgm="http://schemas.openxmlformats.org/drawingml/2006/diagram" xmlns:c="http://schemas.openxmlformats.org/drawingml/2006/chart" xmlns="">
       <p:transition/>
     </mc:Fallback>
   </mc:AlternateContent>
@@ -21371,7 +21379,7 @@
     <mc:Choice Requires="p14">
       <p:transition/>
     </mc:Choice>
-    <mc:Fallback xmlns="" xmlns:c="http://schemas.openxmlformats.org/drawingml/2006/chart" xmlns:dgm="http://schemas.openxmlformats.org/drawingml/2006/diagram" xmlns:dsp="http://schemas.microsoft.com/office/drawing/2008/diagram">
+    <mc:Fallback xmlns:dsp="http://schemas.microsoft.com/office/drawing/2008/diagram" xmlns:dgm="http://schemas.openxmlformats.org/drawingml/2006/diagram" xmlns:c="http://schemas.openxmlformats.org/drawingml/2006/chart" xmlns="">
       <p:transition/>
     </mc:Fallback>
   </mc:AlternateContent>
@@ -21434,7 +21442,7 @@
     <mc:Choice Requires="p14">
       <p:transition/>
     </mc:Choice>
-    <mc:Fallback xmlns="" xmlns:c="http://schemas.openxmlformats.org/drawingml/2006/chart" xmlns:dgm="http://schemas.openxmlformats.org/drawingml/2006/diagram" xmlns:dsp="http://schemas.microsoft.com/office/drawing/2008/diagram">
+    <mc:Fallback xmlns:dsp="http://schemas.microsoft.com/office/drawing/2008/diagram" xmlns:dgm="http://schemas.openxmlformats.org/drawingml/2006/diagram" xmlns:c="http://schemas.openxmlformats.org/drawingml/2006/chart" xmlns="">
       <p:transition/>
     </mc:Fallback>
   </mc:AlternateContent>
@@ -21557,7 +21565,7 @@
     <mc:Choice Requires="p14">
       <p:transition/>
     </mc:Choice>
-    <mc:Fallback xmlns="" xmlns:c="http://schemas.openxmlformats.org/drawingml/2006/chart" xmlns:dgm="http://schemas.openxmlformats.org/drawingml/2006/diagram" xmlns:dsp="http://schemas.microsoft.com/office/drawing/2008/diagram">
+    <mc:Fallback xmlns:dsp="http://schemas.microsoft.com/office/drawing/2008/diagram" xmlns:dgm="http://schemas.openxmlformats.org/drawingml/2006/diagram" xmlns:c="http://schemas.openxmlformats.org/drawingml/2006/chart" xmlns="">
       <p:transition/>
     </mc:Fallback>
   </mc:AlternateContent>
@@ -21620,7 +21628,7 @@
     <mc:Choice Requires="p14">
       <p:transition/>
     </mc:Choice>
-    <mc:Fallback xmlns="" xmlns:c="http://schemas.openxmlformats.org/drawingml/2006/chart" xmlns:dgm="http://schemas.openxmlformats.org/drawingml/2006/diagram" xmlns:dsp="http://schemas.microsoft.com/office/drawing/2008/diagram">
+    <mc:Fallback xmlns:dsp="http://schemas.microsoft.com/office/drawing/2008/diagram" xmlns:dgm="http://schemas.openxmlformats.org/drawingml/2006/diagram" xmlns:c="http://schemas.openxmlformats.org/drawingml/2006/chart" xmlns="">
       <p:transition/>
     </mc:Fallback>
   </mc:AlternateContent>
@@ -21628,7 +21636,7 @@
 </file>
 
 <file path=ppt/slides/slide42.xml><?xml version="1.0" encoding="utf-8"?>
-<p:sld xmlns:r="http://schemas.openxmlformats.org/officeDocument/2006/relationships" xmlns:c="http://schemas.openxmlformats.org/drawingml/2006/chart" xmlns:a="http://schemas.openxmlformats.org/drawingml/2006/main" xmlns:dgm="http://schemas.openxmlformats.org/drawingml/2006/diagram" xmlns:dsp="http://schemas.microsoft.com/office/drawing/2008/diagram" xmlns:p="http://schemas.openxmlformats.org/presentationml/2006/main">
+<p:sld xmlns:a="http://schemas.openxmlformats.org/drawingml/2006/main" xmlns:r="http://schemas.openxmlformats.org/officeDocument/2006/relationships" xmlns:p="http://schemas.openxmlformats.org/presentationml/2006/main">
   <p:cSld>
     <p:spTree>
       <p:nvGrpSpPr>
@@ -21673,11 +21681,11 @@
   <p:clrMapOvr>
     <a:masterClrMapping/>
   </p:clrMapOvr>
-  <mc:AlternateContent xmlns:mc="http://schemas.openxmlformats.org/markup-compatibility/2006">
-    <mc:Choice xmlns:p14="http://schemas.microsoft.com/office/powerpoint/2010/main" Requires="p14">
-      <p:transition xmlns:mc="http://schemas.openxmlformats.org/markup-compatibility/2006" xmlns:p14="http://schemas.microsoft.com/office/powerpoint/2010/main" mc:Ignorable="p14" p14:dur="500"/>
+  <mc:AlternateContent xmlns:mc="http://schemas.openxmlformats.org/markup-compatibility/2006" xmlns:p14="http://schemas.microsoft.com/office/powerpoint/2010/main">
+    <mc:Choice Requires="p14">
+      <p:transition/>
     </mc:Choice>
-    <mc:Fallback>
+    <mc:Fallback xmlns:dsp="http://schemas.microsoft.com/office/drawing/2008/diagram" xmlns:dgm="http://schemas.openxmlformats.org/drawingml/2006/diagram" xmlns:c="http://schemas.openxmlformats.org/drawingml/2006/chart" xmlns="">
       <p:transition/>
     </mc:Fallback>
   </mc:AlternateContent>
@@ -21685,7 +21693,7 @@
 </file>
 
 <file path=ppt/slides/slide43.xml><?xml version="1.0" encoding="utf-8"?>
-<p:sld xmlns:r="http://schemas.openxmlformats.org/officeDocument/2006/relationships" xmlns:c="http://schemas.openxmlformats.org/drawingml/2006/chart" xmlns:a="http://schemas.openxmlformats.org/drawingml/2006/main" xmlns:dgm="http://schemas.openxmlformats.org/drawingml/2006/diagram" xmlns:dsp="http://schemas.microsoft.com/office/drawing/2008/diagram" xmlns:p="http://schemas.openxmlformats.org/presentationml/2006/main">
+<p:sld xmlns:a="http://schemas.openxmlformats.org/drawingml/2006/main" xmlns:r="http://schemas.openxmlformats.org/officeDocument/2006/relationships" xmlns:p="http://schemas.openxmlformats.org/presentationml/2006/main">
   <p:cSld>
     <p:spTree>
       <p:nvGrpSpPr>
@@ -21703,7 +21711,7 @@
       </p:grpSpPr>
       <p:pic>
         <p:nvPicPr>
-          <p:cNvPr id="3" name=""/>
+          <p:cNvPr id="3" name="그림 2"/>
           <p:cNvPicPr>
             <a:picLocks noChangeAspect="1"/>
           </p:cNvPicPr>
@@ -21730,11 +21738,11 @@
   <p:clrMapOvr>
     <a:masterClrMapping/>
   </p:clrMapOvr>
-  <mc:AlternateContent xmlns:mc="http://schemas.openxmlformats.org/markup-compatibility/2006">
-    <mc:Choice xmlns:p14="http://schemas.microsoft.com/office/powerpoint/2010/main" Requires="p14">
-      <p:transition xmlns:mc="http://schemas.openxmlformats.org/markup-compatibility/2006" xmlns:p14="http://schemas.microsoft.com/office/powerpoint/2010/main" mc:Ignorable="p14" p14:dur="500"/>
+  <mc:AlternateContent xmlns:mc="http://schemas.openxmlformats.org/markup-compatibility/2006" xmlns:p14="http://schemas.microsoft.com/office/powerpoint/2010/main">
+    <mc:Choice Requires="p14">
+      <p:transition/>
     </mc:Choice>
-    <mc:Fallback>
+    <mc:Fallback xmlns:dsp="http://schemas.microsoft.com/office/drawing/2008/diagram" xmlns:dgm="http://schemas.openxmlformats.org/drawingml/2006/diagram" xmlns:c="http://schemas.openxmlformats.org/drawingml/2006/chart" xmlns="">
       <p:transition/>
     </mc:Fallback>
   </mc:AlternateContent>
@@ -21797,7 +21805,7 @@
     <mc:Choice Requires="p14">
       <p:transition/>
     </mc:Choice>
-    <mc:Fallback xmlns="" xmlns:c="http://schemas.openxmlformats.org/drawingml/2006/chart" xmlns:dgm="http://schemas.openxmlformats.org/drawingml/2006/diagram" xmlns:dsp="http://schemas.microsoft.com/office/drawing/2008/diagram">
+    <mc:Fallback xmlns:dsp="http://schemas.microsoft.com/office/drawing/2008/diagram" xmlns:dgm="http://schemas.openxmlformats.org/drawingml/2006/diagram" xmlns:c="http://schemas.openxmlformats.org/drawingml/2006/chart" xmlns="">
       <p:transition/>
     </mc:Fallback>
   </mc:AlternateContent>
@@ -21860,7 +21868,7 @@
     <mc:Choice Requires="p14">
       <p:transition/>
     </mc:Choice>
-    <mc:Fallback xmlns="" xmlns:c="http://schemas.openxmlformats.org/drawingml/2006/chart" xmlns:dgm="http://schemas.openxmlformats.org/drawingml/2006/diagram" xmlns:dsp="http://schemas.microsoft.com/office/drawing/2008/diagram">
+    <mc:Fallback xmlns:dsp="http://schemas.microsoft.com/office/drawing/2008/diagram" xmlns:dgm="http://schemas.openxmlformats.org/drawingml/2006/diagram" xmlns:c="http://schemas.openxmlformats.org/drawingml/2006/chart" xmlns="">
       <p:transition/>
     </mc:Fallback>
   </mc:AlternateContent>
@@ -21923,7 +21931,7 @@
     <mc:Choice Requires="p14">
       <p:transition/>
     </mc:Choice>
-    <mc:Fallback xmlns="" xmlns:c="http://schemas.openxmlformats.org/drawingml/2006/chart" xmlns:dgm="http://schemas.openxmlformats.org/drawingml/2006/diagram" xmlns:dsp="http://schemas.microsoft.com/office/drawing/2008/diagram">
+    <mc:Fallback xmlns:dsp="http://schemas.microsoft.com/office/drawing/2008/diagram" xmlns:dgm="http://schemas.openxmlformats.org/drawingml/2006/diagram" xmlns:c="http://schemas.openxmlformats.org/drawingml/2006/chart" xmlns="">
       <p:transition/>
     </mc:Fallback>
   </mc:AlternateContent>
@@ -22010,7 +22018,7 @@
     <mc:Choice Requires="p14">
       <p:transition/>
     </mc:Choice>
-    <mc:Fallback xmlns="" xmlns:c="http://schemas.openxmlformats.org/drawingml/2006/chart" xmlns:dgm="http://schemas.openxmlformats.org/drawingml/2006/diagram" xmlns:dsp="http://schemas.microsoft.com/office/drawing/2008/diagram">
+    <mc:Fallback xmlns:dsp="http://schemas.microsoft.com/office/drawing/2008/diagram" xmlns:dgm="http://schemas.openxmlformats.org/drawingml/2006/diagram" xmlns:c="http://schemas.openxmlformats.org/drawingml/2006/chart" xmlns="">
       <p:transition/>
     </mc:Fallback>
   </mc:AlternateContent>
@@ -22073,7 +22081,7 @@
     <mc:Choice Requires="p14">
       <p:transition/>
     </mc:Choice>
-    <mc:Fallback xmlns="" xmlns:c="http://schemas.openxmlformats.org/drawingml/2006/chart" xmlns:dgm="http://schemas.openxmlformats.org/drawingml/2006/diagram" xmlns:dsp="http://schemas.microsoft.com/office/drawing/2008/diagram">
+    <mc:Fallback xmlns:dsp="http://schemas.microsoft.com/office/drawing/2008/diagram" xmlns:dgm="http://schemas.openxmlformats.org/drawingml/2006/diagram" xmlns:c="http://schemas.openxmlformats.org/drawingml/2006/chart" xmlns="">
       <p:transition/>
     </mc:Fallback>
   </mc:AlternateContent>
@@ -22160,7 +22168,7 @@
     <mc:Choice Requires="p14">
       <p:transition/>
     </mc:Choice>
-    <mc:Fallback xmlns="" xmlns:c="http://schemas.openxmlformats.org/drawingml/2006/chart" xmlns:dgm="http://schemas.openxmlformats.org/drawingml/2006/diagram" xmlns:dsp="http://schemas.microsoft.com/office/drawing/2008/diagram">
+    <mc:Fallback xmlns:dsp="http://schemas.microsoft.com/office/drawing/2008/diagram" xmlns:dgm="http://schemas.openxmlformats.org/drawingml/2006/diagram" xmlns:c="http://schemas.openxmlformats.org/drawingml/2006/chart" xmlns="">
       <p:transition/>
     </mc:Fallback>
   </mc:AlternateContent>
@@ -22286,7 +22294,7 @@
     <mc:Choice Requires="p14">
       <p:transition/>
     </mc:Choice>
-    <mc:Fallback xmlns="" xmlns:c="http://schemas.openxmlformats.org/drawingml/2006/chart" xmlns:dgm="http://schemas.openxmlformats.org/drawingml/2006/diagram" xmlns:dsp="http://schemas.microsoft.com/office/drawing/2008/diagram">
+    <mc:Fallback xmlns:dsp="http://schemas.microsoft.com/office/drawing/2008/diagram" xmlns:dgm="http://schemas.openxmlformats.org/drawingml/2006/diagram" xmlns:c="http://schemas.openxmlformats.org/drawingml/2006/chart" xmlns="">
       <p:transition/>
     </mc:Fallback>
   </mc:AlternateContent>
@@ -22349,7 +22357,7 @@
     <mc:Choice Requires="p14">
       <p:transition/>
     </mc:Choice>
-    <mc:Fallback xmlns="" xmlns:c="http://schemas.openxmlformats.org/drawingml/2006/chart" xmlns:dgm="http://schemas.openxmlformats.org/drawingml/2006/diagram" xmlns:dsp="http://schemas.microsoft.com/office/drawing/2008/diagram">
+    <mc:Fallback xmlns:dsp="http://schemas.microsoft.com/office/drawing/2008/diagram" xmlns:dgm="http://schemas.openxmlformats.org/drawingml/2006/diagram" xmlns:c="http://schemas.openxmlformats.org/drawingml/2006/chart" xmlns="">
       <p:transition/>
     </mc:Fallback>
   </mc:AlternateContent>
@@ -22503,7 +22511,7 @@
     <mc:Choice Requires="p14">
       <p:transition/>
     </mc:Choice>
-    <mc:Fallback xmlns="" xmlns:c="http://schemas.openxmlformats.org/drawingml/2006/chart" xmlns:dgm="http://schemas.openxmlformats.org/drawingml/2006/diagram" xmlns:dsp="http://schemas.microsoft.com/office/drawing/2008/diagram">
+    <mc:Fallback xmlns:dsp="http://schemas.microsoft.com/office/drawing/2008/diagram" xmlns:dgm="http://schemas.openxmlformats.org/drawingml/2006/diagram" xmlns:c="http://schemas.openxmlformats.org/drawingml/2006/chart" xmlns="">
       <p:transition/>
     </mc:Fallback>
   </mc:AlternateContent>
@@ -22660,7 +22668,7 @@
     <mc:Choice Requires="p14">
       <p:transition/>
     </mc:Choice>
-    <mc:Fallback xmlns="" xmlns:c="http://schemas.openxmlformats.org/drawingml/2006/chart" xmlns:dgm="http://schemas.openxmlformats.org/drawingml/2006/diagram" xmlns:dsp="http://schemas.microsoft.com/office/drawing/2008/diagram">
+    <mc:Fallback xmlns:dsp="http://schemas.microsoft.com/office/drawing/2008/diagram" xmlns:dgm="http://schemas.openxmlformats.org/drawingml/2006/diagram" xmlns:c="http://schemas.openxmlformats.org/drawingml/2006/chart" xmlns="">
       <p:transition/>
     </mc:Fallback>
   </mc:AlternateContent>
@@ -22814,7 +22822,7 @@
     <mc:Choice Requires="p14">
       <p:transition/>
     </mc:Choice>
-    <mc:Fallback xmlns="" xmlns:c="http://schemas.openxmlformats.org/drawingml/2006/chart" xmlns:dgm="http://schemas.openxmlformats.org/drawingml/2006/diagram" xmlns:dsp="http://schemas.microsoft.com/office/drawing/2008/diagram">
+    <mc:Fallback xmlns:dsp="http://schemas.microsoft.com/office/drawing/2008/diagram" xmlns:dgm="http://schemas.openxmlformats.org/drawingml/2006/diagram" xmlns:c="http://schemas.openxmlformats.org/drawingml/2006/chart" xmlns="">
       <p:transition/>
     </mc:Fallback>
   </mc:AlternateContent>
@@ -22881,7 +22889,7 @@
                   <a:srgbClr val="15EEFF"/>
                 </a:solidFill>
               </a:rPr>
-              <a:t>화면정의</a:t>
+              <a:t>화면설계</a:t>
             </a:r>
             <a:endParaRPr lang="en-US" altLang="ko-KR" sz="2800" b="1" dirty="0">
               <a:solidFill>
@@ -22968,7 +22976,7 @@
     <mc:Choice Requires="p14">
       <p:transition/>
     </mc:Choice>
-    <mc:Fallback xmlns="" xmlns:c="http://schemas.openxmlformats.org/drawingml/2006/chart" xmlns:dgm="http://schemas.openxmlformats.org/drawingml/2006/diagram" xmlns:dsp="http://schemas.microsoft.com/office/drawing/2008/diagram">
+    <mc:Fallback xmlns:dsp="http://schemas.microsoft.com/office/drawing/2008/diagram" xmlns:dgm="http://schemas.openxmlformats.org/drawingml/2006/diagram" xmlns:c="http://schemas.openxmlformats.org/drawingml/2006/chart" xmlns="">
       <p:transition/>
     </mc:Fallback>
   </mc:AlternateContent>
@@ -23698,7 +23706,7 @@
     <mc:Choice Requires="p14">
       <p:transition/>
     </mc:Choice>
-    <mc:Fallback xmlns="" xmlns:c="http://schemas.openxmlformats.org/drawingml/2006/chart" xmlns:dgm="http://schemas.openxmlformats.org/drawingml/2006/diagram" xmlns:dsp="http://schemas.microsoft.com/office/drawing/2008/diagram">
+    <mc:Fallback xmlns:dsp="http://schemas.microsoft.com/office/drawing/2008/diagram" xmlns:dgm="http://schemas.openxmlformats.org/drawingml/2006/diagram" xmlns:c="http://schemas.openxmlformats.org/drawingml/2006/chart" xmlns="">
       <p:transition/>
     </mc:Fallback>
   </mc:AlternateContent>
@@ -23884,7 +23892,7 @@
     <mc:Choice Requires="p14">
       <p:transition/>
     </mc:Choice>
-    <mc:Fallback xmlns="" xmlns:c="http://schemas.openxmlformats.org/drawingml/2006/chart" xmlns:dgm="http://schemas.openxmlformats.org/drawingml/2006/diagram" xmlns:dsp="http://schemas.microsoft.com/office/drawing/2008/diagram">
+    <mc:Fallback xmlns:dsp="http://schemas.microsoft.com/office/drawing/2008/diagram" xmlns:dgm="http://schemas.openxmlformats.org/drawingml/2006/diagram" xmlns:c="http://schemas.openxmlformats.org/drawingml/2006/chart" xmlns="">
       <p:transition/>
     </mc:Fallback>
   </mc:AlternateContent>
@@ -23892,49 +23900,49 @@
 </file>
 
 <file path=ppt/theme/theme1.xml><?xml version="1.0" encoding="utf-8"?>
-<a:theme xmlns:r="http://schemas.openxmlformats.org/officeDocument/2006/relationships" xmlns:c="http://schemas.openxmlformats.org/drawingml/2006/chart" xmlns:dgm="http://schemas.openxmlformats.org/drawingml/2006/diagram" xmlns:dsp="http://schemas.microsoft.com/office/drawing/2008/diagram" xmlns:a="http://schemas.openxmlformats.org/drawingml/2006/main" xmlns:pic="http://schemas.openxmlformats.org/drawingml/2006/picture" xmlns:wp="http://schemas.openxmlformats.org/drawingml/2006/wordprocessingDrawing" xmlns:xdr="http://schemas.openxmlformats.org/drawingml/2006/spreadsheetDrawing" xmlns:p="http://schemas.openxmlformats.org/presentationml/2006/main" name="1_Office 테마">
+<a:theme xmlns:a="http://schemas.openxmlformats.org/drawingml/2006/main" name="1_Office 테마">
   <a:themeElements>
     <a:clrScheme name="Office">
       <a:dk1>
         <a:sysClr val="windowText" lastClr="000000"/>
       </a:dk1>
       <a:lt1>
-        <a:sysClr val="window" lastClr="ffffff"/>
+        <a:sysClr val="window" lastClr="FFFFFF"/>
       </a:lt1>
       <a:dk2>
-        <a:srgbClr val="44546a"/>
+        <a:srgbClr val="44546A"/>
       </a:dk2>
       <a:lt2>
-        <a:srgbClr val="e7e6e6"/>
+        <a:srgbClr val="E7E6E6"/>
       </a:lt2>
       <a:accent1>
-        <a:srgbClr val="5b9bd5"/>
+        <a:srgbClr val="5B9BD5"/>
       </a:accent1>
       <a:accent2>
-        <a:srgbClr val="ed7d31"/>
+        <a:srgbClr val="ED7D31"/>
       </a:accent2>
       <a:accent3>
-        <a:srgbClr val="a5a5a5"/>
+        <a:srgbClr val="A5A5A5"/>
       </a:accent3>
       <a:accent4>
-        <a:srgbClr val="ffc000"/>
+        <a:srgbClr val="FFC000"/>
       </a:accent4>
       <a:accent5>
-        <a:srgbClr val="4472c4"/>
+        <a:srgbClr val="4472C4"/>
       </a:accent5>
       <a:accent6>
-        <a:srgbClr val="70ad47"/>
+        <a:srgbClr val="70AD47"/>
       </a:accent6>
       <a:hlink>
-        <a:srgbClr val="0563c1"/>
+        <a:srgbClr val="0563C1"/>
       </a:hlink>
       <a:folHlink>
-        <a:srgbClr val="954f72"/>
+        <a:srgbClr val="954F72"/>
       </a:folHlink>
     </a:clrScheme>
     <a:fontScheme name="Office">
       <a:majorFont>
-        <a:latin typeface="맑은 고딕" panose="2147483647"/>
+        <a:latin typeface="맑은 고딕" panose="21474836470000000000"/>
         <a:ea typeface=""/>
         <a:cs typeface=""/>
         <a:font script="Jpan" typeface="MS PGothic"/>
@@ -23969,7 +23977,7 @@
         <a:font script="Geor" typeface="Sylfaen"/>
       </a:majorFont>
       <a:minorFont>
-        <a:latin typeface="맑은 고딕" panose="2147483647"/>
+        <a:latin typeface="맑은 고딕" panose="21474836470000000000"/>
         <a:ea typeface=""/>
         <a:cs typeface=""/>
         <a:font script="Jpan" typeface="MS PGothic"/>
@@ -24142,53 +24150,55 @@
       </a:bgFillStyleLst>
     </a:fmtScheme>
   </a:themeElements>
+  <a:objectDefaults/>
+  <a:extraClrSchemeLst/>
 </a:theme>
 </file>
 
 <file path=ppt/theme/theme2.xml><?xml version="1.0" encoding="utf-8"?>
-<a:theme xmlns:r="http://schemas.openxmlformats.org/officeDocument/2006/relationships" xmlns:c="http://schemas.openxmlformats.org/drawingml/2006/chart" xmlns:dgm="http://schemas.openxmlformats.org/drawingml/2006/diagram" xmlns:dsp="http://schemas.microsoft.com/office/drawing/2008/diagram" xmlns:a="http://schemas.openxmlformats.org/drawingml/2006/main" xmlns:pic="http://schemas.openxmlformats.org/drawingml/2006/picture" xmlns:wp="http://schemas.openxmlformats.org/drawingml/2006/wordprocessingDrawing" xmlns:xdr="http://schemas.openxmlformats.org/drawingml/2006/spreadsheetDrawing" xmlns:p="http://schemas.openxmlformats.org/presentationml/2006/main" name="Office 테마">
+<a:theme xmlns:a="http://schemas.openxmlformats.org/drawingml/2006/main" name="Office 테마">
   <a:themeElements>
     <a:clrScheme name="Office">
       <a:dk1>
         <a:sysClr val="windowText" lastClr="000000"/>
       </a:dk1>
       <a:lt1>
-        <a:sysClr val="window" lastClr="ffffff"/>
+        <a:sysClr val="window" lastClr="FFFFFF"/>
       </a:lt1>
       <a:dk2>
-        <a:srgbClr val="44546a"/>
+        <a:srgbClr val="44546A"/>
       </a:dk2>
       <a:lt2>
-        <a:srgbClr val="e7e6e6"/>
+        <a:srgbClr val="E7E6E6"/>
       </a:lt2>
       <a:accent1>
-        <a:srgbClr val="4472c4"/>
+        <a:srgbClr val="4472C4"/>
       </a:accent1>
       <a:accent2>
-        <a:srgbClr val="ed7d31"/>
+        <a:srgbClr val="ED7D31"/>
       </a:accent2>
       <a:accent3>
-        <a:srgbClr val="a5a5a5"/>
+        <a:srgbClr val="A5A5A5"/>
       </a:accent3>
       <a:accent4>
-        <a:srgbClr val="ffc000"/>
+        <a:srgbClr val="FFC000"/>
       </a:accent4>
       <a:accent5>
-        <a:srgbClr val="5b9bd5"/>
+        <a:srgbClr val="5B9BD5"/>
       </a:accent5>
       <a:accent6>
-        <a:srgbClr val="70ad47"/>
+        <a:srgbClr val="70AD47"/>
       </a:accent6>
       <a:hlink>
-        <a:srgbClr val="0563c1"/>
+        <a:srgbClr val="0563C1"/>
       </a:hlink>
       <a:folHlink>
-        <a:srgbClr val="954f72"/>
+        <a:srgbClr val="954F72"/>
       </a:folHlink>
     </a:clrScheme>
     <a:fontScheme name="Office">
       <a:majorFont>
-        <a:latin typeface="맑은 고딕" panose="20"/>
+        <a:latin typeface="맑은 고딕" panose="20000000000000000000"/>
         <a:ea typeface=""/>
         <a:cs typeface=""/>
         <a:font script="Jpan" typeface="Yu Gothic Light"/>
@@ -24240,7 +24250,7 @@
         <a:font script="Tfng" typeface="Ebrima"/>
       </a:majorFont>
       <a:minorFont>
-        <a:latin typeface="맑은 고딕" panose="20"/>
+        <a:latin typeface="맑은 고딕" panose="20000000000000000000"/>
         <a:ea typeface=""/>
         <a:cs typeface=""/>
         <a:font script="Jpan" typeface="Yu Gothic"/>
@@ -24430,5 +24440,7 @@
       </a:bgFillStyleLst>
     </a:fmtScheme>
   </a:themeElements>
+  <a:objectDefaults/>
+  <a:extraClrSchemeLst/>
 </a:theme>
 </file>
--- a/개발문서/2조 발표자료.pptx
+++ b/개발문서/2조 발표자료.pptx
@@ -1,77 +1,70 @@
 
 <file path=ppt/presentation.xml><?xml version="1.0" encoding="utf-8"?>
-<p:presentation xmlns:a="http://schemas.openxmlformats.org/drawingml/2006/main" xmlns:r="http://schemas.openxmlformats.org/officeDocument/2006/relationships" xmlns:p="http://schemas.openxmlformats.org/presentationml/2006/main" embedTrueTypeFonts="1" saveSubsetFonts="1">
+<p:presentation xmlns:r="http://schemas.openxmlformats.org/officeDocument/2006/relationships" xmlns:c="http://schemas.openxmlformats.org/drawingml/2006/chart" xmlns:a="http://schemas.openxmlformats.org/drawingml/2006/main" xmlns:dgm="http://schemas.openxmlformats.org/drawingml/2006/diagram" xmlns:dsp="http://schemas.microsoft.com/office/drawing/2008/diagram" xmlns:p="http://schemas.openxmlformats.org/presentationml/2006/main" embedTrueTypeFonts="1" saveSubsetFonts="1">
   <p:sldMasterIdLst>
-    <p:sldMasterId id="2147483672" r:id="rId1"/>
+    <p:sldMasterId id="2147483674" r:id="rId1"/>
   </p:sldMasterIdLst>
   <p:notesMasterIdLst>
-    <p:notesMasterId r:id="rId56"/>
+    <p:notesMasterId r:id="rId2"/>
   </p:notesMasterIdLst>
   <p:sldIdLst>
-    <p:sldId id="256" r:id="rId2"/>
-    <p:sldId id="257" r:id="rId3"/>
-    <p:sldId id="258" r:id="rId4"/>
-    <p:sldId id="259" r:id="rId5"/>
-    <p:sldId id="260" r:id="rId6"/>
-    <p:sldId id="261" r:id="rId7"/>
-    <p:sldId id="262" r:id="rId8"/>
-    <p:sldId id="263" r:id="rId9"/>
-    <p:sldId id="264" r:id="rId10"/>
-    <p:sldId id="265" r:id="rId11"/>
-    <p:sldId id="266" r:id="rId12"/>
-    <p:sldId id="267" r:id="rId13"/>
-    <p:sldId id="268" r:id="rId14"/>
-    <p:sldId id="269" r:id="rId15"/>
-    <p:sldId id="270" r:id="rId16"/>
-    <p:sldId id="271" r:id="rId17"/>
-    <p:sldId id="272" r:id="rId18"/>
-    <p:sldId id="273" r:id="rId19"/>
-    <p:sldId id="274" r:id="rId20"/>
-    <p:sldId id="275" r:id="rId21"/>
-    <p:sldId id="276" r:id="rId22"/>
-    <p:sldId id="277" r:id="rId23"/>
-    <p:sldId id="278" r:id="rId24"/>
-    <p:sldId id="279" r:id="rId25"/>
-    <p:sldId id="280" r:id="rId26"/>
-    <p:sldId id="281" r:id="rId27"/>
-    <p:sldId id="282" r:id="rId28"/>
-    <p:sldId id="283" r:id="rId29"/>
-    <p:sldId id="284" r:id="rId30"/>
-    <p:sldId id="285" r:id="rId31"/>
-    <p:sldId id="286" r:id="rId32"/>
-    <p:sldId id="287" r:id="rId33"/>
-    <p:sldId id="288" r:id="rId34"/>
-    <p:sldId id="289" r:id="rId35"/>
-    <p:sldId id="290" r:id="rId36"/>
-    <p:sldId id="291" r:id="rId37"/>
-    <p:sldId id="292" r:id="rId38"/>
-    <p:sldId id="293" r:id="rId39"/>
-    <p:sldId id="294" r:id="rId40"/>
-    <p:sldId id="295" r:id="rId41"/>
-    <p:sldId id="296" r:id="rId42"/>
-    <p:sldId id="297" r:id="rId43"/>
-    <p:sldId id="298" r:id="rId44"/>
-    <p:sldId id="299" r:id="rId45"/>
-    <p:sldId id="300" r:id="rId46"/>
-    <p:sldId id="301" r:id="rId47"/>
-    <p:sldId id="302" r:id="rId48"/>
-    <p:sldId id="303" r:id="rId49"/>
-    <p:sldId id="304" r:id="rId50"/>
-    <p:sldId id="305" r:id="rId51"/>
-    <p:sldId id="306" r:id="rId52"/>
-    <p:sldId id="307" r:id="rId53"/>
-    <p:sldId id="308" r:id="rId54"/>
-    <p:sldId id="309" r:id="rId55"/>
+    <p:sldId id="256" r:id="rId3"/>
+    <p:sldId id="257" r:id="rId4"/>
+    <p:sldId id="258" r:id="rId5"/>
+    <p:sldId id="259" r:id="rId6"/>
+    <p:sldId id="260" r:id="rId7"/>
+    <p:sldId id="261" r:id="rId8"/>
+    <p:sldId id="262" r:id="rId9"/>
+    <p:sldId id="263" r:id="rId10"/>
+    <p:sldId id="264" r:id="rId11"/>
+    <p:sldId id="265" r:id="rId12"/>
+    <p:sldId id="266" r:id="rId13"/>
+    <p:sldId id="267" r:id="rId14"/>
+    <p:sldId id="268" r:id="rId15"/>
+    <p:sldId id="269" r:id="rId16"/>
+    <p:sldId id="270" r:id="rId17"/>
+    <p:sldId id="271" r:id="rId18"/>
+    <p:sldId id="272" r:id="rId19"/>
+    <p:sldId id="273" r:id="rId20"/>
+    <p:sldId id="274" r:id="rId21"/>
+    <p:sldId id="275" r:id="rId22"/>
+    <p:sldId id="276" r:id="rId23"/>
+    <p:sldId id="277" r:id="rId24"/>
+    <p:sldId id="278" r:id="rId25"/>
+    <p:sldId id="279" r:id="rId26"/>
+    <p:sldId id="280" r:id="rId27"/>
+    <p:sldId id="281" r:id="rId28"/>
+    <p:sldId id="282" r:id="rId29"/>
+    <p:sldId id="283" r:id="rId30"/>
+    <p:sldId id="284" r:id="rId31"/>
+    <p:sldId id="285" r:id="rId32"/>
+    <p:sldId id="286" r:id="rId33"/>
+    <p:sldId id="287" r:id="rId34"/>
+    <p:sldId id="288" r:id="rId35"/>
+    <p:sldId id="289" r:id="rId36"/>
+    <p:sldId id="290" r:id="rId37"/>
+    <p:sldId id="291" r:id="rId38"/>
+    <p:sldId id="292" r:id="rId39"/>
+    <p:sldId id="293" r:id="rId40"/>
+    <p:sldId id="294" r:id="rId41"/>
+    <p:sldId id="295" r:id="rId42"/>
+    <p:sldId id="296" r:id="rId43"/>
+    <p:sldId id="297" r:id="rId44"/>
+    <p:sldId id="298" r:id="rId45"/>
+    <p:sldId id="299" r:id="rId46"/>
+    <p:sldId id="300" r:id="rId47"/>
+    <p:sldId id="301" r:id="rId48"/>
+    <p:sldId id="302" r:id="rId49"/>
+    <p:sldId id="303" r:id="rId50"/>
+    <p:sldId id="304" r:id="rId51"/>
+    <p:sldId id="305" r:id="rId52"/>
+    <p:sldId id="306" r:id="rId53"/>
+    <p:sldId id="307" r:id="rId54"/>
+    <p:sldId id="308" r:id="rId55"/>
+    <p:sldId id="309" r:id="rId56"/>
   </p:sldIdLst>
   <p:sldSz cx="12192000" cy="6858000"/>
   <p:notesSz cx="6858000" cy="9144000"/>
-  <p:embeddedFontLst>
-    <p:embeddedFont>
-      <p:font typeface="맑은 고딕" panose="020B0503020000020004" pitchFamily="50" charset="-127"/>
-      <p:regular r:id="rId57"/>
-      <p:bold r:id="rId58"/>
-    </p:embeddedFont>
-  </p:embeddedFontLst>
   <p:defaultTextStyle>
     <a:defPPr>
       <a:defRPr lang="ko-KR"/>
@@ -167,27 +160,11 @@
       </a:defRPr>
     </a:lvl9pPr>
   </p:defaultTextStyle>
-  <p:extLst>
-    <p:ext uri="{EFAFB233-063F-42B5-8137-9DF3F51BA10A}">
-      <p15:sldGuideLst xmlns:p15="http://schemas.microsoft.com/office/powerpoint/2012/main">
-        <p15:guide id="1" orient="horz" pos="2157">
-          <p15:clr>
-            <a:srgbClr val="A4A3A4"/>
-          </p15:clr>
-        </p15:guide>
-        <p15:guide id="2" pos="3839">
-          <p15:clr>
-            <a:srgbClr val="A4A3A4"/>
-          </p15:clr>
-        </p15:guide>
-      </p15:sldGuideLst>
-    </p:ext>
-  </p:extLst>
 </p:presentation>
 </file>
 
 <file path=ppt/notesMasters/notesMaster1.xml><?xml version="1.0" encoding="utf-8"?>
-<p:notesMaster xmlns:a="http://schemas.openxmlformats.org/drawingml/2006/main" xmlns:r="http://schemas.openxmlformats.org/officeDocument/2006/relationships" xmlns:p="http://schemas.openxmlformats.org/presentationml/2006/main">
+<p:notesMaster xmlns:r="http://schemas.openxmlformats.org/officeDocument/2006/relationships" xmlns:c="http://schemas.openxmlformats.org/drawingml/2006/chart" xmlns:a="http://schemas.openxmlformats.org/drawingml/2006/main" xmlns:dgm="http://schemas.openxmlformats.org/drawingml/2006/diagram" xmlns:dsp="http://schemas.microsoft.com/office/drawing/2008/diagram" xmlns:p="http://schemas.openxmlformats.org/presentationml/2006/main">
   <p:cSld>
     <p:bg>
       <p:bgRef idx="1001">
@@ -215,7 +192,7 @@
             <a:spLocks noGrp="1"/>
           </p:cNvSpPr>
           <p:nvPr>
-            <p:ph type="hdr" sz="quarter"/>
+            <p:ph type="hdr" sz="quarter" idx="0"/>
           </p:nvPr>
         </p:nvSpPr>
         <p:spPr>
@@ -238,6 +215,10 @@
             <a:pPr lvl="0">
               <a:defRPr/>
             </a:pPr>
+            <a:r>
+              <a:rPr lang="ko-KR" altLang="en-US"/>
+              <a:t/>
+            </a:r>
             <a:endParaRPr lang="ko-KR" altLang="en-US"/>
           </a:p>
         </p:txBody>
@@ -349,6 +330,7 @@
               <a:rPr lang="ko-KR" altLang="en-US"/>
               <a:t>마스터 텍스트 스타일을 편집하려면 클릭</a:t>
             </a:r>
+            <a:endParaRPr lang="ko-KR" altLang="en-US"/>
           </a:p>
           <a:p>
             <a:pPr lvl="1">
@@ -358,6 +340,7 @@
               <a:rPr lang="ko-KR" altLang="en-US"/>
               <a:t>두 번째 수준</a:t>
             </a:r>
+            <a:endParaRPr lang="ko-KR" altLang="en-US"/>
           </a:p>
           <a:p>
             <a:pPr lvl="2">
@@ -367,6 +350,7 @@
               <a:rPr lang="ko-KR" altLang="en-US"/>
               <a:t>세 번째 수준</a:t>
             </a:r>
+            <a:endParaRPr lang="ko-KR" altLang="en-US"/>
           </a:p>
           <a:p>
             <a:pPr lvl="3">
@@ -376,6 +360,7 @@
               <a:rPr lang="ko-KR" altLang="en-US"/>
               <a:t>네 번째 수준</a:t>
             </a:r>
+            <a:endParaRPr lang="ko-KR" altLang="en-US"/>
           </a:p>
           <a:p>
             <a:pPr lvl="4">
@@ -385,6 +370,7 @@
               <a:rPr lang="ko-KR" altLang="en-US"/>
               <a:t>다섯 번째 수준</a:t>
             </a:r>
+            <a:endParaRPr lang="ko-KR" altLang="en-US"/>
           </a:p>
         </p:txBody>
       </p:sp>
@@ -418,6 +404,10 @@
             <a:pPr lvl="0">
               <a:defRPr/>
             </a:pPr>
+            <a:r>
+              <a:rPr lang="ko-KR" altLang="en-US"/>
+              <a:t/>
+            </a:r>
             <a:endParaRPr lang="ko-KR" altLang="en-US"/>
           </a:p>
         </p:txBody>
@@ -563,7 +553,7 @@
 </file>
 
 <file path=ppt/notesSlides/notesSlide1.xml><?xml version="1.0" encoding="utf-8"?>
-<p:notes xmlns:a="http://schemas.openxmlformats.org/drawingml/2006/main" xmlns:r="http://schemas.openxmlformats.org/officeDocument/2006/relationships" xmlns:p="http://schemas.openxmlformats.org/presentationml/2006/main" showMasterSp="0" showMasterPhAnim="0">
+<p:notes xmlns:r="http://schemas.openxmlformats.org/officeDocument/2006/relationships" xmlns:c="http://schemas.openxmlformats.org/drawingml/2006/chart" xmlns:a="http://schemas.openxmlformats.org/drawingml/2006/main" xmlns:dgm="http://schemas.openxmlformats.org/drawingml/2006/diagram" xmlns:dsp="http://schemas.microsoft.com/office/drawing/2008/diagram" xmlns:p="http://schemas.openxmlformats.org/presentationml/2006/main" showMasterSp="0" showMasterPhAnim="0">
   <p:cSld>
     <p:spTree>
       <p:nvGrpSpPr>
@@ -597,8 +587,6 @@
           <a:custGeom>
             <a:avLst/>
             <a:gdLst/>
-            <a:ahLst/>
-            <a:cxnLst/>
             <a:rect l="l" t="t" r="r" b="b"/>
             <a:pathLst>
               <a:path w="120000" h="120000" extrusionOk="0">
@@ -655,6 +643,10 @@
               <a:buNone/>
               <a:defRPr/>
             </a:pPr>
+            <a:r>
+              <a:rPr lang="ko-KR" altLang="en-US"/>
+              <a:t/>
+            </a:r>
             <a:endParaRPr lang="ko-KR" altLang="en-US"/>
           </a:p>
         </p:txBody>
@@ -7387,14 +7379,13 @@
 </file>
 
 <file path=ppt/slides/slide18.xml><?xml version="1.0" encoding="utf-8"?>
-<p:sld xmlns:a="http://schemas.openxmlformats.org/drawingml/2006/main" xmlns:r="http://schemas.openxmlformats.org/officeDocument/2006/relationships" xmlns:p="http://schemas.openxmlformats.org/presentationml/2006/main">
+<p:sld xmlns:r="http://schemas.openxmlformats.org/officeDocument/2006/relationships" xmlns:c="http://schemas.openxmlformats.org/drawingml/2006/chart" xmlns:a="http://schemas.openxmlformats.org/drawingml/2006/main" xmlns:dgm="http://schemas.openxmlformats.org/drawingml/2006/diagram" xmlns:dsp="http://schemas.microsoft.com/office/drawing/2008/diagram" xmlns:p="http://schemas.openxmlformats.org/presentationml/2006/main">
   <p:cSld>
     <p:bg>
-      <p:bgPr>
+      <p:bgPr shadeToTitle="0">
         <a:solidFill>
           <a:srgbClr val="303038"/>
         </a:solidFill>
-        <a:effectLst/>
       </p:bgPr>
     </p:bg>
     <p:spTree>
@@ -7419,8 +7410,8 @@
         </p:nvSpPr>
         <p:spPr>
           <a:xfrm>
-            <a:off x="167654" y="1766558"/>
-            <a:ext cx="11457548" cy="3173176"/>
+            <a:off x="167654" y="1766557"/>
+            <a:ext cx="11457548" cy="3146438"/>
           </a:xfrm>
           <a:prstGeom prst="rect">
             <a:avLst/>
@@ -7439,9 +7430,9 @@
               <a:defRPr/>
             </a:pPr>
             <a:r>
-              <a:rPr lang="en-US" altLang="ko-KR" sz="1400" dirty="0">
-                <a:solidFill>
-                  <a:srgbClr val="E7E6E6">
+              <a:rPr lang="en-US" altLang="ko-KR" sz="1400">
+                <a:solidFill>
+                  <a:srgbClr val="e7e6e6">
                     <a:lumMod val="90000"/>
                   </a:srgbClr>
                 </a:solidFill>
@@ -7449,18 +7440,18 @@
               <a:t>8. </a:t>
             </a:r>
             <a:r>
-              <a:rPr lang="ko-KR" altLang="en-US" sz="1400" dirty="0" err="1">
-                <a:solidFill>
-                  <a:srgbClr val="E7E6E6">
+              <a:rPr lang="ko-KR" altLang="en-US" sz="1400">
+                <a:solidFill>
+                  <a:srgbClr val="e7e6e6">
                     <a:lumMod val="90000"/>
                   </a:srgbClr>
                 </a:solidFill>
               </a:rPr>
               <a:t>기프티콘</a:t>
             </a:r>
-            <a:endParaRPr lang="ko-KR" altLang="en-US" sz="1400" dirty="0">
+            <a:endParaRPr lang="ko-KR" altLang="en-US" sz="1400">
               <a:solidFill>
-                <a:srgbClr val="E7E6E6">
+                <a:srgbClr val="e7e6e6">
                   <a:lumMod val="90000"/>
                 </a:srgbClr>
               </a:solidFill>
@@ -7474,9 +7465,9 @@
               <a:defRPr/>
             </a:pPr>
             <a:r>
-              <a:rPr lang="en-US" altLang="ko-KR" sz="1400" dirty="0">
-                <a:solidFill>
-                  <a:srgbClr val="E7E6E6">
+              <a:rPr lang="en-US" altLang="ko-KR" sz="1400">
+                <a:solidFill>
+                  <a:srgbClr val="e7e6e6">
                     <a:lumMod val="90000"/>
                   </a:srgbClr>
                 </a:solidFill>
@@ -7484,65 +7475,32 @@
               <a:t>- </a:t>
             </a:r>
             <a:r>
-              <a:rPr lang="ko-KR" altLang="en-US" sz="1400" dirty="0">
-                <a:solidFill>
-                  <a:srgbClr val="E7E6E6">
-                    <a:lumMod val="90000"/>
-                  </a:srgbClr>
-                </a:solidFill>
-              </a:rPr>
-              <a:t>비회원은 </a:t>
-            </a:r>
-            <a:r>
-              <a:rPr lang="ko-KR" altLang="en-US" sz="1400" dirty="0" err="1">
-                <a:solidFill>
-                  <a:srgbClr val="E7E6E6">
-                    <a:lumMod val="90000"/>
-                  </a:srgbClr>
-                </a:solidFill>
-              </a:rPr>
-              <a:t>기프티콘의</a:t>
-            </a:r>
-            <a:r>
-              <a:rPr lang="ko-KR" altLang="en-US" sz="1400" dirty="0">
-                <a:solidFill>
-                  <a:srgbClr val="E7E6E6">
-                    <a:lumMod val="90000"/>
-                  </a:srgbClr>
-                </a:solidFill>
-              </a:rPr>
-              <a:t> 전체 목록을 조회 및 검색하고 </a:t>
-            </a:r>
-            <a:r>
-              <a:rPr lang="ko-KR" altLang="en-US" sz="1400" dirty="0" err="1">
-                <a:solidFill>
-                  <a:srgbClr val="E7E6E6">
-                    <a:lumMod val="90000"/>
-                  </a:srgbClr>
-                </a:solidFill>
-              </a:rPr>
-              <a:t>상세보기할</a:t>
-            </a:r>
-            <a:r>
-              <a:rPr lang="ko-KR" altLang="en-US" sz="1400" dirty="0">
-                <a:solidFill>
-                  <a:srgbClr val="E7E6E6">
-                    <a:lumMod val="90000"/>
-                  </a:srgbClr>
-                </a:solidFill>
-              </a:rPr>
-              <a:t> 수 있다</a:t>
-            </a:r>
-            <a:r>
-              <a:rPr lang="en-US" altLang="ko-KR" sz="1400" dirty="0">
-                <a:solidFill>
-                  <a:srgbClr val="E7E6E6">
+              <a:rPr lang="ko-KR" altLang="en-US" sz="1400">
+                <a:solidFill>
+                  <a:srgbClr val="e7e6e6">
+                    <a:lumMod val="90000"/>
+                  </a:srgbClr>
+                </a:solidFill>
+              </a:rPr>
+              <a:t>비회원은 기프티콘의 전체 목록을 조회 및 상세보기할 수 있다</a:t>
+            </a:r>
+            <a:r>
+              <a:rPr lang="en-US" altLang="ko-KR" sz="1400">
+                <a:solidFill>
+                  <a:srgbClr val="e7e6e6">
                     <a:lumMod val="90000"/>
                   </a:srgbClr>
                 </a:solidFill>
               </a:rPr>
               <a:t>.</a:t>
             </a:r>
+            <a:endParaRPr lang="en-US" altLang="ko-KR" sz="1400">
+              <a:solidFill>
+                <a:srgbClr val="e7e6e6">
+                  <a:lumMod val="90000"/>
+                </a:srgbClr>
+              </a:solidFill>
+            </a:endParaRPr>
           </a:p>
           <a:p>
             <a:pPr lvl="2">
@@ -7552,9 +7510,9 @@
               <a:defRPr/>
             </a:pPr>
             <a:r>
-              <a:rPr lang="en-US" altLang="ko-KR" sz="1400" dirty="0">
-                <a:solidFill>
-                  <a:srgbClr val="E7E6E6">
+              <a:rPr lang="en-US" altLang="ko-KR" sz="1400">
+                <a:solidFill>
+                  <a:srgbClr val="e7e6e6">
                     <a:lumMod val="90000"/>
                   </a:srgbClr>
                 </a:solidFill>
@@ -7562,39 +7520,129 @@
               <a:t>- </a:t>
             </a:r>
             <a:r>
-              <a:rPr lang="ko-KR" altLang="en-US" sz="1400" dirty="0">
-                <a:solidFill>
-                  <a:srgbClr val="E7E6E6">
-                    <a:lumMod val="90000"/>
-                  </a:srgbClr>
-                </a:solidFill>
-              </a:rPr>
-              <a:t>회원은 </a:t>
-            </a:r>
-            <a:r>
-              <a:rPr lang="ko-KR" altLang="en-US" sz="1400" dirty="0" err="1">
-                <a:solidFill>
-                  <a:srgbClr val="E7E6E6">
-                    <a:lumMod val="90000"/>
-                  </a:srgbClr>
-                </a:solidFill>
-              </a:rPr>
-              <a:t>기프티콘의</a:t>
-            </a:r>
-            <a:r>
-              <a:rPr lang="ko-KR" altLang="en-US" sz="1400" dirty="0">
-                <a:solidFill>
-                  <a:srgbClr val="E7E6E6">
-                    <a:lumMod val="90000"/>
-                  </a:srgbClr>
-                </a:solidFill>
-              </a:rPr>
-              <a:t> 전체 목록을 조회 및 검색하고</a:t>
-            </a:r>
-            <a:r>
-              <a:rPr lang="en-US" altLang="ko-KR" sz="1400" dirty="0">
-                <a:solidFill>
-                  <a:srgbClr val="E7E6E6">
+              <a:rPr lang="ko-KR" altLang="en-US" sz="1400">
+                <a:solidFill>
+                  <a:srgbClr val="e7e6e6">
+                    <a:lumMod val="90000"/>
+                  </a:srgbClr>
+                </a:solidFill>
+              </a:rPr>
+              <a:t>회원은 기프티콘의 전체 목록을 조회 및</a:t>
+            </a:r>
+            <a:r>
+              <a:rPr lang="en-US" altLang="ko-KR" sz="1400">
+                <a:solidFill>
+                  <a:srgbClr val="e7e6e6">
+                    <a:lumMod val="90000"/>
+                  </a:srgbClr>
+                </a:solidFill>
+              </a:rPr>
+              <a:t> </a:t>
+            </a:r>
+            <a:r>
+              <a:rPr lang="ko-KR" altLang="en-US" sz="1400">
+                <a:solidFill>
+                  <a:srgbClr val="e7e6e6">
+                    <a:lumMod val="90000"/>
+                  </a:srgbClr>
+                </a:solidFill>
+              </a:rPr>
+              <a:t>상세보기하여 구입할 수 있다</a:t>
+            </a:r>
+            <a:r>
+              <a:rPr lang="en-US" altLang="ko-KR" sz="1400">
+                <a:solidFill>
+                  <a:srgbClr val="e7e6e6">
+                    <a:lumMod val="90000"/>
+                  </a:srgbClr>
+                </a:solidFill>
+              </a:rPr>
+              <a:t>.</a:t>
+            </a:r>
+            <a:endParaRPr lang="en-US" altLang="ko-KR" sz="1400">
+              <a:solidFill>
+                <a:srgbClr val="e7e6e6">
+                  <a:lumMod val="90000"/>
+                </a:srgbClr>
+              </a:solidFill>
+            </a:endParaRPr>
+          </a:p>
+          <a:p>
+            <a:pPr lvl="2">
+              <a:lnSpc>
+                <a:spcPct val="130000"/>
+              </a:lnSpc>
+              <a:defRPr/>
+            </a:pPr>
+            <a:r>
+              <a:rPr lang="en-US" altLang="ko-KR" sz="1400">
+                <a:solidFill>
+                  <a:srgbClr val="e7e6e6">
+                    <a:lumMod val="90000"/>
+                  </a:srgbClr>
+                </a:solidFill>
+              </a:rPr>
+              <a:t>- </a:t>
+            </a:r>
+            <a:r>
+              <a:rPr lang="ko-KR" altLang="en-US" sz="1400">
+                <a:solidFill>
+                  <a:srgbClr val="e7e6e6">
+                    <a:lumMod val="90000"/>
+                  </a:srgbClr>
+                </a:solidFill>
+              </a:rPr>
+              <a:t>회원은 자신이 구입한 기프티콘의 기간이 만료되기 전에 기프티콘의 기간을 연장할 수 있다</a:t>
+            </a:r>
+            <a:r>
+              <a:rPr lang="en-US" altLang="ko-KR" sz="1400">
+                <a:solidFill>
+                  <a:srgbClr val="e7e6e6">
+                    <a:lumMod val="90000"/>
+                  </a:srgbClr>
+                </a:solidFill>
+              </a:rPr>
+              <a:t>.</a:t>
+            </a:r>
+            <a:endParaRPr lang="en-US" altLang="ko-KR" sz="1400">
+              <a:solidFill>
+                <a:srgbClr val="e7e6e6">
+                  <a:lumMod val="90000"/>
+                </a:srgbClr>
+              </a:solidFill>
+            </a:endParaRPr>
+          </a:p>
+          <a:p>
+            <a:pPr lvl="2">
+              <a:lnSpc>
+                <a:spcPct val="130000"/>
+              </a:lnSpc>
+              <a:defRPr/>
+            </a:pPr>
+            <a:r>
+              <a:rPr lang="en-US" altLang="ko-KR" sz="1400">
+                <a:solidFill>
+                  <a:srgbClr val="e7e6e6">
+                    <a:lumMod val="90000"/>
+                  </a:srgbClr>
+                </a:solidFill>
+              </a:rPr>
+              <a:t>- </a:t>
+            </a:r>
+            <a:r>
+              <a:rPr lang="ko-KR" altLang="en-US" sz="1400">
+                <a:solidFill>
+                  <a:srgbClr val="e7e6e6">
+                    <a:lumMod val="90000"/>
+                  </a:srgbClr>
+                </a:solidFill>
+              </a:rPr>
+              <a:t>회원은 자신이 구입한 기프티콘을 조회할 수 있고</a:t>
+            </a:r>
+            <a:r>
+              <a:rPr lang="en-US" altLang="ko-KR" sz="1400">
+                <a:solidFill>
+                  <a:srgbClr val="e7e6e6">
                     <a:lumMod val="90000"/>
                   </a:srgbClr>
                 </a:solidFill>
@@ -7602,25 +7650,32 @@
               <a:t>, </a:t>
             </a:r>
             <a:r>
-              <a:rPr lang="ko-KR" altLang="en-US" sz="1400" dirty="0">
-                <a:solidFill>
-                  <a:srgbClr val="E7E6E6">
-                    <a:lumMod val="90000"/>
-                  </a:srgbClr>
-                </a:solidFill>
-              </a:rPr>
-              <a:t>상세보기하여 구입할 수 있다</a:t>
-            </a:r>
-            <a:r>
-              <a:rPr lang="en-US" altLang="ko-KR" sz="1400" dirty="0">
-                <a:solidFill>
-                  <a:srgbClr val="E7E6E6">
+              <a:rPr lang="ko-KR" altLang="en-US" sz="1400">
+                <a:solidFill>
+                  <a:srgbClr val="e7e6e6">
+                    <a:lumMod val="90000"/>
+                  </a:srgbClr>
+                </a:solidFill>
+              </a:rPr>
+              <a:t>사용하지 않은 기프티콘에 대해 환불을 받을 수 있다</a:t>
+            </a:r>
+            <a:r>
+              <a:rPr lang="en-US" altLang="ko-KR" sz="1400">
+                <a:solidFill>
+                  <a:srgbClr val="e7e6e6">
                     <a:lumMod val="90000"/>
                   </a:srgbClr>
                 </a:solidFill>
               </a:rPr>
               <a:t>.</a:t>
             </a:r>
+            <a:endParaRPr lang="en-US" altLang="ko-KR" sz="1400">
+              <a:solidFill>
+                <a:srgbClr val="e7e6e6">
+                  <a:lumMod val="90000"/>
+                </a:srgbClr>
+              </a:solidFill>
+            </a:endParaRPr>
           </a:p>
           <a:p>
             <a:pPr lvl="2">
@@ -7630,9 +7685,9 @@
               <a:defRPr/>
             </a:pPr>
             <a:r>
-              <a:rPr lang="en-US" altLang="ko-KR" sz="1400" dirty="0">
-                <a:solidFill>
-                  <a:srgbClr val="E7E6E6">
+              <a:rPr lang="en-US" altLang="ko-KR" sz="1400">
+                <a:solidFill>
+                  <a:srgbClr val="e7e6e6">
                     <a:lumMod val="90000"/>
                   </a:srgbClr>
                 </a:solidFill>
@@ -7640,65 +7695,52 @@
               <a:t>- </a:t>
             </a:r>
             <a:r>
-              <a:rPr lang="ko-KR" altLang="en-US" sz="1400" dirty="0">
-                <a:solidFill>
-                  <a:srgbClr val="E7E6E6">
-                    <a:lumMod val="90000"/>
-                  </a:srgbClr>
-                </a:solidFill>
-              </a:rPr>
-              <a:t>회원은 자신이 구입한 </a:t>
-            </a:r>
-            <a:r>
-              <a:rPr lang="ko-KR" altLang="en-US" sz="1400" dirty="0" err="1">
-                <a:solidFill>
-                  <a:srgbClr val="E7E6E6">
-                    <a:lumMod val="90000"/>
-                  </a:srgbClr>
-                </a:solidFill>
-              </a:rPr>
-              <a:t>기프티콘의</a:t>
-            </a:r>
-            <a:r>
-              <a:rPr lang="ko-KR" altLang="en-US" sz="1400" dirty="0">
-                <a:solidFill>
-                  <a:srgbClr val="E7E6E6">
-                    <a:lumMod val="90000"/>
-                  </a:srgbClr>
-                </a:solidFill>
-              </a:rPr>
-              <a:t> 기간이 만료되기 전에 </a:t>
-            </a:r>
-            <a:r>
-              <a:rPr lang="ko-KR" altLang="en-US" sz="1400" dirty="0" err="1">
-                <a:solidFill>
-                  <a:srgbClr val="E7E6E6">
-                    <a:lumMod val="90000"/>
-                  </a:srgbClr>
-                </a:solidFill>
-              </a:rPr>
-              <a:t>기프티콘의</a:t>
-            </a:r>
-            <a:r>
-              <a:rPr lang="ko-KR" altLang="en-US" sz="1400" dirty="0">
-                <a:solidFill>
-                  <a:srgbClr val="E7E6E6">
-                    <a:lumMod val="90000"/>
-                  </a:srgbClr>
-                </a:solidFill>
-              </a:rPr>
-              <a:t> 기간을 연장할 수 있다</a:t>
-            </a:r>
-            <a:r>
-              <a:rPr lang="en-US" altLang="ko-KR" sz="1400" dirty="0">
-                <a:solidFill>
-                  <a:srgbClr val="E7E6E6">
+              <a:rPr lang="ko-KR" altLang="en-US" sz="1400">
+                <a:solidFill>
+                  <a:srgbClr val="e7e6e6">
+                    <a:lumMod val="90000"/>
+                  </a:srgbClr>
+                </a:solidFill>
+              </a:rPr>
+              <a:t>관리자는 기프티콘의 전체 목록을 조회하거나 검색하고</a:t>
+            </a:r>
+            <a:r>
+              <a:rPr lang="en-US" altLang="ko-KR" sz="1400">
+                <a:solidFill>
+                  <a:srgbClr val="e7e6e6">
+                    <a:lumMod val="90000"/>
+                  </a:srgbClr>
+                </a:solidFill>
+              </a:rPr>
+              <a:t>, </a:t>
+            </a:r>
+            <a:r>
+              <a:rPr lang="ko-KR" altLang="en-US" sz="1400">
+                <a:solidFill>
+                  <a:srgbClr val="e7e6e6">
+                    <a:lumMod val="90000"/>
+                  </a:srgbClr>
+                </a:solidFill>
+              </a:rPr>
+              <a:t>상세보기할 수 있다</a:t>
+            </a:r>
+            <a:r>
+              <a:rPr lang="en-US" altLang="ko-KR" sz="1400">
+                <a:solidFill>
+                  <a:srgbClr val="e7e6e6">
                     <a:lumMod val="90000"/>
                   </a:srgbClr>
                 </a:solidFill>
               </a:rPr>
               <a:t>.</a:t>
             </a:r>
+            <a:endParaRPr lang="en-US" altLang="ko-KR" sz="1400">
+              <a:solidFill>
+                <a:srgbClr val="e7e6e6">
+                  <a:lumMod val="90000"/>
+                </a:srgbClr>
+              </a:solidFill>
+            </a:endParaRPr>
           </a:p>
           <a:p>
             <a:pPr lvl="2">
@@ -7708,9 +7750,9 @@
               <a:defRPr/>
             </a:pPr>
             <a:r>
-              <a:rPr lang="en-US" altLang="ko-KR" sz="1400" dirty="0">
-                <a:solidFill>
-                  <a:srgbClr val="E7E6E6">
+              <a:rPr lang="en-US" altLang="ko-KR" sz="1400">
+                <a:solidFill>
+                  <a:srgbClr val="e7e6e6">
                     <a:lumMod val="90000"/>
                   </a:srgbClr>
                 </a:solidFill>
@@ -7718,251 +7760,32 @@
               <a:t>- </a:t>
             </a:r>
             <a:r>
-              <a:rPr lang="ko-KR" altLang="en-US" sz="1400" dirty="0">
-                <a:solidFill>
-                  <a:srgbClr val="E7E6E6">
-                    <a:lumMod val="90000"/>
-                  </a:srgbClr>
-                </a:solidFill>
-              </a:rPr>
-              <a:t>회원은 자신이 구입한 </a:t>
-            </a:r>
-            <a:r>
-              <a:rPr lang="ko-KR" altLang="en-US" sz="1400" dirty="0" err="1">
-                <a:solidFill>
-                  <a:srgbClr val="E7E6E6">
-                    <a:lumMod val="90000"/>
-                  </a:srgbClr>
-                </a:solidFill>
-              </a:rPr>
-              <a:t>기프티콘을</a:t>
-            </a:r>
-            <a:r>
-              <a:rPr lang="ko-KR" altLang="en-US" sz="1400" dirty="0">
-                <a:solidFill>
-                  <a:srgbClr val="E7E6E6">
-                    <a:lumMod val="90000"/>
-                  </a:srgbClr>
-                </a:solidFill>
-              </a:rPr>
-              <a:t> 조회할 수 있고</a:t>
-            </a:r>
-            <a:r>
-              <a:rPr lang="en-US" altLang="ko-KR" sz="1400" dirty="0">
-                <a:solidFill>
-                  <a:srgbClr val="E7E6E6">
-                    <a:lumMod val="90000"/>
-                  </a:srgbClr>
-                </a:solidFill>
-              </a:rPr>
-              <a:t>, </a:t>
-            </a:r>
-            <a:r>
-              <a:rPr lang="ko-KR" altLang="en-US" sz="1400" dirty="0">
-                <a:solidFill>
-                  <a:srgbClr val="E7E6E6">
-                    <a:lumMod val="90000"/>
-                  </a:srgbClr>
-                </a:solidFill>
-              </a:rPr>
-              <a:t>사용하지 않은 </a:t>
-            </a:r>
-            <a:r>
-              <a:rPr lang="ko-KR" altLang="en-US" sz="1400" dirty="0" err="1">
-                <a:solidFill>
-                  <a:srgbClr val="E7E6E6">
-                    <a:lumMod val="90000"/>
-                  </a:srgbClr>
-                </a:solidFill>
-              </a:rPr>
-              <a:t>기프티콘에</a:t>
-            </a:r>
-            <a:r>
-              <a:rPr lang="ko-KR" altLang="en-US" sz="1400" dirty="0">
-                <a:solidFill>
-                  <a:srgbClr val="E7E6E6">
-                    <a:lumMod val="90000"/>
-                  </a:srgbClr>
-                </a:solidFill>
-              </a:rPr>
-              <a:t> 대해 환불을 받을 수 있다</a:t>
-            </a:r>
-            <a:r>
-              <a:rPr lang="en-US" altLang="ko-KR" sz="1400" dirty="0">
-                <a:solidFill>
-                  <a:srgbClr val="E7E6E6">
+              <a:rPr lang="ko-KR" altLang="en-US" sz="1400">
+                <a:solidFill>
+                  <a:srgbClr val="e7e6e6">
+                    <a:lumMod val="90000"/>
+                  </a:srgbClr>
+                </a:solidFill>
+              </a:rPr>
+              <a:t>관리자는 기프티콘을 추가하거나 가격이나 구성이나 사진 등을 변경하거나 기프티콘을 제거할 수 있다</a:t>
+            </a:r>
+            <a:r>
+              <a:rPr lang="en-US" altLang="ko-KR" sz="1400">
+                <a:solidFill>
+                  <a:srgbClr val="e7e6e6">
                     <a:lumMod val="90000"/>
                   </a:srgbClr>
                 </a:solidFill>
               </a:rPr>
               <a:t>.</a:t>
             </a:r>
-          </a:p>
-          <a:p>
-            <a:pPr lvl="2">
-              <a:lnSpc>
-                <a:spcPct val="130000"/>
-              </a:lnSpc>
-              <a:defRPr/>
-            </a:pPr>
-            <a:r>
-              <a:rPr lang="en-US" altLang="ko-KR" sz="1400" dirty="0">
-                <a:solidFill>
-                  <a:srgbClr val="E7E6E6">
-                    <a:lumMod val="90000"/>
-                  </a:srgbClr>
-                </a:solidFill>
-              </a:rPr>
-              <a:t>- </a:t>
-            </a:r>
-            <a:r>
-              <a:rPr lang="ko-KR" altLang="en-US" sz="1400" dirty="0">
-                <a:solidFill>
-                  <a:srgbClr val="E7E6E6">
-                    <a:lumMod val="90000"/>
-                  </a:srgbClr>
-                </a:solidFill>
-              </a:rPr>
-              <a:t>관리자는 </a:t>
-            </a:r>
-            <a:r>
-              <a:rPr lang="ko-KR" altLang="en-US" sz="1400" dirty="0" err="1">
-                <a:solidFill>
-                  <a:srgbClr val="E7E6E6">
-                    <a:lumMod val="90000"/>
-                  </a:srgbClr>
-                </a:solidFill>
-              </a:rPr>
-              <a:t>기프티콘의</a:t>
-            </a:r>
-            <a:r>
-              <a:rPr lang="ko-KR" altLang="en-US" sz="1400" dirty="0">
-                <a:solidFill>
-                  <a:srgbClr val="E7E6E6">
-                    <a:lumMod val="90000"/>
-                  </a:srgbClr>
-                </a:solidFill>
-              </a:rPr>
-              <a:t> 전체 목록을 조회하거나 검색하고</a:t>
-            </a:r>
-            <a:r>
-              <a:rPr lang="en-US" altLang="ko-KR" sz="1400" dirty="0">
-                <a:solidFill>
-                  <a:srgbClr val="E7E6E6">
-                    <a:lumMod val="90000"/>
-                  </a:srgbClr>
-                </a:solidFill>
-              </a:rPr>
-              <a:t>, </a:t>
-            </a:r>
-            <a:r>
-              <a:rPr lang="ko-KR" altLang="en-US" sz="1400" dirty="0" err="1">
-                <a:solidFill>
-                  <a:srgbClr val="E7E6E6">
-                    <a:lumMod val="90000"/>
-                  </a:srgbClr>
-                </a:solidFill>
-              </a:rPr>
-              <a:t>상세보기할</a:t>
-            </a:r>
-            <a:r>
-              <a:rPr lang="ko-KR" altLang="en-US" sz="1400" dirty="0">
-                <a:solidFill>
-                  <a:srgbClr val="E7E6E6">
-                    <a:lumMod val="90000"/>
-                  </a:srgbClr>
-                </a:solidFill>
-              </a:rPr>
-              <a:t> 수 있다</a:t>
-            </a:r>
-            <a:r>
-              <a:rPr lang="en-US" altLang="ko-KR" sz="1400" dirty="0">
-                <a:solidFill>
-                  <a:srgbClr val="E7E6E6">
-                    <a:lumMod val="90000"/>
-                  </a:srgbClr>
-                </a:solidFill>
-              </a:rPr>
-              <a:t>.</a:t>
-            </a:r>
-          </a:p>
-          <a:p>
-            <a:pPr lvl="2">
-              <a:lnSpc>
-                <a:spcPct val="130000"/>
-              </a:lnSpc>
-              <a:defRPr/>
-            </a:pPr>
-            <a:r>
-              <a:rPr lang="en-US" altLang="ko-KR" sz="1400" dirty="0">
-                <a:solidFill>
-                  <a:srgbClr val="E7E6E6">
-                    <a:lumMod val="90000"/>
-                  </a:srgbClr>
-                </a:solidFill>
-              </a:rPr>
-              <a:t>- </a:t>
-            </a:r>
-            <a:r>
-              <a:rPr lang="ko-KR" altLang="en-US" sz="1400" dirty="0">
-                <a:solidFill>
-                  <a:srgbClr val="E7E6E6">
-                    <a:lumMod val="90000"/>
-                  </a:srgbClr>
-                </a:solidFill>
-              </a:rPr>
-              <a:t>관리자는 </a:t>
-            </a:r>
-            <a:r>
-              <a:rPr lang="ko-KR" altLang="en-US" sz="1400" dirty="0" err="1">
-                <a:solidFill>
-                  <a:srgbClr val="E7E6E6">
-                    <a:lumMod val="90000"/>
-                  </a:srgbClr>
-                </a:solidFill>
-              </a:rPr>
-              <a:t>기프티콘을</a:t>
-            </a:r>
-            <a:r>
-              <a:rPr lang="ko-KR" altLang="en-US" sz="1400" dirty="0">
-                <a:solidFill>
-                  <a:srgbClr val="E7E6E6">
-                    <a:lumMod val="90000"/>
-                  </a:srgbClr>
-                </a:solidFill>
-              </a:rPr>
-              <a:t> 추가하거나 가격이나 구성이나 사진 등을 변경하거나 </a:t>
-            </a:r>
-            <a:r>
-              <a:rPr lang="ko-KR" altLang="en-US" sz="1400" dirty="0" err="1">
-                <a:solidFill>
-                  <a:srgbClr val="E7E6E6">
-                    <a:lumMod val="90000"/>
-                  </a:srgbClr>
-                </a:solidFill>
-              </a:rPr>
-              <a:t>기프티콘을</a:t>
-            </a:r>
-            <a:r>
-              <a:rPr lang="ko-KR" altLang="en-US" sz="1400" dirty="0">
-                <a:solidFill>
-                  <a:srgbClr val="E7E6E6">
-                    <a:lumMod val="90000"/>
-                  </a:srgbClr>
-                </a:solidFill>
-              </a:rPr>
-              <a:t> 제거할 수 있다</a:t>
-            </a:r>
-            <a:r>
-              <a:rPr lang="en-US" altLang="ko-KR" sz="1400" dirty="0">
-                <a:solidFill>
-                  <a:srgbClr val="E7E6E6">
-                    <a:lumMod val="90000"/>
-                  </a:srgbClr>
-                </a:solidFill>
-              </a:rPr>
-              <a:t>.</a:t>
-            </a:r>
+            <a:endParaRPr lang="en-US" altLang="ko-KR" sz="1400">
+              <a:solidFill>
+                <a:srgbClr val="e7e6e6">
+                  <a:lumMod val="90000"/>
+                </a:srgbClr>
+              </a:solidFill>
+            </a:endParaRPr>
           </a:p>
           <a:p>
             <a:pPr marL="1200150" lvl="2" indent="-285750">
@@ -7973,9 +7796,9 @@
               <a:buChar char="-"/>
               <a:defRPr/>
             </a:pPr>
-            <a:endParaRPr lang="en-US" altLang="ko-KR" sz="1400" dirty="0">
+            <a:endParaRPr lang="en-US" altLang="ko-KR" sz="1400">
               <a:solidFill>
-                <a:srgbClr val="15EEFF"/>
+                <a:srgbClr val="15eeff"/>
               </a:solidFill>
               <a:effectLst/>
               <a:uLnTx/>
@@ -7990,9 +7813,9 @@
               <a:defRPr/>
             </a:pPr>
             <a:r>
-              <a:rPr lang="en-US" altLang="ko-KR" sz="1400" dirty="0">
-                <a:solidFill>
-                  <a:srgbClr val="E7E6E6">
+              <a:rPr lang="en-US" altLang="ko-KR" sz="1400">
+                <a:solidFill>
+                  <a:srgbClr val="e7e6e6">
                     <a:lumMod val="90000"/>
                   </a:srgbClr>
                 </a:solidFill>
@@ -8000,15 +7823,22 @@
               <a:t>9. </a:t>
             </a:r>
             <a:r>
-              <a:rPr lang="ko-KR" altLang="en-US" sz="1400" dirty="0">
-                <a:solidFill>
-                  <a:srgbClr val="E7E6E6">
+              <a:rPr lang="ko-KR" altLang="en-US" sz="1400">
+                <a:solidFill>
+                  <a:srgbClr val="e7e6e6">
                     <a:lumMod val="90000"/>
                   </a:srgbClr>
                 </a:solidFill>
               </a:rPr>
               <a:t>공지사항 게시판</a:t>
             </a:r>
+            <a:endParaRPr lang="ko-KR" altLang="en-US" sz="1400">
+              <a:solidFill>
+                <a:srgbClr val="e7e6e6">
+                  <a:lumMod val="90000"/>
+                </a:srgbClr>
+              </a:solidFill>
+            </a:endParaRPr>
           </a:p>
           <a:p>
             <a:pPr lvl="2">
@@ -8018,9 +7848,9 @@
               <a:defRPr/>
             </a:pPr>
             <a:r>
-              <a:rPr lang="en-US" altLang="ko-KR" sz="1400" dirty="0">
-                <a:solidFill>
-                  <a:srgbClr val="E7E6E6">
+              <a:rPr lang="en-US" altLang="ko-KR" sz="1400">
+                <a:solidFill>
+                  <a:srgbClr val="e7e6e6">
                     <a:lumMod val="90000"/>
                   </a:srgbClr>
                 </a:solidFill>
@@ -8028,9 +7858,9 @@
               <a:t>- </a:t>
             </a:r>
             <a:r>
-              <a:rPr lang="ko-KR" altLang="en-US" sz="1400" dirty="0">
-                <a:solidFill>
-                  <a:srgbClr val="E7E6E6">
+              <a:rPr lang="ko-KR" altLang="en-US" sz="1400">
+                <a:solidFill>
+                  <a:srgbClr val="e7e6e6">
                     <a:lumMod val="90000"/>
                   </a:srgbClr>
                 </a:solidFill>
@@ -8038,9 +7868,9 @@
               <a:t>비회원과 회원은 공지사항 게시판의 글을 조회 및 검색</a:t>
             </a:r>
             <a:r>
-              <a:rPr lang="en-US" altLang="ko-KR" sz="1400" dirty="0">
-                <a:solidFill>
-                  <a:srgbClr val="E7E6E6">
+              <a:rPr lang="en-US" altLang="ko-KR" sz="1400">
+                <a:solidFill>
+                  <a:srgbClr val="e7e6e6">
                     <a:lumMod val="90000"/>
                   </a:srgbClr>
                 </a:solidFill>
@@ -8048,9 +7878,9 @@
               <a:t>, </a:t>
             </a:r>
             <a:r>
-              <a:rPr lang="ko-KR" altLang="en-US" sz="1400" dirty="0">
-                <a:solidFill>
-                  <a:srgbClr val="E7E6E6">
+              <a:rPr lang="ko-KR" altLang="en-US" sz="1400">
+                <a:solidFill>
+                  <a:srgbClr val="e7e6e6">
                     <a:lumMod val="90000"/>
                   </a:srgbClr>
                 </a:solidFill>
@@ -8058,15 +7888,22 @@
               <a:t>상세보기를 할 수 있다</a:t>
             </a:r>
             <a:r>
-              <a:rPr lang="en-US" altLang="ko-KR" sz="1400" dirty="0">
-                <a:solidFill>
-                  <a:srgbClr val="E7E6E6">
+              <a:rPr lang="en-US" altLang="ko-KR" sz="1400">
+                <a:solidFill>
+                  <a:srgbClr val="e7e6e6">
                     <a:lumMod val="90000"/>
                   </a:srgbClr>
                 </a:solidFill>
               </a:rPr>
               <a:t>.</a:t>
             </a:r>
+            <a:endParaRPr lang="en-US" altLang="ko-KR" sz="1400">
+              <a:solidFill>
+                <a:srgbClr val="e7e6e6">
+                  <a:lumMod val="90000"/>
+                </a:srgbClr>
+              </a:solidFill>
+            </a:endParaRPr>
           </a:p>
           <a:p>
             <a:pPr lvl="2">
@@ -8076,9 +7913,9 @@
               <a:defRPr/>
             </a:pPr>
             <a:r>
-              <a:rPr lang="en-US" altLang="ko-KR" sz="1400" dirty="0">
-                <a:solidFill>
-                  <a:srgbClr val="E7E6E6">
+              <a:rPr lang="en-US" altLang="ko-KR" sz="1400">
+                <a:solidFill>
+                  <a:srgbClr val="e7e6e6">
                     <a:lumMod val="90000"/>
                   </a:srgbClr>
                 </a:solidFill>
@@ -8086,9 +7923,9 @@
               <a:t>- </a:t>
             </a:r>
             <a:r>
-              <a:rPr lang="ko-KR" altLang="en-US" sz="1400" dirty="0">
-                <a:solidFill>
-                  <a:srgbClr val="E7E6E6">
+              <a:rPr lang="ko-KR" altLang="en-US" sz="1400">
+                <a:solidFill>
+                  <a:srgbClr val="e7e6e6">
                     <a:lumMod val="90000"/>
                   </a:srgbClr>
                 </a:solidFill>
@@ -8096,9 +7933,9 @@
               <a:t>관리자는 게시판에 글을 등록하고 수정하고 삭제할 수 있으며 게시판의 글을 조회 및 검색</a:t>
             </a:r>
             <a:r>
-              <a:rPr lang="en-US" altLang="ko-KR" sz="1400" dirty="0">
-                <a:solidFill>
-                  <a:srgbClr val="E7E6E6">
+              <a:rPr lang="en-US" altLang="ko-KR" sz="1400">
+                <a:solidFill>
+                  <a:srgbClr val="e7e6e6">
                     <a:lumMod val="90000"/>
                   </a:srgbClr>
                 </a:solidFill>
@@ -8106,9 +7943,9 @@
               <a:t>, </a:t>
             </a:r>
             <a:r>
-              <a:rPr lang="ko-KR" altLang="en-US" sz="1400" dirty="0">
-                <a:solidFill>
-                  <a:srgbClr val="E7E6E6">
+              <a:rPr lang="ko-KR" altLang="en-US" sz="1400">
+                <a:solidFill>
+                  <a:srgbClr val="e7e6e6">
                     <a:lumMod val="90000"/>
                   </a:srgbClr>
                 </a:solidFill>
@@ -8116,15 +7953,22 @@
               <a:t>상세보기를 할 수 있다</a:t>
             </a:r>
             <a:r>
-              <a:rPr lang="en-US" altLang="ko-KR" sz="1400" dirty="0">
-                <a:solidFill>
-                  <a:srgbClr val="E7E6E6">
+              <a:rPr lang="en-US" altLang="ko-KR" sz="1400">
+                <a:solidFill>
+                  <a:srgbClr val="e7e6e6">
                     <a:lumMod val="90000"/>
                   </a:srgbClr>
                 </a:solidFill>
               </a:rPr>
               <a:t>.</a:t>
             </a:r>
+            <a:endParaRPr lang="en-US" altLang="ko-KR" sz="1400">
+              <a:solidFill>
+                <a:srgbClr val="e7e6e6">
+                  <a:lumMod val="90000"/>
+                </a:srgbClr>
+              </a:solidFill>
+            </a:endParaRPr>
           </a:p>
         </p:txBody>
       </p:sp>
@@ -8158,11 +8002,16 @@
             <a:r>
               <a:rPr lang="ko-KR" altLang="en-US" sz="2800" b="1">
                 <a:solidFill>
-                  <a:srgbClr val="15EEFF"/>
+                  <a:srgbClr val="15eeff"/>
                 </a:solidFill>
               </a:rPr>
               <a:t>기능 개요</a:t>
             </a:r>
+            <a:endParaRPr lang="ko-KR" altLang="en-US" sz="2800" b="1">
+              <a:solidFill>
+                <a:srgbClr val="15eeff"/>
+              </a:solidFill>
+            </a:endParaRPr>
           </a:p>
         </p:txBody>
       </p:sp>
@@ -8205,6 +8054,15 @@
               </a:rPr>
               <a:t>멀티플렉스 영화관 관리 시스템</a:t>
             </a:r>
+            <a:endParaRPr lang="ko-KR" altLang="en-US" sz="1700" b="1" i="1">
+              <a:solidFill>
+                <a:prstClr val="white">
+                  <a:lumMod val="95000"/>
+                </a:prstClr>
+              </a:solidFill>
+              <a:latin typeface="KoPub돋움체 Bold"/>
+              <a:ea typeface="KoPub돋움체 Bold"/>
+            </a:endParaRPr>
           </a:p>
         </p:txBody>
       </p:sp>
@@ -8213,11 +8071,11 @@
   <p:clrMapOvr>
     <a:masterClrMapping/>
   </p:clrMapOvr>
-  <mc:AlternateContent xmlns:mc="http://schemas.openxmlformats.org/markup-compatibility/2006" xmlns:p14="http://schemas.microsoft.com/office/powerpoint/2010/main">
-    <mc:Choice Requires="p14">
-      <p:transition/>
+  <mc:AlternateContent xmlns:mc="http://schemas.openxmlformats.org/markup-compatibility/2006">
+    <mc:Choice xmlns:p14="http://schemas.microsoft.com/office/powerpoint/2010/main" Requires="p14">
+      <p:transition xmlns:mc="http://schemas.openxmlformats.org/markup-compatibility/2006" xmlns:p14="http://schemas.microsoft.com/office/powerpoint/2010/main" mc:Ignorable="p14" p14:dur="500"/>
     </mc:Choice>
-    <mc:Fallback xmlns="" xmlns:c="http://schemas.openxmlformats.org/drawingml/2006/chart" xmlns:dgm="http://schemas.openxmlformats.org/drawingml/2006/diagram" xmlns:dsp="http://schemas.microsoft.com/office/drawing/2008/diagram">
+    <mc:Fallback>
       <p:transition/>
     </mc:Fallback>
   </mc:AlternateContent>
@@ -18604,14 +18462,13 @@
 </file>
 
 <file path=ppt/slides/slide32.xml><?xml version="1.0" encoding="utf-8"?>
-<p:sld xmlns:a="http://schemas.openxmlformats.org/drawingml/2006/main" xmlns:r="http://schemas.openxmlformats.org/officeDocument/2006/relationships" xmlns:p="http://schemas.openxmlformats.org/presentationml/2006/main">
+<p:sld xmlns:r="http://schemas.openxmlformats.org/officeDocument/2006/relationships" xmlns:c="http://schemas.openxmlformats.org/drawingml/2006/chart" xmlns:a="http://schemas.openxmlformats.org/drawingml/2006/main" xmlns:dgm="http://schemas.openxmlformats.org/drawingml/2006/diagram" xmlns:dsp="http://schemas.microsoft.com/office/drawing/2008/diagram" xmlns:p="http://schemas.openxmlformats.org/presentationml/2006/main">
   <p:cSld>
     <p:bg>
-      <p:bgPr>
+      <p:bgPr shadeToTitle="0">
         <a:solidFill>
           <a:srgbClr val="303038"/>
         </a:solidFill>
-        <a:effectLst/>
       </p:bgPr>
     </p:bg>
     <p:spTree>
@@ -18637,7 +18494,7 @@
         <p:spPr>
           <a:xfrm>
             <a:off x="139584" y="1396737"/>
-            <a:ext cx="11564802" cy="4905958"/>
+            <a:ext cx="11564802" cy="4506857"/>
           </a:xfrm>
           <a:prstGeom prst="rect">
             <a:avLst/>
@@ -18656,9 +18513,9 @@
               <a:defRPr/>
             </a:pPr>
             <a:r>
-              <a:rPr lang="ko-KR" altLang="ko-KR" b="1" dirty="0">
-                <a:solidFill>
-                  <a:srgbClr val="E7E6E6">
+              <a:rPr lang="ko-KR" altLang="ko-KR" b="1">
+                <a:solidFill>
+                  <a:srgbClr val="e7e6e6">
                     <a:lumMod val="90000"/>
                   </a:srgbClr>
                 </a:solidFill>
@@ -18666,9 +18523,9 @@
               <a:t>1</a:t>
             </a:r>
             <a:r>
-              <a:rPr lang="en-US" altLang="ko-KR" b="1" dirty="0">
-                <a:solidFill>
-                  <a:srgbClr val="E7E6E6">
+              <a:rPr lang="en-US" altLang="ko-KR" b="1">
+                <a:solidFill>
+                  <a:srgbClr val="e7e6e6">
                     <a:lumMod val="90000"/>
                   </a:srgbClr>
                 </a:solidFill>
@@ -18676,28 +18533,18 @@
               <a:t>1.</a:t>
             </a:r>
             <a:r>
-              <a:rPr lang="ko-KR" altLang="ko-KR" b="1" dirty="0">
-                <a:solidFill>
-                  <a:srgbClr val="E7E6E6">
-                    <a:lumMod val="90000"/>
-                  </a:srgbClr>
-                </a:solidFill>
-              </a:rPr>
-              <a:t> </a:t>
-            </a:r>
-            <a:r>
-              <a:rPr lang="ko-KR" altLang="ko-KR" b="1" dirty="0" err="1">
-                <a:solidFill>
-                  <a:srgbClr val="E7E6E6">
-                    <a:lumMod val="90000"/>
-                  </a:srgbClr>
-                </a:solidFill>
-              </a:rPr>
-              <a:t>기프티콘</a:t>
-            </a:r>
-            <a:endParaRPr lang="en-US" altLang="ko-KR" b="1" dirty="0">
+              <a:rPr lang="ko-KR" altLang="ko-KR" b="1">
+                <a:solidFill>
+                  <a:srgbClr val="e7e6e6">
+                    <a:lumMod val="90000"/>
+                  </a:srgbClr>
+                </a:solidFill>
+              </a:rPr>
+              <a:t> 기프티콘</a:t>
+            </a:r>
+            <a:endParaRPr lang="ko-KR" altLang="ko-KR" b="1">
               <a:solidFill>
-                <a:srgbClr val="E7E6E6">
+                <a:srgbClr val="e7e6e6">
                   <a:lumMod val="90000"/>
                 </a:srgbClr>
               </a:solidFill>
@@ -18710,9 +18557,9 @@
               </a:lnSpc>
               <a:defRPr/>
             </a:pPr>
-            <a:endParaRPr lang="ko-KR" altLang="ko-KR" b="1" dirty="0">
+            <a:endParaRPr lang="ko-KR" altLang="ko-KR" b="1">
               <a:solidFill>
-                <a:srgbClr val="E7E6E6">
+                <a:srgbClr val="e7e6e6">
                   <a:lumMod val="90000"/>
                 </a:srgbClr>
               </a:solidFill>
@@ -18726,9 +18573,9 @@
               <a:defRPr/>
             </a:pPr>
             <a:r>
-              <a:rPr lang="en-US" altLang="ko-KR" sz="1450" dirty="0">
-                <a:solidFill>
-                  <a:srgbClr val="E7E6E6">
+              <a:rPr lang="en-US" altLang="ko-KR" sz="1450">
+                <a:solidFill>
+                  <a:srgbClr val="e7e6e6">
                     <a:lumMod val="90000"/>
                   </a:srgbClr>
                 </a:solidFill>
@@ -18736,65 +18583,32 @@
               <a:t>11-1. </a:t>
             </a:r>
             <a:r>
-              <a:rPr lang="ko-KR" altLang="en-US" sz="1450" dirty="0">
-                <a:solidFill>
-                  <a:srgbClr val="E7E6E6">
-                    <a:lumMod val="90000"/>
-                  </a:srgbClr>
-                </a:solidFill>
-              </a:rPr>
-              <a:t>비회원과 회원과 관리자는 </a:t>
-            </a:r>
-            <a:r>
-              <a:rPr lang="ko-KR" altLang="en-US" sz="1450" dirty="0" err="1">
-                <a:solidFill>
-                  <a:srgbClr val="E7E6E6">
-                    <a:lumMod val="90000"/>
-                  </a:srgbClr>
-                </a:solidFill>
-              </a:rPr>
-              <a:t>기프티콘</a:t>
-            </a:r>
-            <a:r>
-              <a:rPr lang="ko-KR" altLang="en-US" sz="1450" dirty="0">
-                <a:solidFill>
-                  <a:srgbClr val="E7E6E6">
-                    <a:lumMod val="90000"/>
-                  </a:srgbClr>
-                </a:solidFill>
-              </a:rPr>
-              <a:t> 페이지에서 현재 판매중인 </a:t>
-            </a:r>
-            <a:r>
-              <a:rPr lang="ko-KR" altLang="en-US" sz="1450" dirty="0" err="1">
-                <a:solidFill>
-                  <a:srgbClr val="E7E6E6">
-                    <a:lumMod val="90000"/>
-                  </a:srgbClr>
-                </a:solidFill>
-              </a:rPr>
-              <a:t>기프티콘</a:t>
-            </a:r>
-            <a:r>
-              <a:rPr lang="ko-KR" altLang="en-US" sz="1450" dirty="0">
-                <a:solidFill>
-                  <a:srgbClr val="E7E6E6">
-                    <a:lumMod val="90000"/>
-                  </a:srgbClr>
-                </a:solidFill>
-              </a:rPr>
-              <a:t> 전체를 조회할 수 있다</a:t>
-            </a:r>
-            <a:r>
-              <a:rPr lang="en-US" altLang="ko-KR" sz="1450" dirty="0">
-                <a:solidFill>
-                  <a:srgbClr val="E7E6E6">
+              <a:rPr lang="ko-KR" altLang="en-US" sz="1450">
+                <a:solidFill>
+                  <a:srgbClr val="e7e6e6">
+                    <a:lumMod val="90000"/>
+                  </a:srgbClr>
+                </a:solidFill>
+              </a:rPr>
+              <a:t>비회원과 회원과 관리자는 기프티콘 페이지에서 현재 판매중인 기프티콘 전체를 조회할 수 있다</a:t>
+            </a:r>
+            <a:r>
+              <a:rPr lang="en-US" altLang="ko-KR" sz="1450">
+                <a:solidFill>
+                  <a:srgbClr val="e7e6e6">
                     <a:lumMod val="90000"/>
                   </a:srgbClr>
                 </a:solidFill>
               </a:rPr>
               <a:t>.</a:t>
             </a:r>
+            <a:endParaRPr lang="en-US" altLang="ko-KR" sz="1450">
+              <a:solidFill>
+                <a:srgbClr val="e7e6e6">
+                  <a:lumMod val="90000"/>
+                </a:srgbClr>
+              </a:solidFill>
+            </a:endParaRPr>
           </a:p>
           <a:p>
             <a:pPr lvl="1">
@@ -18804,9 +18618,9 @@
               <a:defRPr/>
             </a:pPr>
             <a:r>
-              <a:rPr lang="en-US" altLang="ko-KR" sz="1450" dirty="0">
-                <a:solidFill>
-                  <a:srgbClr val="E7E6E6">
+              <a:rPr lang="en-US" altLang="ko-KR" sz="1450">
+                <a:solidFill>
+                  <a:srgbClr val="e7e6e6">
                     <a:lumMod val="90000"/>
                   </a:srgbClr>
                 </a:solidFill>
@@ -18814,65 +18628,32 @@
               <a:t>11-2. </a:t>
             </a:r>
             <a:r>
-              <a:rPr lang="ko-KR" altLang="en-US" sz="1450" dirty="0">
-                <a:solidFill>
-                  <a:srgbClr val="E7E6E6">
-                    <a:lumMod val="90000"/>
-                  </a:srgbClr>
-                </a:solidFill>
-              </a:rPr>
-              <a:t>비회원과 회원과 관리자는 현재 판매중인 </a:t>
-            </a:r>
-            <a:r>
-              <a:rPr lang="ko-KR" altLang="en-US" sz="1450" dirty="0" err="1">
-                <a:solidFill>
-                  <a:srgbClr val="E7E6E6">
-                    <a:lumMod val="90000"/>
-                  </a:srgbClr>
-                </a:solidFill>
-              </a:rPr>
-              <a:t>기프티콘을</a:t>
-            </a:r>
-            <a:r>
-              <a:rPr lang="ko-KR" altLang="en-US" sz="1450" dirty="0">
-                <a:solidFill>
-                  <a:srgbClr val="E7E6E6">
-                    <a:lumMod val="90000"/>
-                  </a:srgbClr>
-                </a:solidFill>
-              </a:rPr>
-              <a:t> 클릭하여 </a:t>
-            </a:r>
-            <a:r>
-              <a:rPr lang="ko-KR" altLang="en-US" sz="1450" dirty="0" err="1">
-                <a:solidFill>
-                  <a:srgbClr val="E7E6E6">
-                    <a:lumMod val="90000"/>
-                  </a:srgbClr>
-                </a:solidFill>
-              </a:rPr>
-              <a:t>상세보기할</a:t>
-            </a:r>
-            <a:r>
-              <a:rPr lang="ko-KR" altLang="en-US" sz="1450" dirty="0">
-                <a:solidFill>
-                  <a:srgbClr val="E7E6E6">
-                    <a:lumMod val="90000"/>
-                  </a:srgbClr>
-                </a:solidFill>
-              </a:rPr>
-              <a:t> 수 있다</a:t>
-            </a:r>
-            <a:r>
-              <a:rPr lang="en-US" altLang="ko-KR" sz="1450" dirty="0">
-                <a:solidFill>
-                  <a:srgbClr val="E7E6E6">
+              <a:rPr lang="ko-KR" altLang="en-US" sz="1450">
+                <a:solidFill>
+                  <a:srgbClr val="e7e6e6">
+                    <a:lumMod val="90000"/>
+                  </a:srgbClr>
+                </a:solidFill>
+              </a:rPr>
+              <a:t>비회원과 회원과 관리자는 현재 판매중인 기프티콘을 클릭하여 상세보기할 수 있다</a:t>
+            </a:r>
+            <a:r>
+              <a:rPr lang="en-US" altLang="ko-KR" sz="1450">
+                <a:solidFill>
+                  <a:srgbClr val="e7e6e6">
                     <a:lumMod val="90000"/>
                   </a:srgbClr>
                 </a:solidFill>
               </a:rPr>
               <a:t>.</a:t>
             </a:r>
+            <a:endParaRPr lang="en-US" altLang="ko-KR" sz="1450">
+              <a:solidFill>
+                <a:srgbClr val="e7e6e6">
+                  <a:lumMod val="90000"/>
+                </a:srgbClr>
+              </a:solidFill>
+            </a:endParaRPr>
           </a:p>
           <a:p>
             <a:pPr lvl="1">
@@ -18882,9 +18663,9 @@
               <a:defRPr/>
             </a:pPr>
             <a:r>
-              <a:rPr lang="en-US" altLang="ko-KR" sz="1450" dirty="0">
-                <a:solidFill>
-                  <a:srgbClr val="E7E6E6">
+              <a:rPr lang="en-US" altLang="ko-KR" sz="1450">
+                <a:solidFill>
+                  <a:srgbClr val="e7e6e6">
                     <a:lumMod val="90000"/>
                   </a:srgbClr>
                 </a:solidFill>
@@ -18892,39 +18673,279 @@
               <a:t>11-3. </a:t>
             </a:r>
             <a:r>
-              <a:rPr lang="ko-KR" altLang="en-US" sz="1450" dirty="0">
-                <a:solidFill>
-                  <a:srgbClr val="E7E6E6">
-                    <a:lumMod val="90000"/>
-                  </a:srgbClr>
-                </a:solidFill>
-              </a:rPr>
-              <a:t>비회원과 회원과 관리자는 </a:t>
-            </a:r>
-            <a:r>
-              <a:rPr lang="ko-KR" altLang="en-US" sz="1450" dirty="0" err="1">
-                <a:solidFill>
-                  <a:srgbClr val="E7E6E6">
-                    <a:lumMod val="90000"/>
-                  </a:srgbClr>
-                </a:solidFill>
-              </a:rPr>
-              <a:t>기프티콘</a:t>
-            </a:r>
-            <a:r>
-              <a:rPr lang="ko-KR" altLang="en-US" sz="1450" dirty="0">
-                <a:solidFill>
-                  <a:srgbClr val="E7E6E6">
-                    <a:lumMod val="90000"/>
-                  </a:srgbClr>
-                </a:solidFill>
-              </a:rPr>
-              <a:t> 페이지에서 키워드</a:t>
-            </a:r>
-            <a:r>
-              <a:rPr lang="en-US" altLang="ko-KR" sz="1450" dirty="0">
-                <a:solidFill>
-                  <a:srgbClr val="E7E6E6">
+              <a:rPr lang="ko-KR" altLang="en-US" sz="1450">
+                <a:solidFill>
+                  <a:srgbClr val="e7e6e6">
+                    <a:lumMod val="90000"/>
+                  </a:srgbClr>
+                </a:solidFill>
+              </a:rPr>
+              <a:t>회원은 기프티콘 상세보기 페이지에서 기프티콘을 구입 할 수 있다</a:t>
+            </a:r>
+            <a:r>
+              <a:rPr lang="en-US" altLang="ko-KR" sz="1450">
+                <a:solidFill>
+                  <a:srgbClr val="e7e6e6">
+                    <a:lumMod val="90000"/>
+                  </a:srgbClr>
+                </a:solidFill>
+              </a:rPr>
+              <a:t>. (</a:t>
+            </a:r>
+            <a:r>
+              <a:rPr lang="ko-KR" altLang="en-US" sz="1450">
+                <a:solidFill>
+                  <a:srgbClr val="e7e6e6">
+                    <a:lumMod val="90000"/>
+                  </a:srgbClr>
+                </a:solidFill>
+              </a:rPr>
+              <a:t>기프티콘의 유효기간은 구매일자로부터 한 달이다</a:t>
+            </a:r>
+            <a:r>
+              <a:rPr lang="en-US" altLang="ko-KR" sz="1450">
+                <a:solidFill>
+                  <a:srgbClr val="e7e6e6">
+                    <a:lumMod val="90000"/>
+                  </a:srgbClr>
+                </a:solidFill>
+              </a:rPr>
+              <a:t>.)</a:t>
+            </a:r>
+            <a:endParaRPr lang="en-US" altLang="ko-KR" sz="1450">
+              <a:solidFill>
+                <a:srgbClr val="e7e6e6">
+                  <a:lumMod val="90000"/>
+                </a:srgbClr>
+              </a:solidFill>
+            </a:endParaRPr>
+          </a:p>
+          <a:p>
+            <a:pPr lvl="1">
+              <a:lnSpc>
+                <a:spcPct val="160000"/>
+              </a:lnSpc>
+              <a:defRPr/>
+            </a:pPr>
+            <a:r>
+              <a:rPr lang="en-US" altLang="ko-KR" sz="1450">
+                <a:solidFill>
+                  <a:srgbClr val="e7e6e6">
+                    <a:lumMod val="90000"/>
+                  </a:srgbClr>
+                </a:solidFill>
+              </a:rPr>
+              <a:t>11-4. </a:t>
+            </a:r>
+            <a:r>
+              <a:rPr lang="ko-KR" altLang="en-US" sz="1450">
+                <a:solidFill>
+                  <a:srgbClr val="e7e6e6">
+                    <a:lumMod val="90000"/>
+                  </a:srgbClr>
+                </a:solidFill>
+              </a:rPr>
+              <a:t>회원은 마이페이지 내 ‘내 기프티콘’ 페이지에서 기프티콘 만료 전에 유효기간을 </a:t>
+            </a:r>
+            <a:r>
+              <a:rPr lang="en-US" altLang="ko-KR" sz="1450">
+                <a:solidFill>
+                  <a:srgbClr val="e7e6e6">
+                    <a:lumMod val="90000"/>
+                  </a:srgbClr>
+                </a:solidFill>
+              </a:rPr>
+              <a:t>1</a:t>
+            </a:r>
+            <a:r>
+              <a:rPr lang="ko-KR" altLang="en-US" sz="1450">
+                <a:solidFill>
+                  <a:srgbClr val="e7e6e6">
+                    <a:lumMod val="90000"/>
+                  </a:srgbClr>
+                </a:solidFill>
+              </a:rPr>
+              <a:t>회 한 달 연장 할 수 있다</a:t>
+            </a:r>
+            <a:r>
+              <a:rPr lang="en-US" altLang="ko-KR" sz="1450">
+                <a:solidFill>
+                  <a:srgbClr val="e7e6e6">
+                    <a:lumMod val="90000"/>
+                  </a:srgbClr>
+                </a:solidFill>
+              </a:rPr>
+              <a:t>. </a:t>
+            </a:r>
+            <a:endParaRPr lang="en-US" altLang="ko-KR" sz="1450">
+              <a:solidFill>
+                <a:srgbClr val="e7e6e6">
+                  <a:lumMod val="90000"/>
+                </a:srgbClr>
+              </a:solidFill>
+            </a:endParaRPr>
+          </a:p>
+          <a:p>
+            <a:pPr lvl="1">
+              <a:lnSpc>
+                <a:spcPct val="160000"/>
+              </a:lnSpc>
+              <a:defRPr/>
+            </a:pPr>
+            <a:r>
+              <a:rPr lang="en-US" altLang="ko-KR" sz="1450">
+                <a:solidFill>
+                  <a:srgbClr val="e7e6e6">
+                    <a:lumMod val="90000"/>
+                  </a:srgbClr>
+                </a:solidFill>
+              </a:rPr>
+              <a:t>11-5. </a:t>
+            </a:r>
+            <a:r>
+              <a:rPr lang="ko-KR" altLang="en-US" sz="1450">
+                <a:solidFill>
+                  <a:srgbClr val="e7e6e6">
+                    <a:lumMod val="90000"/>
+                  </a:srgbClr>
+                </a:solidFill>
+              </a:rPr>
+              <a:t>회원은 마이페이지 내 ‘내 기프티콘’ 페이지에서 사용가능한 기프티콘에 대하여 환불 받을 수 있다</a:t>
+            </a:r>
+            <a:r>
+              <a:rPr lang="en-US" altLang="ko-KR" sz="1450">
+                <a:solidFill>
+                  <a:srgbClr val="e7e6e6">
+                    <a:lumMod val="90000"/>
+                  </a:srgbClr>
+                </a:solidFill>
+              </a:rPr>
+              <a:t>.</a:t>
+            </a:r>
+            <a:endParaRPr lang="en-US" altLang="ko-KR" sz="1450">
+              <a:solidFill>
+                <a:srgbClr val="e7e6e6">
+                  <a:lumMod val="90000"/>
+                </a:srgbClr>
+              </a:solidFill>
+            </a:endParaRPr>
+          </a:p>
+          <a:p>
+            <a:pPr lvl="1">
+              <a:lnSpc>
+                <a:spcPct val="160000"/>
+              </a:lnSpc>
+              <a:defRPr/>
+            </a:pPr>
+            <a:r>
+              <a:rPr lang="en-US" altLang="ko-KR" sz="1450">
+                <a:solidFill>
+                  <a:srgbClr val="e7e6e6">
+                    <a:lumMod val="90000"/>
+                  </a:srgbClr>
+                </a:solidFill>
+              </a:rPr>
+              <a:t>11-6. </a:t>
+            </a:r>
+            <a:r>
+              <a:rPr lang="ko-KR" altLang="en-US" sz="1450">
+                <a:solidFill>
+                  <a:srgbClr val="e7e6e6">
+                    <a:lumMod val="90000"/>
+                  </a:srgbClr>
+                </a:solidFill>
+              </a:rPr>
+              <a:t>회원은 마이페이지 내 ‘내 기프티콘’ 페이지에서 기프티콘 구입 내역을 조회할 수 있다</a:t>
+            </a:r>
+            <a:r>
+              <a:rPr lang="en-US" altLang="ko-KR" sz="1450">
+                <a:solidFill>
+                  <a:srgbClr val="e7e6e6">
+                    <a:lumMod val="90000"/>
+                  </a:srgbClr>
+                </a:solidFill>
+              </a:rPr>
+              <a:t>.</a:t>
+            </a:r>
+            <a:endParaRPr lang="en-US" altLang="ko-KR" sz="1450">
+              <a:solidFill>
+                <a:srgbClr val="e7e6e6">
+                  <a:lumMod val="90000"/>
+                </a:srgbClr>
+              </a:solidFill>
+            </a:endParaRPr>
+          </a:p>
+          <a:p>
+            <a:pPr lvl="1">
+              <a:lnSpc>
+                <a:spcPct val="160000"/>
+              </a:lnSpc>
+              <a:defRPr/>
+            </a:pPr>
+            <a:r>
+              <a:rPr lang="en-US" altLang="ko-KR" sz="1450">
+                <a:solidFill>
+                  <a:srgbClr val="e7e6e6">
+                    <a:lumMod val="90000"/>
+                  </a:srgbClr>
+                </a:solidFill>
+              </a:rPr>
+              <a:t>       (</a:t>
+            </a:r>
+            <a:r>
+              <a:rPr lang="ko-KR" altLang="en-US" sz="1450">
+                <a:solidFill>
+                  <a:srgbClr val="e7e6e6">
+                    <a:lumMod val="90000"/>
+                  </a:srgbClr>
+                </a:solidFill>
+              </a:rPr>
+              <a:t>이름</a:t>
+            </a:r>
+            <a:r>
+              <a:rPr lang="en-US" altLang="ko-KR" sz="1450">
+                <a:solidFill>
+                  <a:srgbClr val="e7e6e6">
+                    <a:lumMod val="90000"/>
+                  </a:srgbClr>
+                </a:solidFill>
+              </a:rPr>
+              <a:t>, </a:t>
+            </a:r>
+            <a:r>
+              <a:rPr lang="ko-KR" altLang="en-US" sz="1450">
+                <a:solidFill>
+                  <a:srgbClr val="e7e6e6">
+                    <a:lumMod val="90000"/>
+                  </a:srgbClr>
+                </a:solidFill>
+              </a:rPr>
+              <a:t>가격</a:t>
+            </a:r>
+            <a:r>
+              <a:rPr lang="en-US" altLang="ko-KR" sz="1450">
+                <a:solidFill>
+                  <a:srgbClr val="e7e6e6">
+                    <a:lumMod val="90000"/>
+                  </a:srgbClr>
+                </a:solidFill>
+              </a:rPr>
+              <a:t>, </a:t>
+            </a:r>
+            <a:r>
+              <a:rPr lang="ko-KR" altLang="en-US" sz="1450">
+                <a:solidFill>
+                  <a:srgbClr val="e7e6e6">
+                    <a:lumMod val="90000"/>
+                  </a:srgbClr>
+                </a:solidFill>
+              </a:rPr>
+              <a:t>사용가능여부</a:t>
+            </a:r>
+            <a:r>
+              <a:rPr lang="en-US" altLang="ko-KR" sz="1450">
+                <a:solidFill>
+                  <a:srgbClr val="e7e6e6">
                     <a:lumMod val="90000"/>
                   </a:srgbClr>
                 </a:solidFill>
@@ -18932,9 +18953,174 @@
               <a:t>(</a:t>
             </a:r>
             <a:r>
-              <a:rPr lang="ko-KR" altLang="en-US" sz="1450" dirty="0">
-                <a:solidFill>
-                  <a:srgbClr val="E7E6E6">
+              <a:rPr lang="ko-KR" altLang="en-US" sz="1450">
+                <a:solidFill>
+                  <a:srgbClr val="e7e6e6">
+                    <a:lumMod val="90000"/>
+                  </a:srgbClr>
+                </a:solidFill>
+              </a:rPr>
+              <a:t>사용가능</a:t>
+            </a:r>
+            <a:r>
+              <a:rPr lang="en-US" altLang="ko-KR" sz="1450">
+                <a:solidFill>
+                  <a:srgbClr val="e7e6e6">
+                    <a:lumMod val="90000"/>
+                  </a:srgbClr>
+                </a:solidFill>
+              </a:rPr>
+              <a:t>/</a:t>
+            </a:r>
+            <a:r>
+              <a:rPr lang="ko-KR" altLang="en-US" sz="1450">
+                <a:solidFill>
+                  <a:srgbClr val="e7e6e6">
+                    <a:lumMod val="90000"/>
+                  </a:srgbClr>
+                </a:solidFill>
+              </a:rPr>
+              <a:t>기간만료</a:t>
+            </a:r>
+            <a:r>
+              <a:rPr lang="en-US" altLang="ko-KR" sz="1450">
+                <a:solidFill>
+                  <a:srgbClr val="e7e6e6">
+                    <a:lumMod val="90000"/>
+                  </a:srgbClr>
+                </a:solidFill>
+              </a:rPr>
+              <a:t>/</a:t>
+            </a:r>
+            <a:r>
+              <a:rPr lang="ko-KR" altLang="en-US" sz="1450">
+                <a:solidFill>
+                  <a:srgbClr val="e7e6e6">
+                    <a:lumMod val="90000"/>
+                  </a:srgbClr>
+                </a:solidFill>
+              </a:rPr>
+              <a:t>환불완료</a:t>
+            </a:r>
+            <a:r>
+              <a:rPr lang="en-US" altLang="ko-KR" sz="1450">
+                <a:solidFill>
+                  <a:srgbClr val="e7e6e6">
+                    <a:lumMod val="90000"/>
+                  </a:srgbClr>
+                </a:solidFill>
+              </a:rPr>
+              <a:t>), </a:t>
+            </a:r>
+            <a:r>
+              <a:rPr lang="ko-KR" altLang="en-US" sz="1450">
+                <a:solidFill>
+                  <a:srgbClr val="e7e6e6">
+                    <a:lumMod val="90000"/>
+                  </a:srgbClr>
+                </a:solidFill>
+              </a:rPr>
+              <a:t>만료기간</a:t>
+            </a:r>
+            <a:r>
+              <a:rPr lang="en-US" altLang="ko-KR" sz="1450">
+                <a:solidFill>
+                  <a:srgbClr val="e7e6e6">
+                    <a:lumMod val="90000"/>
+                  </a:srgbClr>
+                </a:solidFill>
+              </a:rPr>
+              <a:t>,</a:t>
+            </a:r>
+            <a:r>
+              <a:rPr lang="ko-KR" altLang="en-US" sz="1450">
+                <a:solidFill>
+                  <a:srgbClr val="e7e6e6">
+                    <a:lumMod val="90000"/>
+                  </a:srgbClr>
+                </a:solidFill>
+              </a:rPr>
+              <a:t> 연장여부</a:t>
+            </a:r>
+            <a:r>
+              <a:rPr lang="en-US" altLang="ko-KR" sz="1450">
+                <a:solidFill>
+                  <a:srgbClr val="e7e6e6">
+                    <a:lumMod val="90000"/>
+                  </a:srgbClr>
+                </a:solidFill>
+              </a:rPr>
+              <a:t>)</a:t>
+            </a:r>
+            <a:endParaRPr lang="en-US" altLang="ko-KR" sz="1450">
+              <a:solidFill>
+                <a:srgbClr val="e7e6e6">
+                  <a:lumMod val="90000"/>
+                </a:srgbClr>
+              </a:solidFill>
+            </a:endParaRPr>
+          </a:p>
+          <a:p>
+            <a:pPr lvl="1">
+              <a:lnSpc>
+                <a:spcPct val="160000"/>
+              </a:lnSpc>
+              <a:defRPr/>
+            </a:pPr>
+            <a:r>
+              <a:rPr lang="en-US" altLang="ko-KR" sz="1450">
+                <a:solidFill>
+                  <a:srgbClr val="e7e6e6">
+                    <a:lumMod val="90000"/>
+                  </a:srgbClr>
+                </a:solidFill>
+              </a:rPr>
+              <a:t>11-7. </a:t>
+            </a:r>
+            <a:r>
+              <a:rPr lang="ko-KR" altLang="en-US" sz="1450">
+                <a:solidFill>
+                  <a:srgbClr val="e7e6e6">
+                    <a:lumMod val="90000"/>
+                  </a:srgbClr>
+                </a:solidFill>
+              </a:rPr>
+              <a:t>관리자는 기프티콘 페이지에서 기프티콘을 추가로 등록</a:t>
+            </a:r>
+            <a:r>
+              <a:rPr lang="en-US" altLang="ko-KR" sz="1450">
+                <a:solidFill>
+                  <a:srgbClr val="e7e6e6">
+                    <a:lumMod val="90000"/>
+                  </a:srgbClr>
+                </a:solidFill>
+              </a:rPr>
+              <a:t>(</a:t>
+            </a:r>
+            <a:r>
+              <a:rPr lang="ko-KR" altLang="en-US" sz="1450">
+                <a:solidFill>
+                  <a:srgbClr val="e7e6e6">
+                    <a:lumMod val="90000"/>
+                  </a:srgbClr>
+                </a:solidFill>
+              </a:rPr>
+              <a:t>사진</a:t>
+            </a:r>
+            <a:r>
+              <a:rPr lang="en-US" altLang="ko-KR" sz="1450">
+                <a:solidFill>
+                  <a:srgbClr val="e7e6e6">
+                    <a:lumMod val="90000"/>
+                  </a:srgbClr>
+                </a:solidFill>
+              </a:rPr>
+              <a:t>, </a:t>
+            </a:r>
+            <a:r>
+              <a:rPr lang="ko-KR" altLang="en-US" sz="1450">
+                <a:solidFill>
+                  <a:srgbClr val="e7e6e6">
                     <a:lumMod val="90000"/>
                   </a:srgbClr>
                 </a:solidFill>
@@ -18942,9 +19128,49 @@
               <a:t>이름</a:t>
             </a:r>
             <a:r>
-              <a:rPr lang="en-US" altLang="ko-KR" sz="1450" dirty="0">
-                <a:solidFill>
-                  <a:srgbClr val="E7E6E6">
+              <a:rPr lang="en-US" altLang="ko-KR" sz="1450">
+                <a:solidFill>
+                  <a:srgbClr val="e7e6e6">
+                    <a:lumMod val="90000"/>
+                  </a:srgbClr>
+                </a:solidFill>
+              </a:rPr>
+              <a:t>, </a:t>
+            </a:r>
+            <a:r>
+              <a:rPr lang="ko-KR" altLang="en-US" sz="1450">
+                <a:solidFill>
+                  <a:srgbClr val="e7e6e6">
+                    <a:lumMod val="90000"/>
+                  </a:srgbClr>
+                </a:solidFill>
+              </a:rPr>
+              <a:t>구성</a:t>
+            </a:r>
+            <a:r>
+              <a:rPr lang="en-US" altLang="ko-KR" sz="1450">
+                <a:solidFill>
+                  <a:srgbClr val="e7e6e6">
+                    <a:lumMod val="90000"/>
+                  </a:srgbClr>
+                </a:solidFill>
+              </a:rPr>
+              <a:t>, </a:t>
+            </a:r>
+            <a:r>
+              <a:rPr lang="ko-KR" altLang="en-US" sz="1450">
+                <a:solidFill>
+                  <a:srgbClr val="e7e6e6">
+                    <a:lumMod val="90000"/>
+                  </a:srgbClr>
+                </a:solidFill>
+              </a:rPr>
+              <a:t>가격</a:t>
+            </a:r>
+            <a:r>
+              <a:rPr lang="en-US" altLang="ko-KR" sz="1450">
+                <a:solidFill>
+                  <a:srgbClr val="e7e6e6">
                     <a:lumMod val="90000"/>
                   </a:srgbClr>
                 </a:solidFill>
@@ -18952,45 +19178,32 @@
               <a:t>)</a:t>
             </a:r>
             <a:r>
-              <a:rPr lang="ko-KR" altLang="en-US" sz="1450" dirty="0">
-                <a:solidFill>
-                  <a:srgbClr val="E7E6E6">
-                    <a:lumMod val="90000"/>
-                  </a:srgbClr>
-                </a:solidFill>
-              </a:rPr>
-              <a:t>를 통해 </a:t>
-            </a:r>
-            <a:r>
-              <a:rPr lang="ko-KR" altLang="en-US" sz="1450" dirty="0" err="1">
-                <a:solidFill>
-                  <a:srgbClr val="E7E6E6">
-                    <a:lumMod val="90000"/>
-                  </a:srgbClr>
-                </a:solidFill>
-              </a:rPr>
-              <a:t>기프티콘을</a:t>
-            </a:r>
-            <a:r>
-              <a:rPr lang="ko-KR" altLang="en-US" sz="1450" dirty="0">
-                <a:solidFill>
-                  <a:srgbClr val="E7E6E6">
-                    <a:lumMod val="90000"/>
-                  </a:srgbClr>
-                </a:solidFill>
-              </a:rPr>
-              <a:t> 검색할 수 있다</a:t>
-            </a:r>
-            <a:r>
-              <a:rPr lang="en-US" altLang="ko-KR" sz="1450" dirty="0">
-                <a:solidFill>
-                  <a:srgbClr val="E7E6E6">
+              <a:rPr lang="ko-KR" altLang="en-US" sz="1450">
+                <a:solidFill>
+                  <a:srgbClr val="e7e6e6">
+                    <a:lumMod val="90000"/>
+                  </a:srgbClr>
+                </a:solidFill>
+              </a:rPr>
+              <a:t>할 수 있다</a:t>
+            </a:r>
+            <a:r>
+              <a:rPr lang="en-US" altLang="ko-KR" sz="1450">
+                <a:solidFill>
+                  <a:srgbClr val="e7e6e6">
                     <a:lumMod val="90000"/>
                   </a:srgbClr>
                 </a:solidFill>
               </a:rPr>
               <a:t>.</a:t>
             </a:r>
+            <a:endParaRPr lang="en-US" altLang="ko-KR" sz="1450">
+              <a:solidFill>
+                <a:srgbClr val="e7e6e6">
+                  <a:lumMod val="90000"/>
+                </a:srgbClr>
+              </a:solidFill>
+            </a:endParaRPr>
           </a:p>
           <a:p>
             <a:pPr lvl="1">
@@ -19000,125 +19213,42 @@
               <a:defRPr/>
             </a:pPr>
             <a:r>
-              <a:rPr lang="en-US" altLang="ko-KR" sz="1450" dirty="0">
-                <a:solidFill>
-                  <a:srgbClr val="E7E6E6">
-                    <a:lumMod val="90000"/>
-                  </a:srgbClr>
-                </a:solidFill>
-              </a:rPr>
-              <a:t>11-4. </a:t>
-            </a:r>
-            <a:r>
-              <a:rPr lang="ko-KR" altLang="en-US" sz="1450" dirty="0">
-                <a:solidFill>
-                  <a:srgbClr val="E7E6E6">
-                    <a:lumMod val="90000"/>
-                  </a:srgbClr>
-                </a:solidFill>
-              </a:rPr>
-              <a:t>회원은 </a:t>
-            </a:r>
-            <a:r>
-              <a:rPr lang="ko-KR" altLang="en-US" sz="1450" dirty="0" err="1">
-                <a:solidFill>
-                  <a:srgbClr val="E7E6E6">
-                    <a:lumMod val="90000"/>
-                  </a:srgbClr>
-                </a:solidFill>
-              </a:rPr>
-              <a:t>기프티콘</a:t>
-            </a:r>
-            <a:r>
-              <a:rPr lang="ko-KR" altLang="en-US" sz="1450" dirty="0">
-                <a:solidFill>
-                  <a:srgbClr val="E7E6E6">
-                    <a:lumMod val="90000"/>
-                  </a:srgbClr>
-                </a:solidFill>
-              </a:rPr>
-              <a:t> 상세보기 페이지에서 </a:t>
-            </a:r>
-            <a:r>
-              <a:rPr lang="ko-KR" altLang="en-US" sz="1450" dirty="0" err="1">
-                <a:solidFill>
-                  <a:srgbClr val="E7E6E6">
-                    <a:lumMod val="90000"/>
-                  </a:srgbClr>
-                </a:solidFill>
-              </a:rPr>
-              <a:t>기프티콘을</a:t>
-            </a:r>
-            <a:r>
-              <a:rPr lang="ko-KR" altLang="en-US" sz="1450" dirty="0">
-                <a:solidFill>
-                  <a:srgbClr val="E7E6E6">
-                    <a:lumMod val="90000"/>
-                  </a:srgbClr>
-                </a:solidFill>
-              </a:rPr>
-              <a:t> 구입 할 수 있다</a:t>
-            </a:r>
-            <a:r>
-              <a:rPr lang="en-US" altLang="ko-KR" sz="1450" dirty="0">
-                <a:solidFill>
-                  <a:srgbClr val="E7E6E6">
-                    <a:lumMod val="90000"/>
-                  </a:srgbClr>
-                </a:solidFill>
-              </a:rPr>
-              <a:t>. ( </a:t>
-            </a:r>
-            <a:r>
-              <a:rPr lang="ko-KR" altLang="en-US" sz="1450" dirty="0" err="1">
-                <a:solidFill>
-                  <a:srgbClr val="E7E6E6">
-                    <a:lumMod val="90000"/>
-                  </a:srgbClr>
-                </a:solidFill>
-              </a:rPr>
-              <a:t>기프티콘의</a:t>
-            </a:r>
-            <a:r>
-              <a:rPr lang="ko-KR" altLang="en-US" sz="1450" dirty="0">
-                <a:solidFill>
-                  <a:srgbClr val="E7E6E6">
-                    <a:lumMod val="90000"/>
-                  </a:srgbClr>
-                </a:solidFill>
-              </a:rPr>
-              <a:t> 유효기간은 구매일자로부터 </a:t>
-            </a:r>
-            <a:r>
-              <a:rPr lang="en-US" altLang="ko-KR" sz="1450" dirty="0">
-                <a:solidFill>
-                  <a:srgbClr val="E7E6E6">
-                    <a:lumMod val="90000"/>
-                  </a:srgbClr>
-                </a:solidFill>
-              </a:rPr>
-              <a:t>3</a:t>
-            </a:r>
-            <a:r>
-              <a:rPr lang="ko-KR" altLang="en-US" sz="1450" dirty="0">
-                <a:solidFill>
-                  <a:srgbClr val="E7E6E6">
-                    <a:lumMod val="90000"/>
-                  </a:srgbClr>
-                </a:solidFill>
-              </a:rPr>
-              <a:t>달이다</a:t>
-            </a:r>
-            <a:r>
-              <a:rPr lang="en-US" altLang="ko-KR" sz="1450" dirty="0">
-                <a:solidFill>
-                  <a:srgbClr val="E7E6E6">
-                    <a:lumMod val="90000"/>
-                  </a:srgbClr>
-                </a:solidFill>
-              </a:rPr>
-              <a:t>.)</a:t>
-            </a:r>
+              <a:rPr lang="en-US" altLang="ko-KR" sz="1450">
+                <a:solidFill>
+                  <a:srgbClr val="e7e6e6">
+                    <a:lumMod val="90000"/>
+                  </a:srgbClr>
+                </a:solidFill>
+              </a:rPr>
+              <a:t>11-8. </a:t>
+            </a:r>
+            <a:r>
+              <a:rPr lang="ko-KR" altLang="en-US" sz="1450">
+                <a:solidFill>
+                  <a:srgbClr val="e7e6e6">
+                    <a:lumMod val="90000"/>
+                  </a:srgbClr>
+                </a:solidFill>
+              </a:rPr>
+              <a:t>관리자는 기프티콘 상세보기 페이지에서 기프티콘의 이름이나 가격이나 사진을 수정할 수 있다</a:t>
+            </a:r>
+            <a:r>
+              <a:rPr lang="en-US" altLang="ko-KR" sz="1450">
+                <a:solidFill>
+                  <a:srgbClr val="e7e6e6">
+                    <a:lumMod val="90000"/>
+                  </a:srgbClr>
+                </a:solidFill>
+              </a:rPr>
+              <a:t>.</a:t>
+            </a:r>
+            <a:endParaRPr lang="en-US" altLang="ko-KR" sz="1450">
+              <a:solidFill>
+                <a:srgbClr val="e7e6e6">
+                  <a:lumMod val="90000"/>
+                </a:srgbClr>
+              </a:solidFill>
+            </a:endParaRPr>
           </a:p>
           <a:p>
             <a:pPr lvl="1">
@@ -19128,823 +19258,42 @@
               <a:defRPr/>
             </a:pPr>
             <a:r>
-              <a:rPr lang="en-US" altLang="ko-KR" sz="1450" dirty="0">
-                <a:solidFill>
-                  <a:srgbClr val="E7E6E6">
-                    <a:lumMod val="90000"/>
-                  </a:srgbClr>
-                </a:solidFill>
-              </a:rPr>
-              <a:t>11-5. </a:t>
-            </a:r>
-            <a:r>
-              <a:rPr lang="ko-KR" altLang="en-US" sz="1450" dirty="0">
-                <a:solidFill>
-                  <a:srgbClr val="E7E6E6">
-                    <a:lumMod val="90000"/>
-                  </a:srgbClr>
-                </a:solidFill>
-              </a:rPr>
-              <a:t>회원은 </a:t>
-            </a:r>
-            <a:r>
-              <a:rPr lang="ko-KR" altLang="en-US" sz="1450" dirty="0" err="1">
-                <a:solidFill>
-                  <a:srgbClr val="E7E6E6">
-                    <a:lumMod val="90000"/>
-                  </a:srgbClr>
-                </a:solidFill>
-              </a:rPr>
-              <a:t>마이페이지</a:t>
-            </a:r>
-            <a:r>
-              <a:rPr lang="ko-KR" altLang="en-US" sz="1450" dirty="0">
-                <a:solidFill>
-                  <a:srgbClr val="E7E6E6">
-                    <a:lumMod val="90000"/>
-                  </a:srgbClr>
-                </a:solidFill>
-              </a:rPr>
-              <a:t> 내 ‘내 </a:t>
-            </a:r>
-            <a:r>
-              <a:rPr lang="ko-KR" altLang="en-US" sz="1450" dirty="0" err="1">
-                <a:solidFill>
-                  <a:srgbClr val="E7E6E6">
-                    <a:lumMod val="90000"/>
-                  </a:srgbClr>
-                </a:solidFill>
-              </a:rPr>
-              <a:t>기프티콘</a:t>
-            </a:r>
-            <a:r>
-              <a:rPr lang="ko-KR" altLang="en-US" sz="1450" dirty="0">
-                <a:solidFill>
-                  <a:srgbClr val="E7E6E6">
-                    <a:lumMod val="90000"/>
-                  </a:srgbClr>
-                </a:solidFill>
-              </a:rPr>
-              <a:t>’ 페이지에서 </a:t>
-            </a:r>
-            <a:r>
-              <a:rPr lang="ko-KR" altLang="en-US" sz="1450" dirty="0" err="1">
-                <a:solidFill>
-                  <a:srgbClr val="E7E6E6">
-                    <a:lumMod val="90000"/>
-                  </a:srgbClr>
-                </a:solidFill>
-              </a:rPr>
-              <a:t>기프티콘</a:t>
-            </a:r>
-            <a:r>
-              <a:rPr lang="ko-KR" altLang="en-US" sz="1450" dirty="0">
-                <a:solidFill>
-                  <a:srgbClr val="E7E6E6">
-                    <a:lumMod val="90000"/>
-                  </a:srgbClr>
-                </a:solidFill>
-              </a:rPr>
-              <a:t> 만료 일주일 전에 유효기간을 </a:t>
-            </a:r>
-            <a:r>
-              <a:rPr lang="en-US" altLang="ko-KR" sz="1450" dirty="0">
-                <a:solidFill>
-                  <a:srgbClr val="E7E6E6">
-                    <a:lumMod val="90000"/>
-                  </a:srgbClr>
-                </a:solidFill>
-              </a:rPr>
-              <a:t>1</a:t>
-            </a:r>
-            <a:r>
-              <a:rPr lang="ko-KR" altLang="en-US" sz="1450" dirty="0">
-                <a:solidFill>
-                  <a:srgbClr val="E7E6E6">
-                    <a:lumMod val="90000"/>
-                  </a:srgbClr>
-                </a:solidFill>
-              </a:rPr>
-              <a:t>회 한달 연장 할 수 있다</a:t>
-            </a:r>
-            <a:r>
-              <a:rPr lang="en-US" altLang="ko-KR" sz="1450" dirty="0">
-                <a:solidFill>
-                  <a:srgbClr val="E7E6E6">
-                    <a:lumMod val="90000"/>
-                  </a:srgbClr>
-                </a:solidFill>
-              </a:rPr>
-              <a:t>. </a:t>
-            </a:r>
-          </a:p>
-          <a:p>
-            <a:pPr lvl="1">
-              <a:lnSpc>
-                <a:spcPct val="160000"/>
-              </a:lnSpc>
-              <a:defRPr/>
-            </a:pPr>
-            <a:r>
-              <a:rPr lang="en-US" altLang="ko-KR" sz="1450" dirty="0">
-                <a:solidFill>
-                  <a:srgbClr val="E7E6E6">
-                    <a:lumMod val="90000"/>
-                  </a:srgbClr>
-                </a:solidFill>
-              </a:rPr>
-              <a:t>11-6. </a:t>
-            </a:r>
-            <a:r>
-              <a:rPr lang="ko-KR" altLang="en-US" sz="1450" dirty="0">
-                <a:solidFill>
-                  <a:srgbClr val="E7E6E6">
-                    <a:lumMod val="90000"/>
-                  </a:srgbClr>
-                </a:solidFill>
-              </a:rPr>
-              <a:t>회원은 </a:t>
-            </a:r>
-            <a:r>
-              <a:rPr lang="ko-KR" altLang="en-US" sz="1450" dirty="0" err="1">
-                <a:solidFill>
-                  <a:srgbClr val="E7E6E6">
-                    <a:lumMod val="90000"/>
-                  </a:srgbClr>
-                </a:solidFill>
-              </a:rPr>
-              <a:t>마이페이지</a:t>
-            </a:r>
-            <a:r>
-              <a:rPr lang="ko-KR" altLang="en-US" sz="1450" dirty="0">
-                <a:solidFill>
-                  <a:srgbClr val="E7E6E6">
-                    <a:lumMod val="90000"/>
-                  </a:srgbClr>
-                </a:solidFill>
-              </a:rPr>
-              <a:t> 내 ‘내 </a:t>
-            </a:r>
-            <a:r>
-              <a:rPr lang="ko-KR" altLang="en-US" sz="1450" dirty="0" err="1">
-                <a:solidFill>
-                  <a:srgbClr val="E7E6E6">
-                    <a:lumMod val="90000"/>
-                  </a:srgbClr>
-                </a:solidFill>
-              </a:rPr>
-              <a:t>기프티콘</a:t>
-            </a:r>
-            <a:r>
-              <a:rPr lang="ko-KR" altLang="en-US" sz="1450" dirty="0">
-                <a:solidFill>
-                  <a:srgbClr val="E7E6E6">
-                    <a:lumMod val="90000"/>
-                  </a:srgbClr>
-                </a:solidFill>
-              </a:rPr>
-              <a:t>’ 페이지에서 </a:t>
-            </a:r>
-            <a:r>
-              <a:rPr lang="ko-KR" altLang="en-US" sz="1450" dirty="0" err="1">
-                <a:solidFill>
-                  <a:srgbClr val="E7E6E6">
-                    <a:lumMod val="90000"/>
-                  </a:srgbClr>
-                </a:solidFill>
-              </a:rPr>
-              <a:t>사용가능한</a:t>
-            </a:r>
-            <a:r>
-              <a:rPr lang="ko-KR" altLang="en-US" sz="1450" dirty="0">
-                <a:solidFill>
-                  <a:srgbClr val="E7E6E6">
-                    <a:lumMod val="90000"/>
-                  </a:srgbClr>
-                </a:solidFill>
-              </a:rPr>
-              <a:t> </a:t>
-            </a:r>
-            <a:r>
-              <a:rPr lang="ko-KR" altLang="en-US" sz="1450" dirty="0" err="1">
-                <a:solidFill>
-                  <a:srgbClr val="E7E6E6">
-                    <a:lumMod val="90000"/>
-                  </a:srgbClr>
-                </a:solidFill>
-              </a:rPr>
-              <a:t>기프티콘에</a:t>
-            </a:r>
-            <a:r>
-              <a:rPr lang="ko-KR" altLang="en-US" sz="1450" dirty="0">
-                <a:solidFill>
-                  <a:srgbClr val="E7E6E6">
-                    <a:lumMod val="90000"/>
-                  </a:srgbClr>
-                </a:solidFill>
-              </a:rPr>
-              <a:t> 대하여 환불 받을 수 있다</a:t>
-            </a:r>
-            <a:r>
-              <a:rPr lang="en-US" altLang="ko-KR" sz="1450" dirty="0">
-                <a:solidFill>
-                  <a:srgbClr val="E7E6E6">
+              <a:rPr lang="en-US" altLang="ko-KR" sz="1450">
+                <a:solidFill>
+                  <a:srgbClr val="e7e6e6">
+                    <a:lumMod val="90000"/>
+                  </a:srgbClr>
+                </a:solidFill>
+              </a:rPr>
+              <a:t>11-9. </a:t>
+            </a:r>
+            <a:r>
+              <a:rPr lang="ko-KR" altLang="en-US" sz="1450">
+                <a:solidFill>
+                  <a:srgbClr val="e7e6e6">
+                    <a:lumMod val="90000"/>
+                  </a:srgbClr>
+                </a:solidFill>
+              </a:rPr>
+              <a:t>관리자는 기프티콘 상세보기 페이지에서 상품 거래가 중단된 기프티콘을 목록에서 삭제할 수 있다</a:t>
+            </a:r>
+            <a:r>
+              <a:rPr lang="en-US" altLang="ko-KR" sz="1450">
+                <a:solidFill>
+                  <a:srgbClr val="e7e6e6">
                     <a:lumMod val="90000"/>
                   </a:srgbClr>
                 </a:solidFill>
               </a:rPr>
               <a:t>.</a:t>
             </a:r>
-          </a:p>
-          <a:p>
-            <a:pPr lvl="1">
-              <a:lnSpc>
-                <a:spcPct val="160000"/>
-              </a:lnSpc>
-              <a:defRPr/>
-            </a:pPr>
-            <a:r>
-              <a:rPr lang="en-US" altLang="ko-KR" sz="1450" dirty="0">
-                <a:solidFill>
-                  <a:srgbClr val="E7E6E6">
-                    <a:lumMod val="90000"/>
-                  </a:srgbClr>
-                </a:solidFill>
-              </a:rPr>
-              <a:t>11-7. </a:t>
-            </a:r>
-            <a:r>
-              <a:rPr lang="ko-KR" altLang="en-US" sz="1450" dirty="0">
-                <a:solidFill>
-                  <a:srgbClr val="E7E6E6">
-                    <a:lumMod val="90000"/>
-                  </a:srgbClr>
-                </a:solidFill>
-              </a:rPr>
-              <a:t>회원은 </a:t>
-            </a:r>
-            <a:r>
-              <a:rPr lang="ko-KR" altLang="en-US" sz="1450" dirty="0" err="1">
-                <a:solidFill>
-                  <a:srgbClr val="E7E6E6">
-                    <a:lumMod val="90000"/>
-                  </a:srgbClr>
-                </a:solidFill>
-              </a:rPr>
-              <a:t>마이페이지</a:t>
-            </a:r>
-            <a:r>
-              <a:rPr lang="ko-KR" altLang="en-US" sz="1450" dirty="0">
-                <a:solidFill>
-                  <a:srgbClr val="E7E6E6">
-                    <a:lumMod val="90000"/>
-                  </a:srgbClr>
-                </a:solidFill>
-              </a:rPr>
-              <a:t> 내 ‘내 </a:t>
-            </a:r>
-            <a:r>
-              <a:rPr lang="ko-KR" altLang="en-US" sz="1450" dirty="0" err="1">
-                <a:solidFill>
-                  <a:srgbClr val="E7E6E6">
-                    <a:lumMod val="90000"/>
-                  </a:srgbClr>
-                </a:solidFill>
-              </a:rPr>
-              <a:t>기프티콘</a:t>
-            </a:r>
-            <a:r>
-              <a:rPr lang="ko-KR" altLang="en-US" sz="1450" dirty="0">
-                <a:solidFill>
-                  <a:srgbClr val="E7E6E6">
-                    <a:lumMod val="90000"/>
-                  </a:srgbClr>
-                </a:solidFill>
-              </a:rPr>
-              <a:t>’ 페이지에서 </a:t>
-            </a:r>
-            <a:r>
-              <a:rPr lang="ko-KR" altLang="en-US" sz="1450" dirty="0" err="1">
-                <a:solidFill>
-                  <a:srgbClr val="E7E6E6">
-                    <a:lumMod val="90000"/>
-                  </a:srgbClr>
-                </a:solidFill>
-              </a:rPr>
-              <a:t>기프티콘</a:t>
-            </a:r>
-            <a:r>
-              <a:rPr lang="ko-KR" altLang="en-US" sz="1450" dirty="0">
-                <a:solidFill>
-                  <a:srgbClr val="E7E6E6">
-                    <a:lumMod val="90000"/>
-                  </a:srgbClr>
-                </a:solidFill>
-              </a:rPr>
-              <a:t> 구입 내역을 조회할 수 있다</a:t>
-            </a:r>
-            <a:r>
-              <a:rPr lang="en-US" altLang="ko-KR" sz="1450" dirty="0">
-                <a:solidFill>
-                  <a:srgbClr val="E7E6E6">
-                    <a:lumMod val="90000"/>
-                  </a:srgbClr>
-                </a:solidFill>
-              </a:rPr>
-              <a:t>.</a:t>
-            </a:r>
-          </a:p>
-          <a:p>
-            <a:pPr lvl="1">
-              <a:lnSpc>
-                <a:spcPct val="160000"/>
-              </a:lnSpc>
-              <a:defRPr/>
-            </a:pPr>
-            <a:r>
-              <a:rPr lang="en-US" altLang="ko-KR" sz="1450" dirty="0">
-                <a:solidFill>
-                  <a:srgbClr val="E7E6E6">
-                    <a:lumMod val="90000"/>
-                  </a:srgbClr>
-                </a:solidFill>
-              </a:rPr>
-              <a:t>       (</a:t>
-            </a:r>
-            <a:r>
-              <a:rPr lang="ko-KR" altLang="en-US" sz="1450" dirty="0">
-                <a:solidFill>
-                  <a:srgbClr val="E7E6E6">
-                    <a:lumMod val="90000"/>
-                  </a:srgbClr>
-                </a:solidFill>
-              </a:rPr>
-              <a:t>이름</a:t>
-            </a:r>
-            <a:r>
-              <a:rPr lang="en-US" altLang="ko-KR" sz="1450" dirty="0">
-                <a:solidFill>
-                  <a:srgbClr val="E7E6E6">
-                    <a:lumMod val="90000"/>
-                  </a:srgbClr>
-                </a:solidFill>
-              </a:rPr>
-              <a:t>, </a:t>
-            </a:r>
-            <a:r>
-              <a:rPr lang="ko-KR" altLang="en-US" sz="1450" dirty="0">
-                <a:solidFill>
-                  <a:srgbClr val="E7E6E6">
-                    <a:lumMod val="90000"/>
-                  </a:srgbClr>
-                </a:solidFill>
-              </a:rPr>
-              <a:t>가격</a:t>
-            </a:r>
-            <a:r>
-              <a:rPr lang="en-US" altLang="ko-KR" sz="1450" dirty="0">
-                <a:solidFill>
-                  <a:srgbClr val="E7E6E6">
-                    <a:lumMod val="90000"/>
-                  </a:srgbClr>
-                </a:solidFill>
-              </a:rPr>
-              <a:t>, </a:t>
-            </a:r>
-            <a:r>
-              <a:rPr lang="ko-KR" altLang="en-US" sz="1450" dirty="0">
-                <a:solidFill>
-                  <a:srgbClr val="E7E6E6">
-                    <a:lumMod val="90000"/>
-                  </a:srgbClr>
-                </a:solidFill>
-              </a:rPr>
-              <a:t>사용가능여부</a:t>
-            </a:r>
-            <a:r>
-              <a:rPr lang="en-US" altLang="ko-KR" sz="1450" dirty="0">
-                <a:solidFill>
-                  <a:srgbClr val="E7E6E6">
-                    <a:lumMod val="90000"/>
-                  </a:srgbClr>
-                </a:solidFill>
-              </a:rPr>
-              <a:t>(</a:t>
-            </a:r>
-            <a:r>
-              <a:rPr lang="ko-KR" altLang="en-US" sz="1450" dirty="0">
-                <a:solidFill>
-                  <a:srgbClr val="E7E6E6">
-                    <a:lumMod val="90000"/>
-                  </a:srgbClr>
-                </a:solidFill>
-              </a:rPr>
-              <a:t>사용가능</a:t>
-            </a:r>
-            <a:r>
-              <a:rPr lang="en-US" altLang="ko-KR" sz="1450" dirty="0">
-                <a:solidFill>
-                  <a:srgbClr val="E7E6E6">
-                    <a:lumMod val="90000"/>
-                  </a:srgbClr>
-                </a:solidFill>
-              </a:rPr>
-              <a:t>/</a:t>
-            </a:r>
-            <a:r>
-              <a:rPr lang="ko-KR" altLang="en-US" sz="1450" dirty="0">
-                <a:solidFill>
-                  <a:srgbClr val="E7E6E6">
-                    <a:lumMod val="90000"/>
-                  </a:srgbClr>
-                </a:solidFill>
-              </a:rPr>
-              <a:t>기간만료</a:t>
-            </a:r>
-            <a:r>
-              <a:rPr lang="en-US" altLang="ko-KR" sz="1450" dirty="0">
-                <a:solidFill>
-                  <a:srgbClr val="E7E6E6">
-                    <a:lumMod val="90000"/>
-                  </a:srgbClr>
-                </a:solidFill>
-              </a:rPr>
-              <a:t>/</a:t>
-            </a:r>
-            <a:r>
-              <a:rPr lang="ko-KR" altLang="en-US" sz="1450" dirty="0" err="1">
-                <a:solidFill>
-                  <a:srgbClr val="E7E6E6">
-                    <a:lumMod val="90000"/>
-                  </a:srgbClr>
-                </a:solidFill>
-              </a:rPr>
-              <a:t>사용완료</a:t>
-            </a:r>
-            <a:r>
-              <a:rPr lang="en-US" altLang="ko-KR" sz="1450" dirty="0">
-                <a:solidFill>
-                  <a:srgbClr val="E7E6E6">
-                    <a:lumMod val="90000"/>
-                  </a:srgbClr>
-                </a:solidFill>
-              </a:rPr>
-              <a:t>), </a:t>
-            </a:r>
-            <a:r>
-              <a:rPr lang="ko-KR" altLang="en-US" sz="1450" dirty="0" err="1">
-                <a:solidFill>
-                  <a:srgbClr val="E7E6E6">
-                    <a:lumMod val="90000"/>
-                  </a:srgbClr>
-                </a:solidFill>
-              </a:rPr>
-              <a:t>만료기간</a:t>
-            </a:r>
-            <a:r>
-              <a:rPr lang="en-US" altLang="ko-KR" sz="1450" dirty="0">
-                <a:solidFill>
-                  <a:srgbClr val="E7E6E6">
-                    <a:lumMod val="90000"/>
-                  </a:srgbClr>
-                </a:solidFill>
-              </a:rPr>
-              <a:t>)</a:t>
-            </a:r>
-          </a:p>
-          <a:p>
-            <a:pPr lvl="1">
-              <a:lnSpc>
-                <a:spcPct val="160000"/>
-              </a:lnSpc>
-              <a:defRPr/>
-            </a:pPr>
-            <a:r>
-              <a:rPr lang="en-US" altLang="ko-KR" sz="1450" dirty="0">
-                <a:solidFill>
-                  <a:srgbClr val="E7E6E6">
-                    <a:lumMod val="90000"/>
-                  </a:srgbClr>
-                </a:solidFill>
-              </a:rPr>
-              <a:t>11-8. </a:t>
-            </a:r>
-            <a:r>
-              <a:rPr lang="ko-KR" altLang="en-US" sz="1450" dirty="0">
-                <a:solidFill>
-                  <a:srgbClr val="E7E6E6">
-                    <a:lumMod val="90000"/>
-                  </a:srgbClr>
-                </a:solidFill>
-              </a:rPr>
-              <a:t>관리자는 </a:t>
-            </a:r>
-            <a:r>
-              <a:rPr lang="ko-KR" altLang="en-US" sz="1450" dirty="0" err="1">
-                <a:solidFill>
-                  <a:srgbClr val="E7E6E6">
-                    <a:lumMod val="90000"/>
-                  </a:srgbClr>
-                </a:solidFill>
-              </a:rPr>
-              <a:t>기프티콘</a:t>
-            </a:r>
-            <a:r>
-              <a:rPr lang="ko-KR" altLang="en-US" sz="1450" dirty="0">
-                <a:solidFill>
-                  <a:srgbClr val="E7E6E6">
-                    <a:lumMod val="90000"/>
-                  </a:srgbClr>
-                </a:solidFill>
-              </a:rPr>
-              <a:t> 페이지에서 </a:t>
-            </a:r>
-            <a:r>
-              <a:rPr lang="ko-KR" altLang="en-US" sz="1450" dirty="0" err="1">
-                <a:solidFill>
-                  <a:srgbClr val="E7E6E6">
-                    <a:lumMod val="90000"/>
-                  </a:srgbClr>
-                </a:solidFill>
-              </a:rPr>
-              <a:t>기프티콘을</a:t>
-            </a:r>
-            <a:r>
-              <a:rPr lang="ko-KR" altLang="en-US" sz="1450" dirty="0">
-                <a:solidFill>
-                  <a:srgbClr val="E7E6E6">
-                    <a:lumMod val="90000"/>
-                  </a:srgbClr>
-                </a:solidFill>
-              </a:rPr>
-              <a:t> 추가로 등록</a:t>
-            </a:r>
-            <a:r>
-              <a:rPr lang="en-US" altLang="ko-KR" sz="1450" dirty="0">
-                <a:solidFill>
-                  <a:srgbClr val="E7E6E6">
-                    <a:lumMod val="90000"/>
-                  </a:srgbClr>
-                </a:solidFill>
-              </a:rPr>
-              <a:t>(</a:t>
-            </a:r>
-            <a:r>
-              <a:rPr lang="ko-KR" altLang="en-US" sz="1450" dirty="0">
-                <a:solidFill>
-                  <a:srgbClr val="E7E6E6">
-                    <a:lumMod val="90000"/>
-                  </a:srgbClr>
-                </a:solidFill>
-              </a:rPr>
-              <a:t>사진</a:t>
-            </a:r>
-            <a:r>
-              <a:rPr lang="en-US" altLang="ko-KR" sz="1450" dirty="0">
-                <a:solidFill>
-                  <a:srgbClr val="E7E6E6">
-                    <a:lumMod val="90000"/>
-                  </a:srgbClr>
-                </a:solidFill>
-              </a:rPr>
-              <a:t>, </a:t>
-            </a:r>
-            <a:r>
-              <a:rPr lang="ko-KR" altLang="en-US" sz="1450" dirty="0">
-                <a:solidFill>
-                  <a:srgbClr val="E7E6E6">
-                    <a:lumMod val="90000"/>
-                  </a:srgbClr>
-                </a:solidFill>
-              </a:rPr>
-              <a:t>이름</a:t>
-            </a:r>
-            <a:r>
-              <a:rPr lang="en-US" altLang="ko-KR" sz="1450" dirty="0">
-                <a:solidFill>
-                  <a:srgbClr val="E7E6E6">
-                    <a:lumMod val="90000"/>
-                  </a:srgbClr>
-                </a:solidFill>
-              </a:rPr>
-              <a:t>, </a:t>
-            </a:r>
-            <a:r>
-              <a:rPr lang="ko-KR" altLang="en-US" sz="1450" dirty="0">
-                <a:solidFill>
-                  <a:srgbClr val="E7E6E6">
-                    <a:lumMod val="90000"/>
-                  </a:srgbClr>
-                </a:solidFill>
-              </a:rPr>
-              <a:t>구성</a:t>
-            </a:r>
-            <a:r>
-              <a:rPr lang="en-US" altLang="ko-KR" sz="1450" dirty="0">
-                <a:solidFill>
-                  <a:srgbClr val="E7E6E6">
-                    <a:lumMod val="90000"/>
-                  </a:srgbClr>
-                </a:solidFill>
-              </a:rPr>
-              <a:t>, </a:t>
-            </a:r>
-            <a:r>
-              <a:rPr lang="ko-KR" altLang="en-US" sz="1450" dirty="0">
-                <a:solidFill>
-                  <a:srgbClr val="E7E6E6">
-                    <a:lumMod val="90000"/>
-                  </a:srgbClr>
-                </a:solidFill>
-              </a:rPr>
-              <a:t>가격</a:t>
-            </a:r>
-            <a:r>
-              <a:rPr lang="en-US" altLang="ko-KR" sz="1450" dirty="0">
-                <a:solidFill>
-                  <a:srgbClr val="E7E6E6">
-                    <a:lumMod val="90000"/>
-                  </a:srgbClr>
-                </a:solidFill>
-              </a:rPr>
-              <a:t>)</a:t>
-            </a:r>
-            <a:r>
-              <a:rPr lang="ko-KR" altLang="en-US" sz="1450" dirty="0">
-                <a:solidFill>
-                  <a:srgbClr val="E7E6E6">
-                    <a:lumMod val="90000"/>
-                  </a:srgbClr>
-                </a:solidFill>
-              </a:rPr>
-              <a:t>할 수 있다</a:t>
-            </a:r>
-            <a:r>
-              <a:rPr lang="en-US" altLang="ko-KR" sz="1450" dirty="0">
-                <a:solidFill>
-                  <a:srgbClr val="E7E6E6">
-                    <a:lumMod val="90000"/>
-                  </a:srgbClr>
-                </a:solidFill>
-              </a:rPr>
-              <a:t>.</a:t>
-            </a:r>
-          </a:p>
-          <a:p>
-            <a:pPr lvl="1">
-              <a:lnSpc>
-                <a:spcPct val="160000"/>
-              </a:lnSpc>
-              <a:defRPr/>
-            </a:pPr>
-            <a:r>
-              <a:rPr lang="en-US" altLang="ko-KR" sz="1450" dirty="0">
-                <a:solidFill>
-                  <a:srgbClr val="E7E6E6">
-                    <a:lumMod val="90000"/>
-                  </a:srgbClr>
-                </a:solidFill>
-              </a:rPr>
-              <a:t>11-9. </a:t>
-            </a:r>
-            <a:r>
-              <a:rPr lang="ko-KR" altLang="en-US" sz="1450" dirty="0">
-                <a:solidFill>
-                  <a:srgbClr val="E7E6E6">
-                    <a:lumMod val="90000"/>
-                  </a:srgbClr>
-                </a:solidFill>
-              </a:rPr>
-              <a:t>관리자는 </a:t>
-            </a:r>
-            <a:r>
-              <a:rPr lang="ko-KR" altLang="en-US" sz="1450" dirty="0" err="1">
-                <a:solidFill>
-                  <a:srgbClr val="E7E6E6">
-                    <a:lumMod val="90000"/>
-                  </a:srgbClr>
-                </a:solidFill>
-              </a:rPr>
-              <a:t>기프티콘</a:t>
-            </a:r>
-            <a:r>
-              <a:rPr lang="ko-KR" altLang="en-US" sz="1450" dirty="0">
-                <a:solidFill>
-                  <a:srgbClr val="E7E6E6">
-                    <a:lumMod val="90000"/>
-                  </a:srgbClr>
-                </a:solidFill>
-              </a:rPr>
-              <a:t> 상세보기 페이지에서 </a:t>
-            </a:r>
-            <a:r>
-              <a:rPr lang="ko-KR" altLang="en-US" sz="1450" dirty="0" err="1">
-                <a:solidFill>
-                  <a:srgbClr val="E7E6E6">
-                    <a:lumMod val="90000"/>
-                  </a:srgbClr>
-                </a:solidFill>
-              </a:rPr>
-              <a:t>기프티콘의</a:t>
-            </a:r>
-            <a:r>
-              <a:rPr lang="ko-KR" altLang="en-US" sz="1450" dirty="0">
-                <a:solidFill>
-                  <a:srgbClr val="E7E6E6">
-                    <a:lumMod val="90000"/>
-                  </a:srgbClr>
-                </a:solidFill>
-              </a:rPr>
-              <a:t> 이름이나 가격이나 사진을 수정할 수 있다</a:t>
-            </a:r>
-            <a:r>
-              <a:rPr lang="en-US" altLang="ko-KR" sz="1450" dirty="0">
-                <a:solidFill>
-                  <a:srgbClr val="E7E6E6">
-                    <a:lumMod val="90000"/>
-                  </a:srgbClr>
-                </a:solidFill>
-              </a:rPr>
-              <a:t>.</a:t>
-            </a:r>
-          </a:p>
-          <a:p>
-            <a:pPr lvl="1">
-              <a:lnSpc>
-                <a:spcPct val="160000"/>
-              </a:lnSpc>
-              <a:defRPr/>
-            </a:pPr>
-            <a:r>
-              <a:rPr lang="en-US" altLang="ko-KR" sz="1450" dirty="0">
-                <a:solidFill>
-                  <a:srgbClr val="E7E6E6">
-                    <a:lumMod val="90000"/>
-                  </a:srgbClr>
-                </a:solidFill>
-              </a:rPr>
-              <a:t>11-10. </a:t>
-            </a:r>
-            <a:r>
-              <a:rPr lang="ko-KR" altLang="en-US" sz="1450" dirty="0">
-                <a:solidFill>
-                  <a:srgbClr val="E7E6E6">
-                    <a:lumMod val="90000"/>
-                  </a:srgbClr>
-                </a:solidFill>
-              </a:rPr>
-              <a:t>관리자는 </a:t>
-            </a:r>
-            <a:r>
-              <a:rPr lang="ko-KR" altLang="en-US" sz="1450" dirty="0" err="1">
-                <a:solidFill>
-                  <a:srgbClr val="E7E6E6">
-                    <a:lumMod val="90000"/>
-                  </a:srgbClr>
-                </a:solidFill>
-              </a:rPr>
-              <a:t>기프티콘</a:t>
-            </a:r>
-            <a:r>
-              <a:rPr lang="ko-KR" altLang="en-US" sz="1450" dirty="0">
-                <a:solidFill>
-                  <a:srgbClr val="E7E6E6">
-                    <a:lumMod val="90000"/>
-                  </a:srgbClr>
-                </a:solidFill>
-              </a:rPr>
-              <a:t> 상세보기 페이지에서 상품 거래가 중단된 </a:t>
-            </a:r>
-            <a:r>
-              <a:rPr lang="ko-KR" altLang="en-US" sz="1450" dirty="0" err="1">
-                <a:solidFill>
-                  <a:srgbClr val="E7E6E6">
-                    <a:lumMod val="90000"/>
-                  </a:srgbClr>
-                </a:solidFill>
-              </a:rPr>
-              <a:t>기프티콘을</a:t>
-            </a:r>
-            <a:r>
-              <a:rPr lang="ko-KR" altLang="en-US" sz="1450" dirty="0">
-                <a:solidFill>
-                  <a:srgbClr val="E7E6E6">
-                    <a:lumMod val="90000"/>
-                  </a:srgbClr>
-                </a:solidFill>
-              </a:rPr>
-              <a:t> 목록에서 삭제할 수 있다</a:t>
-            </a:r>
-            <a:r>
-              <a:rPr lang="en-US" altLang="ko-KR" sz="1450" dirty="0">
-                <a:solidFill>
-                  <a:srgbClr val="E7E6E6">
-                    <a:lumMod val="90000"/>
-                  </a:srgbClr>
-                </a:solidFill>
-              </a:rPr>
-              <a:t>.</a:t>
-            </a:r>
+            <a:endParaRPr lang="en-US" altLang="ko-KR" sz="1450">
+              <a:solidFill>
+                <a:srgbClr val="e7e6e6">
+                  <a:lumMod val="90000"/>
+                </a:srgbClr>
+              </a:solidFill>
+            </a:endParaRPr>
           </a:p>
         </p:txBody>
       </p:sp>
@@ -19978,11 +19327,16 @@
             <a:r>
               <a:rPr lang="ko-KR" altLang="en-US" sz="2800" b="1">
                 <a:solidFill>
-                  <a:srgbClr val="15EEFF"/>
+                  <a:srgbClr val="15eeff"/>
                 </a:solidFill>
               </a:rPr>
               <a:t>요구사항 정의</a:t>
             </a:r>
+            <a:endParaRPr lang="ko-KR" altLang="en-US" sz="2800" b="1">
+              <a:solidFill>
+                <a:srgbClr val="15eeff"/>
+              </a:solidFill>
+            </a:endParaRPr>
           </a:p>
         </p:txBody>
       </p:sp>
@@ -20025,6 +19379,15 @@
               </a:rPr>
               <a:t>멀티플렉스 영화관 관리 시스템</a:t>
             </a:r>
+            <a:endParaRPr lang="ko-KR" altLang="en-US" sz="1700" b="1" i="1">
+              <a:solidFill>
+                <a:prstClr val="white">
+                  <a:lumMod val="95000"/>
+                </a:prstClr>
+              </a:solidFill>
+              <a:latin typeface="KoPub돋움체 Bold"/>
+              <a:ea typeface="KoPub돋움체 Bold"/>
+            </a:endParaRPr>
           </a:p>
         </p:txBody>
       </p:sp>
@@ -20033,11 +19396,11 @@
   <p:clrMapOvr>
     <a:masterClrMapping/>
   </p:clrMapOvr>
-  <mc:AlternateContent xmlns:mc="http://schemas.openxmlformats.org/markup-compatibility/2006" xmlns:p14="http://schemas.microsoft.com/office/powerpoint/2010/main">
-    <mc:Choice Requires="p14">
-      <p:transition/>
+  <mc:AlternateContent xmlns:mc="http://schemas.openxmlformats.org/markup-compatibility/2006">
+    <mc:Choice xmlns:p14="http://schemas.microsoft.com/office/powerpoint/2010/main" Requires="p14">
+      <p:transition xmlns:mc="http://schemas.openxmlformats.org/markup-compatibility/2006" xmlns:p14="http://schemas.microsoft.com/office/powerpoint/2010/main" mc:Ignorable="p14" p14:dur="500"/>
     </mc:Choice>
-    <mc:Fallback xmlns="" xmlns:c="http://schemas.openxmlformats.org/drawingml/2006/chart" xmlns:dgm="http://schemas.openxmlformats.org/drawingml/2006/diagram" xmlns:dsp="http://schemas.microsoft.com/office/drawing/2008/diagram">
+    <mc:Fallback>
       <p:transition/>
     </mc:Fallback>
   </mc:AlternateContent>
@@ -21022,16 +20385,8 @@
 </file>
 
 <file path=ppt/slides/slide35.xml><?xml version="1.0" encoding="utf-8"?>
-<p:sld xmlns:a="http://schemas.openxmlformats.org/drawingml/2006/main" xmlns:r="http://schemas.openxmlformats.org/officeDocument/2006/relationships" xmlns:p="http://schemas.openxmlformats.org/presentationml/2006/main">
+<p:sld xmlns:r="http://schemas.openxmlformats.org/officeDocument/2006/relationships" xmlns:c="http://schemas.openxmlformats.org/drawingml/2006/chart" xmlns:a="http://schemas.openxmlformats.org/drawingml/2006/main" xmlns:dgm="http://schemas.openxmlformats.org/drawingml/2006/diagram" xmlns:dsp="http://schemas.microsoft.com/office/drawing/2008/diagram" xmlns:p="http://schemas.openxmlformats.org/presentationml/2006/main">
   <p:cSld>
-    <p:bg>
-      <p:bgPr>
-        <a:solidFill>
-          <a:srgbClr val="303038"/>
-        </a:solidFill>
-        <a:effectLst/>
-      </p:bgPr>
-    </p:bg>
     <p:spTree>
       <p:nvGrpSpPr>
         <p:cNvPr id="1" name=""/>
@@ -21046,63 +20401,15 @@
           <a:chExt cx="0" cy="0"/>
         </a:xfrm>
       </p:grpSpPr>
-      <p:sp>
-        <p:nvSpPr>
-          <p:cNvPr id="58" name="직사각형 14"/>
-          <p:cNvSpPr/>
-          <p:nvPr/>
-        </p:nvSpPr>
-        <p:spPr>
-          <a:xfrm>
-            <a:off x="8460336" y="179957"/>
-            <a:ext cx="3630182" cy="475363"/>
-          </a:xfrm>
-          <a:prstGeom prst="rect">
-            <a:avLst/>
-          </a:prstGeom>
-        </p:spPr>
-        <p:txBody>
-          <a:bodyPr wrap="square">
-            <a:spAutoFit/>
-          </a:bodyPr>
-          <a:lstStyle/>
-          <a:p>
-            <a:pPr algn="ctr">
-              <a:lnSpc>
-                <a:spcPct val="150000"/>
-              </a:lnSpc>
-              <a:defRPr/>
-            </a:pPr>
-            <a:r>
-              <a:rPr lang="ko-KR" altLang="en-US" sz="1700" b="1" i="1">
-                <a:solidFill>
-                  <a:prstClr val="white">
-                    <a:lumMod val="95000"/>
-                  </a:prstClr>
-                </a:solidFill>
-                <a:latin typeface="KoPub돋움체 Bold"/>
-                <a:ea typeface="KoPub돋움체 Bold"/>
-              </a:rPr>
-              <a:t>멀티플렉스 영화관 관리 시스템</a:t>
-            </a:r>
-          </a:p>
-        </p:txBody>
-      </p:sp>
       <p:pic>
         <p:nvPicPr>
-          <p:cNvPr id="2" name="그림 1">
-            <a:extLst>
-              <a:ext uri="{FF2B5EF4-FFF2-40B4-BE49-F238E27FC236}">
-                <a16:creationId xmlns:a16="http://schemas.microsoft.com/office/drawing/2014/main" id="{CBC2B51D-9DD3-48EE-8F93-E3373DC21C74}"/>
-              </a:ext>
-            </a:extLst>
-          </p:cNvPr>
+          <p:cNvPr id="4" name=""/>
           <p:cNvPicPr>
             <a:picLocks noChangeAspect="1"/>
           </p:cNvPicPr>
           <p:nvPr/>
         </p:nvPicPr>
-        <p:blipFill>
+        <p:blipFill rotWithShape="1">
           <a:blip r:embed="rId2"/>
           <a:stretch>
             <a:fillRect/>
@@ -21119,20 +20426,15 @@
         </p:spPr>
       </p:pic>
     </p:spTree>
-    <p:extLst>
-      <p:ext uri="{BB962C8B-B14F-4D97-AF65-F5344CB8AC3E}">
-        <p14:creationId xmlns:p14="http://schemas.microsoft.com/office/powerpoint/2010/main" val="2237118204"/>
-      </p:ext>
-    </p:extLst>
   </p:cSld>
   <p:clrMapOvr>
     <a:masterClrMapping/>
   </p:clrMapOvr>
-  <mc:AlternateContent xmlns:mc="http://schemas.openxmlformats.org/markup-compatibility/2006" xmlns:p14="http://schemas.microsoft.com/office/powerpoint/2010/main">
-    <mc:Choice Requires="p14">
-      <p:transition/>
+  <mc:AlternateContent xmlns:mc="http://schemas.openxmlformats.org/markup-compatibility/2006">
+    <mc:Choice xmlns:p14="http://schemas.microsoft.com/office/powerpoint/2010/main" Requires="p14">
+      <p:transition xmlns:mc="http://schemas.openxmlformats.org/markup-compatibility/2006" xmlns:p14="http://schemas.microsoft.com/office/powerpoint/2010/main" mc:Ignorable="p14" p14:dur="500"/>
     </mc:Choice>
-    <mc:Fallback xmlns="" xmlns:c="http://schemas.openxmlformats.org/drawingml/2006/chart" xmlns:dgm="http://schemas.openxmlformats.org/drawingml/2006/diagram" xmlns:dsp="http://schemas.microsoft.com/office/drawing/2008/diagram">
+    <mc:Fallback>
       <p:transition/>
     </mc:Fallback>
   </mc:AlternateContent>
@@ -23900,49 +23202,49 @@
 </file>
 
 <file path=ppt/theme/theme1.xml><?xml version="1.0" encoding="utf-8"?>
-<a:theme xmlns:a="http://schemas.openxmlformats.org/drawingml/2006/main" name="1_Office 테마">
+<a:theme xmlns:r="http://schemas.openxmlformats.org/officeDocument/2006/relationships" xmlns:c="http://schemas.openxmlformats.org/drawingml/2006/chart" xmlns:dgm="http://schemas.openxmlformats.org/drawingml/2006/diagram" xmlns:dsp="http://schemas.microsoft.com/office/drawing/2008/diagram" xmlns:a="http://schemas.openxmlformats.org/drawingml/2006/main" xmlns:pic="http://schemas.openxmlformats.org/drawingml/2006/picture" xmlns:wp="http://schemas.openxmlformats.org/drawingml/2006/wordprocessingDrawing" xmlns:xdr="http://schemas.openxmlformats.org/drawingml/2006/spreadsheetDrawing" xmlns:p="http://schemas.openxmlformats.org/presentationml/2006/main" name="1_Office 테마">
   <a:themeElements>
     <a:clrScheme name="Office">
       <a:dk1>
         <a:sysClr val="windowText" lastClr="000000"/>
       </a:dk1>
       <a:lt1>
-        <a:sysClr val="window" lastClr="FFFFFF"/>
+        <a:sysClr val="window" lastClr="ffffff"/>
       </a:lt1>
       <a:dk2>
-        <a:srgbClr val="44546A"/>
+        <a:srgbClr val="44546a"/>
       </a:dk2>
       <a:lt2>
-        <a:srgbClr val="E7E6E6"/>
+        <a:srgbClr val="e7e6e6"/>
       </a:lt2>
       <a:accent1>
-        <a:srgbClr val="5B9BD5"/>
+        <a:srgbClr val="5b9bd5"/>
       </a:accent1>
       <a:accent2>
-        <a:srgbClr val="ED7D31"/>
+        <a:srgbClr val="ed7d31"/>
       </a:accent2>
       <a:accent3>
-        <a:srgbClr val="A5A5A5"/>
+        <a:srgbClr val="a5a5a5"/>
       </a:accent3>
       <a:accent4>
-        <a:srgbClr val="FFC000"/>
+        <a:srgbClr val="ffc000"/>
       </a:accent4>
       <a:accent5>
-        <a:srgbClr val="4472C4"/>
+        <a:srgbClr val="4472c4"/>
       </a:accent5>
       <a:accent6>
-        <a:srgbClr val="70AD47"/>
+        <a:srgbClr val="70ad47"/>
       </a:accent6>
       <a:hlink>
-        <a:srgbClr val="0563C1"/>
+        <a:srgbClr val="0563c1"/>
       </a:hlink>
       <a:folHlink>
-        <a:srgbClr val="954F72"/>
+        <a:srgbClr val="954f72"/>
       </a:folHlink>
     </a:clrScheme>
     <a:fontScheme name="Office">
       <a:majorFont>
-        <a:latin typeface="맑은 고딕" panose="21474836470000000000"/>
+        <a:latin typeface="맑은 고딕" panose="2147483647"/>
         <a:ea typeface=""/>
         <a:cs typeface=""/>
         <a:font script="Jpan" typeface="MS PGothic"/>
@@ -23977,7 +23279,7 @@
         <a:font script="Geor" typeface="Sylfaen"/>
       </a:majorFont>
       <a:minorFont>
-        <a:latin typeface="맑은 고딕" panose="21474836470000000000"/>
+        <a:latin typeface="맑은 고딕" panose="2147483647"/>
         <a:ea typeface=""/>
         <a:cs typeface=""/>
         <a:font script="Jpan" typeface="MS PGothic"/>
@@ -24150,55 +23452,53 @@
       </a:bgFillStyleLst>
     </a:fmtScheme>
   </a:themeElements>
-  <a:objectDefaults/>
-  <a:extraClrSchemeLst/>
 </a:theme>
 </file>
 
 <file path=ppt/theme/theme2.xml><?xml version="1.0" encoding="utf-8"?>
-<a:theme xmlns:a="http://schemas.openxmlformats.org/drawingml/2006/main" name="Office 테마">
+<a:theme xmlns:r="http://schemas.openxmlformats.org/officeDocument/2006/relationships" xmlns:c="http://schemas.openxmlformats.org/drawingml/2006/chart" xmlns:dgm="http://schemas.openxmlformats.org/drawingml/2006/diagram" xmlns:dsp="http://schemas.microsoft.com/office/drawing/2008/diagram" xmlns:a="http://schemas.openxmlformats.org/drawingml/2006/main" xmlns:pic="http://schemas.openxmlformats.org/drawingml/2006/picture" xmlns:wp="http://schemas.openxmlformats.org/drawingml/2006/wordprocessingDrawing" xmlns:xdr="http://schemas.openxmlformats.org/drawingml/2006/spreadsheetDrawing" xmlns:p="http://schemas.openxmlformats.org/presentationml/2006/main" name="Office 테마">
   <a:themeElements>
     <a:clrScheme name="Office">
       <a:dk1>
         <a:sysClr val="windowText" lastClr="000000"/>
       </a:dk1>
       <a:lt1>
-        <a:sysClr val="window" lastClr="FFFFFF"/>
+        <a:sysClr val="window" lastClr="ffffff"/>
       </a:lt1>
       <a:dk2>
-        <a:srgbClr val="44546A"/>
+        <a:srgbClr val="44546a"/>
       </a:dk2>
       <a:lt2>
-        <a:srgbClr val="E7E6E6"/>
+        <a:srgbClr val="e7e6e6"/>
       </a:lt2>
       <a:accent1>
-        <a:srgbClr val="4472C4"/>
+        <a:srgbClr val="4472c4"/>
       </a:accent1>
       <a:accent2>
-        <a:srgbClr val="ED7D31"/>
+        <a:srgbClr val="ed7d31"/>
       </a:accent2>
       <a:accent3>
-        <a:srgbClr val="A5A5A5"/>
+        <a:srgbClr val="a5a5a5"/>
       </a:accent3>
       <a:accent4>
-        <a:srgbClr val="FFC000"/>
+        <a:srgbClr val="ffc000"/>
       </a:accent4>
       <a:accent5>
-        <a:srgbClr val="5B9BD5"/>
+        <a:srgbClr val="5b9bd5"/>
       </a:accent5>
       <a:accent6>
-        <a:srgbClr val="70AD47"/>
+        <a:srgbClr val="70ad47"/>
       </a:accent6>
       <a:hlink>
-        <a:srgbClr val="0563C1"/>
+        <a:srgbClr val="0563c1"/>
       </a:hlink>
       <a:folHlink>
-        <a:srgbClr val="954F72"/>
+        <a:srgbClr val="954f72"/>
       </a:folHlink>
     </a:clrScheme>
     <a:fontScheme name="Office">
       <a:majorFont>
-        <a:latin typeface="맑은 고딕" panose="20000000000000000000"/>
+        <a:latin typeface="맑은 고딕" panose="2147483647"/>
         <a:ea typeface=""/>
         <a:cs typeface=""/>
         <a:font script="Jpan" typeface="Yu Gothic Light"/>
@@ -24250,7 +23550,7 @@
         <a:font script="Tfng" typeface="Ebrima"/>
       </a:majorFont>
       <a:minorFont>
-        <a:latin typeface="맑은 고딕" panose="20000000000000000000"/>
+        <a:latin typeface="맑은 고딕" panose="2147483647"/>
         <a:ea typeface=""/>
         <a:cs typeface=""/>
         <a:font script="Jpan" typeface="Yu Gothic"/>
@@ -24440,7 +23740,5 @@
       </a:bgFillStyleLst>
     </a:fmtScheme>
   </a:themeElements>
-  <a:objectDefaults/>
-  <a:extraClrSchemeLst/>
 </a:theme>
 </file>
--- a/개발문서/2조 발표자료.pptx
+++ b/개발문서/2조 발표자료.pptx
@@ -1,70 +1,77 @@
 
 <file path=ppt/presentation.xml><?xml version="1.0" encoding="utf-8"?>
-<p:presentation xmlns:r="http://schemas.openxmlformats.org/officeDocument/2006/relationships" xmlns:c="http://schemas.openxmlformats.org/drawingml/2006/chart" xmlns:a="http://schemas.openxmlformats.org/drawingml/2006/main" xmlns:dgm="http://schemas.openxmlformats.org/drawingml/2006/diagram" xmlns:dsp="http://schemas.microsoft.com/office/drawing/2008/diagram" xmlns:p="http://schemas.openxmlformats.org/presentationml/2006/main" embedTrueTypeFonts="1" saveSubsetFonts="1">
+<p:presentation xmlns:a="http://schemas.openxmlformats.org/drawingml/2006/main" xmlns:r="http://schemas.openxmlformats.org/officeDocument/2006/relationships" xmlns:p="http://schemas.openxmlformats.org/presentationml/2006/main" embedTrueTypeFonts="1" saveSubsetFonts="1">
   <p:sldMasterIdLst>
     <p:sldMasterId id="2147483674" r:id="rId1"/>
   </p:sldMasterIdLst>
   <p:notesMasterIdLst>
-    <p:notesMasterId r:id="rId2"/>
+    <p:notesMasterId r:id="rId56"/>
   </p:notesMasterIdLst>
   <p:sldIdLst>
-    <p:sldId id="256" r:id="rId3"/>
-    <p:sldId id="257" r:id="rId4"/>
-    <p:sldId id="258" r:id="rId5"/>
-    <p:sldId id="259" r:id="rId6"/>
-    <p:sldId id="260" r:id="rId7"/>
-    <p:sldId id="261" r:id="rId8"/>
-    <p:sldId id="262" r:id="rId9"/>
-    <p:sldId id="263" r:id="rId10"/>
-    <p:sldId id="264" r:id="rId11"/>
-    <p:sldId id="265" r:id="rId12"/>
-    <p:sldId id="266" r:id="rId13"/>
-    <p:sldId id="267" r:id="rId14"/>
-    <p:sldId id="268" r:id="rId15"/>
-    <p:sldId id="269" r:id="rId16"/>
-    <p:sldId id="270" r:id="rId17"/>
-    <p:sldId id="271" r:id="rId18"/>
-    <p:sldId id="272" r:id="rId19"/>
-    <p:sldId id="273" r:id="rId20"/>
-    <p:sldId id="274" r:id="rId21"/>
-    <p:sldId id="275" r:id="rId22"/>
-    <p:sldId id="276" r:id="rId23"/>
-    <p:sldId id="277" r:id="rId24"/>
-    <p:sldId id="278" r:id="rId25"/>
-    <p:sldId id="279" r:id="rId26"/>
-    <p:sldId id="280" r:id="rId27"/>
-    <p:sldId id="281" r:id="rId28"/>
-    <p:sldId id="282" r:id="rId29"/>
-    <p:sldId id="283" r:id="rId30"/>
-    <p:sldId id="284" r:id="rId31"/>
-    <p:sldId id="285" r:id="rId32"/>
-    <p:sldId id="286" r:id="rId33"/>
-    <p:sldId id="287" r:id="rId34"/>
-    <p:sldId id="288" r:id="rId35"/>
-    <p:sldId id="289" r:id="rId36"/>
-    <p:sldId id="290" r:id="rId37"/>
-    <p:sldId id="291" r:id="rId38"/>
-    <p:sldId id="292" r:id="rId39"/>
-    <p:sldId id="293" r:id="rId40"/>
-    <p:sldId id="294" r:id="rId41"/>
-    <p:sldId id="295" r:id="rId42"/>
-    <p:sldId id="296" r:id="rId43"/>
-    <p:sldId id="297" r:id="rId44"/>
-    <p:sldId id="298" r:id="rId45"/>
-    <p:sldId id="299" r:id="rId46"/>
-    <p:sldId id="300" r:id="rId47"/>
-    <p:sldId id="301" r:id="rId48"/>
-    <p:sldId id="302" r:id="rId49"/>
-    <p:sldId id="303" r:id="rId50"/>
-    <p:sldId id="304" r:id="rId51"/>
-    <p:sldId id="305" r:id="rId52"/>
-    <p:sldId id="306" r:id="rId53"/>
-    <p:sldId id="307" r:id="rId54"/>
-    <p:sldId id="308" r:id="rId55"/>
-    <p:sldId id="309" r:id="rId56"/>
+    <p:sldId id="256" r:id="rId2"/>
+    <p:sldId id="257" r:id="rId3"/>
+    <p:sldId id="258" r:id="rId4"/>
+    <p:sldId id="259" r:id="rId5"/>
+    <p:sldId id="260" r:id="rId6"/>
+    <p:sldId id="261" r:id="rId7"/>
+    <p:sldId id="262" r:id="rId8"/>
+    <p:sldId id="263" r:id="rId9"/>
+    <p:sldId id="264" r:id="rId10"/>
+    <p:sldId id="265" r:id="rId11"/>
+    <p:sldId id="266" r:id="rId12"/>
+    <p:sldId id="267" r:id="rId13"/>
+    <p:sldId id="268" r:id="rId14"/>
+    <p:sldId id="269" r:id="rId15"/>
+    <p:sldId id="270" r:id="rId16"/>
+    <p:sldId id="271" r:id="rId17"/>
+    <p:sldId id="272" r:id="rId18"/>
+    <p:sldId id="273" r:id="rId19"/>
+    <p:sldId id="274" r:id="rId20"/>
+    <p:sldId id="275" r:id="rId21"/>
+    <p:sldId id="276" r:id="rId22"/>
+    <p:sldId id="277" r:id="rId23"/>
+    <p:sldId id="278" r:id="rId24"/>
+    <p:sldId id="279" r:id="rId25"/>
+    <p:sldId id="280" r:id="rId26"/>
+    <p:sldId id="281" r:id="rId27"/>
+    <p:sldId id="282" r:id="rId28"/>
+    <p:sldId id="283" r:id="rId29"/>
+    <p:sldId id="284" r:id="rId30"/>
+    <p:sldId id="285" r:id="rId31"/>
+    <p:sldId id="286" r:id="rId32"/>
+    <p:sldId id="287" r:id="rId33"/>
+    <p:sldId id="288" r:id="rId34"/>
+    <p:sldId id="289" r:id="rId35"/>
+    <p:sldId id="290" r:id="rId36"/>
+    <p:sldId id="291" r:id="rId37"/>
+    <p:sldId id="292" r:id="rId38"/>
+    <p:sldId id="293" r:id="rId39"/>
+    <p:sldId id="294" r:id="rId40"/>
+    <p:sldId id="295" r:id="rId41"/>
+    <p:sldId id="296" r:id="rId42"/>
+    <p:sldId id="297" r:id="rId43"/>
+    <p:sldId id="298" r:id="rId44"/>
+    <p:sldId id="299" r:id="rId45"/>
+    <p:sldId id="300" r:id="rId46"/>
+    <p:sldId id="301" r:id="rId47"/>
+    <p:sldId id="302" r:id="rId48"/>
+    <p:sldId id="303" r:id="rId49"/>
+    <p:sldId id="304" r:id="rId50"/>
+    <p:sldId id="305" r:id="rId51"/>
+    <p:sldId id="306" r:id="rId52"/>
+    <p:sldId id="307" r:id="rId53"/>
+    <p:sldId id="308" r:id="rId54"/>
+    <p:sldId id="309" r:id="rId55"/>
   </p:sldIdLst>
   <p:sldSz cx="12192000" cy="6858000"/>
   <p:notesSz cx="6858000" cy="9144000"/>
+  <p:embeddedFontLst>
+    <p:embeddedFont>
+      <p:font typeface="맑은 고딕" panose="020B0503020000020004" pitchFamily="50" charset="-127"/>
+      <p:regular r:id="rId57"/>
+      <p:bold r:id="rId58"/>
+    </p:embeddedFont>
+  </p:embeddedFontLst>
   <p:defaultTextStyle>
     <a:defPPr>
       <a:defRPr lang="ko-KR"/>
@@ -160,11 +167,27 @@
       </a:defRPr>
     </a:lvl9pPr>
   </p:defaultTextStyle>
+  <p:extLst>
+    <p:ext uri="{EFAFB233-063F-42B5-8137-9DF3F51BA10A}">
+      <p15:sldGuideLst xmlns:p15="http://schemas.microsoft.com/office/powerpoint/2012/main">
+        <p15:guide id="1" orient="horz" pos="2156">
+          <p15:clr>
+            <a:srgbClr val="A4A3A4"/>
+          </p15:clr>
+        </p15:guide>
+        <p15:guide id="2" pos="3839">
+          <p15:clr>
+            <a:srgbClr val="A4A3A4"/>
+          </p15:clr>
+        </p15:guide>
+      </p15:sldGuideLst>
+    </p:ext>
+  </p:extLst>
 </p:presentation>
 </file>
 
 <file path=ppt/notesMasters/notesMaster1.xml><?xml version="1.0" encoding="utf-8"?>
-<p:notesMaster xmlns:r="http://schemas.openxmlformats.org/officeDocument/2006/relationships" xmlns:c="http://schemas.openxmlformats.org/drawingml/2006/chart" xmlns:a="http://schemas.openxmlformats.org/drawingml/2006/main" xmlns:dgm="http://schemas.openxmlformats.org/drawingml/2006/diagram" xmlns:dsp="http://schemas.microsoft.com/office/drawing/2008/diagram" xmlns:p="http://schemas.openxmlformats.org/presentationml/2006/main">
+<p:notesMaster xmlns:a="http://schemas.openxmlformats.org/drawingml/2006/main" xmlns:r="http://schemas.openxmlformats.org/officeDocument/2006/relationships" xmlns:p="http://schemas.openxmlformats.org/presentationml/2006/main">
   <p:cSld>
     <p:bg>
       <p:bgRef idx="1001">
@@ -192,7 +215,7 @@
             <a:spLocks noGrp="1"/>
           </p:cNvSpPr>
           <p:nvPr>
-            <p:ph type="hdr" sz="quarter" idx="0"/>
+            <p:ph type="hdr" sz="quarter"/>
           </p:nvPr>
         </p:nvSpPr>
         <p:spPr>
@@ -215,10 +238,6 @@
             <a:pPr lvl="0">
               <a:defRPr/>
             </a:pPr>
-            <a:r>
-              <a:rPr lang="ko-KR" altLang="en-US"/>
-              <a:t/>
-            </a:r>
             <a:endParaRPr lang="ko-KR" altLang="en-US"/>
           </a:p>
         </p:txBody>
@@ -330,7 +349,6 @@
               <a:rPr lang="ko-KR" altLang="en-US"/>
               <a:t>마스터 텍스트 스타일을 편집하려면 클릭</a:t>
             </a:r>
-            <a:endParaRPr lang="ko-KR" altLang="en-US"/>
           </a:p>
           <a:p>
             <a:pPr lvl="1">
@@ -340,7 +358,6 @@
               <a:rPr lang="ko-KR" altLang="en-US"/>
               <a:t>두 번째 수준</a:t>
             </a:r>
-            <a:endParaRPr lang="ko-KR" altLang="en-US"/>
           </a:p>
           <a:p>
             <a:pPr lvl="2">
@@ -350,7 +367,6 @@
               <a:rPr lang="ko-KR" altLang="en-US"/>
               <a:t>세 번째 수준</a:t>
             </a:r>
-            <a:endParaRPr lang="ko-KR" altLang="en-US"/>
           </a:p>
           <a:p>
             <a:pPr lvl="3">
@@ -360,7 +376,6 @@
               <a:rPr lang="ko-KR" altLang="en-US"/>
               <a:t>네 번째 수준</a:t>
             </a:r>
-            <a:endParaRPr lang="ko-KR" altLang="en-US"/>
           </a:p>
           <a:p>
             <a:pPr lvl="4">
@@ -370,7 +385,6 @@
               <a:rPr lang="ko-KR" altLang="en-US"/>
               <a:t>다섯 번째 수준</a:t>
             </a:r>
-            <a:endParaRPr lang="ko-KR" altLang="en-US"/>
           </a:p>
         </p:txBody>
       </p:sp>
@@ -404,10 +418,6 @@
             <a:pPr lvl="0">
               <a:defRPr/>
             </a:pPr>
-            <a:r>
-              <a:rPr lang="ko-KR" altLang="en-US"/>
-              <a:t/>
-            </a:r>
             <a:endParaRPr lang="ko-KR" altLang="en-US"/>
           </a:p>
         </p:txBody>
@@ -553,7 +563,7 @@
 </file>
 
 <file path=ppt/notesSlides/notesSlide1.xml><?xml version="1.0" encoding="utf-8"?>
-<p:notes xmlns:r="http://schemas.openxmlformats.org/officeDocument/2006/relationships" xmlns:c="http://schemas.openxmlformats.org/drawingml/2006/chart" xmlns:a="http://schemas.openxmlformats.org/drawingml/2006/main" xmlns:dgm="http://schemas.openxmlformats.org/drawingml/2006/diagram" xmlns:dsp="http://schemas.microsoft.com/office/drawing/2008/diagram" xmlns:p="http://schemas.openxmlformats.org/presentationml/2006/main" showMasterSp="0" showMasterPhAnim="0">
+<p:notes xmlns:a="http://schemas.openxmlformats.org/drawingml/2006/main" xmlns:r="http://schemas.openxmlformats.org/officeDocument/2006/relationships" xmlns:p="http://schemas.openxmlformats.org/presentationml/2006/main" showMasterSp="0" showMasterPhAnim="0">
   <p:cSld>
     <p:spTree>
       <p:nvGrpSpPr>
@@ -587,6 +597,8 @@
           <a:custGeom>
             <a:avLst/>
             <a:gdLst/>
+            <a:ahLst/>
+            <a:cxnLst/>
             <a:rect l="l" t="t" r="r" b="b"/>
             <a:pathLst>
               <a:path w="120000" h="120000" extrusionOk="0">
@@ -643,10 +655,6 @@
               <a:buNone/>
               <a:defRPr/>
             </a:pPr>
-            <a:r>
-              <a:rPr lang="ko-KR" altLang="en-US"/>
-              <a:t/>
-            </a:r>
             <a:endParaRPr lang="ko-KR" altLang="en-US"/>
           </a:p>
         </p:txBody>
@@ -4071,10 +4079,17 @@
     <mc:Choice Requires="p14">
       <p:transition/>
     </mc:Choice>
-    <mc:Fallback xmlns="" xmlns:c="http://schemas.openxmlformats.org/drawingml/2006/chart" xmlns:dgm="http://schemas.openxmlformats.org/drawingml/2006/diagram" xmlns:dsp="http://schemas.microsoft.com/office/drawing/2008/diagram">
+    <mc:Fallback xmlns:dsp="http://schemas.microsoft.com/office/drawing/2008/diagram" xmlns:dgm="http://schemas.openxmlformats.org/drawingml/2006/diagram" xmlns:c="http://schemas.openxmlformats.org/drawingml/2006/chart" xmlns="">
       <p:transition/>
     </mc:Fallback>
   </mc:AlternateContent>
+  <p:timing>
+    <p:tnLst>
+      <p:par>
+        <p:cTn id="1" dur="indefinite" restart="never" nodeType="tmRoot"/>
+      </p:par>
+    </p:tnLst>
+  </p:timing>
 </p:sld>
 </file>
 
@@ -4991,10 +5006,17 @@
     <mc:Choice Requires="p14">
       <p:transition/>
     </mc:Choice>
-    <mc:Fallback xmlns="" xmlns:c="http://schemas.openxmlformats.org/drawingml/2006/chart" xmlns:dgm="http://schemas.openxmlformats.org/drawingml/2006/diagram" xmlns:dsp="http://schemas.microsoft.com/office/drawing/2008/diagram">
+    <mc:Fallback xmlns:dsp="http://schemas.microsoft.com/office/drawing/2008/diagram" xmlns:dgm="http://schemas.openxmlformats.org/drawingml/2006/diagram" xmlns:c="http://schemas.openxmlformats.org/drawingml/2006/chart" xmlns="">
       <p:transition/>
     </mc:Fallback>
   </mc:AlternateContent>
+  <p:timing>
+    <p:tnLst>
+      <p:par>
+        <p:cTn id="1" dur="indefinite" restart="never" nodeType="tmRoot"/>
+      </p:par>
+    </p:tnLst>
+  </p:timing>
 </p:sld>
 </file>
 
@@ -5122,10 +5144,17 @@
     <mc:Choice Requires="p14">
       <p:transition/>
     </mc:Choice>
-    <mc:Fallback xmlns:dsp="http://schemas.microsoft.com/office/drawing/2008/diagram" xmlns:dgm="http://schemas.openxmlformats.org/drawingml/2006/diagram" xmlns:c="http://schemas.openxmlformats.org/drawingml/2006/chart" xmlns="">
+    <mc:Fallback xmlns="" xmlns:c="http://schemas.openxmlformats.org/drawingml/2006/chart" xmlns:dgm="http://schemas.openxmlformats.org/drawingml/2006/diagram" xmlns:dsp="http://schemas.microsoft.com/office/drawing/2008/diagram">
       <p:transition/>
     </mc:Fallback>
   </mc:AlternateContent>
+  <p:timing>
+    <p:tnLst>
+      <p:par>
+        <p:cTn id="1" dur="indefinite" restart="never" nodeType="tmRoot"/>
+      </p:par>
+    </p:tnLst>
+  </p:timing>
 </p:sld>
 </file>
 
@@ -5198,10 +5227,17 @@
     <mc:Choice Requires="p14">
       <p:transition/>
     </mc:Choice>
-    <mc:Fallback xmlns="" xmlns:c="http://schemas.openxmlformats.org/drawingml/2006/chart" xmlns:dgm="http://schemas.openxmlformats.org/drawingml/2006/diagram" xmlns:dsp="http://schemas.microsoft.com/office/drawing/2008/diagram">
+    <mc:Fallback xmlns:dsp="http://schemas.microsoft.com/office/drawing/2008/diagram" xmlns:dgm="http://schemas.openxmlformats.org/drawingml/2006/diagram" xmlns:c="http://schemas.openxmlformats.org/drawingml/2006/chart" xmlns="">
       <p:transition/>
     </mc:Fallback>
   </mc:AlternateContent>
+  <p:timing>
+    <p:tnLst>
+      <p:par>
+        <p:cTn id="1" dur="indefinite" restart="never" nodeType="tmRoot"/>
+      </p:par>
+    </p:tnLst>
+  </p:timing>
 </p:sld>
 </file>
 
@@ -5274,10 +5310,17 @@
     <mc:Choice Requires="p14">
       <p:transition/>
     </mc:Choice>
-    <mc:Fallback xmlns="" xmlns:c="http://schemas.openxmlformats.org/drawingml/2006/chart" xmlns:dgm="http://schemas.openxmlformats.org/drawingml/2006/diagram" xmlns:dsp="http://schemas.microsoft.com/office/drawing/2008/diagram">
+    <mc:Fallback xmlns:dsp="http://schemas.microsoft.com/office/drawing/2008/diagram" xmlns:dgm="http://schemas.openxmlformats.org/drawingml/2006/diagram" xmlns:c="http://schemas.openxmlformats.org/drawingml/2006/chart" xmlns="">
       <p:transition/>
     </mc:Fallback>
   </mc:AlternateContent>
+  <p:timing>
+    <p:tnLst>
+      <p:par>
+        <p:cTn id="1" dur="indefinite" restart="never" nodeType="tmRoot"/>
+      </p:par>
+    </p:tnLst>
+  </p:timing>
 </p:sld>
 </file>
 
@@ -5350,10 +5393,17 @@
     <mc:Choice Requires="p14">
       <p:transition/>
     </mc:Choice>
-    <mc:Fallback xmlns="" xmlns:c="http://schemas.openxmlformats.org/drawingml/2006/chart" xmlns:dgm="http://schemas.openxmlformats.org/drawingml/2006/diagram" xmlns:dsp="http://schemas.microsoft.com/office/drawing/2008/diagram">
+    <mc:Fallback xmlns:dsp="http://schemas.microsoft.com/office/drawing/2008/diagram" xmlns:dgm="http://schemas.openxmlformats.org/drawingml/2006/diagram" xmlns:c="http://schemas.openxmlformats.org/drawingml/2006/chart" xmlns="">
       <p:transition/>
     </mc:Fallback>
   </mc:AlternateContent>
+  <p:timing>
+    <p:tnLst>
+      <p:par>
+        <p:cTn id="1" dur="indefinite" restart="never" nodeType="tmRoot"/>
+      </p:par>
+    </p:tnLst>
+  </p:timing>
 </p:sld>
 </file>
 
@@ -5429,10 +5479,17 @@
     <mc:Choice Requires="p14">
       <p:transition/>
     </mc:Choice>
-    <mc:Fallback xmlns="" xmlns:c="http://schemas.openxmlformats.org/drawingml/2006/chart" xmlns:dgm="http://schemas.openxmlformats.org/drawingml/2006/diagram" xmlns:dsp="http://schemas.microsoft.com/office/drawing/2008/diagram">
+    <mc:Fallback xmlns:dsp="http://schemas.microsoft.com/office/drawing/2008/diagram" xmlns:dgm="http://schemas.openxmlformats.org/drawingml/2006/diagram" xmlns:c="http://schemas.openxmlformats.org/drawingml/2006/chart" xmlns="">
       <p:transition/>
     </mc:Fallback>
   </mc:AlternateContent>
+  <p:timing>
+    <p:tnLst>
+      <p:par>
+        <p:cTn id="1" dur="indefinite" restart="never" nodeType="tmRoot"/>
+      </p:par>
+    </p:tnLst>
+  </p:timing>
 </p:sld>
 </file>
 
@@ -6514,10 +6571,17 @@
     <mc:Choice Requires="p14">
       <p:transition/>
     </mc:Choice>
-    <mc:Fallback xmlns="" xmlns:c="http://schemas.openxmlformats.org/drawingml/2006/chart" xmlns:dgm="http://schemas.openxmlformats.org/drawingml/2006/diagram" xmlns:dsp="http://schemas.microsoft.com/office/drawing/2008/diagram">
+    <mc:Fallback xmlns:dsp="http://schemas.microsoft.com/office/drawing/2008/diagram" xmlns:dgm="http://schemas.openxmlformats.org/drawingml/2006/diagram" xmlns:c="http://schemas.openxmlformats.org/drawingml/2006/chart" xmlns="">
       <p:transition/>
     </mc:Fallback>
   </mc:AlternateContent>
+  <p:timing>
+    <p:tnLst>
+      <p:par>
+        <p:cTn id="1" dur="indefinite" restart="never" nodeType="tmRoot"/>
+      </p:par>
+    </p:tnLst>
+  </p:timing>
 </p:sld>
 </file>
 
@@ -7371,21 +7435,29 @@
     <mc:Choice Requires="p14">
       <p:transition/>
     </mc:Choice>
-    <mc:Fallback xmlns="" xmlns:c="http://schemas.openxmlformats.org/drawingml/2006/chart" xmlns:dgm="http://schemas.openxmlformats.org/drawingml/2006/diagram" xmlns:dsp="http://schemas.microsoft.com/office/drawing/2008/diagram">
+    <mc:Fallback xmlns:dsp="http://schemas.microsoft.com/office/drawing/2008/diagram" xmlns:dgm="http://schemas.openxmlformats.org/drawingml/2006/diagram" xmlns:c="http://schemas.openxmlformats.org/drawingml/2006/chart" xmlns="">
       <p:transition/>
     </mc:Fallback>
   </mc:AlternateContent>
+  <p:timing>
+    <p:tnLst>
+      <p:par>
+        <p:cTn id="1" dur="indefinite" restart="never" nodeType="tmRoot"/>
+      </p:par>
+    </p:tnLst>
+  </p:timing>
 </p:sld>
 </file>
 
 <file path=ppt/slides/slide18.xml><?xml version="1.0" encoding="utf-8"?>
-<p:sld xmlns:r="http://schemas.openxmlformats.org/officeDocument/2006/relationships" xmlns:c="http://schemas.openxmlformats.org/drawingml/2006/chart" xmlns:a="http://schemas.openxmlformats.org/drawingml/2006/main" xmlns:dgm="http://schemas.openxmlformats.org/drawingml/2006/diagram" xmlns:dsp="http://schemas.microsoft.com/office/drawing/2008/diagram" xmlns:p="http://schemas.openxmlformats.org/presentationml/2006/main">
+<p:sld xmlns:a="http://schemas.openxmlformats.org/drawingml/2006/main" xmlns:r="http://schemas.openxmlformats.org/officeDocument/2006/relationships" xmlns:p="http://schemas.openxmlformats.org/presentationml/2006/main">
   <p:cSld>
     <p:bg>
-      <p:bgPr shadeToTitle="0">
+      <p:bgPr>
         <a:solidFill>
           <a:srgbClr val="303038"/>
         </a:solidFill>
+        <a:effectLst/>
       </p:bgPr>
     </p:bg>
     <p:spTree>
@@ -7432,7 +7504,7 @@
             <a:r>
               <a:rPr lang="en-US" altLang="ko-KR" sz="1400">
                 <a:solidFill>
-                  <a:srgbClr val="e7e6e6">
+                  <a:srgbClr val="E7E6E6">
                     <a:lumMod val="90000"/>
                   </a:srgbClr>
                 </a:solidFill>
@@ -7442,20 +7514,13 @@
             <a:r>
               <a:rPr lang="ko-KR" altLang="en-US" sz="1400">
                 <a:solidFill>
-                  <a:srgbClr val="e7e6e6">
+                  <a:srgbClr val="E7E6E6">
                     <a:lumMod val="90000"/>
                   </a:srgbClr>
                 </a:solidFill>
               </a:rPr>
               <a:t>기프티콘</a:t>
             </a:r>
-            <a:endParaRPr lang="ko-KR" altLang="en-US" sz="1400">
-              <a:solidFill>
-                <a:srgbClr val="e7e6e6">
-                  <a:lumMod val="90000"/>
-                </a:srgbClr>
-              </a:solidFill>
-            </a:endParaRPr>
           </a:p>
           <a:p>
             <a:pPr lvl="2">
@@ -7467,7 +7532,7 @@
             <a:r>
               <a:rPr lang="en-US" altLang="ko-KR" sz="1400">
                 <a:solidFill>
-                  <a:srgbClr val="e7e6e6">
+                  <a:srgbClr val="E7E6E6">
                     <a:lumMod val="90000"/>
                   </a:srgbClr>
                 </a:solidFill>
@@ -7477,7 +7542,7 @@
             <a:r>
               <a:rPr lang="ko-KR" altLang="en-US" sz="1400">
                 <a:solidFill>
-                  <a:srgbClr val="e7e6e6">
+                  <a:srgbClr val="E7E6E6">
                     <a:lumMod val="90000"/>
                   </a:srgbClr>
                 </a:solidFill>
@@ -7487,318 +7552,276 @@
             <a:r>
               <a:rPr lang="en-US" altLang="ko-KR" sz="1400">
                 <a:solidFill>
-                  <a:srgbClr val="e7e6e6">
+                  <a:srgbClr val="E7E6E6">
                     <a:lumMod val="90000"/>
                   </a:srgbClr>
                 </a:solidFill>
               </a:rPr>
               <a:t>.</a:t>
             </a:r>
+          </a:p>
+          <a:p>
+            <a:pPr lvl="2">
+              <a:lnSpc>
+                <a:spcPct val="130000"/>
+              </a:lnSpc>
+              <a:defRPr/>
+            </a:pPr>
+            <a:r>
+              <a:rPr lang="en-US" altLang="ko-KR" sz="1400">
+                <a:solidFill>
+                  <a:srgbClr val="E7E6E6">
+                    <a:lumMod val="90000"/>
+                  </a:srgbClr>
+                </a:solidFill>
+              </a:rPr>
+              <a:t>- </a:t>
+            </a:r>
+            <a:r>
+              <a:rPr lang="ko-KR" altLang="en-US" sz="1400">
+                <a:solidFill>
+                  <a:srgbClr val="E7E6E6">
+                    <a:lumMod val="90000"/>
+                  </a:srgbClr>
+                </a:solidFill>
+              </a:rPr>
+              <a:t>회원은 기프티콘의 전체 목록을 조회 및</a:t>
+            </a:r>
+            <a:r>
+              <a:rPr lang="en-US" altLang="ko-KR" sz="1400">
+                <a:solidFill>
+                  <a:srgbClr val="E7E6E6">
+                    <a:lumMod val="90000"/>
+                  </a:srgbClr>
+                </a:solidFill>
+              </a:rPr>
+              <a:t> </a:t>
+            </a:r>
+            <a:r>
+              <a:rPr lang="ko-KR" altLang="en-US" sz="1400">
+                <a:solidFill>
+                  <a:srgbClr val="E7E6E6">
+                    <a:lumMod val="90000"/>
+                  </a:srgbClr>
+                </a:solidFill>
+              </a:rPr>
+              <a:t>상세보기하여 구입할 수 있다</a:t>
+            </a:r>
+            <a:r>
+              <a:rPr lang="en-US" altLang="ko-KR" sz="1400">
+                <a:solidFill>
+                  <a:srgbClr val="E7E6E6">
+                    <a:lumMod val="90000"/>
+                  </a:srgbClr>
+                </a:solidFill>
+              </a:rPr>
+              <a:t>.</a:t>
+            </a:r>
+          </a:p>
+          <a:p>
+            <a:pPr lvl="2">
+              <a:lnSpc>
+                <a:spcPct val="130000"/>
+              </a:lnSpc>
+              <a:defRPr/>
+            </a:pPr>
+            <a:r>
+              <a:rPr lang="en-US" altLang="ko-KR" sz="1400">
+                <a:solidFill>
+                  <a:srgbClr val="E7E6E6">
+                    <a:lumMod val="90000"/>
+                  </a:srgbClr>
+                </a:solidFill>
+              </a:rPr>
+              <a:t>- </a:t>
+            </a:r>
+            <a:r>
+              <a:rPr lang="ko-KR" altLang="en-US" sz="1400">
+                <a:solidFill>
+                  <a:srgbClr val="E7E6E6">
+                    <a:lumMod val="90000"/>
+                  </a:srgbClr>
+                </a:solidFill>
+              </a:rPr>
+              <a:t>회원은 자신이 구입한 기프티콘의 기간이 만료되기 전에 기프티콘의 기간을 연장할 수 있다</a:t>
+            </a:r>
+            <a:r>
+              <a:rPr lang="en-US" altLang="ko-KR" sz="1400">
+                <a:solidFill>
+                  <a:srgbClr val="E7E6E6">
+                    <a:lumMod val="90000"/>
+                  </a:srgbClr>
+                </a:solidFill>
+              </a:rPr>
+              <a:t>.</a:t>
+            </a:r>
+          </a:p>
+          <a:p>
+            <a:pPr lvl="2">
+              <a:lnSpc>
+                <a:spcPct val="130000"/>
+              </a:lnSpc>
+              <a:defRPr/>
+            </a:pPr>
+            <a:r>
+              <a:rPr lang="en-US" altLang="ko-KR" sz="1400">
+                <a:solidFill>
+                  <a:srgbClr val="E7E6E6">
+                    <a:lumMod val="90000"/>
+                  </a:srgbClr>
+                </a:solidFill>
+              </a:rPr>
+              <a:t>- </a:t>
+            </a:r>
+            <a:r>
+              <a:rPr lang="ko-KR" altLang="en-US" sz="1400">
+                <a:solidFill>
+                  <a:srgbClr val="E7E6E6">
+                    <a:lumMod val="90000"/>
+                  </a:srgbClr>
+                </a:solidFill>
+              </a:rPr>
+              <a:t>회원은 자신이 구입한 기프티콘을 조회할 수 있고</a:t>
+            </a:r>
+            <a:r>
+              <a:rPr lang="en-US" altLang="ko-KR" sz="1400">
+                <a:solidFill>
+                  <a:srgbClr val="E7E6E6">
+                    <a:lumMod val="90000"/>
+                  </a:srgbClr>
+                </a:solidFill>
+              </a:rPr>
+              <a:t>, </a:t>
+            </a:r>
+            <a:r>
+              <a:rPr lang="ko-KR" altLang="en-US" sz="1400">
+                <a:solidFill>
+                  <a:srgbClr val="E7E6E6">
+                    <a:lumMod val="90000"/>
+                  </a:srgbClr>
+                </a:solidFill>
+              </a:rPr>
+              <a:t>사용하지 않은 기프티콘에 대해 환불을 받을 수 있다</a:t>
+            </a:r>
+            <a:r>
+              <a:rPr lang="en-US" altLang="ko-KR" sz="1400">
+                <a:solidFill>
+                  <a:srgbClr val="E7E6E6">
+                    <a:lumMod val="90000"/>
+                  </a:srgbClr>
+                </a:solidFill>
+              </a:rPr>
+              <a:t>.</a:t>
+            </a:r>
+          </a:p>
+          <a:p>
+            <a:pPr lvl="2">
+              <a:lnSpc>
+                <a:spcPct val="130000"/>
+              </a:lnSpc>
+              <a:defRPr/>
+            </a:pPr>
+            <a:r>
+              <a:rPr lang="en-US" altLang="ko-KR" sz="1400">
+                <a:solidFill>
+                  <a:srgbClr val="E7E6E6">
+                    <a:lumMod val="90000"/>
+                  </a:srgbClr>
+                </a:solidFill>
+              </a:rPr>
+              <a:t>- </a:t>
+            </a:r>
+            <a:r>
+              <a:rPr lang="ko-KR" altLang="en-US" sz="1400">
+                <a:solidFill>
+                  <a:srgbClr val="E7E6E6">
+                    <a:lumMod val="90000"/>
+                  </a:srgbClr>
+                </a:solidFill>
+              </a:rPr>
+              <a:t>관리자는 기프티콘의 전체 목록을 조회하거나 검색하고</a:t>
+            </a:r>
+            <a:r>
+              <a:rPr lang="en-US" altLang="ko-KR" sz="1400">
+                <a:solidFill>
+                  <a:srgbClr val="E7E6E6">
+                    <a:lumMod val="90000"/>
+                  </a:srgbClr>
+                </a:solidFill>
+              </a:rPr>
+              <a:t>, </a:t>
+            </a:r>
+            <a:r>
+              <a:rPr lang="ko-KR" altLang="en-US" sz="1400">
+                <a:solidFill>
+                  <a:srgbClr val="E7E6E6">
+                    <a:lumMod val="90000"/>
+                  </a:srgbClr>
+                </a:solidFill>
+              </a:rPr>
+              <a:t>상세보기할 수 있다</a:t>
+            </a:r>
+            <a:r>
+              <a:rPr lang="en-US" altLang="ko-KR" sz="1400">
+                <a:solidFill>
+                  <a:srgbClr val="E7E6E6">
+                    <a:lumMod val="90000"/>
+                  </a:srgbClr>
+                </a:solidFill>
+              </a:rPr>
+              <a:t>.</a:t>
+            </a:r>
+          </a:p>
+          <a:p>
+            <a:pPr lvl="2">
+              <a:lnSpc>
+                <a:spcPct val="130000"/>
+              </a:lnSpc>
+              <a:defRPr/>
+            </a:pPr>
+            <a:r>
+              <a:rPr lang="en-US" altLang="ko-KR" sz="1400">
+                <a:solidFill>
+                  <a:srgbClr val="E7E6E6">
+                    <a:lumMod val="90000"/>
+                  </a:srgbClr>
+                </a:solidFill>
+              </a:rPr>
+              <a:t>- </a:t>
+            </a:r>
+            <a:r>
+              <a:rPr lang="ko-KR" altLang="en-US" sz="1400">
+                <a:solidFill>
+                  <a:srgbClr val="E7E6E6">
+                    <a:lumMod val="90000"/>
+                  </a:srgbClr>
+                </a:solidFill>
+              </a:rPr>
+              <a:t>관리자는 기프티콘을 추가하거나 가격이나 구성이나 사진 등을 변경하거나 기프티콘을 제거할 수 있다</a:t>
+            </a:r>
+            <a:r>
+              <a:rPr lang="en-US" altLang="ko-KR" sz="1400">
+                <a:solidFill>
+                  <a:srgbClr val="E7E6E6">
+                    <a:lumMod val="90000"/>
+                  </a:srgbClr>
+                </a:solidFill>
+              </a:rPr>
+              <a:t>.</a:t>
+            </a:r>
+          </a:p>
+          <a:p>
+            <a:pPr marL="1200150" lvl="2" indent="-285750">
+              <a:lnSpc>
+                <a:spcPct val="130000"/>
+              </a:lnSpc>
+              <a:buFontTx/>
+              <a:buChar char="-"/>
+              <a:defRPr/>
+            </a:pPr>
             <a:endParaRPr lang="en-US" altLang="ko-KR" sz="1400">
               <a:solidFill>
-                <a:srgbClr val="e7e6e6">
-                  <a:lumMod val="90000"/>
-                </a:srgbClr>
-              </a:solidFill>
-            </a:endParaRPr>
-          </a:p>
-          <a:p>
-            <a:pPr lvl="2">
-              <a:lnSpc>
-                <a:spcPct val="130000"/>
-              </a:lnSpc>
-              <a:defRPr/>
-            </a:pPr>
-            <a:r>
-              <a:rPr lang="en-US" altLang="ko-KR" sz="1400">
-                <a:solidFill>
-                  <a:srgbClr val="e7e6e6">
-                    <a:lumMod val="90000"/>
-                  </a:srgbClr>
-                </a:solidFill>
-              </a:rPr>
-              <a:t>- </a:t>
-            </a:r>
-            <a:r>
-              <a:rPr lang="ko-KR" altLang="en-US" sz="1400">
-                <a:solidFill>
-                  <a:srgbClr val="e7e6e6">
-                    <a:lumMod val="90000"/>
-                  </a:srgbClr>
-                </a:solidFill>
-              </a:rPr>
-              <a:t>회원은 기프티콘의 전체 목록을 조회 및</a:t>
-            </a:r>
-            <a:r>
-              <a:rPr lang="en-US" altLang="ko-KR" sz="1400">
-                <a:solidFill>
-                  <a:srgbClr val="e7e6e6">
-                    <a:lumMod val="90000"/>
-                  </a:srgbClr>
-                </a:solidFill>
-              </a:rPr>
-              <a:t> </a:t>
-            </a:r>
-            <a:r>
-              <a:rPr lang="ko-KR" altLang="en-US" sz="1400">
-                <a:solidFill>
-                  <a:srgbClr val="e7e6e6">
-                    <a:lumMod val="90000"/>
-                  </a:srgbClr>
-                </a:solidFill>
-              </a:rPr>
-              <a:t>상세보기하여 구입할 수 있다</a:t>
-            </a:r>
-            <a:r>
-              <a:rPr lang="en-US" altLang="ko-KR" sz="1400">
-                <a:solidFill>
-                  <a:srgbClr val="e7e6e6">
-                    <a:lumMod val="90000"/>
-                  </a:srgbClr>
-                </a:solidFill>
-              </a:rPr>
-              <a:t>.</a:t>
-            </a:r>
-            <a:endParaRPr lang="en-US" altLang="ko-KR" sz="1400">
-              <a:solidFill>
-                <a:srgbClr val="e7e6e6">
-                  <a:lumMod val="90000"/>
-                </a:srgbClr>
-              </a:solidFill>
-            </a:endParaRPr>
-          </a:p>
-          <a:p>
-            <a:pPr lvl="2">
-              <a:lnSpc>
-                <a:spcPct val="130000"/>
-              </a:lnSpc>
-              <a:defRPr/>
-            </a:pPr>
-            <a:r>
-              <a:rPr lang="en-US" altLang="ko-KR" sz="1400">
-                <a:solidFill>
-                  <a:srgbClr val="e7e6e6">
-                    <a:lumMod val="90000"/>
-                  </a:srgbClr>
-                </a:solidFill>
-              </a:rPr>
-              <a:t>- </a:t>
-            </a:r>
-            <a:r>
-              <a:rPr lang="ko-KR" altLang="en-US" sz="1400">
-                <a:solidFill>
-                  <a:srgbClr val="e7e6e6">
-                    <a:lumMod val="90000"/>
-                  </a:srgbClr>
-                </a:solidFill>
-              </a:rPr>
-              <a:t>회원은 자신이 구입한 기프티콘의 기간이 만료되기 전에 기프티콘의 기간을 연장할 수 있다</a:t>
-            </a:r>
-            <a:r>
-              <a:rPr lang="en-US" altLang="ko-KR" sz="1400">
-                <a:solidFill>
-                  <a:srgbClr val="e7e6e6">
-                    <a:lumMod val="90000"/>
-                  </a:srgbClr>
-                </a:solidFill>
-              </a:rPr>
-              <a:t>.</a:t>
-            </a:r>
-            <a:endParaRPr lang="en-US" altLang="ko-KR" sz="1400">
-              <a:solidFill>
-                <a:srgbClr val="e7e6e6">
-                  <a:lumMod val="90000"/>
-                </a:srgbClr>
-              </a:solidFill>
-            </a:endParaRPr>
-          </a:p>
-          <a:p>
-            <a:pPr lvl="2">
-              <a:lnSpc>
-                <a:spcPct val="130000"/>
-              </a:lnSpc>
-              <a:defRPr/>
-            </a:pPr>
-            <a:r>
-              <a:rPr lang="en-US" altLang="ko-KR" sz="1400">
-                <a:solidFill>
-                  <a:srgbClr val="e7e6e6">
-                    <a:lumMod val="90000"/>
-                  </a:srgbClr>
-                </a:solidFill>
-              </a:rPr>
-              <a:t>- </a:t>
-            </a:r>
-            <a:r>
-              <a:rPr lang="ko-KR" altLang="en-US" sz="1400">
-                <a:solidFill>
-                  <a:srgbClr val="e7e6e6">
-                    <a:lumMod val="90000"/>
-                  </a:srgbClr>
-                </a:solidFill>
-              </a:rPr>
-              <a:t>회원은 자신이 구입한 기프티콘을 조회할 수 있고</a:t>
-            </a:r>
-            <a:r>
-              <a:rPr lang="en-US" altLang="ko-KR" sz="1400">
-                <a:solidFill>
-                  <a:srgbClr val="e7e6e6">
-                    <a:lumMod val="90000"/>
-                  </a:srgbClr>
-                </a:solidFill>
-              </a:rPr>
-              <a:t>, </a:t>
-            </a:r>
-            <a:r>
-              <a:rPr lang="ko-KR" altLang="en-US" sz="1400">
-                <a:solidFill>
-                  <a:srgbClr val="e7e6e6">
-                    <a:lumMod val="90000"/>
-                  </a:srgbClr>
-                </a:solidFill>
-              </a:rPr>
-              <a:t>사용하지 않은 기프티콘에 대해 환불을 받을 수 있다</a:t>
-            </a:r>
-            <a:r>
-              <a:rPr lang="en-US" altLang="ko-KR" sz="1400">
-                <a:solidFill>
-                  <a:srgbClr val="e7e6e6">
-                    <a:lumMod val="90000"/>
-                  </a:srgbClr>
-                </a:solidFill>
-              </a:rPr>
-              <a:t>.</a:t>
-            </a:r>
-            <a:endParaRPr lang="en-US" altLang="ko-KR" sz="1400">
-              <a:solidFill>
-                <a:srgbClr val="e7e6e6">
-                  <a:lumMod val="90000"/>
-                </a:srgbClr>
-              </a:solidFill>
-            </a:endParaRPr>
-          </a:p>
-          <a:p>
-            <a:pPr lvl="2">
-              <a:lnSpc>
-                <a:spcPct val="130000"/>
-              </a:lnSpc>
-              <a:defRPr/>
-            </a:pPr>
-            <a:r>
-              <a:rPr lang="en-US" altLang="ko-KR" sz="1400">
-                <a:solidFill>
-                  <a:srgbClr val="e7e6e6">
-                    <a:lumMod val="90000"/>
-                  </a:srgbClr>
-                </a:solidFill>
-              </a:rPr>
-              <a:t>- </a:t>
-            </a:r>
-            <a:r>
-              <a:rPr lang="ko-KR" altLang="en-US" sz="1400">
-                <a:solidFill>
-                  <a:srgbClr val="e7e6e6">
-                    <a:lumMod val="90000"/>
-                  </a:srgbClr>
-                </a:solidFill>
-              </a:rPr>
-              <a:t>관리자는 기프티콘의 전체 목록을 조회하거나 검색하고</a:t>
-            </a:r>
-            <a:r>
-              <a:rPr lang="en-US" altLang="ko-KR" sz="1400">
-                <a:solidFill>
-                  <a:srgbClr val="e7e6e6">
-                    <a:lumMod val="90000"/>
-                  </a:srgbClr>
-                </a:solidFill>
-              </a:rPr>
-              <a:t>, </a:t>
-            </a:r>
-            <a:r>
-              <a:rPr lang="ko-KR" altLang="en-US" sz="1400">
-                <a:solidFill>
-                  <a:srgbClr val="e7e6e6">
-                    <a:lumMod val="90000"/>
-                  </a:srgbClr>
-                </a:solidFill>
-              </a:rPr>
-              <a:t>상세보기할 수 있다</a:t>
-            </a:r>
-            <a:r>
-              <a:rPr lang="en-US" altLang="ko-KR" sz="1400">
-                <a:solidFill>
-                  <a:srgbClr val="e7e6e6">
-                    <a:lumMod val="90000"/>
-                  </a:srgbClr>
-                </a:solidFill>
-              </a:rPr>
-              <a:t>.</a:t>
-            </a:r>
-            <a:endParaRPr lang="en-US" altLang="ko-KR" sz="1400">
-              <a:solidFill>
-                <a:srgbClr val="e7e6e6">
-                  <a:lumMod val="90000"/>
-                </a:srgbClr>
-              </a:solidFill>
-            </a:endParaRPr>
-          </a:p>
-          <a:p>
-            <a:pPr lvl="2">
-              <a:lnSpc>
-                <a:spcPct val="130000"/>
-              </a:lnSpc>
-              <a:defRPr/>
-            </a:pPr>
-            <a:r>
-              <a:rPr lang="en-US" altLang="ko-KR" sz="1400">
-                <a:solidFill>
-                  <a:srgbClr val="e7e6e6">
-                    <a:lumMod val="90000"/>
-                  </a:srgbClr>
-                </a:solidFill>
-              </a:rPr>
-              <a:t>- </a:t>
-            </a:r>
-            <a:r>
-              <a:rPr lang="ko-KR" altLang="en-US" sz="1400">
-                <a:solidFill>
-                  <a:srgbClr val="e7e6e6">
-                    <a:lumMod val="90000"/>
-                  </a:srgbClr>
-                </a:solidFill>
-              </a:rPr>
-              <a:t>관리자는 기프티콘을 추가하거나 가격이나 구성이나 사진 등을 변경하거나 기프티콘을 제거할 수 있다</a:t>
-            </a:r>
-            <a:r>
-              <a:rPr lang="en-US" altLang="ko-KR" sz="1400">
-                <a:solidFill>
-                  <a:srgbClr val="e7e6e6">
-                    <a:lumMod val="90000"/>
-                  </a:srgbClr>
-                </a:solidFill>
-              </a:rPr>
-              <a:t>.</a:t>
-            </a:r>
-            <a:endParaRPr lang="en-US" altLang="ko-KR" sz="1400">
-              <a:solidFill>
-                <a:srgbClr val="e7e6e6">
-                  <a:lumMod val="90000"/>
-                </a:srgbClr>
-              </a:solidFill>
-            </a:endParaRPr>
-          </a:p>
-          <a:p>
-            <a:pPr marL="1200150" lvl="2" indent="-285750">
-              <a:lnSpc>
-                <a:spcPct val="130000"/>
-              </a:lnSpc>
-              <a:buFontTx/>
-              <a:buChar char="-"/>
-              <a:defRPr/>
-            </a:pPr>
-            <a:endParaRPr lang="en-US" altLang="ko-KR" sz="1400">
-              <a:solidFill>
-                <a:srgbClr val="15eeff"/>
+                <a:srgbClr val="15EEFF"/>
               </a:solidFill>
               <a:effectLst/>
               <a:uLnTx/>
@@ -7815,7 +7838,7 @@
             <a:r>
               <a:rPr lang="en-US" altLang="ko-KR" sz="1400">
                 <a:solidFill>
-                  <a:srgbClr val="e7e6e6">
+                  <a:srgbClr val="E7E6E6">
                     <a:lumMod val="90000"/>
                   </a:srgbClr>
                 </a:solidFill>
@@ -7825,20 +7848,13 @@
             <a:r>
               <a:rPr lang="ko-KR" altLang="en-US" sz="1400">
                 <a:solidFill>
-                  <a:srgbClr val="e7e6e6">
+                  <a:srgbClr val="E7E6E6">
                     <a:lumMod val="90000"/>
                   </a:srgbClr>
                 </a:solidFill>
               </a:rPr>
               <a:t>공지사항 게시판</a:t>
             </a:r>
-            <a:endParaRPr lang="ko-KR" altLang="en-US" sz="1400">
-              <a:solidFill>
-                <a:srgbClr val="e7e6e6">
-                  <a:lumMod val="90000"/>
-                </a:srgbClr>
-              </a:solidFill>
-            </a:endParaRPr>
           </a:p>
           <a:p>
             <a:pPr lvl="2">
@@ -7850,7 +7866,7 @@
             <a:r>
               <a:rPr lang="en-US" altLang="ko-KR" sz="1400">
                 <a:solidFill>
-                  <a:srgbClr val="e7e6e6">
+                  <a:srgbClr val="E7E6E6">
                     <a:lumMod val="90000"/>
                   </a:srgbClr>
                 </a:solidFill>
@@ -7860,7 +7876,7 @@
             <a:r>
               <a:rPr lang="ko-KR" altLang="en-US" sz="1400">
                 <a:solidFill>
-                  <a:srgbClr val="e7e6e6">
+                  <a:srgbClr val="E7E6E6">
                     <a:lumMod val="90000"/>
                   </a:srgbClr>
                 </a:solidFill>
@@ -7870,7 +7886,7 @@
             <a:r>
               <a:rPr lang="en-US" altLang="ko-KR" sz="1400">
                 <a:solidFill>
-                  <a:srgbClr val="e7e6e6">
+                  <a:srgbClr val="E7E6E6">
                     <a:lumMod val="90000"/>
                   </a:srgbClr>
                 </a:solidFill>
@@ -7880,7 +7896,7 @@
             <a:r>
               <a:rPr lang="ko-KR" altLang="en-US" sz="1400">
                 <a:solidFill>
-                  <a:srgbClr val="e7e6e6">
+                  <a:srgbClr val="E7E6E6">
                     <a:lumMod val="90000"/>
                   </a:srgbClr>
                 </a:solidFill>
@@ -7890,20 +7906,13 @@
             <a:r>
               <a:rPr lang="en-US" altLang="ko-KR" sz="1400">
                 <a:solidFill>
-                  <a:srgbClr val="e7e6e6">
+                  <a:srgbClr val="E7E6E6">
                     <a:lumMod val="90000"/>
                   </a:srgbClr>
                 </a:solidFill>
               </a:rPr>
               <a:t>.</a:t>
             </a:r>
-            <a:endParaRPr lang="en-US" altLang="ko-KR" sz="1400">
-              <a:solidFill>
-                <a:srgbClr val="e7e6e6">
-                  <a:lumMod val="90000"/>
-                </a:srgbClr>
-              </a:solidFill>
-            </a:endParaRPr>
           </a:p>
           <a:p>
             <a:pPr lvl="2">
@@ -7915,7 +7924,7 @@
             <a:r>
               <a:rPr lang="en-US" altLang="ko-KR" sz="1400">
                 <a:solidFill>
-                  <a:srgbClr val="e7e6e6">
+                  <a:srgbClr val="E7E6E6">
                     <a:lumMod val="90000"/>
                   </a:srgbClr>
                 </a:solidFill>
@@ -7925,7 +7934,7 @@
             <a:r>
               <a:rPr lang="ko-KR" altLang="en-US" sz="1400">
                 <a:solidFill>
-                  <a:srgbClr val="e7e6e6">
+                  <a:srgbClr val="E7E6E6">
                     <a:lumMod val="90000"/>
                   </a:srgbClr>
                 </a:solidFill>
@@ -7935,7 +7944,7 @@
             <a:r>
               <a:rPr lang="en-US" altLang="ko-KR" sz="1400">
                 <a:solidFill>
-                  <a:srgbClr val="e7e6e6">
+                  <a:srgbClr val="E7E6E6">
                     <a:lumMod val="90000"/>
                   </a:srgbClr>
                 </a:solidFill>
@@ -7945,7 +7954,7 @@
             <a:r>
               <a:rPr lang="ko-KR" altLang="en-US" sz="1400">
                 <a:solidFill>
-                  <a:srgbClr val="e7e6e6">
+                  <a:srgbClr val="E7E6E6">
                     <a:lumMod val="90000"/>
                   </a:srgbClr>
                 </a:solidFill>
@@ -7955,20 +7964,13 @@
             <a:r>
               <a:rPr lang="en-US" altLang="ko-KR" sz="1400">
                 <a:solidFill>
-                  <a:srgbClr val="e7e6e6">
+                  <a:srgbClr val="E7E6E6">
                     <a:lumMod val="90000"/>
                   </a:srgbClr>
                 </a:solidFill>
               </a:rPr>
               <a:t>.</a:t>
             </a:r>
-            <a:endParaRPr lang="en-US" altLang="ko-KR" sz="1400">
-              <a:solidFill>
-                <a:srgbClr val="e7e6e6">
-                  <a:lumMod val="90000"/>
-                </a:srgbClr>
-              </a:solidFill>
-            </a:endParaRPr>
           </a:p>
         </p:txBody>
       </p:sp>
@@ -8002,16 +8004,11 @@
             <a:r>
               <a:rPr lang="ko-KR" altLang="en-US" sz="2800" b="1">
                 <a:solidFill>
-                  <a:srgbClr val="15eeff"/>
+                  <a:srgbClr val="15EEFF"/>
                 </a:solidFill>
               </a:rPr>
               <a:t>기능 개요</a:t>
             </a:r>
-            <a:endParaRPr lang="ko-KR" altLang="en-US" sz="2800" b="1">
-              <a:solidFill>
-                <a:srgbClr val="15eeff"/>
-              </a:solidFill>
-            </a:endParaRPr>
           </a:p>
         </p:txBody>
       </p:sp>
@@ -8054,15 +8051,6 @@
               </a:rPr>
               <a:t>멀티플렉스 영화관 관리 시스템</a:t>
             </a:r>
-            <a:endParaRPr lang="ko-KR" altLang="en-US" sz="1700" b="1" i="1">
-              <a:solidFill>
-                <a:prstClr val="white">
-                  <a:lumMod val="95000"/>
-                </a:prstClr>
-              </a:solidFill>
-              <a:latin typeface="KoPub돋움체 Bold"/>
-              <a:ea typeface="KoPub돋움체 Bold"/>
-            </a:endParaRPr>
           </a:p>
         </p:txBody>
       </p:sp>
@@ -8071,14 +8059,21 @@
   <p:clrMapOvr>
     <a:masterClrMapping/>
   </p:clrMapOvr>
-  <mc:AlternateContent xmlns:mc="http://schemas.openxmlformats.org/markup-compatibility/2006">
-    <mc:Choice xmlns:p14="http://schemas.microsoft.com/office/powerpoint/2010/main" Requires="p14">
-      <p:transition xmlns:mc="http://schemas.openxmlformats.org/markup-compatibility/2006" xmlns:p14="http://schemas.microsoft.com/office/powerpoint/2010/main" mc:Ignorable="p14" p14:dur="500"/>
+  <mc:AlternateContent xmlns:mc="http://schemas.openxmlformats.org/markup-compatibility/2006" xmlns:p14="http://schemas.microsoft.com/office/powerpoint/2010/main">
+    <mc:Choice Requires="p14">
+      <p:transition/>
     </mc:Choice>
-    <mc:Fallback>
+    <mc:Fallback xmlns:dsp="http://schemas.microsoft.com/office/drawing/2008/diagram" xmlns:dgm="http://schemas.openxmlformats.org/drawingml/2006/diagram" xmlns:c="http://schemas.openxmlformats.org/drawingml/2006/chart" xmlns="">
       <p:transition/>
     </mc:Fallback>
   </mc:AlternateContent>
+  <p:timing>
+    <p:tnLst>
+      <p:par>
+        <p:cTn id="1" dur="indefinite" restart="never" nodeType="tmRoot"/>
+      </p:par>
+    </p:tnLst>
+  </p:timing>
 </p:sld>
 </file>
 
@@ -8481,6 +8476,26 @@
               <a:t>11. </a:t>
             </a:r>
             <a:r>
+              <a:rPr lang="ko-KR" altLang="en-US" sz="1400" dirty="0" smtClean="0">
+                <a:solidFill>
+                  <a:srgbClr val="E7E6E6">
+                    <a:lumMod val="90000"/>
+                  </a:srgbClr>
+                </a:solidFill>
+              </a:rPr>
+              <a:t>습득물</a:t>
+            </a:r>
+            <a:r>
+              <a:rPr lang="ko-KR" altLang="en-US" sz="1400" dirty="0" smtClean="0">
+                <a:solidFill>
+                  <a:srgbClr val="E7E6E6">
+                    <a:lumMod val="90000"/>
+                  </a:srgbClr>
+                </a:solidFill>
+              </a:rPr>
+              <a:t> </a:t>
+            </a:r>
+            <a:r>
               <a:rPr lang="ko-KR" altLang="en-US" sz="1400" dirty="0">
                 <a:solidFill>
                   <a:srgbClr val="E7E6E6">
@@ -8488,7 +8503,7 @@
                   </a:srgbClr>
                 </a:solidFill>
               </a:rPr>
-              <a:t>분실물 게시판</a:t>
+              <a:t>게시판</a:t>
             </a:r>
           </a:p>
           <a:p>
@@ -8516,7 +8531,27 @@
                   </a:srgbClr>
                 </a:solidFill>
               </a:rPr>
-              <a:t>비회원과 회원은 분실물 게시판의 글을 조회 및 검색</a:t>
+              <a:t>비회원과 회원은 </a:t>
+            </a:r>
+            <a:r>
+              <a:rPr lang="ko-KR" altLang="en-US" sz="1400" dirty="0">
+                <a:solidFill>
+                  <a:srgbClr val="E7E6E6">
+                    <a:lumMod val="90000"/>
+                  </a:srgbClr>
+                </a:solidFill>
+              </a:rPr>
+              <a:t>습득물 </a:t>
+            </a:r>
+            <a:r>
+              <a:rPr lang="ko-KR" altLang="en-US" sz="1400" dirty="0">
+                <a:solidFill>
+                  <a:srgbClr val="E7E6E6">
+                    <a:lumMod val="90000"/>
+                  </a:srgbClr>
+                </a:solidFill>
+              </a:rPr>
+              <a:t>게시판의 글을 조회 및 검색</a:t>
             </a:r>
             <a:r>
               <a:rPr lang="en-US" altLang="ko-KR" sz="1400" dirty="0">
@@ -8584,7 +8619,47 @@
                   </a:srgbClr>
                 </a:solidFill>
               </a:rPr>
-              <a:t>관리자는 분실물 게시판에 분실물을 조회 및 검색</a:t>
+              <a:t>관리자는 </a:t>
+            </a:r>
+            <a:r>
+              <a:rPr lang="ko-KR" altLang="en-US" sz="1400" dirty="0">
+                <a:solidFill>
+                  <a:srgbClr val="E7E6E6">
+                    <a:lumMod val="90000"/>
+                  </a:srgbClr>
+                </a:solidFill>
+              </a:rPr>
+              <a:t>습득물 </a:t>
+            </a:r>
+            <a:r>
+              <a:rPr lang="ko-KR" altLang="en-US" sz="1400" dirty="0">
+                <a:solidFill>
+                  <a:srgbClr val="E7E6E6">
+                    <a:lumMod val="90000"/>
+                  </a:srgbClr>
+                </a:solidFill>
+              </a:rPr>
+              <a:t>게시판에 </a:t>
+            </a:r>
+            <a:r>
+              <a:rPr lang="ko-KR" altLang="en-US" sz="1400" dirty="0" smtClean="0">
+                <a:solidFill>
+                  <a:srgbClr val="E7E6E6">
+                    <a:lumMod val="90000"/>
+                  </a:srgbClr>
+                </a:solidFill>
+              </a:rPr>
+              <a:t>습득물을 </a:t>
+            </a:r>
+            <a:r>
+              <a:rPr lang="ko-KR" altLang="en-US" sz="1400" dirty="0">
+                <a:solidFill>
+                  <a:srgbClr val="E7E6E6">
+                    <a:lumMod val="90000"/>
+                  </a:srgbClr>
+                </a:solidFill>
+              </a:rPr>
+              <a:t>조회 및 검색</a:t>
             </a:r>
             <a:r>
               <a:rPr lang="en-US" altLang="ko-KR" sz="1400" dirty="0">
@@ -8933,7 +9008,7 @@
               <a:t> 삭제 할 수 있다</a:t>
             </a:r>
             <a:r>
-              <a:rPr lang="en-US" altLang="ko-KR" sz="1400">
+              <a:rPr lang="en-US" altLang="ko-KR" sz="1400" dirty="0">
                 <a:solidFill>
                   <a:srgbClr val="E7E6E6">
                     <a:lumMod val="90000"/>
@@ -8942,13 +9017,6 @@
               </a:rPr>
               <a:t>.</a:t>
             </a:r>
-            <a:endParaRPr lang="en-US" altLang="ko-KR" sz="1400" dirty="0">
-              <a:solidFill>
-                <a:srgbClr val="E7E6E6">
-                  <a:lumMod val="90000"/>
-                </a:srgbClr>
-              </a:solidFill>
-            </a:endParaRPr>
           </a:p>
           <a:p>
             <a:pPr lvl="1">
@@ -9056,10 +9124,17 @@
     <mc:Choice Requires="p14">
       <p:transition/>
     </mc:Choice>
-    <mc:Fallback xmlns="" xmlns:c="http://schemas.openxmlformats.org/drawingml/2006/chart" xmlns:dgm="http://schemas.openxmlformats.org/drawingml/2006/diagram" xmlns:dsp="http://schemas.microsoft.com/office/drawing/2008/diagram">
+    <mc:Fallback xmlns:dsp="http://schemas.microsoft.com/office/drawing/2008/diagram" xmlns:dgm="http://schemas.openxmlformats.org/drawingml/2006/diagram" xmlns:c="http://schemas.openxmlformats.org/drawingml/2006/chart" xmlns="">
       <p:transition/>
     </mc:Fallback>
   </mc:AlternateContent>
+  <p:timing>
+    <p:tnLst>
+      <p:par>
+        <p:cTn id="1" dur="indefinite" restart="never" nodeType="tmRoot"/>
+      </p:par>
+    </p:tnLst>
+  </p:timing>
 </p:sld>
 </file>
 
@@ -9297,10 +9372,17 @@
     <mc:Choice Requires="p14">
       <p:transition/>
     </mc:Choice>
-    <mc:Fallback xmlns="" xmlns:c="http://schemas.openxmlformats.org/drawingml/2006/chart" xmlns:dgm="http://schemas.openxmlformats.org/drawingml/2006/diagram" xmlns:dsp="http://schemas.microsoft.com/office/drawing/2008/diagram">
+    <mc:Fallback xmlns:dsp="http://schemas.microsoft.com/office/drawing/2008/diagram" xmlns:dgm="http://schemas.openxmlformats.org/drawingml/2006/diagram" xmlns:c="http://schemas.openxmlformats.org/drawingml/2006/chart" xmlns="">
       <p:transition/>
     </mc:Fallback>
   </mc:AlternateContent>
+  <p:timing>
+    <p:tnLst>
+      <p:par>
+        <p:cTn id="1" dur="indefinite" restart="never" nodeType="tmRoot"/>
+      </p:par>
+    </p:tnLst>
+  </p:timing>
 </p:sld>
 </file>
 
@@ -9376,10 +9458,17 @@
     <mc:Choice Requires="p14">
       <p:transition/>
     </mc:Choice>
-    <mc:Fallback xmlns="" xmlns:c="http://schemas.openxmlformats.org/drawingml/2006/chart" xmlns:dgm="http://schemas.openxmlformats.org/drawingml/2006/diagram" xmlns:dsp="http://schemas.microsoft.com/office/drawing/2008/diagram">
+    <mc:Fallback xmlns:dsp="http://schemas.microsoft.com/office/drawing/2008/diagram" xmlns:dgm="http://schemas.openxmlformats.org/drawingml/2006/diagram" xmlns:c="http://schemas.openxmlformats.org/drawingml/2006/chart" xmlns="">
       <p:transition/>
     </mc:Fallback>
   </mc:AlternateContent>
+  <p:timing>
+    <p:tnLst>
+      <p:par>
+        <p:cTn id="1" dur="indefinite" restart="never" nodeType="tmRoot"/>
+      </p:par>
+    </p:tnLst>
+  </p:timing>
 </p:sld>
 </file>
 
@@ -9749,10 +9838,17 @@
     <mc:Choice Requires="p14">
       <p:transition/>
     </mc:Choice>
-    <mc:Fallback xmlns="" xmlns:c="http://schemas.openxmlformats.org/drawingml/2006/chart" xmlns:dgm="http://schemas.openxmlformats.org/drawingml/2006/diagram" xmlns:dsp="http://schemas.microsoft.com/office/drawing/2008/diagram">
+    <mc:Fallback xmlns:dsp="http://schemas.microsoft.com/office/drawing/2008/diagram" xmlns:dgm="http://schemas.openxmlformats.org/drawingml/2006/diagram" xmlns:c="http://schemas.openxmlformats.org/drawingml/2006/chart" xmlns="">
       <p:transition/>
     </mc:Fallback>
   </mc:AlternateContent>
+  <p:timing>
+    <p:tnLst>
+      <p:par>
+        <p:cTn id="1" dur="indefinite" restart="never" nodeType="tmRoot"/>
+      </p:par>
+    </p:tnLst>
+  </p:timing>
 </p:sld>
 </file>
 
@@ -10494,7 +10590,7 @@
               <a:t> 수정</a:t>
             </a:r>
             <a:r>
-              <a:rPr lang="en-US" altLang="ko-KR" sz="1450" dirty="0">
+              <a:rPr lang="en-US" altLang="ko-KR" sz="1450" dirty="0" smtClean="0">
                 <a:solidFill>
                   <a:srgbClr val="E7E6E6">
                     <a:lumMod val="90000"/>
@@ -10504,14 +10600,24 @@
               <a:t>(</a:t>
             </a:r>
             <a:r>
-              <a:rPr lang="ko-KR" altLang="en-US" sz="1450" dirty="0">
-                <a:solidFill>
-                  <a:srgbClr val="E7E6E6">
-                    <a:lumMod val="90000"/>
-                  </a:srgbClr>
-                </a:solidFill>
-              </a:rPr>
-              <a:t>이메일 핸드폰번호 비밀번호</a:t>
+              <a:rPr lang="ko-KR" altLang="en-US" sz="1450" dirty="0" smtClean="0">
+                <a:solidFill>
+                  <a:srgbClr val="E7E6E6">
+                    <a:lumMod val="90000"/>
+                  </a:srgbClr>
+                </a:solidFill>
+              </a:rPr>
+              <a:t>핸드폰번호 </a:t>
+            </a:r>
+            <a:r>
+              <a:rPr lang="ko-KR" altLang="en-US" sz="1450" dirty="0">
+                <a:solidFill>
+                  <a:srgbClr val="E7E6E6">
+                    <a:lumMod val="90000"/>
+                  </a:srgbClr>
+                </a:solidFill>
+              </a:rPr>
+              <a:t>비밀번호</a:t>
             </a:r>
             <a:r>
               <a:rPr lang="en-US" altLang="ko-KR" sz="1450" dirty="0">
@@ -11130,10 +11236,17 @@
     <mc:Choice Requires="p14">
       <p:transition/>
     </mc:Choice>
-    <mc:Fallback xmlns="" xmlns:c="http://schemas.openxmlformats.org/drawingml/2006/chart" xmlns:dgm="http://schemas.openxmlformats.org/drawingml/2006/diagram" xmlns:dsp="http://schemas.microsoft.com/office/drawing/2008/diagram">
+    <mc:Fallback xmlns:dsp="http://schemas.microsoft.com/office/drawing/2008/diagram" xmlns:dgm="http://schemas.openxmlformats.org/drawingml/2006/diagram" xmlns:c="http://schemas.openxmlformats.org/drawingml/2006/chart" xmlns="">
       <p:transition/>
     </mc:Fallback>
   </mc:AlternateContent>
+  <p:timing>
+    <p:tnLst>
+      <p:par>
+        <p:cTn id="1" dur="indefinite" restart="never" nodeType="tmRoot"/>
+      </p:par>
+    </p:tnLst>
+  </p:timing>
 </p:sld>
 </file>
 
@@ -12214,10 +12327,17 @@
     <mc:Choice Requires="p14">
       <p:transition/>
     </mc:Choice>
-    <mc:Fallback xmlns="" xmlns:c="http://schemas.openxmlformats.org/drawingml/2006/chart" xmlns:dgm="http://schemas.openxmlformats.org/drawingml/2006/diagram" xmlns:dsp="http://schemas.microsoft.com/office/drawing/2008/diagram">
+    <mc:Fallback xmlns:dsp="http://schemas.microsoft.com/office/drawing/2008/diagram" xmlns:dgm="http://schemas.openxmlformats.org/drawingml/2006/diagram" xmlns:c="http://schemas.openxmlformats.org/drawingml/2006/chart" xmlns="">
       <p:transition/>
     </mc:Fallback>
   </mc:AlternateContent>
+  <p:timing>
+    <p:tnLst>
+      <p:par>
+        <p:cTn id="1" dur="indefinite" restart="never" nodeType="tmRoot"/>
+      </p:par>
+    </p:tnLst>
+  </p:timing>
 </p:sld>
 </file>
 
@@ -12824,10 +12944,17 @@
     <mc:Choice Requires="p14">
       <p:transition/>
     </mc:Choice>
-    <mc:Fallback xmlns="" xmlns:c="http://schemas.openxmlformats.org/drawingml/2006/chart" xmlns:dgm="http://schemas.openxmlformats.org/drawingml/2006/diagram" xmlns:dsp="http://schemas.microsoft.com/office/drawing/2008/diagram">
+    <mc:Fallback xmlns:dsp="http://schemas.microsoft.com/office/drawing/2008/diagram" xmlns:dgm="http://schemas.openxmlformats.org/drawingml/2006/diagram" xmlns:c="http://schemas.openxmlformats.org/drawingml/2006/chart" xmlns="">
       <p:transition/>
     </mc:Fallback>
   </mc:AlternateContent>
+  <p:timing>
+    <p:tnLst>
+      <p:par>
+        <p:cTn id="1" dur="indefinite" restart="never" nodeType="tmRoot"/>
+      </p:par>
+    </p:tnLst>
+  </p:timing>
 </p:sld>
 </file>
 
@@ -13677,10 +13804,17 @@
     <mc:Choice Requires="p14">
       <p:transition/>
     </mc:Choice>
-    <mc:Fallback xmlns="" xmlns:c="http://schemas.openxmlformats.org/drawingml/2006/chart" xmlns:dgm="http://schemas.openxmlformats.org/drawingml/2006/diagram" xmlns:dsp="http://schemas.microsoft.com/office/drawing/2008/diagram">
+    <mc:Fallback xmlns:dsp="http://schemas.microsoft.com/office/drawing/2008/diagram" xmlns:dgm="http://schemas.openxmlformats.org/drawingml/2006/diagram" xmlns:c="http://schemas.openxmlformats.org/drawingml/2006/chart" xmlns="">
       <p:transition/>
     </mc:Fallback>
   </mc:AlternateContent>
+  <p:timing>
+    <p:tnLst>
+      <p:par>
+        <p:cTn id="1" dur="indefinite" restart="never" nodeType="tmRoot"/>
+      </p:par>
+    </p:tnLst>
+  </p:timing>
 </p:sld>
 </file>
 
@@ -14348,10 +14482,17 @@
     <mc:Choice Requires="p14">
       <p:transition/>
     </mc:Choice>
-    <mc:Fallback xmlns="" xmlns:c="http://schemas.openxmlformats.org/drawingml/2006/chart" xmlns:dgm="http://schemas.openxmlformats.org/drawingml/2006/diagram" xmlns:dsp="http://schemas.microsoft.com/office/drawing/2008/diagram">
+    <mc:Fallback xmlns:dsp="http://schemas.microsoft.com/office/drawing/2008/diagram" xmlns:dgm="http://schemas.openxmlformats.org/drawingml/2006/diagram" xmlns:c="http://schemas.openxmlformats.org/drawingml/2006/chart" xmlns="">
       <p:transition/>
     </mc:Fallback>
   </mc:AlternateContent>
+  <p:timing>
+    <p:tnLst>
+      <p:par>
+        <p:cTn id="1" dur="indefinite" restart="never" nodeType="tmRoot"/>
+      </p:par>
+    </p:tnLst>
+  </p:timing>
 </p:sld>
 </file>
 
@@ -14860,10 +15001,17 @@
     <mc:Choice Requires="p14">
       <p:transition/>
     </mc:Choice>
-    <mc:Fallback xmlns="" xmlns:c="http://schemas.openxmlformats.org/drawingml/2006/chart" xmlns:dgm="http://schemas.openxmlformats.org/drawingml/2006/diagram" xmlns:dsp="http://schemas.microsoft.com/office/drawing/2008/diagram">
+    <mc:Fallback xmlns:dsp="http://schemas.microsoft.com/office/drawing/2008/diagram" xmlns:dgm="http://schemas.openxmlformats.org/drawingml/2006/diagram" xmlns:c="http://schemas.openxmlformats.org/drawingml/2006/chart" xmlns="">
       <p:transition/>
     </mc:Fallback>
   </mc:AlternateContent>
+  <p:timing>
+    <p:tnLst>
+      <p:par>
+        <p:cTn id="1" dur="indefinite" restart="never" nodeType="tmRoot"/>
+      </p:par>
+    </p:tnLst>
+  </p:timing>
 </p:sld>
 </file>
 
@@ -15731,10 +15879,17 @@
     <mc:Choice Requires="p14">
       <p:transition/>
     </mc:Choice>
-    <mc:Fallback xmlns="" xmlns:c="http://schemas.openxmlformats.org/drawingml/2006/chart" xmlns:dgm="http://schemas.openxmlformats.org/drawingml/2006/diagram" xmlns:dsp="http://schemas.microsoft.com/office/drawing/2008/diagram">
+    <mc:Fallback xmlns:dsp="http://schemas.microsoft.com/office/drawing/2008/diagram" xmlns:dgm="http://schemas.openxmlformats.org/drawingml/2006/diagram" xmlns:c="http://schemas.openxmlformats.org/drawingml/2006/chart" xmlns="">
       <p:transition/>
     </mc:Fallback>
   </mc:AlternateContent>
+  <p:timing>
+    <p:tnLst>
+      <p:par>
+        <p:cTn id="1" dur="indefinite" restart="never" nodeType="tmRoot"/>
+      </p:par>
+    </p:tnLst>
+  </p:timing>
 </p:sld>
 </file>
 
@@ -16381,10 +16536,17 @@
     <mc:Choice Requires="p14">
       <p:transition/>
     </mc:Choice>
-    <mc:Fallback xmlns="" xmlns:c="http://schemas.openxmlformats.org/drawingml/2006/chart" xmlns:dgm="http://schemas.openxmlformats.org/drawingml/2006/diagram" xmlns:dsp="http://schemas.microsoft.com/office/drawing/2008/diagram">
+    <mc:Fallback xmlns:dsp="http://schemas.microsoft.com/office/drawing/2008/diagram" xmlns:dgm="http://schemas.openxmlformats.org/drawingml/2006/diagram" xmlns:c="http://schemas.openxmlformats.org/drawingml/2006/chart" xmlns="">
       <p:transition/>
     </mc:Fallback>
   </mc:AlternateContent>
+  <p:timing>
+    <p:tnLst>
+      <p:par>
+        <p:cTn id="1" dur="indefinite" restart="never" nodeType="tmRoot"/>
+      </p:par>
+    </p:tnLst>
+  </p:timing>
 </p:sld>
 </file>
 
@@ -16507,10 +16669,17 @@
     <mc:Choice Requires="p14">
       <p:transition/>
     </mc:Choice>
-    <mc:Fallback xmlns:dsp="http://schemas.microsoft.com/office/drawing/2008/diagram" xmlns:dgm="http://schemas.openxmlformats.org/drawingml/2006/diagram" xmlns:c="http://schemas.openxmlformats.org/drawingml/2006/chart" xmlns="">
+    <mc:Fallback xmlns="" xmlns:c="http://schemas.openxmlformats.org/drawingml/2006/chart" xmlns:dgm="http://schemas.openxmlformats.org/drawingml/2006/diagram" xmlns:dsp="http://schemas.microsoft.com/office/drawing/2008/diagram">
       <p:transition/>
     </mc:Fallback>
   </mc:AlternateContent>
+  <p:timing>
+    <p:tnLst>
+      <p:par>
+        <p:cTn id="1" dur="indefinite" restart="never" nodeType="tmRoot"/>
+      </p:par>
+    </p:tnLst>
+  </p:timing>
 </p:sld>
 </file>
 
@@ -17583,10 +17752,17 @@
     <mc:Choice Requires="p14">
       <p:transition/>
     </mc:Choice>
-    <mc:Fallback xmlns="" xmlns:c="http://schemas.openxmlformats.org/drawingml/2006/chart" xmlns:dgm="http://schemas.openxmlformats.org/drawingml/2006/diagram" xmlns:dsp="http://schemas.microsoft.com/office/drawing/2008/diagram">
+    <mc:Fallback xmlns:dsp="http://schemas.microsoft.com/office/drawing/2008/diagram" xmlns:dgm="http://schemas.openxmlformats.org/drawingml/2006/diagram" xmlns:c="http://schemas.openxmlformats.org/drawingml/2006/chart" xmlns="">
       <p:transition/>
     </mc:Fallback>
   </mc:AlternateContent>
+  <p:timing>
+    <p:tnLst>
+      <p:par>
+        <p:cTn id="1" dur="indefinite" restart="never" nodeType="tmRoot"/>
+      </p:par>
+    </p:tnLst>
+  </p:timing>
 </p:sld>
 </file>
 
@@ -18454,21 +18630,29 @@
     <mc:Choice Requires="p14">
       <p:transition/>
     </mc:Choice>
-    <mc:Fallback xmlns="" xmlns:c="http://schemas.openxmlformats.org/drawingml/2006/chart" xmlns:dgm="http://schemas.openxmlformats.org/drawingml/2006/diagram" xmlns:dsp="http://schemas.microsoft.com/office/drawing/2008/diagram">
+    <mc:Fallback xmlns:dsp="http://schemas.microsoft.com/office/drawing/2008/diagram" xmlns:dgm="http://schemas.openxmlformats.org/drawingml/2006/diagram" xmlns:c="http://schemas.openxmlformats.org/drawingml/2006/chart" xmlns="">
       <p:transition/>
     </mc:Fallback>
   </mc:AlternateContent>
+  <p:timing>
+    <p:tnLst>
+      <p:par>
+        <p:cTn id="1" dur="indefinite" restart="never" nodeType="tmRoot"/>
+      </p:par>
+    </p:tnLst>
+  </p:timing>
 </p:sld>
 </file>
 
 <file path=ppt/slides/slide32.xml><?xml version="1.0" encoding="utf-8"?>
-<p:sld xmlns:r="http://schemas.openxmlformats.org/officeDocument/2006/relationships" xmlns:c="http://schemas.openxmlformats.org/drawingml/2006/chart" xmlns:a="http://schemas.openxmlformats.org/drawingml/2006/main" xmlns:dgm="http://schemas.openxmlformats.org/drawingml/2006/diagram" xmlns:dsp="http://schemas.microsoft.com/office/drawing/2008/diagram" xmlns:p="http://schemas.openxmlformats.org/presentationml/2006/main">
+<p:sld xmlns:a="http://schemas.openxmlformats.org/drawingml/2006/main" xmlns:r="http://schemas.openxmlformats.org/officeDocument/2006/relationships" xmlns:p="http://schemas.openxmlformats.org/presentationml/2006/main">
   <p:cSld>
     <p:bg>
-      <p:bgPr shadeToTitle="0">
+      <p:bgPr>
         <a:solidFill>
           <a:srgbClr val="303038"/>
         </a:solidFill>
+        <a:effectLst/>
       </p:bgPr>
     </p:bg>
     <p:spTree>
@@ -18515,7 +18699,7 @@
             <a:r>
               <a:rPr lang="ko-KR" altLang="ko-KR" b="1">
                 <a:solidFill>
-                  <a:srgbClr val="e7e6e6">
+                  <a:srgbClr val="E7E6E6">
                     <a:lumMod val="90000"/>
                   </a:srgbClr>
                 </a:solidFill>
@@ -18525,7 +18709,7 @@
             <a:r>
               <a:rPr lang="en-US" altLang="ko-KR" b="1">
                 <a:solidFill>
-                  <a:srgbClr val="e7e6e6">
+                  <a:srgbClr val="E7E6E6">
                     <a:lumMod val="90000"/>
                   </a:srgbClr>
                 </a:solidFill>
@@ -18535,16 +18719,24 @@
             <a:r>
               <a:rPr lang="ko-KR" altLang="ko-KR" b="1">
                 <a:solidFill>
-                  <a:srgbClr val="e7e6e6">
+                  <a:srgbClr val="E7E6E6">
                     <a:lumMod val="90000"/>
                   </a:srgbClr>
                 </a:solidFill>
               </a:rPr>
               <a:t> 기프티콘</a:t>
             </a:r>
+          </a:p>
+          <a:p>
+            <a:pPr lvl="1">
+              <a:lnSpc>
+                <a:spcPct val="160000"/>
+              </a:lnSpc>
+              <a:defRPr/>
+            </a:pPr>
             <a:endParaRPr lang="ko-KR" altLang="ko-KR" b="1">
               <a:solidFill>
-                <a:srgbClr val="e7e6e6">
+                <a:srgbClr val="E7E6E6">
                   <a:lumMod val="90000"/>
                 </a:srgbClr>
               </a:solidFill>
@@ -18557,13 +18749,36 @@
               </a:lnSpc>
               <a:defRPr/>
             </a:pPr>
-            <a:endParaRPr lang="ko-KR" altLang="ko-KR" b="1">
-              <a:solidFill>
-                <a:srgbClr val="e7e6e6">
-                  <a:lumMod val="90000"/>
-                </a:srgbClr>
-              </a:solidFill>
-            </a:endParaRPr>
+            <a:r>
+              <a:rPr lang="en-US" altLang="ko-KR" sz="1450">
+                <a:solidFill>
+                  <a:srgbClr val="E7E6E6">
+                    <a:lumMod val="90000"/>
+                  </a:srgbClr>
+                </a:solidFill>
+              </a:rPr>
+              <a:t>11-1. </a:t>
+            </a:r>
+            <a:r>
+              <a:rPr lang="ko-KR" altLang="en-US" sz="1450">
+                <a:solidFill>
+                  <a:srgbClr val="E7E6E6">
+                    <a:lumMod val="90000"/>
+                  </a:srgbClr>
+                </a:solidFill>
+              </a:rPr>
+              <a:t>비회원과 회원과 관리자는 기프티콘 페이지에서 현재 판매중인 기프티콘 전체를 조회할 수 있다</a:t>
+            </a:r>
+            <a:r>
+              <a:rPr lang="en-US" altLang="ko-KR" sz="1450">
+                <a:solidFill>
+                  <a:srgbClr val="E7E6E6">
+                    <a:lumMod val="90000"/>
+                  </a:srgbClr>
+                </a:solidFill>
+              </a:rPr>
+              <a:t>.</a:t>
+            </a:r>
           </a:p>
           <a:p>
             <a:pPr lvl="1">
@@ -18575,40 +18790,33 @@
             <a:r>
               <a:rPr lang="en-US" altLang="ko-KR" sz="1450">
                 <a:solidFill>
-                  <a:srgbClr val="e7e6e6">
-                    <a:lumMod val="90000"/>
-                  </a:srgbClr>
-                </a:solidFill>
-              </a:rPr>
-              <a:t>11-1. </a:t>
+                  <a:srgbClr val="E7E6E6">
+                    <a:lumMod val="90000"/>
+                  </a:srgbClr>
+                </a:solidFill>
+              </a:rPr>
+              <a:t>11-2. </a:t>
             </a:r>
             <a:r>
               <a:rPr lang="ko-KR" altLang="en-US" sz="1450">
                 <a:solidFill>
-                  <a:srgbClr val="e7e6e6">
-                    <a:lumMod val="90000"/>
-                  </a:srgbClr>
-                </a:solidFill>
-              </a:rPr>
-              <a:t>비회원과 회원과 관리자는 기프티콘 페이지에서 현재 판매중인 기프티콘 전체를 조회할 수 있다</a:t>
+                  <a:srgbClr val="E7E6E6">
+                    <a:lumMod val="90000"/>
+                  </a:srgbClr>
+                </a:solidFill>
+              </a:rPr>
+              <a:t>비회원과 회원과 관리자는 현재 판매중인 기프티콘을 클릭하여 상세보기할 수 있다</a:t>
             </a:r>
             <a:r>
               <a:rPr lang="en-US" altLang="ko-KR" sz="1450">
                 <a:solidFill>
-                  <a:srgbClr val="e7e6e6">
+                  <a:srgbClr val="E7E6E6">
                     <a:lumMod val="90000"/>
                   </a:srgbClr>
                 </a:solidFill>
               </a:rPr>
               <a:t>.</a:t>
             </a:r>
-            <a:endParaRPr lang="en-US" altLang="ko-KR" sz="1450">
-              <a:solidFill>
-                <a:srgbClr val="e7e6e6">
-                  <a:lumMod val="90000"/>
-                </a:srgbClr>
-              </a:solidFill>
-            </a:endParaRPr>
           </a:p>
           <a:p>
             <a:pPr lvl="1">
@@ -18620,40 +18828,149 @@
             <a:r>
               <a:rPr lang="en-US" altLang="ko-KR" sz="1450">
                 <a:solidFill>
-                  <a:srgbClr val="e7e6e6">
-                    <a:lumMod val="90000"/>
-                  </a:srgbClr>
-                </a:solidFill>
-              </a:rPr>
-              <a:t>11-2. </a:t>
+                  <a:srgbClr val="E7E6E6">
+                    <a:lumMod val="90000"/>
+                  </a:srgbClr>
+                </a:solidFill>
+              </a:rPr>
+              <a:t>11-3. </a:t>
             </a:r>
             <a:r>
               <a:rPr lang="ko-KR" altLang="en-US" sz="1450">
                 <a:solidFill>
-                  <a:srgbClr val="e7e6e6">
-                    <a:lumMod val="90000"/>
-                  </a:srgbClr>
-                </a:solidFill>
-              </a:rPr>
-              <a:t>비회원과 회원과 관리자는 현재 판매중인 기프티콘을 클릭하여 상세보기할 수 있다</a:t>
+                  <a:srgbClr val="E7E6E6">
+                    <a:lumMod val="90000"/>
+                  </a:srgbClr>
+                </a:solidFill>
+              </a:rPr>
+              <a:t>회원은 기프티콘 상세보기 페이지에서 기프티콘을 구입 할 수 있다</a:t>
             </a:r>
             <a:r>
               <a:rPr lang="en-US" altLang="ko-KR" sz="1450">
                 <a:solidFill>
-                  <a:srgbClr val="e7e6e6">
+                  <a:srgbClr val="E7E6E6">
+                    <a:lumMod val="90000"/>
+                  </a:srgbClr>
+                </a:solidFill>
+              </a:rPr>
+              <a:t>. (</a:t>
+            </a:r>
+            <a:r>
+              <a:rPr lang="ko-KR" altLang="en-US" sz="1450">
+                <a:solidFill>
+                  <a:srgbClr val="E7E6E6">
+                    <a:lumMod val="90000"/>
+                  </a:srgbClr>
+                </a:solidFill>
+              </a:rPr>
+              <a:t>기프티콘의 유효기간은 구매일자로부터 한 달이다</a:t>
+            </a:r>
+            <a:r>
+              <a:rPr lang="en-US" altLang="ko-KR" sz="1450">
+                <a:solidFill>
+                  <a:srgbClr val="E7E6E6">
+                    <a:lumMod val="90000"/>
+                  </a:srgbClr>
+                </a:solidFill>
+              </a:rPr>
+              <a:t>.)</a:t>
+            </a:r>
+          </a:p>
+          <a:p>
+            <a:pPr lvl="1">
+              <a:lnSpc>
+                <a:spcPct val="160000"/>
+              </a:lnSpc>
+              <a:defRPr/>
+            </a:pPr>
+            <a:r>
+              <a:rPr lang="en-US" altLang="ko-KR" sz="1450">
+                <a:solidFill>
+                  <a:srgbClr val="E7E6E6">
+                    <a:lumMod val="90000"/>
+                  </a:srgbClr>
+                </a:solidFill>
+              </a:rPr>
+              <a:t>11-4. </a:t>
+            </a:r>
+            <a:r>
+              <a:rPr lang="ko-KR" altLang="en-US" sz="1450">
+                <a:solidFill>
+                  <a:srgbClr val="E7E6E6">
+                    <a:lumMod val="90000"/>
+                  </a:srgbClr>
+                </a:solidFill>
+              </a:rPr>
+              <a:t>회원은 마이페이지 내 ‘내 기프티콘’ 페이지에서 기프티콘 만료 전에 유효기간을 </a:t>
+            </a:r>
+            <a:r>
+              <a:rPr lang="en-US" altLang="ko-KR" sz="1450">
+                <a:solidFill>
+                  <a:srgbClr val="E7E6E6">
+                    <a:lumMod val="90000"/>
+                  </a:srgbClr>
+                </a:solidFill>
+              </a:rPr>
+              <a:t>1</a:t>
+            </a:r>
+            <a:r>
+              <a:rPr lang="ko-KR" altLang="en-US" sz="1450">
+                <a:solidFill>
+                  <a:srgbClr val="E7E6E6">
+                    <a:lumMod val="90000"/>
+                  </a:srgbClr>
+                </a:solidFill>
+              </a:rPr>
+              <a:t>회 한 달 연장 할 수 있다</a:t>
+            </a:r>
+            <a:r>
+              <a:rPr lang="en-US" altLang="ko-KR" sz="1450">
+                <a:solidFill>
+                  <a:srgbClr val="E7E6E6">
+                    <a:lumMod val="90000"/>
+                  </a:srgbClr>
+                </a:solidFill>
+              </a:rPr>
+              <a:t>. </a:t>
+            </a:r>
+          </a:p>
+          <a:p>
+            <a:pPr lvl="1">
+              <a:lnSpc>
+                <a:spcPct val="160000"/>
+              </a:lnSpc>
+              <a:defRPr/>
+            </a:pPr>
+            <a:r>
+              <a:rPr lang="en-US" altLang="ko-KR" sz="1450">
+                <a:solidFill>
+                  <a:srgbClr val="E7E6E6">
+                    <a:lumMod val="90000"/>
+                  </a:srgbClr>
+                </a:solidFill>
+              </a:rPr>
+              <a:t>11-5. </a:t>
+            </a:r>
+            <a:r>
+              <a:rPr lang="ko-KR" altLang="en-US" sz="1450">
+                <a:solidFill>
+                  <a:srgbClr val="E7E6E6">
+                    <a:lumMod val="90000"/>
+                  </a:srgbClr>
+                </a:solidFill>
+              </a:rPr>
+              <a:t>회원은 마이페이지 내 ‘내 기프티콘’ 페이지에서 사용가능한 기프티콘에 대하여 환불 받을 수 있다</a:t>
+            </a:r>
+            <a:r>
+              <a:rPr lang="en-US" altLang="ko-KR" sz="1450">
+                <a:solidFill>
+                  <a:srgbClr val="E7E6E6">
                     <a:lumMod val="90000"/>
                   </a:srgbClr>
                 </a:solidFill>
               </a:rPr>
               <a:t>.</a:t>
             </a:r>
-            <a:endParaRPr lang="en-US" altLang="ko-KR" sz="1450">
-              <a:solidFill>
-                <a:srgbClr val="e7e6e6">
-                  <a:lumMod val="90000"/>
-                </a:srgbClr>
-              </a:solidFill>
-            </a:endParaRPr>
           </a:p>
           <a:p>
             <a:pPr lvl="1">
@@ -18665,60 +18982,211 @@
             <a:r>
               <a:rPr lang="en-US" altLang="ko-KR" sz="1450">
                 <a:solidFill>
-                  <a:srgbClr val="e7e6e6">
-                    <a:lumMod val="90000"/>
-                  </a:srgbClr>
-                </a:solidFill>
-              </a:rPr>
-              <a:t>11-3. </a:t>
+                  <a:srgbClr val="E7E6E6">
+                    <a:lumMod val="90000"/>
+                  </a:srgbClr>
+                </a:solidFill>
+              </a:rPr>
+              <a:t>11-6. </a:t>
             </a:r>
             <a:r>
               <a:rPr lang="ko-KR" altLang="en-US" sz="1450">
                 <a:solidFill>
-                  <a:srgbClr val="e7e6e6">
-                    <a:lumMod val="90000"/>
-                  </a:srgbClr>
-                </a:solidFill>
-              </a:rPr>
-              <a:t>회원은 기프티콘 상세보기 페이지에서 기프티콘을 구입 할 수 있다</a:t>
+                  <a:srgbClr val="E7E6E6">
+                    <a:lumMod val="90000"/>
+                  </a:srgbClr>
+                </a:solidFill>
+              </a:rPr>
+              <a:t>회원은 마이페이지 내 ‘내 기프티콘’ 페이지에서 기프티콘 구입 내역을 조회할 수 있다</a:t>
             </a:r>
             <a:r>
               <a:rPr lang="en-US" altLang="ko-KR" sz="1450">
                 <a:solidFill>
-                  <a:srgbClr val="e7e6e6">
-                    <a:lumMod val="90000"/>
-                  </a:srgbClr>
-                </a:solidFill>
-              </a:rPr>
-              <a:t>. (</a:t>
+                  <a:srgbClr val="E7E6E6">
+                    <a:lumMod val="90000"/>
+                  </a:srgbClr>
+                </a:solidFill>
+              </a:rPr>
+              <a:t>.</a:t>
+            </a:r>
+          </a:p>
+          <a:p>
+            <a:pPr lvl="1">
+              <a:lnSpc>
+                <a:spcPct val="160000"/>
+              </a:lnSpc>
+              <a:defRPr/>
+            </a:pPr>
+            <a:r>
+              <a:rPr lang="en-US" altLang="ko-KR" sz="1450">
+                <a:solidFill>
+                  <a:srgbClr val="E7E6E6">
+                    <a:lumMod val="90000"/>
+                  </a:srgbClr>
+                </a:solidFill>
+              </a:rPr>
+              <a:t>       (</a:t>
             </a:r>
             <a:r>
               <a:rPr lang="ko-KR" altLang="en-US" sz="1450">
                 <a:solidFill>
-                  <a:srgbClr val="e7e6e6">
-                    <a:lumMod val="90000"/>
-                  </a:srgbClr>
-                </a:solidFill>
-              </a:rPr>
-              <a:t>기프티콘의 유효기간은 구매일자로부터 한 달이다</a:t>
+                  <a:srgbClr val="E7E6E6">
+                    <a:lumMod val="90000"/>
+                  </a:srgbClr>
+                </a:solidFill>
+              </a:rPr>
+              <a:t>이름</a:t>
             </a:r>
             <a:r>
               <a:rPr lang="en-US" altLang="ko-KR" sz="1450">
                 <a:solidFill>
-                  <a:srgbClr val="e7e6e6">
-                    <a:lumMod val="90000"/>
-                  </a:srgbClr>
-                </a:solidFill>
-              </a:rPr>
-              <a:t>.)</a:t>
-            </a:r>
-            <a:endParaRPr lang="en-US" altLang="ko-KR" sz="1450">
-              <a:solidFill>
-                <a:srgbClr val="e7e6e6">
-                  <a:lumMod val="90000"/>
-                </a:srgbClr>
-              </a:solidFill>
-            </a:endParaRPr>
+                  <a:srgbClr val="E7E6E6">
+                    <a:lumMod val="90000"/>
+                  </a:srgbClr>
+                </a:solidFill>
+              </a:rPr>
+              <a:t>, </a:t>
+            </a:r>
+            <a:r>
+              <a:rPr lang="ko-KR" altLang="en-US" sz="1450">
+                <a:solidFill>
+                  <a:srgbClr val="E7E6E6">
+                    <a:lumMod val="90000"/>
+                  </a:srgbClr>
+                </a:solidFill>
+              </a:rPr>
+              <a:t>가격</a:t>
+            </a:r>
+            <a:r>
+              <a:rPr lang="en-US" altLang="ko-KR" sz="1450">
+                <a:solidFill>
+                  <a:srgbClr val="E7E6E6">
+                    <a:lumMod val="90000"/>
+                  </a:srgbClr>
+                </a:solidFill>
+              </a:rPr>
+              <a:t>, </a:t>
+            </a:r>
+            <a:r>
+              <a:rPr lang="ko-KR" altLang="en-US" sz="1450">
+                <a:solidFill>
+                  <a:srgbClr val="E7E6E6">
+                    <a:lumMod val="90000"/>
+                  </a:srgbClr>
+                </a:solidFill>
+              </a:rPr>
+              <a:t>사용가능여부</a:t>
+            </a:r>
+            <a:r>
+              <a:rPr lang="en-US" altLang="ko-KR" sz="1450">
+                <a:solidFill>
+                  <a:srgbClr val="E7E6E6">
+                    <a:lumMod val="90000"/>
+                  </a:srgbClr>
+                </a:solidFill>
+              </a:rPr>
+              <a:t>(</a:t>
+            </a:r>
+            <a:r>
+              <a:rPr lang="ko-KR" altLang="en-US" sz="1450">
+                <a:solidFill>
+                  <a:srgbClr val="E7E6E6">
+                    <a:lumMod val="90000"/>
+                  </a:srgbClr>
+                </a:solidFill>
+              </a:rPr>
+              <a:t>사용가능</a:t>
+            </a:r>
+            <a:r>
+              <a:rPr lang="en-US" altLang="ko-KR" sz="1450">
+                <a:solidFill>
+                  <a:srgbClr val="E7E6E6">
+                    <a:lumMod val="90000"/>
+                  </a:srgbClr>
+                </a:solidFill>
+              </a:rPr>
+              <a:t>/</a:t>
+            </a:r>
+            <a:r>
+              <a:rPr lang="ko-KR" altLang="en-US" sz="1450">
+                <a:solidFill>
+                  <a:srgbClr val="E7E6E6">
+                    <a:lumMod val="90000"/>
+                  </a:srgbClr>
+                </a:solidFill>
+              </a:rPr>
+              <a:t>기간만료</a:t>
+            </a:r>
+            <a:r>
+              <a:rPr lang="en-US" altLang="ko-KR" sz="1450">
+                <a:solidFill>
+                  <a:srgbClr val="E7E6E6">
+                    <a:lumMod val="90000"/>
+                  </a:srgbClr>
+                </a:solidFill>
+              </a:rPr>
+              <a:t>/</a:t>
+            </a:r>
+            <a:r>
+              <a:rPr lang="ko-KR" altLang="en-US" sz="1450">
+                <a:solidFill>
+                  <a:srgbClr val="E7E6E6">
+                    <a:lumMod val="90000"/>
+                  </a:srgbClr>
+                </a:solidFill>
+              </a:rPr>
+              <a:t>환불완료</a:t>
+            </a:r>
+            <a:r>
+              <a:rPr lang="en-US" altLang="ko-KR" sz="1450">
+                <a:solidFill>
+                  <a:srgbClr val="E7E6E6">
+                    <a:lumMod val="90000"/>
+                  </a:srgbClr>
+                </a:solidFill>
+              </a:rPr>
+              <a:t>), </a:t>
+            </a:r>
+            <a:r>
+              <a:rPr lang="ko-KR" altLang="en-US" sz="1450">
+                <a:solidFill>
+                  <a:srgbClr val="E7E6E6">
+                    <a:lumMod val="90000"/>
+                  </a:srgbClr>
+                </a:solidFill>
+              </a:rPr>
+              <a:t>만료기간</a:t>
+            </a:r>
+            <a:r>
+              <a:rPr lang="en-US" altLang="ko-KR" sz="1450">
+                <a:solidFill>
+                  <a:srgbClr val="E7E6E6">
+                    <a:lumMod val="90000"/>
+                  </a:srgbClr>
+                </a:solidFill>
+              </a:rPr>
+              <a:t>,</a:t>
+            </a:r>
+            <a:r>
+              <a:rPr lang="ko-KR" altLang="en-US" sz="1450">
+                <a:solidFill>
+                  <a:srgbClr val="E7E6E6">
+                    <a:lumMod val="90000"/>
+                  </a:srgbClr>
+                </a:solidFill>
+              </a:rPr>
+              <a:t> 연장여부</a:t>
+            </a:r>
+            <a:r>
+              <a:rPr lang="en-US" altLang="ko-KR" sz="1450">
+                <a:solidFill>
+                  <a:srgbClr val="E7E6E6">
+                    <a:lumMod val="90000"/>
+                  </a:srgbClr>
+                </a:solidFill>
+              </a:rPr>
+              <a:t>)</a:t>
+            </a:r>
           </a:p>
           <a:p>
             <a:pPr lvl="1">
@@ -18730,60 +19198,133 @@
             <a:r>
               <a:rPr lang="en-US" altLang="ko-KR" sz="1450">
                 <a:solidFill>
-                  <a:srgbClr val="e7e6e6">
-                    <a:lumMod val="90000"/>
-                  </a:srgbClr>
-                </a:solidFill>
-              </a:rPr>
-              <a:t>11-4. </a:t>
+                  <a:srgbClr val="E7E6E6">
+                    <a:lumMod val="90000"/>
+                  </a:srgbClr>
+                </a:solidFill>
+              </a:rPr>
+              <a:t>11-7. </a:t>
             </a:r>
             <a:r>
               <a:rPr lang="ko-KR" altLang="en-US" sz="1450">
                 <a:solidFill>
-                  <a:srgbClr val="e7e6e6">
-                    <a:lumMod val="90000"/>
-                  </a:srgbClr>
-                </a:solidFill>
-              </a:rPr>
-              <a:t>회원은 마이페이지 내 ‘내 기프티콘’ 페이지에서 기프티콘 만료 전에 유효기간을 </a:t>
+                  <a:srgbClr val="E7E6E6">
+                    <a:lumMod val="90000"/>
+                  </a:srgbClr>
+                </a:solidFill>
+              </a:rPr>
+              <a:t>관리자는 기프티콘 페이지에서 기프티콘을 추가로 등록</a:t>
             </a:r>
             <a:r>
               <a:rPr lang="en-US" altLang="ko-KR" sz="1450">
                 <a:solidFill>
-                  <a:srgbClr val="e7e6e6">
-                    <a:lumMod val="90000"/>
-                  </a:srgbClr>
-                </a:solidFill>
-              </a:rPr>
-              <a:t>1</a:t>
+                  <a:srgbClr val="E7E6E6">
+                    <a:lumMod val="90000"/>
+                  </a:srgbClr>
+                </a:solidFill>
+              </a:rPr>
+              <a:t>(</a:t>
             </a:r>
             <a:r>
               <a:rPr lang="ko-KR" altLang="en-US" sz="1450">
                 <a:solidFill>
-                  <a:srgbClr val="e7e6e6">
-                    <a:lumMod val="90000"/>
-                  </a:srgbClr>
-                </a:solidFill>
-              </a:rPr>
-              <a:t>회 한 달 연장 할 수 있다</a:t>
+                  <a:srgbClr val="E7E6E6">
+                    <a:lumMod val="90000"/>
+                  </a:srgbClr>
+                </a:solidFill>
+              </a:rPr>
+              <a:t>사진</a:t>
             </a:r>
             <a:r>
               <a:rPr lang="en-US" altLang="ko-KR" sz="1450">
                 <a:solidFill>
-                  <a:srgbClr val="e7e6e6">
-                    <a:lumMod val="90000"/>
-                  </a:srgbClr>
-                </a:solidFill>
-              </a:rPr>
-              <a:t>. </a:t>
-            </a:r>
-            <a:endParaRPr lang="en-US" altLang="ko-KR" sz="1450">
-              <a:solidFill>
-                <a:srgbClr val="e7e6e6">
-                  <a:lumMod val="90000"/>
-                </a:srgbClr>
-              </a:solidFill>
-            </a:endParaRPr>
+                  <a:srgbClr val="E7E6E6">
+                    <a:lumMod val="90000"/>
+                  </a:srgbClr>
+                </a:solidFill>
+              </a:rPr>
+              <a:t>, </a:t>
+            </a:r>
+            <a:r>
+              <a:rPr lang="ko-KR" altLang="en-US" sz="1450">
+                <a:solidFill>
+                  <a:srgbClr val="E7E6E6">
+                    <a:lumMod val="90000"/>
+                  </a:srgbClr>
+                </a:solidFill>
+              </a:rPr>
+              <a:t>이름</a:t>
+            </a:r>
+            <a:r>
+              <a:rPr lang="en-US" altLang="ko-KR" sz="1450">
+                <a:solidFill>
+                  <a:srgbClr val="E7E6E6">
+                    <a:lumMod val="90000"/>
+                  </a:srgbClr>
+                </a:solidFill>
+              </a:rPr>
+              <a:t>, </a:t>
+            </a:r>
+            <a:r>
+              <a:rPr lang="ko-KR" altLang="en-US" sz="1450">
+                <a:solidFill>
+                  <a:srgbClr val="E7E6E6">
+                    <a:lumMod val="90000"/>
+                  </a:srgbClr>
+                </a:solidFill>
+              </a:rPr>
+              <a:t>구성</a:t>
+            </a:r>
+            <a:r>
+              <a:rPr lang="en-US" altLang="ko-KR" sz="1450">
+                <a:solidFill>
+                  <a:srgbClr val="E7E6E6">
+                    <a:lumMod val="90000"/>
+                  </a:srgbClr>
+                </a:solidFill>
+              </a:rPr>
+              <a:t>, </a:t>
+            </a:r>
+            <a:r>
+              <a:rPr lang="ko-KR" altLang="en-US" sz="1450">
+                <a:solidFill>
+                  <a:srgbClr val="E7E6E6">
+                    <a:lumMod val="90000"/>
+                  </a:srgbClr>
+                </a:solidFill>
+              </a:rPr>
+              <a:t>가격</a:t>
+            </a:r>
+            <a:r>
+              <a:rPr lang="en-US" altLang="ko-KR" sz="1450">
+                <a:solidFill>
+                  <a:srgbClr val="E7E6E6">
+                    <a:lumMod val="90000"/>
+                  </a:srgbClr>
+                </a:solidFill>
+              </a:rPr>
+              <a:t>)</a:t>
+            </a:r>
+            <a:r>
+              <a:rPr lang="ko-KR" altLang="en-US" sz="1450">
+                <a:solidFill>
+                  <a:srgbClr val="E7E6E6">
+                    <a:lumMod val="90000"/>
+                  </a:srgbClr>
+                </a:solidFill>
+              </a:rPr>
+              <a:t>할 수 있다</a:t>
+            </a:r>
+            <a:r>
+              <a:rPr lang="en-US" altLang="ko-KR" sz="1450">
+                <a:solidFill>
+                  <a:srgbClr val="E7E6E6">
+                    <a:lumMod val="90000"/>
+                  </a:srgbClr>
+                </a:solidFill>
+              </a:rPr>
+              <a:t>.</a:t>
+            </a:r>
           </a:p>
           <a:p>
             <a:pPr lvl="1">
@@ -18795,40 +19336,33 @@
             <a:r>
               <a:rPr lang="en-US" altLang="ko-KR" sz="1450">
                 <a:solidFill>
-                  <a:srgbClr val="e7e6e6">
-                    <a:lumMod val="90000"/>
-                  </a:srgbClr>
-                </a:solidFill>
-              </a:rPr>
-              <a:t>11-5. </a:t>
+                  <a:srgbClr val="E7E6E6">
+                    <a:lumMod val="90000"/>
+                  </a:srgbClr>
+                </a:solidFill>
+              </a:rPr>
+              <a:t>11-8. </a:t>
             </a:r>
             <a:r>
               <a:rPr lang="ko-KR" altLang="en-US" sz="1450">
                 <a:solidFill>
-                  <a:srgbClr val="e7e6e6">
-                    <a:lumMod val="90000"/>
-                  </a:srgbClr>
-                </a:solidFill>
-              </a:rPr>
-              <a:t>회원은 마이페이지 내 ‘내 기프티콘’ 페이지에서 사용가능한 기프티콘에 대하여 환불 받을 수 있다</a:t>
+                  <a:srgbClr val="E7E6E6">
+                    <a:lumMod val="90000"/>
+                  </a:srgbClr>
+                </a:solidFill>
+              </a:rPr>
+              <a:t>관리자는 기프티콘 상세보기 페이지에서 기프티콘의 이름이나 가격이나 사진을 수정할 수 있다</a:t>
             </a:r>
             <a:r>
               <a:rPr lang="en-US" altLang="ko-KR" sz="1450">
                 <a:solidFill>
-                  <a:srgbClr val="e7e6e6">
+                  <a:srgbClr val="E7E6E6">
                     <a:lumMod val="90000"/>
                   </a:srgbClr>
                 </a:solidFill>
               </a:rPr>
               <a:t>.</a:t>
             </a:r>
-            <a:endParaRPr lang="en-US" altLang="ko-KR" sz="1450">
-              <a:solidFill>
-                <a:srgbClr val="e7e6e6">
-                  <a:lumMod val="90000"/>
-                </a:srgbClr>
-              </a:solidFill>
-            </a:endParaRPr>
           </a:p>
           <a:p>
             <a:pPr lvl="1">
@@ -18840,460 +19374,33 @@
             <a:r>
               <a:rPr lang="en-US" altLang="ko-KR" sz="1450">
                 <a:solidFill>
-                  <a:srgbClr val="e7e6e6">
-                    <a:lumMod val="90000"/>
-                  </a:srgbClr>
-                </a:solidFill>
-              </a:rPr>
-              <a:t>11-6. </a:t>
+                  <a:srgbClr val="E7E6E6">
+                    <a:lumMod val="90000"/>
+                  </a:srgbClr>
+                </a:solidFill>
+              </a:rPr>
+              <a:t>11-9. </a:t>
             </a:r>
             <a:r>
               <a:rPr lang="ko-KR" altLang="en-US" sz="1450">
                 <a:solidFill>
-                  <a:srgbClr val="e7e6e6">
-                    <a:lumMod val="90000"/>
-                  </a:srgbClr>
-                </a:solidFill>
-              </a:rPr>
-              <a:t>회원은 마이페이지 내 ‘내 기프티콘’ 페이지에서 기프티콘 구입 내역을 조회할 수 있다</a:t>
+                  <a:srgbClr val="E7E6E6">
+                    <a:lumMod val="90000"/>
+                  </a:srgbClr>
+                </a:solidFill>
+              </a:rPr>
+              <a:t>관리자는 기프티콘 상세보기 페이지에서 상품 거래가 중단된 기프티콘을 목록에서 삭제할 수 있다</a:t>
             </a:r>
             <a:r>
               <a:rPr lang="en-US" altLang="ko-KR" sz="1450">
                 <a:solidFill>
-                  <a:srgbClr val="e7e6e6">
+                  <a:srgbClr val="E7E6E6">
                     <a:lumMod val="90000"/>
                   </a:srgbClr>
                 </a:solidFill>
               </a:rPr>
               <a:t>.</a:t>
             </a:r>
-            <a:endParaRPr lang="en-US" altLang="ko-KR" sz="1450">
-              <a:solidFill>
-                <a:srgbClr val="e7e6e6">
-                  <a:lumMod val="90000"/>
-                </a:srgbClr>
-              </a:solidFill>
-            </a:endParaRPr>
-          </a:p>
-          <a:p>
-            <a:pPr lvl="1">
-              <a:lnSpc>
-                <a:spcPct val="160000"/>
-              </a:lnSpc>
-              <a:defRPr/>
-            </a:pPr>
-            <a:r>
-              <a:rPr lang="en-US" altLang="ko-KR" sz="1450">
-                <a:solidFill>
-                  <a:srgbClr val="e7e6e6">
-                    <a:lumMod val="90000"/>
-                  </a:srgbClr>
-                </a:solidFill>
-              </a:rPr>
-              <a:t>       (</a:t>
-            </a:r>
-            <a:r>
-              <a:rPr lang="ko-KR" altLang="en-US" sz="1450">
-                <a:solidFill>
-                  <a:srgbClr val="e7e6e6">
-                    <a:lumMod val="90000"/>
-                  </a:srgbClr>
-                </a:solidFill>
-              </a:rPr>
-              <a:t>이름</a:t>
-            </a:r>
-            <a:r>
-              <a:rPr lang="en-US" altLang="ko-KR" sz="1450">
-                <a:solidFill>
-                  <a:srgbClr val="e7e6e6">
-                    <a:lumMod val="90000"/>
-                  </a:srgbClr>
-                </a:solidFill>
-              </a:rPr>
-              <a:t>, </a:t>
-            </a:r>
-            <a:r>
-              <a:rPr lang="ko-KR" altLang="en-US" sz="1450">
-                <a:solidFill>
-                  <a:srgbClr val="e7e6e6">
-                    <a:lumMod val="90000"/>
-                  </a:srgbClr>
-                </a:solidFill>
-              </a:rPr>
-              <a:t>가격</a:t>
-            </a:r>
-            <a:r>
-              <a:rPr lang="en-US" altLang="ko-KR" sz="1450">
-                <a:solidFill>
-                  <a:srgbClr val="e7e6e6">
-                    <a:lumMod val="90000"/>
-                  </a:srgbClr>
-                </a:solidFill>
-              </a:rPr>
-              <a:t>, </a:t>
-            </a:r>
-            <a:r>
-              <a:rPr lang="ko-KR" altLang="en-US" sz="1450">
-                <a:solidFill>
-                  <a:srgbClr val="e7e6e6">
-                    <a:lumMod val="90000"/>
-                  </a:srgbClr>
-                </a:solidFill>
-              </a:rPr>
-              <a:t>사용가능여부</a:t>
-            </a:r>
-            <a:r>
-              <a:rPr lang="en-US" altLang="ko-KR" sz="1450">
-                <a:solidFill>
-                  <a:srgbClr val="e7e6e6">
-                    <a:lumMod val="90000"/>
-                  </a:srgbClr>
-                </a:solidFill>
-              </a:rPr>
-              <a:t>(</a:t>
-            </a:r>
-            <a:r>
-              <a:rPr lang="ko-KR" altLang="en-US" sz="1450">
-                <a:solidFill>
-                  <a:srgbClr val="e7e6e6">
-                    <a:lumMod val="90000"/>
-                  </a:srgbClr>
-                </a:solidFill>
-              </a:rPr>
-              <a:t>사용가능</a:t>
-            </a:r>
-            <a:r>
-              <a:rPr lang="en-US" altLang="ko-KR" sz="1450">
-                <a:solidFill>
-                  <a:srgbClr val="e7e6e6">
-                    <a:lumMod val="90000"/>
-                  </a:srgbClr>
-                </a:solidFill>
-              </a:rPr>
-              <a:t>/</a:t>
-            </a:r>
-            <a:r>
-              <a:rPr lang="ko-KR" altLang="en-US" sz="1450">
-                <a:solidFill>
-                  <a:srgbClr val="e7e6e6">
-                    <a:lumMod val="90000"/>
-                  </a:srgbClr>
-                </a:solidFill>
-              </a:rPr>
-              <a:t>기간만료</a:t>
-            </a:r>
-            <a:r>
-              <a:rPr lang="en-US" altLang="ko-KR" sz="1450">
-                <a:solidFill>
-                  <a:srgbClr val="e7e6e6">
-                    <a:lumMod val="90000"/>
-                  </a:srgbClr>
-                </a:solidFill>
-              </a:rPr>
-              <a:t>/</a:t>
-            </a:r>
-            <a:r>
-              <a:rPr lang="ko-KR" altLang="en-US" sz="1450">
-                <a:solidFill>
-                  <a:srgbClr val="e7e6e6">
-                    <a:lumMod val="90000"/>
-                  </a:srgbClr>
-                </a:solidFill>
-              </a:rPr>
-              <a:t>환불완료</a:t>
-            </a:r>
-            <a:r>
-              <a:rPr lang="en-US" altLang="ko-KR" sz="1450">
-                <a:solidFill>
-                  <a:srgbClr val="e7e6e6">
-                    <a:lumMod val="90000"/>
-                  </a:srgbClr>
-                </a:solidFill>
-              </a:rPr>
-              <a:t>), </a:t>
-            </a:r>
-            <a:r>
-              <a:rPr lang="ko-KR" altLang="en-US" sz="1450">
-                <a:solidFill>
-                  <a:srgbClr val="e7e6e6">
-                    <a:lumMod val="90000"/>
-                  </a:srgbClr>
-                </a:solidFill>
-              </a:rPr>
-              <a:t>만료기간</a:t>
-            </a:r>
-            <a:r>
-              <a:rPr lang="en-US" altLang="ko-KR" sz="1450">
-                <a:solidFill>
-                  <a:srgbClr val="e7e6e6">
-                    <a:lumMod val="90000"/>
-                  </a:srgbClr>
-                </a:solidFill>
-              </a:rPr>
-              <a:t>,</a:t>
-            </a:r>
-            <a:r>
-              <a:rPr lang="ko-KR" altLang="en-US" sz="1450">
-                <a:solidFill>
-                  <a:srgbClr val="e7e6e6">
-                    <a:lumMod val="90000"/>
-                  </a:srgbClr>
-                </a:solidFill>
-              </a:rPr>
-              <a:t> 연장여부</a:t>
-            </a:r>
-            <a:r>
-              <a:rPr lang="en-US" altLang="ko-KR" sz="1450">
-                <a:solidFill>
-                  <a:srgbClr val="e7e6e6">
-                    <a:lumMod val="90000"/>
-                  </a:srgbClr>
-                </a:solidFill>
-              </a:rPr>
-              <a:t>)</a:t>
-            </a:r>
-            <a:endParaRPr lang="en-US" altLang="ko-KR" sz="1450">
-              <a:solidFill>
-                <a:srgbClr val="e7e6e6">
-                  <a:lumMod val="90000"/>
-                </a:srgbClr>
-              </a:solidFill>
-            </a:endParaRPr>
-          </a:p>
-          <a:p>
-            <a:pPr lvl="1">
-              <a:lnSpc>
-                <a:spcPct val="160000"/>
-              </a:lnSpc>
-              <a:defRPr/>
-            </a:pPr>
-            <a:r>
-              <a:rPr lang="en-US" altLang="ko-KR" sz="1450">
-                <a:solidFill>
-                  <a:srgbClr val="e7e6e6">
-                    <a:lumMod val="90000"/>
-                  </a:srgbClr>
-                </a:solidFill>
-              </a:rPr>
-              <a:t>11-7. </a:t>
-            </a:r>
-            <a:r>
-              <a:rPr lang="ko-KR" altLang="en-US" sz="1450">
-                <a:solidFill>
-                  <a:srgbClr val="e7e6e6">
-                    <a:lumMod val="90000"/>
-                  </a:srgbClr>
-                </a:solidFill>
-              </a:rPr>
-              <a:t>관리자는 기프티콘 페이지에서 기프티콘을 추가로 등록</a:t>
-            </a:r>
-            <a:r>
-              <a:rPr lang="en-US" altLang="ko-KR" sz="1450">
-                <a:solidFill>
-                  <a:srgbClr val="e7e6e6">
-                    <a:lumMod val="90000"/>
-                  </a:srgbClr>
-                </a:solidFill>
-              </a:rPr>
-              <a:t>(</a:t>
-            </a:r>
-            <a:r>
-              <a:rPr lang="ko-KR" altLang="en-US" sz="1450">
-                <a:solidFill>
-                  <a:srgbClr val="e7e6e6">
-                    <a:lumMod val="90000"/>
-                  </a:srgbClr>
-                </a:solidFill>
-              </a:rPr>
-              <a:t>사진</a:t>
-            </a:r>
-            <a:r>
-              <a:rPr lang="en-US" altLang="ko-KR" sz="1450">
-                <a:solidFill>
-                  <a:srgbClr val="e7e6e6">
-                    <a:lumMod val="90000"/>
-                  </a:srgbClr>
-                </a:solidFill>
-              </a:rPr>
-              <a:t>, </a:t>
-            </a:r>
-            <a:r>
-              <a:rPr lang="ko-KR" altLang="en-US" sz="1450">
-                <a:solidFill>
-                  <a:srgbClr val="e7e6e6">
-                    <a:lumMod val="90000"/>
-                  </a:srgbClr>
-                </a:solidFill>
-              </a:rPr>
-              <a:t>이름</a:t>
-            </a:r>
-            <a:r>
-              <a:rPr lang="en-US" altLang="ko-KR" sz="1450">
-                <a:solidFill>
-                  <a:srgbClr val="e7e6e6">
-                    <a:lumMod val="90000"/>
-                  </a:srgbClr>
-                </a:solidFill>
-              </a:rPr>
-              <a:t>, </a:t>
-            </a:r>
-            <a:r>
-              <a:rPr lang="ko-KR" altLang="en-US" sz="1450">
-                <a:solidFill>
-                  <a:srgbClr val="e7e6e6">
-                    <a:lumMod val="90000"/>
-                  </a:srgbClr>
-                </a:solidFill>
-              </a:rPr>
-              <a:t>구성</a:t>
-            </a:r>
-            <a:r>
-              <a:rPr lang="en-US" altLang="ko-KR" sz="1450">
-                <a:solidFill>
-                  <a:srgbClr val="e7e6e6">
-                    <a:lumMod val="90000"/>
-                  </a:srgbClr>
-                </a:solidFill>
-              </a:rPr>
-              <a:t>, </a:t>
-            </a:r>
-            <a:r>
-              <a:rPr lang="ko-KR" altLang="en-US" sz="1450">
-                <a:solidFill>
-                  <a:srgbClr val="e7e6e6">
-                    <a:lumMod val="90000"/>
-                  </a:srgbClr>
-                </a:solidFill>
-              </a:rPr>
-              <a:t>가격</a:t>
-            </a:r>
-            <a:r>
-              <a:rPr lang="en-US" altLang="ko-KR" sz="1450">
-                <a:solidFill>
-                  <a:srgbClr val="e7e6e6">
-                    <a:lumMod val="90000"/>
-                  </a:srgbClr>
-                </a:solidFill>
-              </a:rPr>
-              <a:t>)</a:t>
-            </a:r>
-            <a:r>
-              <a:rPr lang="ko-KR" altLang="en-US" sz="1450">
-                <a:solidFill>
-                  <a:srgbClr val="e7e6e6">
-                    <a:lumMod val="90000"/>
-                  </a:srgbClr>
-                </a:solidFill>
-              </a:rPr>
-              <a:t>할 수 있다</a:t>
-            </a:r>
-            <a:r>
-              <a:rPr lang="en-US" altLang="ko-KR" sz="1450">
-                <a:solidFill>
-                  <a:srgbClr val="e7e6e6">
-                    <a:lumMod val="90000"/>
-                  </a:srgbClr>
-                </a:solidFill>
-              </a:rPr>
-              <a:t>.</a:t>
-            </a:r>
-            <a:endParaRPr lang="en-US" altLang="ko-KR" sz="1450">
-              <a:solidFill>
-                <a:srgbClr val="e7e6e6">
-                  <a:lumMod val="90000"/>
-                </a:srgbClr>
-              </a:solidFill>
-            </a:endParaRPr>
-          </a:p>
-          <a:p>
-            <a:pPr lvl="1">
-              <a:lnSpc>
-                <a:spcPct val="160000"/>
-              </a:lnSpc>
-              <a:defRPr/>
-            </a:pPr>
-            <a:r>
-              <a:rPr lang="en-US" altLang="ko-KR" sz="1450">
-                <a:solidFill>
-                  <a:srgbClr val="e7e6e6">
-                    <a:lumMod val="90000"/>
-                  </a:srgbClr>
-                </a:solidFill>
-              </a:rPr>
-              <a:t>11-8. </a:t>
-            </a:r>
-            <a:r>
-              <a:rPr lang="ko-KR" altLang="en-US" sz="1450">
-                <a:solidFill>
-                  <a:srgbClr val="e7e6e6">
-                    <a:lumMod val="90000"/>
-                  </a:srgbClr>
-                </a:solidFill>
-              </a:rPr>
-              <a:t>관리자는 기프티콘 상세보기 페이지에서 기프티콘의 이름이나 가격이나 사진을 수정할 수 있다</a:t>
-            </a:r>
-            <a:r>
-              <a:rPr lang="en-US" altLang="ko-KR" sz="1450">
-                <a:solidFill>
-                  <a:srgbClr val="e7e6e6">
-                    <a:lumMod val="90000"/>
-                  </a:srgbClr>
-                </a:solidFill>
-              </a:rPr>
-              <a:t>.</a:t>
-            </a:r>
-            <a:endParaRPr lang="en-US" altLang="ko-KR" sz="1450">
-              <a:solidFill>
-                <a:srgbClr val="e7e6e6">
-                  <a:lumMod val="90000"/>
-                </a:srgbClr>
-              </a:solidFill>
-            </a:endParaRPr>
-          </a:p>
-          <a:p>
-            <a:pPr lvl="1">
-              <a:lnSpc>
-                <a:spcPct val="160000"/>
-              </a:lnSpc>
-              <a:defRPr/>
-            </a:pPr>
-            <a:r>
-              <a:rPr lang="en-US" altLang="ko-KR" sz="1450">
-                <a:solidFill>
-                  <a:srgbClr val="e7e6e6">
-                    <a:lumMod val="90000"/>
-                  </a:srgbClr>
-                </a:solidFill>
-              </a:rPr>
-              <a:t>11-9. </a:t>
-            </a:r>
-            <a:r>
-              <a:rPr lang="ko-KR" altLang="en-US" sz="1450">
-                <a:solidFill>
-                  <a:srgbClr val="e7e6e6">
-                    <a:lumMod val="90000"/>
-                  </a:srgbClr>
-                </a:solidFill>
-              </a:rPr>
-              <a:t>관리자는 기프티콘 상세보기 페이지에서 상품 거래가 중단된 기프티콘을 목록에서 삭제할 수 있다</a:t>
-            </a:r>
-            <a:r>
-              <a:rPr lang="en-US" altLang="ko-KR" sz="1450">
-                <a:solidFill>
-                  <a:srgbClr val="e7e6e6">
-                    <a:lumMod val="90000"/>
-                  </a:srgbClr>
-                </a:solidFill>
-              </a:rPr>
-              <a:t>.</a:t>
-            </a:r>
-            <a:endParaRPr lang="en-US" altLang="ko-KR" sz="1450">
-              <a:solidFill>
-                <a:srgbClr val="e7e6e6">
-                  <a:lumMod val="90000"/>
-                </a:srgbClr>
-              </a:solidFill>
-            </a:endParaRPr>
           </a:p>
         </p:txBody>
       </p:sp>
@@ -19327,16 +19434,11 @@
             <a:r>
               <a:rPr lang="ko-KR" altLang="en-US" sz="2800" b="1">
                 <a:solidFill>
-                  <a:srgbClr val="15eeff"/>
+                  <a:srgbClr val="15EEFF"/>
                 </a:solidFill>
               </a:rPr>
               <a:t>요구사항 정의</a:t>
             </a:r>
-            <a:endParaRPr lang="ko-KR" altLang="en-US" sz="2800" b="1">
-              <a:solidFill>
-                <a:srgbClr val="15eeff"/>
-              </a:solidFill>
-            </a:endParaRPr>
           </a:p>
         </p:txBody>
       </p:sp>
@@ -19379,15 +19481,6 @@
               </a:rPr>
               <a:t>멀티플렉스 영화관 관리 시스템</a:t>
             </a:r>
-            <a:endParaRPr lang="ko-KR" altLang="en-US" sz="1700" b="1" i="1">
-              <a:solidFill>
-                <a:prstClr val="white">
-                  <a:lumMod val="95000"/>
-                </a:prstClr>
-              </a:solidFill>
-              <a:latin typeface="KoPub돋움체 Bold"/>
-              <a:ea typeface="KoPub돋움체 Bold"/>
-            </a:endParaRPr>
           </a:p>
         </p:txBody>
       </p:sp>
@@ -19396,14 +19489,21 @@
   <p:clrMapOvr>
     <a:masterClrMapping/>
   </p:clrMapOvr>
-  <mc:AlternateContent xmlns:mc="http://schemas.openxmlformats.org/markup-compatibility/2006">
-    <mc:Choice xmlns:p14="http://schemas.microsoft.com/office/powerpoint/2010/main" Requires="p14">
-      <p:transition xmlns:mc="http://schemas.openxmlformats.org/markup-compatibility/2006" xmlns:p14="http://schemas.microsoft.com/office/powerpoint/2010/main" mc:Ignorable="p14" p14:dur="500"/>
+  <mc:AlternateContent xmlns:mc="http://schemas.openxmlformats.org/markup-compatibility/2006" xmlns:p14="http://schemas.microsoft.com/office/powerpoint/2010/main">
+    <mc:Choice Requires="p14">
+      <p:transition/>
     </mc:Choice>
-    <mc:Fallback>
+    <mc:Fallback xmlns:dsp="http://schemas.microsoft.com/office/drawing/2008/diagram" xmlns:dgm="http://schemas.openxmlformats.org/drawingml/2006/diagram" xmlns:c="http://schemas.openxmlformats.org/drawingml/2006/chart" xmlns="">
       <p:transition/>
     </mc:Fallback>
   </mc:AlternateContent>
+  <p:timing>
+    <p:tnLst>
+      <p:par>
+        <p:cTn id="1" dur="indefinite" restart="never" nodeType="tmRoot"/>
+      </p:par>
+    </p:tnLst>
+  </p:timing>
 </p:sld>
 </file>
 
@@ -20251,10 +20351,17 @@
     <mc:Choice Requires="p14">
       <p:transition/>
     </mc:Choice>
-    <mc:Fallback xmlns="" xmlns:c="http://schemas.openxmlformats.org/drawingml/2006/chart" xmlns:dgm="http://schemas.openxmlformats.org/drawingml/2006/diagram" xmlns:dsp="http://schemas.microsoft.com/office/drawing/2008/diagram">
+    <mc:Fallback xmlns:dsp="http://schemas.microsoft.com/office/drawing/2008/diagram" xmlns:dgm="http://schemas.openxmlformats.org/drawingml/2006/diagram" xmlns:c="http://schemas.openxmlformats.org/drawingml/2006/chart" xmlns="">
       <p:transition/>
     </mc:Fallback>
   </mc:AlternateContent>
+  <p:timing>
+    <p:tnLst>
+      <p:par>
+        <p:cTn id="1" dur="indefinite" restart="never" nodeType="tmRoot"/>
+      </p:par>
+    </p:tnLst>
+  </p:timing>
 </p:sld>
 </file>
 
@@ -20377,15 +20484,22 @@
     <mc:Choice Requires="p14">
       <p:transition/>
     </mc:Choice>
-    <mc:Fallback xmlns="" xmlns:c="http://schemas.openxmlformats.org/drawingml/2006/chart" xmlns:dgm="http://schemas.openxmlformats.org/drawingml/2006/diagram" xmlns:dsp="http://schemas.microsoft.com/office/drawing/2008/diagram">
+    <mc:Fallback xmlns:dsp="http://schemas.microsoft.com/office/drawing/2008/diagram" xmlns:dgm="http://schemas.openxmlformats.org/drawingml/2006/diagram" xmlns:c="http://schemas.openxmlformats.org/drawingml/2006/chart" xmlns="">
       <p:transition/>
     </mc:Fallback>
   </mc:AlternateContent>
+  <p:timing>
+    <p:tnLst>
+      <p:par>
+        <p:cTn id="1" dur="indefinite" restart="never" nodeType="tmRoot"/>
+      </p:par>
+    </p:tnLst>
+  </p:timing>
 </p:sld>
 </file>
 
 <file path=ppt/slides/slide35.xml><?xml version="1.0" encoding="utf-8"?>
-<p:sld xmlns:r="http://schemas.openxmlformats.org/officeDocument/2006/relationships" xmlns:c="http://schemas.openxmlformats.org/drawingml/2006/chart" xmlns:a="http://schemas.openxmlformats.org/drawingml/2006/main" xmlns:dgm="http://schemas.openxmlformats.org/drawingml/2006/diagram" xmlns:dsp="http://schemas.microsoft.com/office/drawing/2008/diagram" xmlns:p="http://schemas.openxmlformats.org/presentationml/2006/main">
+<p:sld xmlns:a="http://schemas.openxmlformats.org/drawingml/2006/main" xmlns:r="http://schemas.openxmlformats.org/officeDocument/2006/relationships" xmlns:p="http://schemas.openxmlformats.org/presentationml/2006/main">
   <p:cSld>
     <p:spTree>
       <p:nvGrpSpPr>
@@ -20403,7 +20517,7 @@
       </p:grpSpPr>
       <p:pic>
         <p:nvPicPr>
-          <p:cNvPr id="4" name=""/>
+          <p:cNvPr id="4" name="그림 3"/>
           <p:cNvPicPr>
             <a:picLocks noChangeAspect="1"/>
           </p:cNvPicPr>
@@ -20430,14 +20544,21 @@
   <p:clrMapOvr>
     <a:masterClrMapping/>
   </p:clrMapOvr>
-  <mc:AlternateContent xmlns:mc="http://schemas.openxmlformats.org/markup-compatibility/2006">
-    <mc:Choice xmlns:p14="http://schemas.microsoft.com/office/powerpoint/2010/main" Requires="p14">
-      <p:transition xmlns:mc="http://schemas.openxmlformats.org/markup-compatibility/2006" xmlns:p14="http://schemas.microsoft.com/office/powerpoint/2010/main" mc:Ignorable="p14" p14:dur="500"/>
+  <mc:AlternateContent xmlns:mc="http://schemas.openxmlformats.org/markup-compatibility/2006" xmlns:p14="http://schemas.microsoft.com/office/powerpoint/2010/main">
+    <mc:Choice Requires="p14">
+      <p:transition/>
     </mc:Choice>
-    <mc:Fallback>
+    <mc:Fallback xmlns:dsp="http://schemas.microsoft.com/office/drawing/2008/diagram" xmlns:dgm="http://schemas.openxmlformats.org/drawingml/2006/diagram" xmlns:c="http://schemas.openxmlformats.org/drawingml/2006/chart" xmlns="">
       <p:transition/>
     </mc:Fallback>
   </mc:AlternateContent>
+  <p:timing>
+    <p:tnLst>
+      <p:par>
+        <p:cTn id="1" dur="indefinite" restart="never" nodeType="tmRoot"/>
+      </p:par>
+    </p:tnLst>
+  </p:timing>
 </p:sld>
 </file>
 
@@ -20555,10 +20676,17 @@
     <mc:Choice Requires="p14">
       <p:transition/>
     </mc:Choice>
-    <mc:Fallback xmlns:dsp="http://schemas.microsoft.com/office/drawing/2008/diagram" xmlns:dgm="http://schemas.openxmlformats.org/drawingml/2006/diagram" xmlns:c="http://schemas.openxmlformats.org/drawingml/2006/chart" xmlns="">
+    <mc:Fallback xmlns="" xmlns:c="http://schemas.openxmlformats.org/drawingml/2006/chart" xmlns:dgm="http://schemas.openxmlformats.org/drawingml/2006/diagram" xmlns:dsp="http://schemas.microsoft.com/office/drawing/2008/diagram">
       <p:transition/>
     </mc:Fallback>
   </mc:AlternateContent>
+  <p:timing>
+    <p:tnLst>
+      <p:par>
+        <p:cTn id="1" dur="indefinite" restart="never" nodeType="tmRoot"/>
+      </p:par>
+    </p:tnLst>
+  </p:timing>
 </p:sld>
 </file>
 
@@ -20618,10 +20746,17 @@
     <mc:Choice Requires="p14">
       <p:transition/>
     </mc:Choice>
-    <mc:Fallback xmlns:dsp="http://schemas.microsoft.com/office/drawing/2008/diagram" xmlns:dgm="http://schemas.openxmlformats.org/drawingml/2006/diagram" xmlns:c="http://schemas.openxmlformats.org/drawingml/2006/chart" xmlns="">
+    <mc:Fallback xmlns="" xmlns:c="http://schemas.openxmlformats.org/drawingml/2006/chart" xmlns:dgm="http://schemas.openxmlformats.org/drawingml/2006/diagram" xmlns:dsp="http://schemas.microsoft.com/office/drawing/2008/diagram">
       <p:transition/>
     </mc:Fallback>
   </mc:AlternateContent>
+  <p:timing>
+    <p:tnLst>
+      <p:par>
+        <p:cTn id="1" dur="indefinite" restart="never" nodeType="tmRoot"/>
+      </p:par>
+    </p:tnLst>
+  </p:timing>
 </p:sld>
 </file>
 
@@ -20681,10 +20816,17 @@
     <mc:Choice Requires="p14">
       <p:transition/>
     </mc:Choice>
-    <mc:Fallback xmlns:dsp="http://schemas.microsoft.com/office/drawing/2008/diagram" xmlns:dgm="http://schemas.openxmlformats.org/drawingml/2006/diagram" xmlns:c="http://schemas.openxmlformats.org/drawingml/2006/chart" xmlns="">
+    <mc:Fallback xmlns="" xmlns:c="http://schemas.openxmlformats.org/drawingml/2006/chart" xmlns:dgm="http://schemas.openxmlformats.org/drawingml/2006/diagram" xmlns:dsp="http://schemas.microsoft.com/office/drawing/2008/diagram">
       <p:transition/>
     </mc:Fallback>
   </mc:AlternateContent>
+  <p:timing>
+    <p:tnLst>
+      <p:par>
+        <p:cTn id="1" dur="indefinite" restart="never" nodeType="tmRoot"/>
+      </p:par>
+    </p:tnLst>
+  </p:timing>
 </p:sld>
 </file>
 
@@ -20744,10 +20886,17 @@
     <mc:Choice Requires="p14">
       <p:transition/>
     </mc:Choice>
-    <mc:Fallback xmlns:dsp="http://schemas.microsoft.com/office/drawing/2008/diagram" xmlns:dgm="http://schemas.openxmlformats.org/drawingml/2006/diagram" xmlns:c="http://schemas.openxmlformats.org/drawingml/2006/chart" xmlns="">
+    <mc:Fallback xmlns="" xmlns:c="http://schemas.openxmlformats.org/drawingml/2006/chart" xmlns:dgm="http://schemas.openxmlformats.org/drawingml/2006/diagram" xmlns:dsp="http://schemas.microsoft.com/office/drawing/2008/diagram">
       <p:transition/>
     </mc:Fallback>
   </mc:AlternateContent>
+  <p:timing>
+    <p:tnLst>
+      <p:par>
+        <p:cTn id="1" dur="indefinite" restart="never" nodeType="tmRoot"/>
+      </p:par>
+    </p:tnLst>
+  </p:timing>
 </p:sld>
 </file>
 
@@ -20808,6 +20957,13 @@
   <p:clrMapOvr>
     <a:masterClrMapping/>
   </p:clrMapOvr>
+  <p:timing>
+    <p:tnLst>
+      <p:par>
+        <p:cTn id="1" dur="indefinite" restart="never" nodeType="tmRoot"/>
+      </p:par>
+    </p:tnLst>
+  </p:timing>
 </p:sld>
 </file>
 
@@ -20867,10 +21023,17 @@
     <mc:Choice Requires="p14">
       <p:transition/>
     </mc:Choice>
-    <mc:Fallback xmlns:dsp="http://schemas.microsoft.com/office/drawing/2008/diagram" xmlns:dgm="http://schemas.openxmlformats.org/drawingml/2006/diagram" xmlns:c="http://schemas.openxmlformats.org/drawingml/2006/chart" xmlns="">
+    <mc:Fallback xmlns="" xmlns:c="http://schemas.openxmlformats.org/drawingml/2006/chart" xmlns:dgm="http://schemas.openxmlformats.org/drawingml/2006/diagram" xmlns:dsp="http://schemas.microsoft.com/office/drawing/2008/diagram">
       <p:transition/>
     </mc:Fallback>
   </mc:AlternateContent>
+  <p:timing>
+    <p:tnLst>
+      <p:par>
+        <p:cTn id="1" dur="indefinite" restart="never" nodeType="tmRoot"/>
+      </p:par>
+    </p:tnLst>
+  </p:timing>
 </p:sld>
 </file>
 
@@ -20930,10 +21093,17 @@
     <mc:Choice Requires="p14">
       <p:transition/>
     </mc:Choice>
-    <mc:Fallback xmlns:dsp="http://schemas.microsoft.com/office/drawing/2008/diagram" xmlns:dgm="http://schemas.openxmlformats.org/drawingml/2006/diagram" xmlns:c="http://schemas.openxmlformats.org/drawingml/2006/chart" xmlns="">
+    <mc:Fallback xmlns="" xmlns:c="http://schemas.openxmlformats.org/drawingml/2006/chart" xmlns:dgm="http://schemas.openxmlformats.org/drawingml/2006/diagram" xmlns:dsp="http://schemas.microsoft.com/office/drawing/2008/diagram">
       <p:transition/>
     </mc:Fallback>
   </mc:AlternateContent>
+  <p:timing>
+    <p:tnLst>
+      <p:par>
+        <p:cTn id="1" dur="indefinite" restart="never" nodeType="tmRoot"/>
+      </p:par>
+    </p:tnLst>
+  </p:timing>
 </p:sld>
 </file>
 
@@ -20987,10 +21157,17 @@
     <mc:Choice Requires="p14">
       <p:transition/>
     </mc:Choice>
-    <mc:Fallback xmlns:dsp="http://schemas.microsoft.com/office/drawing/2008/diagram" xmlns:dgm="http://schemas.openxmlformats.org/drawingml/2006/diagram" xmlns:c="http://schemas.openxmlformats.org/drawingml/2006/chart" xmlns="">
+    <mc:Fallback xmlns="" xmlns:c="http://schemas.openxmlformats.org/drawingml/2006/chart" xmlns:dgm="http://schemas.openxmlformats.org/drawingml/2006/diagram" xmlns:dsp="http://schemas.microsoft.com/office/drawing/2008/diagram">
       <p:transition/>
     </mc:Fallback>
   </mc:AlternateContent>
+  <p:timing>
+    <p:tnLst>
+      <p:par>
+        <p:cTn id="1" dur="indefinite" restart="never" nodeType="tmRoot"/>
+      </p:par>
+    </p:tnLst>
+  </p:timing>
 </p:sld>
 </file>
 
@@ -21044,10 +21221,17 @@
     <mc:Choice Requires="p14">
       <p:transition/>
     </mc:Choice>
-    <mc:Fallback xmlns:dsp="http://schemas.microsoft.com/office/drawing/2008/diagram" xmlns:dgm="http://schemas.openxmlformats.org/drawingml/2006/diagram" xmlns:c="http://schemas.openxmlformats.org/drawingml/2006/chart" xmlns="">
+    <mc:Fallback xmlns="" xmlns:c="http://schemas.openxmlformats.org/drawingml/2006/chart" xmlns:dgm="http://schemas.openxmlformats.org/drawingml/2006/diagram" xmlns:dsp="http://schemas.microsoft.com/office/drawing/2008/diagram">
       <p:transition/>
     </mc:Fallback>
   </mc:AlternateContent>
+  <p:timing>
+    <p:tnLst>
+      <p:par>
+        <p:cTn id="1" dur="indefinite" restart="never" nodeType="tmRoot"/>
+      </p:par>
+    </p:tnLst>
+  </p:timing>
 </p:sld>
 </file>
 
@@ -21107,10 +21291,17 @@
     <mc:Choice Requires="p14">
       <p:transition/>
     </mc:Choice>
-    <mc:Fallback xmlns:dsp="http://schemas.microsoft.com/office/drawing/2008/diagram" xmlns:dgm="http://schemas.openxmlformats.org/drawingml/2006/diagram" xmlns:c="http://schemas.openxmlformats.org/drawingml/2006/chart" xmlns="">
+    <mc:Fallback xmlns="" xmlns:c="http://schemas.openxmlformats.org/drawingml/2006/chart" xmlns:dgm="http://schemas.openxmlformats.org/drawingml/2006/diagram" xmlns:dsp="http://schemas.microsoft.com/office/drawing/2008/diagram">
       <p:transition/>
     </mc:Fallback>
   </mc:AlternateContent>
+  <p:timing>
+    <p:tnLst>
+      <p:par>
+        <p:cTn id="1" dur="indefinite" restart="never" nodeType="tmRoot"/>
+      </p:par>
+    </p:tnLst>
+  </p:timing>
 </p:sld>
 </file>
 
@@ -21170,10 +21361,17 @@
     <mc:Choice Requires="p14">
       <p:transition/>
     </mc:Choice>
-    <mc:Fallback xmlns:dsp="http://schemas.microsoft.com/office/drawing/2008/diagram" xmlns:dgm="http://schemas.openxmlformats.org/drawingml/2006/diagram" xmlns:c="http://schemas.openxmlformats.org/drawingml/2006/chart" xmlns="">
+    <mc:Fallback xmlns="" xmlns:c="http://schemas.openxmlformats.org/drawingml/2006/chart" xmlns:dgm="http://schemas.openxmlformats.org/drawingml/2006/diagram" xmlns:dsp="http://schemas.microsoft.com/office/drawing/2008/diagram">
       <p:transition/>
     </mc:Fallback>
   </mc:AlternateContent>
+  <p:timing>
+    <p:tnLst>
+      <p:par>
+        <p:cTn id="1" dur="indefinite" restart="never" nodeType="tmRoot"/>
+      </p:par>
+    </p:tnLst>
+  </p:timing>
 </p:sld>
 </file>
 
@@ -21233,10 +21431,17 @@
     <mc:Choice Requires="p14">
       <p:transition/>
     </mc:Choice>
-    <mc:Fallback xmlns:dsp="http://schemas.microsoft.com/office/drawing/2008/diagram" xmlns:dgm="http://schemas.openxmlformats.org/drawingml/2006/diagram" xmlns:c="http://schemas.openxmlformats.org/drawingml/2006/chart" xmlns="">
+    <mc:Fallback xmlns="" xmlns:c="http://schemas.openxmlformats.org/drawingml/2006/chart" xmlns:dgm="http://schemas.openxmlformats.org/drawingml/2006/diagram" xmlns:dsp="http://schemas.microsoft.com/office/drawing/2008/diagram">
       <p:transition/>
     </mc:Fallback>
   </mc:AlternateContent>
+  <p:timing>
+    <p:tnLst>
+      <p:par>
+        <p:cTn id="1" dur="indefinite" restart="never" nodeType="tmRoot"/>
+      </p:par>
+    </p:tnLst>
+  </p:timing>
 </p:sld>
 </file>
 
@@ -21320,10 +21525,17 @@
     <mc:Choice Requires="p14">
       <p:transition/>
     </mc:Choice>
-    <mc:Fallback xmlns:dsp="http://schemas.microsoft.com/office/drawing/2008/diagram" xmlns:dgm="http://schemas.openxmlformats.org/drawingml/2006/diagram" xmlns:c="http://schemas.openxmlformats.org/drawingml/2006/chart" xmlns="">
+    <mc:Fallback xmlns="" xmlns:c="http://schemas.openxmlformats.org/drawingml/2006/chart" xmlns:dgm="http://schemas.openxmlformats.org/drawingml/2006/diagram" xmlns:dsp="http://schemas.microsoft.com/office/drawing/2008/diagram">
       <p:transition/>
     </mc:Fallback>
   </mc:AlternateContent>
+  <p:timing>
+    <p:tnLst>
+      <p:par>
+        <p:cTn id="1" dur="indefinite" restart="never" nodeType="tmRoot"/>
+      </p:par>
+    </p:tnLst>
+  </p:timing>
 </p:sld>
 </file>
 
@@ -21383,10 +21595,17 @@
     <mc:Choice Requires="p14">
       <p:transition/>
     </mc:Choice>
-    <mc:Fallback xmlns:dsp="http://schemas.microsoft.com/office/drawing/2008/diagram" xmlns:dgm="http://schemas.openxmlformats.org/drawingml/2006/diagram" xmlns:c="http://schemas.openxmlformats.org/drawingml/2006/chart" xmlns="">
+    <mc:Fallback xmlns="" xmlns:c="http://schemas.openxmlformats.org/drawingml/2006/chart" xmlns:dgm="http://schemas.openxmlformats.org/drawingml/2006/diagram" xmlns:dsp="http://schemas.microsoft.com/office/drawing/2008/diagram">
       <p:transition/>
     </mc:Fallback>
   </mc:AlternateContent>
+  <p:timing>
+    <p:tnLst>
+      <p:par>
+        <p:cTn id="1" dur="indefinite" restart="never" nodeType="tmRoot"/>
+      </p:par>
+    </p:tnLst>
+  </p:timing>
 </p:sld>
 </file>
 
@@ -21470,10 +21689,17 @@
     <mc:Choice Requires="p14">
       <p:transition/>
     </mc:Choice>
-    <mc:Fallback xmlns:dsp="http://schemas.microsoft.com/office/drawing/2008/diagram" xmlns:dgm="http://schemas.openxmlformats.org/drawingml/2006/diagram" xmlns:c="http://schemas.openxmlformats.org/drawingml/2006/chart" xmlns="">
+    <mc:Fallback xmlns="" xmlns:c="http://schemas.openxmlformats.org/drawingml/2006/chart" xmlns:dgm="http://schemas.openxmlformats.org/drawingml/2006/diagram" xmlns:dsp="http://schemas.microsoft.com/office/drawing/2008/diagram">
       <p:transition/>
     </mc:Fallback>
   </mc:AlternateContent>
+  <p:timing>
+    <p:tnLst>
+      <p:par>
+        <p:cTn id="1" dur="indefinite" restart="never" nodeType="tmRoot"/>
+      </p:par>
+    </p:tnLst>
+  </p:timing>
 </p:sld>
 </file>
 
@@ -21596,10 +21822,17 @@
     <mc:Choice Requires="p14">
       <p:transition/>
     </mc:Choice>
-    <mc:Fallback xmlns:dsp="http://schemas.microsoft.com/office/drawing/2008/diagram" xmlns:dgm="http://schemas.openxmlformats.org/drawingml/2006/diagram" xmlns:c="http://schemas.openxmlformats.org/drawingml/2006/chart" xmlns="">
+    <mc:Fallback xmlns="" xmlns:c="http://schemas.openxmlformats.org/drawingml/2006/chart" xmlns:dgm="http://schemas.openxmlformats.org/drawingml/2006/diagram" xmlns:dsp="http://schemas.microsoft.com/office/drawing/2008/diagram">
       <p:transition/>
     </mc:Fallback>
   </mc:AlternateContent>
+  <p:timing>
+    <p:tnLst>
+      <p:par>
+        <p:cTn id="1" dur="indefinite" restart="never" nodeType="tmRoot"/>
+      </p:par>
+    </p:tnLst>
+  </p:timing>
 </p:sld>
 </file>
 
@@ -21659,10 +21892,17 @@
     <mc:Choice Requires="p14">
       <p:transition/>
     </mc:Choice>
-    <mc:Fallback xmlns:dsp="http://schemas.microsoft.com/office/drawing/2008/diagram" xmlns:dgm="http://schemas.openxmlformats.org/drawingml/2006/diagram" xmlns:c="http://schemas.openxmlformats.org/drawingml/2006/chart" xmlns="">
+    <mc:Fallback xmlns="" xmlns:c="http://schemas.openxmlformats.org/drawingml/2006/chart" xmlns:dgm="http://schemas.openxmlformats.org/drawingml/2006/diagram" xmlns:dsp="http://schemas.microsoft.com/office/drawing/2008/diagram">
       <p:transition/>
     </mc:Fallback>
   </mc:AlternateContent>
+  <p:timing>
+    <p:tnLst>
+      <p:par>
+        <p:cTn id="1" dur="indefinite" restart="never" nodeType="tmRoot"/>
+      </p:par>
+    </p:tnLst>
+  </p:timing>
 </p:sld>
 </file>
 
@@ -21721,7 +21961,7 @@
               <a:defRPr/>
             </a:pPr>
             <a:r>
-              <a:rPr lang="ko-KR" altLang="en-US" sz="2400" b="1" dirty="0">
+              <a:rPr lang="ko-KR" altLang="en-US" sz="2400" b="1" dirty="0" err="1" smtClean="0">
                 <a:solidFill>
                   <a:srgbClr val="15EEFF"/>
                 </a:solidFill>
@@ -21813,10 +22053,17 @@
     <mc:Choice Requires="p14">
       <p:transition/>
     </mc:Choice>
-    <mc:Fallback xmlns:dsp="http://schemas.microsoft.com/office/drawing/2008/diagram" xmlns:dgm="http://schemas.openxmlformats.org/drawingml/2006/diagram" xmlns:c="http://schemas.openxmlformats.org/drawingml/2006/chart" xmlns="">
+    <mc:Fallback xmlns="" xmlns:c="http://schemas.openxmlformats.org/drawingml/2006/chart" xmlns:dgm="http://schemas.openxmlformats.org/drawingml/2006/diagram" xmlns:dsp="http://schemas.microsoft.com/office/drawing/2008/diagram">
       <p:transition/>
     </mc:Fallback>
   </mc:AlternateContent>
+  <p:timing>
+    <p:tnLst>
+      <p:par>
+        <p:cTn id="1" dur="indefinite" restart="never" nodeType="tmRoot"/>
+      </p:par>
+    </p:tnLst>
+  </p:timing>
 </p:sld>
 </file>
 
@@ -21970,10 +22217,17 @@
     <mc:Choice Requires="p14">
       <p:transition/>
     </mc:Choice>
-    <mc:Fallback xmlns:dsp="http://schemas.microsoft.com/office/drawing/2008/diagram" xmlns:dgm="http://schemas.openxmlformats.org/drawingml/2006/diagram" xmlns:c="http://schemas.openxmlformats.org/drawingml/2006/chart" xmlns="">
+    <mc:Fallback xmlns="" xmlns:c="http://schemas.openxmlformats.org/drawingml/2006/chart" xmlns:dgm="http://schemas.openxmlformats.org/drawingml/2006/diagram" xmlns:dsp="http://schemas.microsoft.com/office/drawing/2008/diagram">
       <p:transition/>
     </mc:Fallback>
   </mc:AlternateContent>
+  <p:timing>
+    <p:tnLst>
+      <p:par>
+        <p:cTn id="1" dur="indefinite" restart="never" nodeType="tmRoot"/>
+      </p:par>
+    </p:tnLst>
+  </p:timing>
 </p:sld>
 </file>
 
@@ -22124,10 +22378,17 @@
     <mc:Choice Requires="p14">
       <p:transition/>
     </mc:Choice>
-    <mc:Fallback xmlns:dsp="http://schemas.microsoft.com/office/drawing/2008/diagram" xmlns:dgm="http://schemas.openxmlformats.org/drawingml/2006/diagram" xmlns:c="http://schemas.openxmlformats.org/drawingml/2006/chart" xmlns="">
+    <mc:Fallback xmlns="" xmlns:c="http://schemas.openxmlformats.org/drawingml/2006/chart" xmlns:dgm="http://schemas.openxmlformats.org/drawingml/2006/diagram" xmlns:dsp="http://schemas.microsoft.com/office/drawing/2008/diagram">
       <p:transition/>
     </mc:Fallback>
   </mc:AlternateContent>
+  <p:timing>
+    <p:tnLst>
+      <p:par>
+        <p:cTn id="1" dur="indefinite" restart="never" nodeType="tmRoot"/>
+      </p:par>
+    </p:tnLst>
+  </p:timing>
 </p:sld>
 </file>
 
@@ -22278,10 +22539,17 @@
     <mc:Choice Requires="p14">
       <p:transition/>
     </mc:Choice>
-    <mc:Fallback xmlns:dsp="http://schemas.microsoft.com/office/drawing/2008/diagram" xmlns:dgm="http://schemas.openxmlformats.org/drawingml/2006/diagram" xmlns:c="http://schemas.openxmlformats.org/drawingml/2006/chart" xmlns="">
+    <mc:Fallback xmlns="" xmlns:c="http://schemas.openxmlformats.org/drawingml/2006/chart" xmlns:dgm="http://schemas.openxmlformats.org/drawingml/2006/diagram" xmlns:dsp="http://schemas.microsoft.com/office/drawing/2008/diagram">
       <p:transition/>
     </mc:Fallback>
   </mc:AlternateContent>
+  <p:timing>
+    <p:tnLst>
+      <p:par>
+        <p:cTn id="1" dur="indefinite" restart="never" nodeType="tmRoot"/>
+      </p:par>
+    </p:tnLst>
+  </p:timing>
 </p:sld>
 </file>
 
@@ -22886,6 +23154,13 @@
   <p:clrMapOvr>
     <a:masterClrMapping/>
   </p:clrMapOvr>
+  <p:timing>
+    <p:tnLst>
+      <p:par>
+        <p:cTn id="1" dur="indefinite" restart="never" nodeType="tmRoot"/>
+      </p:par>
+    </p:tnLst>
+  </p:timing>
 </p:sld>
 </file>
 
@@ -23008,10 +23283,17 @@
     <mc:Choice Requires="p14">
       <p:transition/>
     </mc:Choice>
-    <mc:Fallback xmlns:dsp="http://schemas.microsoft.com/office/drawing/2008/diagram" xmlns:dgm="http://schemas.openxmlformats.org/drawingml/2006/diagram" xmlns:c="http://schemas.openxmlformats.org/drawingml/2006/chart" xmlns="">
+    <mc:Fallback xmlns="" xmlns:c="http://schemas.openxmlformats.org/drawingml/2006/chart" xmlns:dgm="http://schemas.openxmlformats.org/drawingml/2006/diagram" xmlns:dsp="http://schemas.microsoft.com/office/drawing/2008/diagram">
       <p:transition/>
     </mc:Fallback>
   </mc:AlternateContent>
+  <p:timing>
+    <p:tnLst>
+      <p:par>
+        <p:cTn id="1" dur="indefinite" restart="never" nodeType="tmRoot"/>
+      </p:par>
+    </p:tnLst>
+  </p:timing>
 </p:sld>
 </file>
 
@@ -23072,6 +23354,13 @@
   <p:clrMapOvr>
     <a:masterClrMapping/>
   </p:clrMapOvr>
+  <p:timing>
+    <p:tnLst>
+      <p:par>
+        <p:cTn id="1" dur="indefinite" restart="never" nodeType="tmRoot"/>
+      </p:par>
+    </p:tnLst>
+  </p:timing>
 </p:sld>
 </file>
 
@@ -23194,57 +23483,64 @@
     <mc:Choice Requires="p14">
       <p:transition/>
     </mc:Choice>
-    <mc:Fallback xmlns:dsp="http://schemas.microsoft.com/office/drawing/2008/diagram" xmlns:dgm="http://schemas.openxmlformats.org/drawingml/2006/diagram" xmlns:c="http://schemas.openxmlformats.org/drawingml/2006/chart" xmlns="">
+    <mc:Fallback xmlns="" xmlns:c="http://schemas.openxmlformats.org/drawingml/2006/chart" xmlns:dgm="http://schemas.openxmlformats.org/drawingml/2006/diagram" xmlns:dsp="http://schemas.microsoft.com/office/drawing/2008/diagram">
       <p:transition/>
     </mc:Fallback>
   </mc:AlternateContent>
+  <p:timing>
+    <p:tnLst>
+      <p:par>
+        <p:cTn id="1" dur="indefinite" restart="never" nodeType="tmRoot"/>
+      </p:par>
+    </p:tnLst>
+  </p:timing>
 </p:sld>
 </file>
 
 <file path=ppt/theme/theme1.xml><?xml version="1.0" encoding="utf-8"?>
-<a:theme xmlns:r="http://schemas.openxmlformats.org/officeDocument/2006/relationships" xmlns:c="http://schemas.openxmlformats.org/drawingml/2006/chart" xmlns:dgm="http://schemas.openxmlformats.org/drawingml/2006/diagram" xmlns:dsp="http://schemas.microsoft.com/office/drawing/2008/diagram" xmlns:a="http://schemas.openxmlformats.org/drawingml/2006/main" xmlns:pic="http://schemas.openxmlformats.org/drawingml/2006/picture" xmlns:wp="http://schemas.openxmlformats.org/drawingml/2006/wordprocessingDrawing" xmlns:xdr="http://schemas.openxmlformats.org/drawingml/2006/spreadsheetDrawing" xmlns:p="http://schemas.openxmlformats.org/presentationml/2006/main" name="1_Office 테마">
+<a:theme xmlns:a="http://schemas.openxmlformats.org/drawingml/2006/main" name="1_Office 테마">
   <a:themeElements>
     <a:clrScheme name="Office">
       <a:dk1>
         <a:sysClr val="windowText" lastClr="000000"/>
       </a:dk1>
       <a:lt1>
-        <a:sysClr val="window" lastClr="ffffff"/>
+        <a:sysClr val="window" lastClr="FFFFFF"/>
       </a:lt1>
       <a:dk2>
-        <a:srgbClr val="44546a"/>
+        <a:srgbClr val="44546A"/>
       </a:dk2>
       <a:lt2>
-        <a:srgbClr val="e7e6e6"/>
+        <a:srgbClr val="E7E6E6"/>
       </a:lt2>
       <a:accent1>
-        <a:srgbClr val="5b9bd5"/>
+        <a:srgbClr val="5B9BD5"/>
       </a:accent1>
       <a:accent2>
-        <a:srgbClr val="ed7d31"/>
+        <a:srgbClr val="ED7D31"/>
       </a:accent2>
       <a:accent3>
-        <a:srgbClr val="a5a5a5"/>
+        <a:srgbClr val="A5A5A5"/>
       </a:accent3>
       <a:accent4>
-        <a:srgbClr val="ffc000"/>
+        <a:srgbClr val="FFC000"/>
       </a:accent4>
       <a:accent5>
-        <a:srgbClr val="4472c4"/>
+        <a:srgbClr val="4472C4"/>
       </a:accent5>
       <a:accent6>
-        <a:srgbClr val="70ad47"/>
+        <a:srgbClr val="70AD47"/>
       </a:accent6>
       <a:hlink>
-        <a:srgbClr val="0563c1"/>
+        <a:srgbClr val="0563C1"/>
       </a:hlink>
       <a:folHlink>
-        <a:srgbClr val="954f72"/>
+        <a:srgbClr val="954F72"/>
       </a:folHlink>
     </a:clrScheme>
     <a:fontScheme name="Office">
       <a:majorFont>
-        <a:latin typeface="맑은 고딕" panose="2147483647"/>
+        <a:latin typeface="맑은 고딕" panose="21474836470000000000"/>
         <a:ea typeface=""/>
         <a:cs typeface=""/>
         <a:font script="Jpan" typeface="MS PGothic"/>
@@ -23279,7 +23575,7 @@
         <a:font script="Geor" typeface="Sylfaen"/>
       </a:majorFont>
       <a:minorFont>
-        <a:latin typeface="맑은 고딕" panose="2147483647"/>
+        <a:latin typeface="맑은 고딕" panose="21474836470000000000"/>
         <a:ea typeface=""/>
         <a:cs typeface=""/>
         <a:font script="Jpan" typeface="MS PGothic"/>
@@ -23452,53 +23748,55 @@
       </a:bgFillStyleLst>
     </a:fmtScheme>
   </a:themeElements>
+  <a:objectDefaults/>
+  <a:extraClrSchemeLst/>
 </a:theme>
 </file>
 
 <file path=ppt/theme/theme2.xml><?xml version="1.0" encoding="utf-8"?>
-<a:theme xmlns:r="http://schemas.openxmlformats.org/officeDocument/2006/relationships" xmlns:c="http://schemas.openxmlformats.org/drawingml/2006/chart" xmlns:dgm="http://schemas.openxmlformats.org/drawingml/2006/diagram" xmlns:dsp="http://schemas.microsoft.com/office/drawing/2008/diagram" xmlns:a="http://schemas.openxmlformats.org/drawingml/2006/main" xmlns:pic="http://schemas.openxmlformats.org/drawingml/2006/picture" xmlns:wp="http://schemas.openxmlformats.org/drawingml/2006/wordprocessingDrawing" xmlns:xdr="http://schemas.openxmlformats.org/drawingml/2006/spreadsheetDrawing" xmlns:p="http://schemas.openxmlformats.org/presentationml/2006/main" name="Office 테마">
+<a:theme xmlns:a="http://schemas.openxmlformats.org/drawingml/2006/main" name="Office 테마">
   <a:themeElements>
     <a:clrScheme name="Office">
       <a:dk1>
         <a:sysClr val="windowText" lastClr="000000"/>
       </a:dk1>
       <a:lt1>
-        <a:sysClr val="window" lastClr="ffffff"/>
+        <a:sysClr val="window" lastClr="FFFFFF"/>
       </a:lt1>
       <a:dk2>
-        <a:srgbClr val="44546a"/>
+        <a:srgbClr val="44546A"/>
       </a:dk2>
       <a:lt2>
-        <a:srgbClr val="e7e6e6"/>
+        <a:srgbClr val="E7E6E6"/>
       </a:lt2>
       <a:accent1>
-        <a:srgbClr val="4472c4"/>
+        <a:srgbClr val="4472C4"/>
       </a:accent1>
       <a:accent2>
-        <a:srgbClr val="ed7d31"/>
+        <a:srgbClr val="ED7D31"/>
       </a:accent2>
       <a:accent3>
-        <a:srgbClr val="a5a5a5"/>
+        <a:srgbClr val="A5A5A5"/>
       </a:accent3>
       <a:accent4>
-        <a:srgbClr val="ffc000"/>
+        <a:srgbClr val="FFC000"/>
       </a:accent4>
       <a:accent5>
-        <a:srgbClr val="5b9bd5"/>
+        <a:srgbClr val="5B9BD5"/>
       </a:accent5>
       <a:accent6>
-        <a:srgbClr val="70ad47"/>
+        <a:srgbClr val="70AD47"/>
       </a:accent6>
       <a:hlink>
-        <a:srgbClr val="0563c1"/>
+        <a:srgbClr val="0563C1"/>
       </a:hlink>
       <a:folHlink>
-        <a:srgbClr val="954f72"/>
+        <a:srgbClr val="954F72"/>
       </a:folHlink>
     </a:clrScheme>
     <a:fontScheme name="Office">
       <a:majorFont>
-        <a:latin typeface="맑은 고딕" panose="2147483647"/>
+        <a:latin typeface="맑은 고딕" panose="21474836470000000000"/>
         <a:ea typeface=""/>
         <a:cs typeface=""/>
         <a:font script="Jpan" typeface="Yu Gothic Light"/>
@@ -23550,7 +23848,7 @@
         <a:font script="Tfng" typeface="Ebrima"/>
       </a:majorFont>
       <a:minorFont>
-        <a:latin typeface="맑은 고딕" panose="2147483647"/>
+        <a:latin typeface="맑은 고딕" panose="21474836470000000000"/>
         <a:ea typeface=""/>
         <a:cs typeface=""/>
         <a:font script="Jpan" typeface="Yu Gothic"/>
@@ -23740,5 +24038,7 @@
       </a:bgFillStyleLst>
     </a:fmtScheme>
   </a:themeElements>
+  <a:objectDefaults/>
+  <a:extraClrSchemeLst/>
 </a:theme>
 </file>